--- a/Lectures/CITS5503WebArchitecture.pptx
+++ b/Lectures/CITS5503WebArchitecture.pptx
@@ -11,7 +11,7 @@
     <p:handoutMasterId r:id="rId31"/>
   </p:handoutMasterIdLst>
   <p:sldIdLst>
-    <p:sldId id="1325" r:id="rId2"/>
+    <p:sldId id="1359" r:id="rId2"/>
     <p:sldId id="1330" r:id="rId3"/>
     <p:sldId id="1333" r:id="rId4"/>
     <p:sldId id="1332" r:id="rId5"/>
@@ -6413,7 +6413,7 @@
             <a:fld id="{B61BEF0D-F0BB-DE4B-95CE-6DB70DBA9567}" type="datetimeFigureOut">
               <a:rPr lang="en-US" smtClean="0"/>
               <a:pPr/>
-              <a:t>3/22/18</a:t>
+              <a:t>4/9/18</a:t>
             </a:fld>
             <a:endParaRPr lang="en-US" dirty="0"/>
           </a:p>
@@ -6613,7 +6613,7 @@
             <a:fld id="{B61BEF0D-F0BB-DE4B-95CE-6DB70DBA9567}" type="datetimeFigureOut">
               <a:rPr lang="en-US" smtClean="0"/>
               <a:pPr/>
-              <a:t>3/22/18</a:t>
+              <a:t>4/9/18</a:t>
             </a:fld>
             <a:endParaRPr lang="en-US" dirty="0"/>
           </a:p>
@@ -6828,7 +6828,7 @@
             <a:fld id="{B61BEF0D-F0BB-DE4B-95CE-6DB70DBA9567}" type="datetimeFigureOut">
               <a:rPr lang="en-US" smtClean="0"/>
               <a:pPr/>
-              <a:t>3/22/18</a:t>
+              <a:t>4/9/18</a:t>
             </a:fld>
             <a:endParaRPr lang="en-US" dirty="0"/>
           </a:p>
@@ -7368,7 +7368,7 @@
             <a:fld id="{B61BEF0D-F0BB-DE4B-95CE-6DB70DBA9567}" type="datetimeFigureOut">
               <a:rPr lang="en-US" smtClean="0"/>
               <a:pPr/>
-              <a:t>3/22/18</a:t>
+              <a:t>4/9/18</a:t>
             </a:fld>
             <a:endParaRPr lang="en-US" dirty="0"/>
           </a:p>
@@ -7646,7 +7646,7 @@
             <a:fld id="{B61BEF0D-F0BB-DE4B-95CE-6DB70DBA9567}" type="datetimeFigureOut">
               <a:rPr lang="en-US" smtClean="0"/>
               <a:pPr/>
-              <a:t>3/22/18</a:t>
+              <a:t>4/9/18</a:t>
             </a:fld>
             <a:endParaRPr lang="en-US" dirty="0"/>
           </a:p>
@@ -7918,7 +7918,7 @@
             <a:fld id="{B61BEF0D-F0BB-DE4B-95CE-6DB70DBA9567}" type="datetimeFigureOut">
               <a:rPr lang="en-US" smtClean="0"/>
               <a:pPr/>
-              <a:t>3/22/18</a:t>
+              <a:t>4/9/18</a:t>
             </a:fld>
             <a:endParaRPr lang="en-US" dirty="0"/>
           </a:p>
@@ -8337,7 +8337,7 @@
             <a:fld id="{B61BEF0D-F0BB-DE4B-95CE-6DB70DBA9567}" type="datetimeFigureOut">
               <a:rPr lang="en-US" smtClean="0"/>
               <a:pPr/>
-              <a:t>3/22/18</a:t>
+              <a:t>4/9/18</a:t>
             </a:fld>
             <a:endParaRPr lang="en-US" dirty="0"/>
           </a:p>
@@ -8485,7 +8485,7 @@
             <a:fld id="{B61BEF0D-F0BB-DE4B-95CE-6DB70DBA9567}" type="datetimeFigureOut">
               <a:rPr lang="en-US" smtClean="0"/>
               <a:pPr/>
-              <a:t>3/22/18</a:t>
+              <a:t>4/9/18</a:t>
             </a:fld>
             <a:endParaRPr lang="en-US" dirty="0"/>
           </a:p>
@@ -8605,7 +8605,7 @@
             <a:fld id="{B61BEF0D-F0BB-DE4B-95CE-6DB70DBA9567}" type="datetimeFigureOut">
               <a:rPr lang="en-US" smtClean="0"/>
               <a:pPr/>
-              <a:t>3/22/18</a:t>
+              <a:t>4/9/18</a:t>
             </a:fld>
             <a:endParaRPr lang="en-US" dirty="0"/>
           </a:p>
@@ -8923,7 +8923,7 @@
             <a:fld id="{B61BEF0D-F0BB-DE4B-95CE-6DB70DBA9567}" type="datetimeFigureOut">
               <a:rPr lang="en-US" smtClean="0"/>
               <a:pPr/>
-              <a:t>3/22/18</a:t>
+              <a:t>4/9/18</a:t>
             </a:fld>
             <a:endParaRPr lang="en-US" dirty="0"/>
           </a:p>
@@ -9218,7 +9218,7 @@
             <a:fld id="{B61BEF0D-F0BB-DE4B-95CE-6DB70DBA9567}" type="datetimeFigureOut">
               <a:rPr lang="en-US" smtClean="0"/>
               <a:pPr/>
-              <a:t>3/22/18</a:t>
+              <a:t>4/9/18</a:t>
             </a:fld>
             <a:endParaRPr lang="en-US" dirty="0"/>
           </a:p>
@@ -9466,7 +9466,7 @@
             <a:fld id="{B61BEF0D-F0BB-DE4B-95CE-6DB70DBA9567}" type="datetimeFigureOut">
               <a:rPr lang="en-US" smtClean="0"/>
               <a:pPr/>
-              <a:t>3/22/18</a:t>
+              <a:t>4/9/18</a:t>
             </a:fld>
             <a:endParaRPr lang="en-US" dirty="0"/>
           </a:p>
@@ -9872,6 +9872,17 @@
 <file path=ppt/slides/slide1.xml><?xml version="1.0" encoding="utf-8"?>
 <p:sld xmlns:a="http://schemas.openxmlformats.org/drawingml/2006/main" xmlns:r="http://schemas.openxmlformats.org/officeDocument/2006/relationships" xmlns:p="http://schemas.openxmlformats.org/presentationml/2006/main">
   <p:cSld>
+    <p:bg>
+      <p:bgPr>
+        <a:solidFill>
+          <a:schemeClr val="bg1">
+            <a:tint val="95000"/>
+            <a:satMod val="170000"/>
+          </a:schemeClr>
+        </a:solidFill>
+        <a:effectLst/>
+      </p:bgPr>
+    </p:bg>
     <p:spTree>
       <p:nvGrpSpPr>
         <p:cNvPr id="1" name=""/>
@@ -9886,203 +9897,374 @@
           <a:chExt cx="0" cy="0"/>
         </a:xfrm>
       </p:grpSpPr>
-      <p:pic>
-        <p:nvPicPr>
-          <p:cNvPr id="2" name="Picture 1"/>
-          <p:cNvPicPr>
-            <a:picLocks noChangeAspect="1"/>
-          </p:cNvPicPr>
-          <p:nvPr/>
-        </p:nvPicPr>
-        <p:blipFill rotWithShape="1">
-          <a:blip r:embed="rId2">
-            <a:alphaModFix amt="66000"/>
+      <p:grpSp>
+        <p:nvGrpSpPr>
+          <p:cNvPr id="10" name="Group 9" title="intersecting circles">
             <a:extLst>
-              <a:ext uri="{BEBA8EAE-BF5A-486C-A8C5-ECC9F3942E4B}">
-                <a14:imgProps xmlns:a14="http://schemas.microsoft.com/office/drawing/2010/main">
-                  <a14:imgLayer r:embed="rId3">
-                    <a14:imgEffect>
-                      <a14:brightnessContrast bright="-37000" contrast="-22000"/>
-                    </a14:imgEffect>
-                  </a14:imgLayer>
-                </a14:imgProps>
+              <a:ext uri="{FF2B5EF4-FFF2-40B4-BE49-F238E27FC236}">
+                <a16:creationId xmlns:a16="http://schemas.microsoft.com/office/drawing/2014/main" id="{D2C4BFA1-2075-4901-9E24-E41D1FDD51FD}"/>
               </a:ext>
             </a:extLst>
-          </a:blip>
-          <a:srcRect l="25052" r="2" b="2"/>
-          <a:stretch/>
-        </p:blipFill>
+          </p:cNvPr>
+          <p:cNvGrpSpPr>
+            <a:grpSpLocks noGrp="1" noUngrp="1" noRot="1" noChangeAspect="1" noMove="1" noResize="1"/>
+          </p:cNvGrpSpPr>
+          <p:nvPr>
+            <p:extLst>
+              <p:ext uri="{386F3935-93C4-4BCD-93E2-E3B085C9AB24}">
+                <p16:designElem xmlns:p16="http://schemas.microsoft.com/office/powerpoint/2015/main" val="1"/>
+              </p:ext>
+            </p:extLst>
+          </p:nvPr>
+        </p:nvGrpSpPr>
+        <p:grpSpPr>
+          <a:xfrm>
+            <a:off x="1155481" y="498348"/>
+            <a:ext cx="9902663" cy="5861304"/>
+            <a:chOff x="1155481" y="498348"/>
+            <a:chExt cx="9902663" cy="5861304"/>
+          </a:xfrm>
+        </p:grpSpPr>
+        <p:sp>
+          <p:nvSpPr>
+            <p:cNvPr id="11" name="Oval 5">
+              <a:extLst>
+                <a:ext uri="{FF2B5EF4-FFF2-40B4-BE49-F238E27FC236}">
+                  <a16:creationId xmlns:a16="http://schemas.microsoft.com/office/drawing/2014/main" id="{985A7375-E3AF-4F5C-85AE-17E8832952CA}"/>
+                </a:ext>
+              </a:extLst>
+            </p:cNvPr>
+            <p:cNvSpPr>
+              <a:spLocks noChangeArrowheads="1"/>
+            </p:cNvSpPr>
+            <p:nvPr>
+              <p:extLst>
+                <p:ext uri="{386F3935-93C4-4BCD-93E2-E3B085C9AB24}">
+                  <p16:designElem xmlns:p16="http://schemas.microsoft.com/office/powerpoint/2015/main" val="1"/>
+                </p:ext>
+              </p:extLst>
+            </p:nvPr>
+          </p:nvSpPr>
+          <p:spPr bwMode="auto">
+            <a:xfrm>
+              <a:off x="1155481" y="498348"/>
+              <a:ext cx="5861304" cy="5861304"/>
+            </a:xfrm>
+            <a:prstGeom prst="ellipse">
+              <a:avLst/>
+            </a:prstGeom>
+            <a:solidFill>
+              <a:schemeClr val="accent1">
+                <a:alpha val="55000"/>
+              </a:schemeClr>
+            </a:solidFill>
+            <a:ln>
+              <a:noFill/>
+            </a:ln>
+          </p:spPr>
+        </p:sp>
+        <p:sp>
+          <p:nvSpPr>
+            <p:cNvPr id="12" name="Oval 11">
+              <a:extLst>
+                <a:ext uri="{FF2B5EF4-FFF2-40B4-BE49-F238E27FC236}">
+                  <a16:creationId xmlns:a16="http://schemas.microsoft.com/office/drawing/2014/main" id="{F0307F65-8304-4FA8-A841-D4D7625411BE}"/>
+                </a:ext>
+              </a:extLst>
+            </p:cNvPr>
+            <p:cNvSpPr>
+              <a:spLocks noChangeArrowheads="1"/>
+            </p:cNvSpPr>
+            <p:nvPr>
+              <p:extLst>
+                <p:ext uri="{386F3935-93C4-4BCD-93E2-E3B085C9AB24}">
+                  <p16:designElem xmlns:p16="http://schemas.microsoft.com/office/powerpoint/2015/main" val="1"/>
+                </p:ext>
+              </p:extLst>
+            </p:nvPr>
+          </p:nvSpPr>
+          <p:spPr bwMode="auto">
+            <a:xfrm>
+              <a:off x="5196840" y="498348"/>
+              <a:ext cx="5861304" cy="5861304"/>
+            </a:xfrm>
+            <a:prstGeom prst="ellipse">
+              <a:avLst/>
+            </a:prstGeom>
+            <a:solidFill>
+              <a:schemeClr val="accent1">
+                <a:alpha val="55000"/>
+              </a:schemeClr>
+            </a:solidFill>
+            <a:ln>
+              <a:noFill/>
+            </a:ln>
+          </p:spPr>
+        </p:sp>
+        <p:sp>
+          <p:nvSpPr>
+            <p:cNvPr id="13" name="Oval 5">
+              <a:extLst>
+                <a:ext uri="{FF2B5EF4-FFF2-40B4-BE49-F238E27FC236}">
+                  <a16:creationId xmlns:a16="http://schemas.microsoft.com/office/drawing/2014/main" id="{C8B8394C-136F-4E05-A002-D93A5E79CD50}"/>
+                </a:ext>
+              </a:extLst>
+            </p:cNvPr>
+            <p:cNvSpPr>
+              <a:spLocks noChangeArrowheads="1"/>
+            </p:cNvSpPr>
+            <p:nvPr>
+              <p:extLst>
+                <p:ext uri="{386F3935-93C4-4BCD-93E2-E3B085C9AB24}">
+                  <p16:designElem xmlns:p16="http://schemas.microsoft.com/office/powerpoint/2015/main" val="1"/>
+                </p:ext>
+              </p:extLst>
+            </p:nvPr>
+          </p:nvSpPr>
+          <p:spPr bwMode="auto">
+            <a:xfrm>
+              <a:off x="3165348" y="498348"/>
+              <a:ext cx="5861304" cy="5861304"/>
+            </a:xfrm>
+            <a:prstGeom prst="ellipse">
+              <a:avLst/>
+            </a:prstGeom>
+            <a:solidFill>
+              <a:schemeClr val="accent1">
+                <a:alpha val="70000"/>
+              </a:schemeClr>
+            </a:solidFill>
+            <a:ln>
+              <a:noFill/>
+            </a:ln>
+          </p:spPr>
+        </p:sp>
+      </p:grpSp>
+      <p:sp>
+        <p:nvSpPr>
+          <p:cNvPr id="15" name="Rectangle 14" title="ribbon">
+            <a:extLst>
+              <a:ext uri="{FF2B5EF4-FFF2-40B4-BE49-F238E27FC236}">
+                <a16:creationId xmlns:a16="http://schemas.microsoft.com/office/drawing/2014/main" id="{053FB2EE-284F-4C87-AB3D-BBF87A9FAB97}"/>
+              </a:ext>
+            </a:extLst>
+          </p:cNvPr>
+          <p:cNvSpPr>
+            <a:spLocks noGrp="1" noRot="1" noChangeAspect="1" noMove="1" noResize="1" noEditPoints="1" noAdjustHandles="1" noChangeArrowheads="1" noChangeShapeType="1" noTextEdit="1"/>
+          </p:cNvSpPr>
+          <p:nvPr>
+            <p:extLst>
+              <p:ext uri="{386F3935-93C4-4BCD-93E2-E3B085C9AB24}">
+                <p16:designElem xmlns:p16="http://schemas.microsoft.com/office/powerpoint/2015/main" val="1"/>
+              </p:ext>
+            </p:extLst>
+          </p:nvPr>
+        </p:nvSpPr>
         <p:spPr>
           <a:xfrm>
-            <a:off x="1524020" y="10"/>
-            <a:ext cx="9143980" cy="6857990"/>
+            <a:off x="0" y="2514600"/>
+            <a:ext cx="12192000" cy="1828800"/>
           </a:xfrm>
           <a:prstGeom prst="rect">
             <a:avLst/>
           </a:prstGeom>
-        </p:spPr>
-      </p:pic>
-      <p:sp>
-        <p:nvSpPr>
-          <p:cNvPr id="6" name="Title 5"/>
-          <p:cNvSpPr>
-            <a:spLocks noGrp="1"/>
-          </p:cNvSpPr>
-          <p:nvPr>
-            <p:ph type="ctrTitle"/>
-          </p:nvPr>
-        </p:nvSpPr>
-        <p:spPr>
-          <a:xfrm>
-            <a:off x="4814512" y="1200152"/>
-            <a:ext cx="5172879" cy="4457696"/>
-          </a:xfrm>
-        </p:spPr>
-        <p:txBody>
-          <a:bodyPr anchor="ctr">
-            <a:normAutofit/>
-          </a:bodyPr>
-          <a:lstStyle/>
-          <a:p>
-            <a:pPr algn="l"/>
-            <a:r>
-              <a:rPr lang="en-US" sz="7000" dirty="0">
-                <a:solidFill>
-                  <a:srgbClr val="FFFFFF"/>
-                </a:solidFill>
-              </a:rPr>
-              <a:t>Lecture 7</a:t>
-            </a:r>
-            <a:br>
-              <a:rPr lang="en-US" sz="7000" dirty="0">
-                <a:solidFill>
-                  <a:srgbClr val="FFFFFF"/>
-                </a:solidFill>
-              </a:rPr>
-            </a:br>
-            <a:r>
-              <a:rPr lang="en-US" sz="7000" dirty="0">
-                <a:solidFill>
-                  <a:srgbClr val="FFFFFF"/>
-                </a:solidFill>
-              </a:rPr>
-              <a:t>Application Architectures</a:t>
-            </a:r>
-          </a:p>
-        </p:txBody>
-      </p:sp>
-      <p:sp>
-        <p:nvSpPr>
-          <p:cNvPr id="7" name="Subtitle 6"/>
-          <p:cNvSpPr>
-            <a:spLocks noGrp="1"/>
-          </p:cNvSpPr>
-          <p:nvPr>
-            <p:ph type="subTitle" idx="1"/>
-          </p:nvPr>
-        </p:nvSpPr>
-        <p:spPr>
-          <a:xfrm>
-            <a:off x="2161473" y="1200152"/>
-            <a:ext cx="2112401" cy="4457696"/>
-          </a:xfrm>
-        </p:spPr>
-        <p:txBody>
-          <a:bodyPr anchor="ctr">
-            <a:normAutofit/>
-          </a:bodyPr>
-          <a:lstStyle/>
-          <a:p>
-            <a:pPr algn="r"/>
-            <a:r>
-              <a:rPr lang="en-US" dirty="0">
-                <a:solidFill>
-                  <a:srgbClr val="FFFFFF"/>
-                </a:solidFill>
-              </a:rPr>
-              <a:t>CITS5503 Cloud Computing</a:t>
-            </a:r>
-          </a:p>
-          <a:p>
-            <a:pPr algn="r"/>
-            <a:r>
-              <a:rPr lang="en-US" dirty="0" err="1">
-                <a:solidFill>
-                  <a:srgbClr val="FFFFFF"/>
-                </a:solidFill>
-              </a:rPr>
-              <a:t>Dr</a:t>
-            </a:r>
-            <a:r>
-              <a:rPr lang="en-US" dirty="0">
-                <a:solidFill>
-                  <a:srgbClr val="FFFFFF"/>
-                </a:solidFill>
-              </a:rPr>
-              <a:t> David Glance</a:t>
-            </a:r>
-          </a:p>
-        </p:txBody>
-      </p:sp>
-      <p:cxnSp>
-        <p:nvCxnSpPr>
-          <p:cNvPr id="5" name="Straight Connector 4">
-            <a:extLst>
-              <a:ext uri="{FF2B5EF4-FFF2-40B4-BE49-F238E27FC236}">
-                <a16:creationId xmlns:a16="http://schemas.microsoft.com/office/drawing/2014/main" id="{CD3F56E3-8912-C249-BF8B-D1F5A43D2372}"/>
-              </a:ext>
-            </a:extLst>
-          </p:cNvPr>
-          <p:cNvCxnSpPr/>
-          <p:nvPr/>
-        </p:nvCxnSpPr>
-        <p:spPr>
-          <a:xfrm>
-            <a:off x="4504765" y="2474259"/>
-            <a:ext cx="0" cy="1909482"/>
-          </a:xfrm>
-          <a:prstGeom prst="line">
-            <a:avLst/>
-          </a:prstGeom>
-          <a:ln w="25400">
-            <a:solidFill>
-              <a:schemeClr val="bg1"/>
-            </a:solidFill>
+          <a:solidFill>
+            <a:schemeClr val="tx2"/>
+          </a:solidFill>
+          <a:ln>
+            <a:noFill/>
           </a:ln>
         </p:spPr>
         <p:style>
-          <a:lnRef idx="1">
-            <a:schemeClr val="accent1"/>
+          <a:lnRef idx="2">
+            <a:schemeClr val="accent1">
+              <a:shade val="50000"/>
+            </a:schemeClr>
           </a:lnRef>
-          <a:fillRef idx="0">
+          <a:fillRef idx="1">
             <a:schemeClr val="accent1"/>
           </a:fillRef>
           <a:effectRef idx="0">
             <a:schemeClr val="accent1"/>
           </a:effectRef>
           <a:fontRef idx="minor">
-            <a:schemeClr val="tx1"/>
+            <a:schemeClr val="lt1"/>
           </a:fontRef>
         </p:style>
-      </p:cxnSp>
+      </p:sp>
+      <p:sp>
+        <p:nvSpPr>
+          <p:cNvPr id="2" name="Title 1">
+            <a:extLst>
+              <a:ext uri="{FF2B5EF4-FFF2-40B4-BE49-F238E27FC236}">
+                <a16:creationId xmlns:a16="http://schemas.microsoft.com/office/drawing/2014/main" id="{70C4171C-A923-514B-9570-0D6FC448AB17}"/>
+              </a:ext>
+            </a:extLst>
+          </p:cNvPr>
+          <p:cNvSpPr>
+            <a:spLocks noGrp="1"/>
+          </p:cNvSpPr>
+          <p:nvPr>
+            <p:ph type="ctrTitle"/>
+          </p:nvPr>
+        </p:nvSpPr>
+        <p:spPr>
+          <a:xfrm>
+            <a:off x="1524000" y="2776538"/>
+            <a:ext cx="9144000" cy="1381188"/>
+          </a:xfrm>
+        </p:spPr>
+        <p:txBody>
+          <a:bodyPr anchor="ctr">
+            <a:normAutofit/>
+          </a:bodyPr>
+          <a:lstStyle/>
+          <a:p>
+            <a:r>
+              <a:rPr lang="en-US" sz="4000" dirty="0">
+                <a:solidFill>
+                  <a:schemeClr val="bg2"/>
+                </a:solidFill>
+              </a:rPr>
+              <a:t>Web Architectures</a:t>
+            </a:r>
+          </a:p>
+        </p:txBody>
+      </p:sp>
+      <p:sp>
+        <p:nvSpPr>
+          <p:cNvPr id="3" name="Subtitle 2">
+            <a:extLst>
+              <a:ext uri="{FF2B5EF4-FFF2-40B4-BE49-F238E27FC236}">
+                <a16:creationId xmlns:a16="http://schemas.microsoft.com/office/drawing/2014/main" id="{D95559A8-75BD-AB44-A64A-932A553B2A2E}"/>
+              </a:ext>
+            </a:extLst>
+          </p:cNvPr>
+          <p:cNvSpPr>
+            <a:spLocks noGrp="1"/>
+          </p:cNvSpPr>
+          <p:nvPr>
+            <p:ph type="subTitle" idx="1"/>
+          </p:nvPr>
+        </p:nvSpPr>
+        <p:spPr>
+          <a:xfrm>
+            <a:off x="1524000" y="4495800"/>
+            <a:ext cx="9144000" cy="762000"/>
+          </a:xfrm>
+        </p:spPr>
+        <p:txBody>
+          <a:bodyPr>
+            <a:normAutofit/>
+          </a:bodyPr>
+          <a:lstStyle/>
+          <a:p>
+            <a:r>
+              <a:rPr lang="en-US" sz="1800" dirty="0"/>
+              <a:t>CITS5503 </a:t>
+            </a:r>
+            <a:r>
+              <a:rPr lang="en-US" sz="1800" dirty="0" err="1"/>
+              <a:t>Dr</a:t>
+            </a:r>
+            <a:r>
+              <a:rPr lang="en-US" sz="1800" dirty="0"/>
+              <a:t> David Glance</a:t>
+            </a:r>
+          </a:p>
+        </p:txBody>
+      </p:sp>
+      <p:sp>
+        <p:nvSpPr>
+          <p:cNvPr id="4" name="Footer Placeholder 3">
+            <a:extLst>
+              <a:ext uri="{FF2B5EF4-FFF2-40B4-BE49-F238E27FC236}">
+                <a16:creationId xmlns:a16="http://schemas.microsoft.com/office/drawing/2014/main" id="{811BCE82-D90C-7340-B63E-C026510197EC}"/>
+              </a:ext>
+            </a:extLst>
+          </p:cNvPr>
+          <p:cNvSpPr>
+            <a:spLocks noGrp="1"/>
+          </p:cNvSpPr>
+          <p:nvPr>
+            <p:ph type="ftr" sz="quarter" idx="11"/>
+          </p:nvPr>
+        </p:nvSpPr>
+        <p:spPr>
+          <a:xfrm>
+            <a:off x="4038600" y="6356350"/>
+            <a:ext cx="4114800" cy="365125"/>
+          </a:xfrm>
+        </p:spPr>
+        <p:txBody>
+          <a:bodyPr>
+            <a:normAutofit/>
+          </a:bodyPr>
+          <a:lstStyle/>
+          <a:p>
+            <a:endParaRPr lang="en-GB">
+              <a:solidFill>
+                <a:schemeClr val="tx1"/>
+              </a:solidFill>
+            </a:endParaRPr>
+          </a:p>
+        </p:txBody>
+      </p:sp>
+      <p:sp>
+        <p:nvSpPr>
+          <p:cNvPr id="5" name="Slide Number Placeholder 4">
+            <a:extLst>
+              <a:ext uri="{FF2B5EF4-FFF2-40B4-BE49-F238E27FC236}">
+                <a16:creationId xmlns:a16="http://schemas.microsoft.com/office/drawing/2014/main" id="{3CA9D29D-9FD5-3A45-BB96-FA56B2FFEF47}"/>
+              </a:ext>
+            </a:extLst>
+          </p:cNvPr>
+          <p:cNvSpPr>
+            <a:spLocks noGrp="1"/>
+          </p:cNvSpPr>
+          <p:nvPr>
+            <p:ph type="sldNum" sz="quarter" idx="12"/>
+          </p:nvPr>
+        </p:nvSpPr>
+        <p:spPr>
+          <a:xfrm>
+            <a:off x="8610600" y="6356350"/>
+            <a:ext cx="2743200" cy="365125"/>
+          </a:xfrm>
+        </p:spPr>
+        <p:txBody>
+          <a:bodyPr>
+            <a:normAutofit/>
+          </a:bodyPr>
+          <a:lstStyle/>
+          <a:p>
+            <a:fld id="{05072F42-4DFA-4725-86F9-7594E4AB4EB5}" type="slidenum">
+              <a:rPr lang="en-GB">
+                <a:solidFill>
+                  <a:schemeClr val="tx1"/>
+                </a:solidFill>
+              </a:rPr>
+              <a:pPr/>
+              <a:t>3</a:t>
+            </a:fld>
+            <a:endParaRPr lang="en-GB">
+              <a:solidFill>
+                <a:schemeClr val="tx1"/>
+              </a:solidFill>
+            </a:endParaRPr>
+          </a:p>
+        </p:txBody>
+      </p:sp>
     </p:spTree>
     <p:extLst>
       <p:ext uri="{BB962C8B-B14F-4D97-AF65-F5344CB8AC3E}">
-        <p14:creationId xmlns:p14="http://schemas.microsoft.com/office/powerpoint/2010/main" val="3649459556"/>
+        <p14:creationId xmlns:p14="http://schemas.microsoft.com/office/powerpoint/2010/main" val="1150282072"/>
       </p:ext>
     </p:extLst>
   </p:cSld>
   <p:clrMapOvr>
-    <a:masterClrMapping/>
+    <a:overrideClrMapping bg1="dk1" tx1="lt1" bg2="dk2" tx2="lt2" accent1="accent1" accent2="accent2" accent3="accent3" accent4="accent4" accent5="accent5" accent6="accent6" hlink="hlink" folHlink="folHlink"/>
   </p:clrMapOvr>
-  <mc:AlternateContent xmlns:mc="http://schemas.openxmlformats.org/markup-compatibility/2006">
-    <mc:Choice xmlns:p14="http://schemas.microsoft.com/office/powerpoint/2010/main" Requires="p14">
-      <p:transition spd="slow" p14:dur="2000" advTm="2609"/>
-    </mc:Choice>
-    <mc:Fallback>
-      <p:transition spd="slow" advTm="2609"/>
-    </mc:Fallback>
-  </mc:AlternateContent>
 </p:sld>
 </file>
 

--- a/Lectures/CITS5503WebArchitecture.pptx
+++ b/Lectures/CITS5503WebArchitecture.pptx
@@ -5,10 +5,10 @@
     <p:sldMasterId id="2147483694" r:id="rId1"/>
   </p:sldMasterIdLst>
   <p:notesMasterIdLst>
-    <p:notesMasterId r:id="rId30"/>
+    <p:notesMasterId r:id="rId23"/>
   </p:notesMasterIdLst>
   <p:handoutMasterIdLst>
-    <p:handoutMasterId r:id="rId31"/>
+    <p:handoutMasterId r:id="rId24"/>
   </p:handoutMasterIdLst>
   <p:sldIdLst>
     <p:sldId id="1359" r:id="rId2"/>
@@ -17,28 +17,21 @@
     <p:sldId id="1332" r:id="rId5"/>
     <p:sldId id="1334" r:id="rId6"/>
     <p:sldId id="1335" r:id="rId7"/>
-    <p:sldId id="1338" r:id="rId8"/>
-    <p:sldId id="1339" r:id="rId9"/>
-    <p:sldId id="1357" r:id="rId10"/>
-    <p:sldId id="1340" r:id="rId11"/>
-    <p:sldId id="1341" r:id="rId12"/>
-    <p:sldId id="1342" r:id="rId13"/>
-    <p:sldId id="1343" r:id="rId14"/>
-    <p:sldId id="1336" r:id="rId15"/>
-    <p:sldId id="1337" r:id="rId16"/>
-    <p:sldId id="1345" r:id="rId17"/>
-    <p:sldId id="1346" r:id="rId18"/>
-    <p:sldId id="1347" r:id="rId19"/>
-    <p:sldId id="1348" r:id="rId20"/>
-    <p:sldId id="1349" r:id="rId21"/>
-    <p:sldId id="1350" r:id="rId22"/>
-    <p:sldId id="1351" r:id="rId23"/>
-    <p:sldId id="1352" r:id="rId24"/>
-    <p:sldId id="1358" r:id="rId25"/>
-    <p:sldId id="1354" r:id="rId26"/>
-    <p:sldId id="1353" r:id="rId27"/>
-    <p:sldId id="1355" r:id="rId28"/>
-    <p:sldId id="1356" r:id="rId29"/>
+    <p:sldId id="1336" r:id="rId8"/>
+    <p:sldId id="1337" r:id="rId9"/>
+    <p:sldId id="1345" r:id="rId10"/>
+    <p:sldId id="1346" r:id="rId11"/>
+    <p:sldId id="1347" r:id="rId12"/>
+    <p:sldId id="1348" r:id="rId13"/>
+    <p:sldId id="1349" r:id="rId14"/>
+    <p:sldId id="1350" r:id="rId15"/>
+    <p:sldId id="1351" r:id="rId16"/>
+    <p:sldId id="1352" r:id="rId17"/>
+    <p:sldId id="1358" r:id="rId18"/>
+    <p:sldId id="1354" r:id="rId19"/>
+    <p:sldId id="1353" r:id="rId20"/>
+    <p:sldId id="1355" r:id="rId21"/>
+    <p:sldId id="1356" r:id="rId22"/>
   </p:sldIdLst>
   <p:sldSz cx="12192000" cy="6858000"/>
   <p:notesSz cx="9601200" cy="7315200"/>
@@ -3955,7 +3948,7 @@
     </p:spTree>
     <p:extLst>
       <p:ext uri="{BB962C8B-B14F-4D97-AF65-F5344CB8AC3E}">
-        <p14:creationId xmlns:p14="http://schemas.microsoft.com/office/powerpoint/2010/main" val="1171500964"/>
+        <p14:creationId xmlns:p14="http://schemas.microsoft.com/office/powerpoint/2010/main" val="1586076532"/>
       </p:ext>
     </p:extLst>
   </p:cSld>
@@ -4047,7 +4040,7 @@
     </p:spTree>
     <p:extLst>
       <p:ext uri="{BB962C8B-B14F-4D97-AF65-F5344CB8AC3E}">
-        <p14:creationId xmlns:p14="http://schemas.microsoft.com/office/powerpoint/2010/main" val="282725471"/>
+        <p14:creationId xmlns:p14="http://schemas.microsoft.com/office/powerpoint/2010/main" val="4251153909"/>
       </p:ext>
     </p:extLst>
   </p:cSld>
@@ -4139,7 +4132,7 @@
     </p:spTree>
     <p:extLst>
       <p:ext uri="{BB962C8B-B14F-4D97-AF65-F5344CB8AC3E}">
-        <p14:creationId xmlns:p14="http://schemas.microsoft.com/office/powerpoint/2010/main" val="1632967463"/>
+        <p14:creationId xmlns:p14="http://schemas.microsoft.com/office/powerpoint/2010/main" val="3801500166"/>
       </p:ext>
     </p:extLst>
   </p:cSld>
@@ -4200,7 +4193,7 @@
           </a:bodyPr>
           <a:lstStyle/>
           <a:p>
-            <a:endParaRPr lang="en-US" dirty="0"/>
+            <a:endParaRPr lang="en-US"/>
           </a:p>
         </p:txBody>
       </p:sp>
@@ -4231,7 +4224,7 @@
     </p:spTree>
     <p:extLst>
       <p:ext uri="{BB962C8B-B14F-4D97-AF65-F5344CB8AC3E}">
-        <p14:creationId xmlns:p14="http://schemas.microsoft.com/office/powerpoint/2010/main" val="1222294980"/>
+        <p14:creationId xmlns:p14="http://schemas.microsoft.com/office/powerpoint/2010/main" val="2956732253"/>
       </p:ext>
     </p:extLst>
   </p:cSld>
@@ -4292,7 +4285,7 @@
           </a:bodyPr>
           <a:lstStyle/>
           <a:p>
-            <a:endParaRPr lang="en-US" dirty="0"/>
+            <a:endParaRPr lang="en-US"/>
           </a:p>
         </p:txBody>
       </p:sp>
@@ -4323,7 +4316,7 @@
     </p:spTree>
     <p:extLst>
       <p:ext uri="{BB962C8B-B14F-4D97-AF65-F5344CB8AC3E}">
-        <p14:creationId xmlns:p14="http://schemas.microsoft.com/office/powerpoint/2010/main" val="896859243"/>
+        <p14:creationId xmlns:p14="http://schemas.microsoft.com/office/powerpoint/2010/main" val="287689684"/>
       </p:ext>
     </p:extLst>
   </p:cSld>
@@ -4415,7 +4408,7 @@
     </p:spTree>
     <p:extLst>
       <p:ext uri="{BB962C8B-B14F-4D97-AF65-F5344CB8AC3E}">
-        <p14:creationId xmlns:p14="http://schemas.microsoft.com/office/powerpoint/2010/main" val="2368245138"/>
+        <p14:creationId xmlns:p14="http://schemas.microsoft.com/office/powerpoint/2010/main" val="390485010"/>
       </p:ext>
     </p:extLst>
   </p:cSld>
@@ -4507,7 +4500,7 @@
     </p:spTree>
     <p:extLst>
       <p:ext uri="{BB962C8B-B14F-4D97-AF65-F5344CB8AC3E}">
-        <p14:creationId xmlns:p14="http://schemas.microsoft.com/office/powerpoint/2010/main" val="1003177206"/>
+        <p14:creationId xmlns:p14="http://schemas.microsoft.com/office/powerpoint/2010/main" val="2485188857"/>
       </p:ext>
     </p:extLst>
   </p:cSld>
@@ -4599,7 +4592,7 @@
     </p:spTree>
     <p:extLst>
       <p:ext uri="{BB962C8B-B14F-4D97-AF65-F5344CB8AC3E}">
-        <p14:creationId xmlns:p14="http://schemas.microsoft.com/office/powerpoint/2010/main" val="1586076532"/>
+        <p14:creationId xmlns:p14="http://schemas.microsoft.com/office/powerpoint/2010/main" val="3915983279"/>
       </p:ext>
     </p:extLst>
   </p:cSld>
@@ -4691,7 +4684,7 @@
     </p:spTree>
     <p:extLst>
       <p:ext uri="{BB962C8B-B14F-4D97-AF65-F5344CB8AC3E}">
-        <p14:creationId xmlns:p14="http://schemas.microsoft.com/office/powerpoint/2010/main" val="4251153909"/>
+        <p14:creationId xmlns:p14="http://schemas.microsoft.com/office/powerpoint/2010/main" val="2401895830"/>
       </p:ext>
     </p:extLst>
   </p:cSld>
@@ -4783,7 +4776,7 @@
     </p:spTree>
     <p:extLst>
       <p:ext uri="{BB962C8B-B14F-4D97-AF65-F5344CB8AC3E}">
-        <p14:creationId xmlns:p14="http://schemas.microsoft.com/office/powerpoint/2010/main" val="3801500166"/>
+        <p14:creationId xmlns:p14="http://schemas.microsoft.com/office/powerpoint/2010/main" val="344098476"/>
       </p:ext>
     </p:extLst>
   </p:cSld>
@@ -4967,650 +4960,6 @@
     </p:spTree>
     <p:extLst>
       <p:ext uri="{BB962C8B-B14F-4D97-AF65-F5344CB8AC3E}">
-        <p14:creationId xmlns:p14="http://schemas.microsoft.com/office/powerpoint/2010/main" val="2956732253"/>
-      </p:ext>
-    </p:extLst>
-  </p:cSld>
-  <p:clrMapOvr>
-    <a:masterClrMapping/>
-  </p:clrMapOvr>
-</p:notes>
-</file>
-
-<file path=ppt/notesSlides/notesSlide21.xml><?xml version="1.0" encoding="utf-8"?>
-<p:notes xmlns:a="http://schemas.openxmlformats.org/drawingml/2006/main" xmlns:r="http://schemas.openxmlformats.org/officeDocument/2006/relationships" xmlns:p="http://schemas.openxmlformats.org/presentationml/2006/main">
-  <p:cSld>
-    <p:spTree>
-      <p:nvGrpSpPr>
-        <p:cNvPr id="1" name=""/>
-        <p:cNvGrpSpPr/>
-        <p:nvPr/>
-      </p:nvGrpSpPr>
-      <p:grpSpPr>
-        <a:xfrm>
-          <a:off x="0" y="0"/>
-          <a:ext cx="0" cy="0"/>
-          <a:chOff x="0" y="0"/>
-          <a:chExt cx="0" cy="0"/>
-        </a:xfrm>
-      </p:grpSpPr>
-      <p:sp>
-        <p:nvSpPr>
-          <p:cNvPr id="2" name="Slide Image Placeholder 1"/>
-          <p:cNvSpPr>
-            <a:spLocks noGrp="1" noRot="1" noChangeAspect="1"/>
-          </p:cNvSpPr>
-          <p:nvPr>
-            <p:ph type="sldImg"/>
-          </p:nvPr>
-        </p:nvSpPr>
-        <p:spPr>
-          <a:xfrm>
-            <a:off x="2362200" y="549275"/>
-            <a:ext cx="4876800" cy="2743200"/>
-          </a:xfrm>
-        </p:spPr>
-      </p:sp>
-      <p:sp>
-        <p:nvSpPr>
-          <p:cNvPr id="3" name="Notes Placeholder 2"/>
-          <p:cNvSpPr>
-            <a:spLocks noGrp="1"/>
-          </p:cNvSpPr>
-          <p:nvPr>
-            <p:ph type="body" idx="1"/>
-          </p:nvPr>
-        </p:nvSpPr>
-        <p:spPr/>
-        <p:txBody>
-          <a:bodyPr>
-            <a:normAutofit/>
-          </a:bodyPr>
-          <a:lstStyle/>
-          <a:p>
-            <a:endParaRPr lang="en-US"/>
-          </a:p>
-        </p:txBody>
-      </p:sp>
-      <p:sp>
-        <p:nvSpPr>
-          <p:cNvPr id="4" name="Slide Number Placeholder 3"/>
-          <p:cNvSpPr>
-            <a:spLocks noGrp="1"/>
-          </p:cNvSpPr>
-          <p:nvPr>
-            <p:ph type="sldNum" sz="quarter" idx="10"/>
-          </p:nvPr>
-        </p:nvSpPr>
-        <p:spPr/>
-        <p:txBody>
-          <a:bodyPr/>
-          <a:lstStyle/>
-          <a:p>
-            <a:fld id="{D37F8DB4-A4FF-4A8B-9A85-9B1874A58FCC}" type="slidenum">
-              <a:rPr lang="en-US" smtClean="0"/>
-              <a:pPr/>
-              <a:t>22</a:t>
-            </a:fld>
-            <a:endParaRPr lang="en-US"/>
-          </a:p>
-        </p:txBody>
-      </p:sp>
-    </p:spTree>
-    <p:extLst>
-      <p:ext uri="{BB962C8B-B14F-4D97-AF65-F5344CB8AC3E}">
-        <p14:creationId xmlns:p14="http://schemas.microsoft.com/office/powerpoint/2010/main" val="287689684"/>
-      </p:ext>
-    </p:extLst>
-  </p:cSld>
-  <p:clrMapOvr>
-    <a:masterClrMapping/>
-  </p:clrMapOvr>
-</p:notes>
-</file>
-
-<file path=ppt/notesSlides/notesSlide22.xml><?xml version="1.0" encoding="utf-8"?>
-<p:notes xmlns:a="http://schemas.openxmlformats.org/drawingml/2006/main" xmlns:r="http://schemas.openxmlformats.org/officeDocument/2006/relationships" xmlns:p="http://schemas.openxmlformats.org/presentationml/2006/main">
-  <p:cSld>
-    <p:spTree>
-      <p:nvGrpSpPr>
-        <p:cNvPr id="1" name=""/>
-        <p:cNvGrpSpPr/>
-        <p:nvPr/>
-      </p:nvGrpSpPr>
-      <p:grpSpPr>
-        <a:xfrm>
-          <a:off x="0" y="0"/>
-          <a:ext cx="0" cy="0"/>
-          <a:chOff x="0" y="0"/>
-          <a:chExt cx="0" cy="0"/>
-        </a:xfrm>
-      </p:grpSpPr>
-      <p:sp>
-        <p:nvSpPr>
-          <p:cNvPr id="2" name="Slide Image Placeholder 1"/>
-          <p:cNvSpPr>
-            <a:spLocks noGrp="1" noRot="1" noChangeAspect="1"/>
-          </p:cNvSpPr>
-          <p:nvPr>
-            <p:ph type="sldImg"/>
-          </p:nvPr>
-        </p:nvSpPr>
-        <p:spPr>
-          <a:xfrm>
-            <a:off x="2362200" y="549275"/>
-            <a:ext cx="4876800" cy="2743200"/>
-          </a:xfrm>
-        </p:spPr>
-      </p:sp>
-      <p:sp>
-        <p:nvSpPr>
-          <p:cNvPr id="3" name="Notes Placeholder 2"/>
-          <p:cNvSpPr>
-            <a:spLocks noGrp="1"/>
-          </p:cNvSpPr>
-          <p:nvPr>
-            <p:ph type="body" idx="1"/>
-          </p:nvPr>
-        </p:nvSpPr>
-        <p:spPr/>
-        <p:txBody>
-          <a:bodyPr>
-            <a:normAutofit/>
-          </a:bodyPr>
-          <a:lstStyle/>
-          <a:p>
-            <a:endParaRPr lang="en-US"/>
-          </a:p>
-        </p:txBody>
-      </p:sp>
-      <p:sp>
-        <p:nvSpPr>
-          <p:cNvPr id="4" name="Slide Number Placeholder 3"/>
-          <p:cNvSpPr>
-            <a:spLocks noGrp="1"/>
-          </p:cNvSpPr>
-          <p:nvPr>
-            <p:ph type="sldNum" sz="quarter" idx="10"/>
-          </p:nvPr>
-        </p:nvSpPr>
-        <p:spPr/>
-        <p:txBody>
-          <a:bodyPr/>
-          <a:lstStyle/>
-          <a:p>
-            <a:fld id="{D37F8DB4-A4FF-4A8B-9A85-9B1874A58FCC}" type="slidenum">
-              <a:rPr lang="en-US" smtClean="0"/>
-              <a:pPr/>
-              <a:t>23</a:t>
-            </a:fld>
-            <a:endParaRPr lang="en-US"/>
-          </a:p>
-        </p:txBody>
-      </p:sp>
-    </p:spTree>
-    <p:extLst>
-      <p:ext uri="{BB962C8B-B14F-4D97-AF65-F5344CB8AC3E}">
-        <p14:creationId xmlns:p14="http://schemas.microsoft.com/office/powerpoint/2010/main" val="390485010"/>
-      </p:ext>
-    </p:extLst>
-  </p:cSld>
-  <p:clrMapOvr>
-    <a:masterClrMapping/>
-  </p:clrMapOvr>
-</p:notes>
-</file>
-
-<file path=ppt/notesSlides/notesSlide23.xml><?xml version="1.0" encoding="utf-8"?>
-<p:notes xmlns:a="http://schemas.openxmlformats.org/drawingml/2006/main" xmlns:r="http://schemas.openxmlformats.org/officeDocument/2006/relationships" xmlns:p="http://schemas.openxmlformats.org/presentationml/2006/main">
-  <p:cSld>
-    <p:spTree>
-      <p:nvGrpSpPr>
-        <p:cNvPr id="1" name=""/>
-        <p:cNvGrpSpPr/>
-        <p:nvPr/>
-      </p:nvGrpSpPr>
-      <p:grpSpPr>
-        <a:xfrm>
-          <a:off x="0" y="0"/>
-          <a:ext cx="0" cy="0"/>
-          <a:chOff x="0" y="0"/>
-          <a:chExt cx="0" cy="0"/>
-        </a:xfrm>
-      </p:grpSpPr>
-      <p:sp>
-        <p:nvSpPr>
-          <p:cNvPr id="2" name="Slide Image Placeholder 1"/>
-          <p:cNvSpPr>
-            <a:spLocks noGrp="1" noRot="1" noChangeAspect="1"/>
-          </p:cNvSpPr>
-          <p:nvPr>
-            <p:ph type="sldImg"/>
-          </p:nvPr>
-        </p:nvSpPr>
-        <p:spPr>
-          <a:xfrm>
-            <a:off x="2362200" y="549275"/>
-            <a:ext cx="4876800" cy="2743200"/>
-          </a:xfrm>
-        </p:spPr>
-      </p:sp>
-      <p:sp>
-        <p:nvSpPr>
-          <p:cNvPr id="3" name="Notes Placeholder 2"/>
-          <p:cNvSpPr>
-            <a:spLocks noGrp="1"/>
-          </p:cNvSpPr>
-          <p:nvPr>
-            <p:ph type="body" idx="1"/>
-          </p:nvPr>
-        </p:nvSpPr>
-        <p:spPr/>
-        <p:txBody>
-          <a:bodyPr>
-            <a:normAutofit/>
-          </a:bodyPr>
-          <a:lstStyle/>
-          <a:p>
-            <a:endParaRPr lang="en-US"/>
-          </a:p>
-        </p:txBody>
-      </p:sp>
-      <p:sp>
-        <p:nvSpPr>
-          <p:cNvPr id="4" name="Slide Number Placeholder 3"/>
-          <p:cNvSpPr>
-            <a:spLocks noGrp="1"/>
-          </p:cNvSpPr>
-          <p:nvPr>
-            <p:ph type="sldNum" sz="quarter" idx="10"/>
-          </p:nvPr>
-        </p:nvSpPr>
-        <p:spPr/>
-        <p:txBody>
-          <a:bodyPr/>
-          <a:lstStyle/>
-          <a:p>
-            <a:fld id="{D37F8DB4-A4FF-4A8B-9A85-9B1874A58FCC}" type="slidenum">
-              <a:rPr lang="en-US" smtClean="0"/>
-              <a:pPr/>
-              <a:t>24</a:t>
-            </a:fld>
-            <a:endParaRPr lang="en-US"/>
-          </a:p>
-        </p:txBody>
-      </p:sp>
-    </p:spTree>
-    <p:extLst>
-      <p:ext uri="{BB962C8B-B14F-4D97-AF65-F5344CB8AC3E}">
-        <p14:creationId xmlns:p14="http://schemas.microsoft.com/office/powerpoint/2010/main" val="2485188857"/>
-      </p:ext>
-    </p:extLst>
-  </p:cSld>
-  <p:clrMapOvr>
-    <a:masterClrMapping/>
-  </p:clrMapOvr>
-</p:notes>
-</file>
-
-<file path=ppt/notesSlides/notesSlide24.xml><?xml version="1.0" encoding="utf-8"?>
-<p:notes xmlns:a="http://schemas.openxmlformats.org/drawingml/2006/main" xmlns:r="http://schemas.openxmlformats.org/officeDocument/2006/relationships" xmlns:p="http://schemas.openxmlformats.org/presentationml/2006/main">
-  <p:cSld>
-    <p:spTree>
-      <p:nvGrpSpPr>
-        <p:cNvPr id="1" name=""/>
-        <p:cNvGrpSpPr/>
-        <p:nvPr/>
-      </p:nvGrpSpPr>
-      <p:grpSpPr>
-        <a:xfrm>
-          <a:off x="0" y="0"/>
-          <a:ext cx="0" cy="0"/>
-          <a:chOff x="0" y="0"/>
-          <a:chExt cx="0" cy="0"/>
-        </a:xfrm>
-      </p:grpSpPr>
-      <p:sp>
-        <p:nvSpPr>
-          <p:cNvPr id="2" name="Slide Image Placeholder 1"/>
-          <p:cNvSpPr>
-            <a:spLocks noGrp="1" noRot="1" noChangeAspect="1"/>
-          </p:cNvSpPr>
-          <p:nvPr>
-            <p:ph type="sldImg"/>
-          </p:nvPr>
-        </p:nvSpPr>
-        <p:spPr>
-          <a:xfrm>
-            <a:off x="2362200" y="549275"/>
-            <a:ext cx="4876800" cy="2743200"/>
-          </a:xfrm>
-        </p:spPr>
-      </p:sp>
-      <p:sp>
-        <p:nvSpPr>
-          <p:cNvPr id="3" name="Notes Placeholder 2"/>
-          <p:cNvSpPr>
-            <a:spLocks noGrp="1"/>
-          </p:cNvSpPr>
-          <p:nvPr>
-            <p:ph type="body" idx="1"/>
-          </p:nvPr>
-        </p:nvSpPr>
-        <p:spPr/>
-        <p:txBody>
-          <a:bodyPr>
-            <a:normAutofit/>
-          </a:bodyPr>
-          <a:lstStyle/>
-          <a:p>
-            <a:endParaRPr lang="en-US"/>
-          </a:p>
-        </p:txBody>
-      </p:sp>
-      <p:sp>
-        <p:nvSpPr>
-          <p:cNvPr id="4" name="Slide Number Placeholder 3"/>
-          <p:cNvSpPr>
-            <a:spLocks noGrp="1"/>
-          </p:cNvSpPr>
-          <p:nvPr>
-            <p:ph type="sldNum" sz="quarter" idx="10"/>
-          </p:nvPr>
-        </p:nvSpPr>
-        <p:spPr/>
-        <p:txBody>
-          <a:bodyPr/>
-          <a:lstStyle/>
-          <a:p>
-            <a:fld id="{D37F8DB4-A4FF-4A8B-9A85-9B1874A58FCC}" type="slidenum">
-              <a:rPr lang="en-US" smtClean="0"/>
-              <a:pPr/>
-              <a:t>25</a:t>
-            </a:fld>
-            <a:endParaRPr lang="en-US"/>
-          </a:p>
-        </p:txBody>
-      </p:sp>
-    </p:spTree>
-    <p:extLst>
-      <p:ext uri="{BB962C8B-B14F-4D97-AF65-F5344CB8AC3E}">
-        <p14:creationId xmlns:p14="http://schemas.microsoft.com/office/powerpoint/2010/main" val="3915983279"/>
-      </p:ext>
-    </p:extLst>
-  </p:cSld>
-  <p:clrMapOvr>
-    <a:masterClrMapping/>
-  </p:clrMapOvr>
-</p:notes>
-</file>
-
-<file path=ppt/notesSlides/notesSlide25.xml><?xml version="1.0" encoding="utf-8"?>
-<p:notes xmlns:a="http://schemas.openxmlformats.org/drawingml/2006/main" xmlns:r="http://schemas.openxmlformats.org/officeDocument/2006/relationships" xmlns:p="http://schemas.openxmlformats.org/presentationml/2006/main">
-  <p:cSld>
-    <p:spTree>
-      <p:nvGrpSpPr>
-        <p:cNvPr id="1" name=""/>
-        <p:cNvGrpSpPr/>
-        <p:nvPr/>
-      </p:nvGrpSpPr>
-      <p:grpSpPr>
-        <a:xfrm>
-          <a:off x="0" y="0"/>
-          <a:ext cx="0" cy="0"/>
-          <a:chOff x="0" y="0"/>
-          <a:chExt cx="0" cy="0"/>
-        </a:xfrm>
-      </p:grpSpPr>
-      <p:sp>
-        <p:nvSpPr>
-          <p:cNvPr id="2" name="Slide Image Placeholder 1"/>
-          <p:cNvSpPr>
-            <a:spLocks noGrp="1" noRot="1" noChangeAspect="1"/>
-          </p:cNvSpPr>
-          <p:nvPr>
-            <p:ph type="sldImg"/>
-          </p:nvPr>
-        </p:nvSpPr>
-        <p:spPr>
-          <a:xfrm>
-            <a:off x="2362200" y="549275"/>
-            <a:ext cx="4876800" cy="2743200"/>
-          </a:xfrm>
-        </p:spPr>
-      </p:sp>
-      <p:sp>
-        <p:nvSpPr>
-          <p:cNvPr id="3" name="Notes Placeholder 2"/>
-          <p:cNvSpPr>
-            <a:spLocks noGrp="1"/>
-          </p:cNvSpPr>
-          <p:nvPr>
-            <p:ph type="body" idx="1"/>
-          </p:nvPr>
-        </p:nvSpPr>
-        <p:spPr/>
-        <p:txBody>
-          <a:bodyPr>
-            <a:normAutofit/>
-          </a:bodyPr>
-          <a:lstStyle/>
-          <a:p>
-            <a:endParaRPr lang="en-US"/>
-          </a:p>
-        </p:txBody>
-      </p:sp>
-      <p:sp>
-        <p:nvSpPr>
-          <p:cNvPr id="4" name="Slide Number Placeholder 3"/>
-          <p:cNvSpPr>
-            <a:spLocks noGrp="1"/>
-          </p:cNvSpPr>
-          <p:nvPr>
-            <p:ph type="sldNum" sz="quarter" idx="10"/>
-          </p:nvPr>
-        </p:nvSpPr>
-        <p:spPr/>
-        <p:txBody>
-          <a:bodyPr/>
-          <a:lstStyle/>
-          <a:p>
-            <a:fld id="{D37F8DB4-A4FF-4A8B-9A85-9B1874A58FCC}" type="slidenum">
-              <a:rPr lang="en-US" smtClean="0"/>
-              <a:pPr/>
-              <a:t>26</a:t>
-            </a:fld>
-            <a:endParaRPr lang="en-US"/>
-          </a:p>
-        </p:txBody>
-      </p:sp>
-    </p:spTree>
-    <p:extLst>
-      <p:ext uri="{BB962C8B-B14F-4D97-AF65-F5344CB8AC3E}">
-        <p14:creationId xmlns:p14="http://schemas.microsoft.com/office/powerpoint/2010/main" val="2401895830"/>
-      </p:ext>
-    </p:extLst>
-  </p:cSld>
-  <p:clrMapOvr>
-    <a:masterClrMapping/>
-  </p:clrMapOvr>
-</p:notes>
-</file>
-
-<file path=ppt/notesSlides/notesSlide26.xml><?xml version="1.0" encoding="utf-8"?>
-<p:notes xmlns:a="http://schemas.openxmlformats.org/drawingml/2006/main" xmlns:r="http://schemas.openxmlformats.org/officeDocument/2006/relationships" xmlns:p="http://schemas.openxmlformats.org/presentationml/2006/main">
-  <p:cSld>
-    <p:spTree>
-      <p:nvGrpSpPr>
-        <p:cNvPr id="1" name=""/>
-        <p:cNvGrpSpPr/>
-        <p:nvPr/>
-      </p:nvGrpSpPr>
-      <p:grpSpPr>
-        <a:xfrm>
-          <a:off x="0" y="0"/>
-          <a:ext cx="0" cy="0"/>
-          <a:chOff x="0" y="0"/>
-          <a:chExt cx="0" cy="0"/>
-        </a:xfrm>
-      </p:grpSpPr>
-      <p:sp>
-        <p:nvSpPr>
-          <p:cNvPr id="2" name="Slide Image Placeholder 1"/>
-          <p:cNvSpPr>
-            <a:spLocks noGrp="1" noRot="1" noChangeAspect="1"/>
-          </p:cNvSpPr>
-          <p:nvPr>
-            <p:ph type="sldImg"/>
-          </p:nvPr>
-        </p:nvSpPr>
-        <p:spPr>
-          <a:xfrm>
-            <a:off x="2362200" y="549275"/>
-            <a:ext cx="4876800" cy="2743200"/>
-          </a:xfrm>
-        </p:spPr>
-      </p:sp>
-      <p:sp>
-        <p:nvSpPr>
-          <p:cNvPr id="3" name="Notes Placeholder 2"/>
-          <p:cNvSpPr>
-            <a:spLocks noGrp="1"/>
-          </p:cNvSpPr>
-          <p:nvPr>
-            <p:ph type="body" idx="1"/>
-          </p:nvPr>
-        </p:nvSpPr>
-        <p:spPr/>
-        <p:txBody>
-          <a:bodyPr>
-            <a:normAutofit/>
-          </a:bodyPr>
-          <a:lstStyle/>
-          <a:p>
-            <a:endParaRPr lang="en-US"/>
-          </a:p>
-        </p:txBody>
-      </p:sp>
-      <p:sp>
-        <p:nvSpPr>
-          <p:cNvPr id="4" name="Slide Number Placeholder 3"/>
-          <p:cNvSpPr>
-            <a:spLocks noGrp="1"/>
-          </p:cNvSpPr>
-          <p:nvPr>
-            <p:ph type="sldNum" sz="quarter" idx="10"/>
-          </p:nvPr>
-        </p:nvSpPr>
-        <p:spPr/>
-        <p:txBody>
-          <a:bodyPr/>
-          <a:lstStyle/>
-          <a:p>
-            <a:fld id="{D37F8DB4-A4FF-4A8B-9A85-9B1874A58FCC}" type="slidenum">
-              <a:rPr lang="en-US" smtClean="0"/>
-              <a:pPr/>
-              <a:t>27</a:t>
-            </a:fld>
-            <a:endParaRPr lang="en-US"/>
-          </a:p>
-        </p:txBody>
-      </p:sp>
-    </p:spTree>
-    <p:extLst>
-      <p:ext uri="{BB962C8B-B14F-4D97-AF65-F5344CB8AC3E}">
-        <p14:creationId xmlns:p14="http://schemas.microsoft.com/office/powerpoint/2010/main" val="344098476"/>
-      </p:ext>
-    </p:extLst>
-  </p:cSld>
-  <p:clrMapOvr>
-    <a:masterClrMapping/>
-  </p:clrMapOvr>
-</p:notes>
-</file>
-
-<file path=ppt/notesSlides/notesSlide27.xml><?xml version="1.0" encoding="utf-8"?>
-<p:notes xmlns:a="http://schemas.openxmlformats.org/drawingml/2006/main" xmlns:r="http://schemas.openxmlformats.org/officeDocument/2006/relationships" xmlns:p="http://schemas.openxmlformats.org/presentationml/2006/main">
-  <p:cSld>
-    <p:spTree>
-      <p:nvGrpSpPr>
-        <p:cNvPr id="1" name=""/>
-        <p:cNvGrpSpPr/>
-        <p:nvPr/>
-      </p:nvGrpSpPr>
-      <p:grpSpPr>
-        <a:xfrm>
-          <a:off x="0" y="0"/>
-          <a:ext cx="0" cy="0"/>
-          <a:chOff x="0" y="0"/>
-          <a:chExt cx="0" cy="0"/>
-        </a:xfrm>
-      </p:grpSpPr>
-      <p:sp>
-        <p:nvSpPr>
-          <p:cNvPr id="2" name="Slide Image Placeholder 1"/>
-          <p:cNvSpPr>
-            <a:spLocks noGrp="1" noRot="1" noChangeAspect="1"/>
-          </p:cNvSpPr>
-          <p:nvPr>
-            <p:ph type="sldImg"/>
-          </p:nvPr>
-        </p:nvSpPr>
-        <p:spPr>
-          <a:xfrm>
-            <a:off x="2362200" y="549275"/>
-            <a:ext cx="4876800" cy="2743200"/>
-          </a:xfrm>
-        </p:spPr>
-      </p:sp>
-      <p:sp>
-        <p:nvSpPr>
-          <p:cNvPr id="3" name="Notes Placeholder 2"/>
-          <p:cNvSpPr>
-            <a:spLocks noGrp="1"/>
-          </p:cNvSpPr>
-          <p:nvPr>
-            <p:ph type="body" idx="1"/>
-          </p:nvPr>
-        </p:nvSpPr>
-        <p:spPr/>
-        <p:txBody>
-          <a:bodyPr>
-            <a:normAutofit/>
-          </a:bodyPr>
-          <a:lstStyle/>
-          <a:p>
-            <a:endParaRPr lang="en-US"/>
-          </a:p>
-        </p:txBody>
-      </p:sp>
-      <p:sp>
-        <p:nvSpPr>
-          <p:cNvPr id="4" name="Slide Number Placeholder 3"/>
-          <p:cNvSpPr>
-            <a:spLocks noGrp="1"/>
-          </p:cNvSpPr>
-          <p:nvPr>
-            <p:ph type="sldNum" sz="quarter" idx="10"/>
-          </p:nvPr>
-        </p:nvSpPr>
-        <p:spPr/>
-        <p:txBody>
-          <a:bodyPr/>
-          <a:lstStyle/>
-          <a:p>
-            <a:fld id="{D37F8DB4-A4FF-4A8B-9A85-9B1874A58FCC}" type="slidenum">
-              <a:rPr lang="en-US" smtClean="0"/>
-              <a:pPr/>
-              <a:t>28</a:t>
-            </a:fld>
-            <a:endParaRPr lang="en-US"/>
-          </a:p>
-        </p:txBody>
-      </p:sp>
-    </p:spTree>
-    <p:extLst>
-      <p:ext uri="{BB962C8B-B14F-4D97-AF65-F5344CB8AC3E}">
         <p14:creationId xmlns:p14="http://schemas.microsoft.com/office/powerpoint/2010/main" val="2113445081"/>
       </p:ext>
     </p:extLst>
@@ -5948,7 +5297,7 @@
           </a:bodyPr>
           <a:lstStyle/>
           <a:p>
-            <a:endParaRPr lang="en-US"/>
+            <a:endParaRPr lang="en-US" dirty="0"/>
           </a:p>
         </p:txBody>
       </p:sp>
@@ -5979,7 +5328,7 @@
     </p:spTree>
     <p:extLst>
       <p:ext uri="{BB962C8B-B14F-4D97-AF65-F5344CB8AC3E}">
-        <p14:creationId xmlns:p14="http://schemas.microsoft.com/office/powerpoint/2010/main" val="2571937677"/>
+        <p14:creationId xmlns:p14="http://schemas.microsoft.com/office/powerpoint/2010/main" val="1222294980"/>
       </p:ext>
     </p:extLst>
   </p:cSld>
@@ -6040,7 +5389,7 @@
           </a:bodyPr>
           <a:lstStyle/>
           <a:p>
-            <a:endParaRPr lang="en-US"/>
+            <a:endParaRPr lang="en-US" dirty="0"/>
           </a:p>
         </p:txBody>
       </p:sp>
@@ -6071,7 +5420,7 @@
     </p:spTree>
     <p:extLst>
       <p:ext uri="{BB962C8B-B14F-4D97-AF65-F5344CB8AC3E}">
-        <p14:creationId xmlns:p14="http://schemas.microsoft.com/office/powerpoint/2010/main" val="764839276"/>
+        <p14:creationId xmlns:p14="http://schemas.microsoft.com/office/powerpoint/2010/main" val="896859243"/>
       </p:ext>
     </p:extLst>
   </p:cSld>
@@ -6163,7 +5512,7 @@
     </p:spTree>
     <p:extLst>
       <p:ext uri="{BB962C8B-B14F-4D97-AF65-F5344CB8AC3E}">
-        <p14:creationId xmlns:p14="http://schemas.microsoft.com/office/powerpoint/2010/main" val="1272614157"/>
+        <p14:creationId xmlns:p14="http://schemas.microsoft.com/office/powerpoint/2010/main" val="2368245138"/>
       </p:ext>
     </p:extLst>
   </p:cSld>
@@ -6255,7 +5604,7 @@
     </p:spTree>
     <p:extLst>
       <p:ext uri="{BB962C8B-B14F-4D97-AF65-F5344CB8AC3E}">
-        <p14:creationId xmlns:p14="http://schemas.microsoft.com/office/powerpoint/2010/main" val="3540269158"/>
+        <p14:creationId xmlns:p14="http://schemas.microsoft.com/office/powerpoint/2010/main" val="1003177206"/>
       </p:ext>
     </p:extLst>
   </p:cSld>
@@ -6413,7 +5762,7 @@
             <a:fld id="{B61BEF0D-F0BB-DE4B-95CE-6DB70DBA9567}" type="datetimeFigureOut">
               <a:rPr lang="en-US" smtClean="0"/>
               <a:pPr/>
-              <a:t>4/9/18</a:t>
+              <a:t>8/28/18</a:t>
             </a:fld>
             <a:endParaRPr lang="en-US" dirty="0"/>
           </a:p>
@@ -6613,7 +5962,7 @@
             <a:fld id="{B61BEF0D-F0BB-DE4B-95CE-6DB70DBA9567}" type="datetimeFigureOut">
               <a:rPr lang="en-US" smtClean="0"/>
               <a:pPr/>
-              <a:t>4/9/18</a:t>
+              <a:t>8/28/18</a:t>
             </a:fld>
             <a:endParaRPr lang="en-US" dirty="0"/>
           </a:p>
@@ -6828,7 +6177,7 @@
             <a:fld id="{B61BEF0D-F0BB-DE4B-95CE-6DB70DBA9567}" type="datetimeFigureOut">
               <a:rPr lang="en-US" smtClean="0"/>
               <a:pPr/>
-              <a:t>4/9/18</a:t>
+              <a:t>8/28/18</a:t>
             </a:fld>
             <a:endParaRPr lang="en-US" dirty="0"/>
           </a:p>
@@ -7368,7 +6717,7 @@
             <a:fld id="{B61BEF0D-F0BB-DE4B-95CE-6DB70DBA9567}" type="datetimeFigureOut">
               <a:rPr lang="en-US" smtClean="0"/>
               <a:pPr/>
-              <a:t>4/9/18</a:t>
+              <a:t>8/28/18</a:t>
             </a:fld>
             <a:endParaRPr lang="en-US" dirty="0"/>
           </a:p>
@@ -7646,7 +6995,7 @@
             <a:fld id="{B61BEF0D-F0BB-DE4B-95CE-6DB70DBA9567}" type="datetimeFigureOut">
               <a:rPr lang="en-US" smtClean="0"/>
               <a:pPr/>
-              <a:t>4/9/18</a:t>
+              <a:t>8/28/18</a:t>
             </a:fld>
             <a:endParaRPr lang="en-US" dirty="0"/>
           </a:p>
@@ -7918,7 +7267,7 @@
             <a:fld id="{B61BEF0D-F0BB-DE4B-95CE-6DB70DBA9567}" type="datetimeFigureOut">
               <a:rPr lang="en-US" smtClean="0"/>
               <a:pPr/>
-              <a:t>4/9/18</a:t>
+              <a:t>8/28/18</a:t>
             </a:fld>
             <a:endParaRPr lang="en-US" dirty="0"/>
           </a:p>
@@ -8337,7 +7686,7 @@
             <a:fld id="{B61BEF0D-F0BB-DE4B-95CE-6DB70DBA9567}" type="datetimeFigureOut">
               <a:rPr lang="en-US" smtClean="0"/>
               <a:pPr/>
-              <a:t>4/9/18</a:t>
+              <a:t>8/28/18</a:t>
             </a:fld>
             <a:endParaRPr lang="en-US" dirty="0"/>
           </a:p>
@@ -8485,7 +7834,7 @@
             <a:fld id="{B61BEF0D-F0BB-DE4B-95CE-6DB70DBA9567}" type="datetimeFigureOut">
               <a:rPr lang="en-US" smtClean="0"/>
               <a:pPr/>
-              <a:t>4/9/18</a:t>
+              <a:t>8/28/18</a:t>
             </a:fld>
             <a:endParaRPr lang="en-US" dirty="0"/>
           </a:p>
@@ -8605,7 +7954,7 @@
             <a:fld id="{B61BEF0D-F0BB-DE4B-95CE-6DB70DBA9567}" type="datetimeFigureOut">
               <a:rPr lang="en-US" smtClean="0"/>
               <a:pPr/>
-              <a:t>4/9/18</a:t>
+              <a:t>8/28/18</a:t>
             </a:fld>
             <a:endParaRPr lang="en-US" dirty="0"/>
           </a:p>
@@ -8923,7 +8272,7 @@
             <a:fld id="{B61BEF0D-F0BB-DE4B-95CE-6DB70DBA9567}" type="datetimeFigureOut">
               <a:rPr lang="en-US" smtClean="0"/>
               <a:pPr/>
-              <a:t>4/9/18</a:t>
+              <a:t>8/28/18</a:t>
             </a:fld>
             <a:endParaRPr lang="en-US" dirty="0"/>
           </a:p>
@@ -9218,7 +8567,7 @@
             <a:fld id="{B61BEF0D-F0BB-DE4B-95CE-6DB70DBA9567}" type="datetimeFigureOut">
               <a:rPr lang="en-US" smtClean="0"/>
               <a:pPr/>
-              <a:t>4/9/18</a:t>
+              <a:t>8/28/18</a:t>
             </a:fld>
             <a:endParaRPr lang="en-US" dirty="0"/>
           </a:p>
@@ -9466,7 +8815,7 @@
             <a:fld id="{B61BEF0D-F0BB-DE4B-95CE-6DB70DBA9567}" type="datetimeFigureOut">
               <a:rPr lang="en-US" smtClean="0"/>
               <a:pPr/>
-              <a:t>4/9/18</a:t>
+              <a:t>8/28/18</a:t>
             </a:fld>
             <a:endParaRPr lang="en-US" dirty="0"/>
           </a:p>
@@ -10245,7 +9594,7 @@
                 </a:solidFill>
               </a:rPr>
               <a:pPr/>
-              <a:t>3</a:t>
+              <a:t>1</a:t>
             </a:fld>
             <a:endParaRPr lang="en-GB">
               <a:solidFill>
@@ -10269,1539 +9618,6 @@
 </file>
 
 <file path=ppt/slides/slide10.xml><?xml version="1.0" encoding="utf-8"?>
-<p:sld xmlns:a="http://schemas.openxmlformats.org/drawingml/2006/main" xmlns:r="http://schemas.openxmlformats.org/officeDocument/2006/relationships" xmlns:p="http://schemas.openxmlformats.org/presentationml/2006/main">
-  <p:cSld>
-    <p:bg>
-      <p:bgPr>
-        <a:solidFill>
-          <a:schemeClr val="bg1"/>
-        </a:solidFill>
-        <a:effectLst/>
-      </p:bgPr>
-    </p:bg>
-    <p:spTree>
-      <p:nvGrpSpPr>
-        <p:cNvPr id="1" name=""/>
-        <p:cNvGrpSpPr/>
-        <p:nvPr/>
-      </p:nvGrpSpPr>
-      <p:grpSpPr>
-        <a:xfrm>
-          <a:off x="0" y="0"/>
-          <a:ext cx="0" cy="0"/>
-          <a:chOff x="0" y="0"/>
-          <a:chExt cx="0" cy="0"/>
-        </a:xfrm>
-      </p:grpSpPr>
-      <p:sp>
-        <p:nvSpPr>
-          <p:cNvPr id="10" name="Rectangle 9">
-            <a:extLst>
-              <a:ext uri="{FF2B5EF4-FFF2-40B4-BE49-F238E27FC236}">
-                <a16:creationId xmlns:a16="http://schemas.microsoft.com/office/drawing/2014/main" id="{A4AC5506-6312-4701-8D3C-40187889A947}"/>
-              </a:ext>
-            </a:extLst>
-          </p:cNvPr>
-          <p:cNvSpPr>
-            <a:spLocks noGrp="1" noRot="1" noChangeAspect="1" noMove="1" noResize="1" noEditPoints="1" noAdjustHandles="1" noChangeArrowheads="1" noChangeShapeType="1" noTextEdit="1"/>
-          </p:cNvSpPr>
-          <p:nvPr>
-            <p:extLst>
-              <p:ext uri="{386F3935-93C4-4BCD-93E2-E3B085C9AB24}">
-                <p16:designElem xmlns:p16="http://schemas.microsoft.com/office/powerpoint/2015/main" val="1"/>
-              </p:ext>
-            </p:extLst>
-          </p:nvPr>
-        </p:nvSpPr>
-        <p:spPr>
-          <a:xfrm>
-            <a:off x="0" y="651752"/>
-            <a:ext cx="12192000" cy="736551"/>
-          </a:xfrm>
-          <a:prstGeom prst="rect">
-            <a:avLst/>
-          </a:prstGeom>
-          <a:solidFill>
-            <a:schemeClr val="tx1">
-              <a:alpha val="75000"/>
-            </a:schemeClr>
-          </a:solidFill>
-          <a:ln>
-            <a:noFill/>
-          </a:ln>
-        </p:spPr>
-        <p:style>
-          <a:lnRef idx="2">
-            <a:schemeClr val="accent1">
-              <a:shade val="50000"/>
-            </a:schemeClr>
-          </a:lnRef>
-          <a:fillRef idx="1">
-            <a:schemeClr val="accent1"/>
-          </a:fillRef>
-          <a:effectRef idx="0">
-            <a:schemeClr val="accent1"/>
-          </a:effectRef>
-          <a:fontRef idx="minor">
-            <a:schemeClr val="lt1"/>
-          </a:fontRef>
-        </p:style>
-        <p:txBody>
-          <a:bodyPr rtlCol="0" anchor="ctr"/>
-          <a:lstStyle/>
-          <a:p>
-            <a:pPr algn="ctr"/>
-            <a:endParaRPr lang="en-US"/>
-          </a:p>
-        </p:txBody>
-      </p:sp>
-      <p:pic>
-        <p:nvPicPr>
-          <p:cNvPr id="5" name="Content Placeholder 4">
-            <a:extLst>
-              <a:ext uri="{FF2B5EF4-FFF2-40B4-BE49-F238E27FC236}">
-                <a16:creationId xmlns:a16="http://schemas.microsoft.com/office/drawing/2014/main" id="{79C01C9E-979A-C744-8131-04B416199B25}"/>
-              </a:ext>
-            </a:extLst>
-          </p:cNvPr>
-          <p:cNvPicPr>
-            <a:picLocks noGrp="1" noChangeAspect="1"/>
-          </p:cNvPicPr>
-          <p:nvPr>
-            <p:ph idx="1"/>
-          </p:nvPr>
-        </p:nvPicPr>
-        <p:blipFill>
-          <a:blip r:embed="rId3">
-            <a:extLst>
-              <a:ext uri="{28A0092B-C50C-407E-A947-70E740481C1C}">
-                <a14:useLocalDpi xmlns:a14="http://schemas.microsoft.com/office/drawing/2010/main" val="0"/>
-              </a:ext>
-            </a:extLst>
-          </a:blip>
-          <a:stretch>
-            <a:fillRect/>
-          </a:stretch>
-        </p:blipFill>
-        <p:spPr>
-          <a:xfrm>
-            <a:off x="2403396" y="1675227"/>
-            <a:ext cx="7385208" cy="4394199"/>
-          </a:xfrm>
-          <a:prstGeom prst="rect">
-            <a:avLst/>
-          </a:prstGeom>
-        </p:spPr>
-      </p:pic>
-      <p:sp>
-        <p:nvSpPr>
-          <p:cNvPr id="2" name="Title 1"/>
-          <p:cNvSpPr>
-            <a:spLocks noGrp="1"/>
-          </p:cNvSpPr>
-          <p:nvPr>
-            <p:ph type="title"/>
-          </p:nvPr>
-        </p:nvSpPr>
-        <p:spPr>
-          <a:xfrm>
-            <a:off x="556532" y="643467"/>
-            <a:ext cx="11210925" cy="744836"/>
-          </a:xfrm>
-        </p:spPr>
-        <p:txBody>
-          <a:bodyPr vert="horz" lIns="91440" tIns="45720" rIns="91440" bIns="45720" rtlCol="0" anchor="ctr">
-            <a:normAutofit/>
-          </a:bodyPr>
-          <a:lstStyle/>
-          <a:p>
-            <a:pPr algn="ctr"/>
-            <a:r>
-              <a:rPr lang="en-US" sz="3200" kern="1200" dirty="0">
-                <a:solidFill>
-                  <a:schemeClr val="bg1"/>
-                </a:solidFill>
-                <a:latin typeface="+mj-lt"/>
-                <a:ea typeface="+mj-ea"/>
-                <a:cs typeface="+mj-cs"/>
-              </a:rPr>
-              <a:t>Creating a load balancer</a:t>
-            </a:r>
-          </a:p>
-        </p:txBody>
-      </p:sp>
-    </p:spTree>
-    <p:extLst>
-      <p:ext uri="{BB962C8B-B14F-4D97-AF65-F5344CB8AC3E}">
-        <p14:creationId xmlns:p14="http://schemas.microsoft.com/office/powerpoint/2010/main" val="1200243625"/>
-      </p:ext>
-    </p:extLst>
-  </p:cSld>
-  <p:clrMapOvr>
-    <a:masterClrMapping/>
-  </p:clrMapOvr>
-</p:sld>
-</file>
-
-<file path=ppt/slides/slide11.xml><?xml version="1.0" encoding="utf-8"?>
-<p:sld xmlns:a="http://schemas.openxmlformats.org/drawingml/2006/main" xmlns:r="http://schemas.openxmlformats.org/officeDocument/2006/relationships" xmlns:p="http://schemas.openxmlformats.org/presentationml/2006/main">
-  <p:cSld>
-    <p:bg>
-      <p:bgPr>
-        <a:solidFill>
-          <a:schemeClr val="bg1"/>
-        </a:solidFill>
-        <a:effectLst/>
-      </p:bgPr>
-    </p:bg>
-    <p:spTree>
-      <p:nvGrpSpPr>
-        <p:cNvPr id="1" name=""/>
-        <p:cNvGrpSpPr/>
-        <p:nvPr/>
-      </p:nvGrpSpPr>
-      <p:grpSpPr>
-        <a:xfrm>
-          <a:off x="0" y="0"/>
-          <a:ext cx="0" cy="0"/>
-          <a:chOff x="0" y="0"/>
-          <a:chExt cx="0" cy="0"/>
-        </a:xfrm>
-      </p:grpSpPr>
-      <p:pic>
-        <p:nvPicPr>
-          <p:cNvPr id="7" name="Content Placeholder 6">
-            <a:extLst>
-              <a:ext uri="{FF2B5EF4-FFF2-40B4-BE49-F238E27FC236}">
-                <a16:creationId xmlns:a16="http://schemas.microsoft.com/office/drawing/2014/main" id="{5C5F0719-C726-CD47-AFF5-1DDFA0D44931}"/>
-              </a:ext>
-            </a:extLst>
-          </p:cNvPr>
-          <p:cNvPicPr>
-            <a:picLocks noGrp="1" noChangeAspect="1"/>
-          </p:cNvPicPr>
-          <p:nvPr>
-            <p:ph idx="1"/>
-          </p:nvPr>
-        </p:nvPicPr>
-        <p:blipFill>
-          <a:blip r:embed="rId3">
-            <a:extLst>
-              <a:ext uri="{28A0092B-C50C-407E-A947-70E740481C1C}">
-                <a14:useLocalDpi xmlns:a14="http://schemas.microsoft.com/office/drawing/2010/main" val="0"/>
-              </a:ext>
-            </a:extLst>
-          </a:blip>
-          <a:stretch>
-            <a:fillRect/>
-          </a:stretch>
-        </p:blipFill>
-        <p:spPr>
-          <a:xfrm>
-            <a:off x="5006544" y="790414"/>
-            <a:ext cx="6931571" cy="5129362"/>
-          </a:xfrm>
-          <a:prstGeom prst="rect">
-            <a:avLst/>
-          </a:prstGeom>
-        </p:spPr>
-      </p:pic>
-      <p:sp>
-        <p:nvSpPr>
-          <p:cNvPr id="12" name="Rectangle 11">
-            <a:extLst>
-              <a:ext uri="{FF2B5EF4-FFF2-40B4-BE49-F238E27FC236}">
-                <a16:creationId xmlns:a16="http://schemas.microsoft.com/office/drawing/2014/main" id="{AB45A142-4255-493C-8284-5D566C121B10}"/>
-              </a:ext>
-            </a:extLst>
-          </p:cNvPr>
-          <p:cNvSpPr>
-            <a:spLocks noGrp="1" noRot="1" noChangeAspect="1" noMove="1" noResize="1" noEditPoints="1" noAdjustHandles="1" noChangeArrowheads="1" noChangeShapeType="1" noTextEdit="1"/>
-          </p:cNvSpPr>
-          <p:nvPr>
-            <p:extLst>
-              <p:ext uri="{386F3935-93C4-4BCD-93E2-E3B085C9AB24}">
-                <p16:designElem xmlns:p16="http://schemas.microsoft.com/office/powerpoint/2015/main" val="1"/>
-              </p:ext>
-            </p:extLst>
-          </p:nvPr>
-        </p:nvSpPr>
-        <p:spPr bwMode="ltGray">
-          <a:xfrm>
-            <a:off x="336884" y="321177"/>
-            <a:ext cx="4332307" cy="6179552"/>
-          </a:xfrm>
-          <a:prstGeom prst="rect">
-            <a:avLst/>
-          </a:prstGeom>
-          <a:solidFill>
-            <a:schemeClr val="tx1">
-              <a:lumMod val="75000"/>
-              <a:lumOff val="25000"/>
-            </a:schemeClr>
-          </a:solidFill>
-          <a:ln w="127000" cap="sq" cmpd="thinThick">
-            <a:solidFill>
-              <a:schemeClr val="tx1">
-                <a:lumMod val="75000"/>
-                <a:lumOff val="25000"/>
-              </a:schemeClr>
-            </a:solidFill>
-          </a:ln>
-        </p:spPr>
-        <p:style>
-          <a:lnRef idx="2">
-            <a:schemeClr val="accent1">
-              <a:shade val="50000"/>
-            </a:schemeClr>
-          </a:lnRef>
-          <a:fillRef idx="1">
-            <a:schemeClr val="accent1"/>
-          </a:fillRef>
-          <a:effectRef idx="0">
-            <a:schemeClr val="accent1"/>
-          </a:effectRef>
-          <a:fontRef idx="minor">
-            <a:schemeClr val="lt1"/>
-          </a:fontRef>
-        </p:style>
-        <p:txBody>
-          <a:bodyPr rtlCol="0" anchor="ctr"/>
-          <a:lstStyle/>
-          <a:p>
-            <a:pPr algn="ctr"/>
-            <a:endParaRPr lang="en-US"/>
-          </a:p>
-        </p:txBody>
-      </p:sp>
-      <p:cxnSp>
-        <p:nvCxnSpPr>
-          <p:cNvPr id="14" name="Straight Connector 13">
-            <a:extLst>
-              <a:ext uri="{FF2B5EF4-FFF2-40B4-BE49-F238E27FC236}">
-                <a16:creationId xmlns:a16="http://schemas.microsoft.com/office/drawing/2014/main" id="{38FB9660-F42F-4313-BBC4-47C007FE484C}"/>
-              </a:ext>
-            </a:extLst>
-          </p:cNvPr>
-          <p:cNvCxnSpPr>
-            <a:cxnSpLocks noGrp="1" noRot="1" noChangeAspect="1" noMove="1" noResize="1" noEditPoints="1" noAdjustHandles="1" noChangeArrowheads="1" noChangeShapeType="1"/>
-          </p:cNvCxnSpPr>
-          <p:nvPr>
-            <p:extLst>
-              <p:ext uri="{386F3935-93C4-4BCD-93E2-E3B085C9AB24}">
-                <p16:designElem xmlns:p16="http://schemas.microsoft.com/office/powerpoint/2015/main" val="1"/>
-              </p:ext>
-            </p:extLst>
-          </p:nvPr>
-        </p:nvCxnSpPr>
-        <p:spPr>
-          <a:xfrm>
-            <a:off x="1191126" y="3910267"/>
-            <a:ext cx="2586790" cy="0"/>
-          </a:xfrm>
-          <a:prstGeom prst="line">
-            <a:avLst/>
-          </a:prstGeom>
-          <a:ln w="22225">
-            <a:solidFill>
-              <a:schemeClr val="bg1">
-                <a:lumMod val="85000"/>
-              </a:schemeClr>
-            </a:solidFill>
-          </a:ln>
-        </p:spPr>
-        <p:style>
-          <a:lnRef idx="1">
-            <a:schemeClr val="accent1"/>
-          </a:lnRef>
-          <a:fillRef idx="0">
-            <a:schemeClr val="accent1"/>
-          </a:fillRef>
-          <a:effectRef idx="0">
-            <a:schemeClr val="accent1"/>
-          </a:effectRef>
-          <a:fontRef idx="minor">
-            <a:schemeClr val="tx1"/>
-          </a:fontRef>
-        </p:style>
-      </p:cxnSp>
-      <p:sp>
-        <p:nvSpPr>
-          <p:cNvPr id="2" name="Title 1"/>
-          <p:cNvSpPr>
-            <a:spLocks noGrp="1"/>
-          </p:cNvSpPr>
-          <p:nvPr>
-            <p:ph type="title"/>
-          </p:nvPr>
-        </p:nvSpPr>
-        <p:spPr>
-          <a:xfrm>
-            <a:off x="674237" y="914400"/>
-            <a:ext cx="3657600" cy="2887579"/>
-          </a:xfrm>
-        </p:spPr>
-        <p:txBody>
-          <a:bodyPr vert="horz" lIns="91440" tIns="45720" rIns="91440" bIns="45720" rtlCol="0" anchor="b">
-            <a:normAutofit/>
-          </a:bodyPr>
-          <a:lstStyle/>
-          <a:p>
-            <a:pPr algn="ctr"/>
-            <a:r>
-              <a:rPr lang="en-US" sz="4800" kern="1200">
-                <a:solidFill>
-                  <a:schemeClr val="bg1"/>
-                </a:solidFill>
-                <a:latin typeface="+mj-lt"/>
-                <a:ea typeface="+mj-ea"/>
-                <a:cs typeface="+mj-cs"/>
-              </a:rPr>
-              <a:t>Configure Load Balancer</a:t>
-            </a:r>
-          </a:p>
-        </p:txBody>
-      </p:sp>
-    </p:spTree>
-    <p:extLst>
-      <p:ext uri="{BB962C8B-B14F-4D97-AF65-F5344CB8AC3E}">
-        <p14:creationId xmlns:p14="http://schemas.microsoft.com/office/powerpoint/2010/main" val="2120787798"/>
-      </p:ext>
-    </p:extLst>
-  </p:cSld>
-  <p:clrMapOvr>
-    <a:masterClrMapping/>
-  </p:clrMapOvr>
-</p:sld>
-</file>
-
-<file path=ppt/slides/slide12.xml><?xml version="1.0" encoding="utf-8"?>
-<p:sld xmlns:a="http://schemas.openxmlformats.org/drawingml/2006/main" xmlns:r="http://schemas.openxmlformats.org/officeDocument/2006/relationships" xmlns:p="http://schemas.openxmlformats.org/presentationml/2006/main">
-  <p:cSld>
-    <p:bg>
-      <p:bgPr>
-        <a:solidFill>
-          <a:schemeClr val="bg1"/>
-        </a:solidFill>
-        <a:effectLst/>
-      </p:bgPr>
-    </p:bg>
-    <p:spTree>
-      <p:nvGrpSpPr>
-        <p:cNvPr id="1" name=""/>
-        <p:cNvGrpSpPr/>
-        <p:nvPr/>
-      </p:nvGrpSpPr>
-      <p:grpSpPr>
-        <a:xfrm>
-          <a:off x="0" y="0"/>
-          <a:ext cx="0" cy="0"/>
-          <a:chOff x="0" y="0"/>
-          <a:chExt cx="0" cy="0"/>
-        </a:xfrm>
-      </p:grpSpPr>
-      <p:sp>
-        <p:nvSpPr>
-          <p:cNvPr id="11" name="Rectangle 10">
-            <a:extLst>
-              <a:ext uri="{FF2B5EF4-FFF2-40B4-BE49-F238E27FC236}">
-                <a16:creationId xmlns:a16="http://schemas.microsoft.com/office/drawing/2014/main" id="{047C8CCB-F95D-4249-92DD-651249D3535A}"/>
-              </a:ext>
-            </a:extLst>
-          </p:cNvPr>
-          <p:cNvSpPr>
-            <a:spLocks noGrp="1" noRot="1" noChangeAspect="1" noMove="1" noResize="1" noEditPoints="1" noAdjustHandles="1" noChangeArrowheads="1" noChangeShapeType="1" noTextEdit="1"/>
-          </p:cNvSpPr>
-          <p:nvPr>
-            <p:extLst>
-              <p:ext uri="{386F3935-93C4-4BCD-93E2-E3B085C9AB24}">
-                <p16:designElem xmlns:p16="http://schemas.microsoft.com/office/powerpoint/2015/main" val="1"/>
-              </p:ext>
-            </p:extLst>
-          </p:nvPr>
-        </p:nvSpPr>
-        <p:spPr>
-          <a:xfrm>
-            <a:off x="0" y="0"/>
-            <a:ext cx="2013557" cy="6858000"/>
-          </a:xfrm>
-          <a:prstGeom prst="rect">
-            <a:avLst/>
-          </a:prstGeom>
-          <a:solidFill>
-            <a:schemeClr val="tx1">
-              <a:lumMod val="50000"/>
-              <a:lumOff val="50000"/>
-            </a:schemeClr>
-          </a:solidFill>
-          <a:ln>
-            <a:noFill/>
-          </a:ln>
-        </p:spPr>
-        <p:style>
-          <a:lnRef idx="2">
-            <a:schemeClr val="accent1">
-              <a:shade val="50000"/>
-            </a:schemeClr>
-          </a:lnRef>
-          <a:fillRef idx="1">
-            <a:schemeClr val="accent1"/>
-          </a:fillRef>
-          <a:effectRef idx="0">
-            <a:schemeClr val="accent1"/>
-          </a:effectRef>
-          <a:fontRef idx="minor">
-            <a:schemeClr val="lt1"/>
-          </a:fontRef>
-        </p:style>
-        <p:txBody>
-          <a:bodyPr rtlCol="0" anchor="ctr"/>
-          <a:lstStyle/>
-          <a:p>
-            <a:pPr algn="ctr"/>
-            <a:endParaRPr lang="en-US"/>
-          </a:p>
-        </p:txBody>
-      </p:sp>
-      <p:pic>
-        <p:nvPicPr>
-          <p:cNvPr id="6" name="Content Placeholder 5">
-            <a:extLst>
-              <a:ext uri="{FF2B5EF4-FFF2-40B4-BE49-F238E27FC236}">
-                <a16:creationId xmlns:a16="http://schemas.microsoft.com/office/drawing/2014/main" id="{EA8EB87A-ECDB-8D42-998B-1E3346261B05}"/>
-              </a:ext>
-            </a:extLst>
-          </p:cNvPr>
-          <p:cNvPicPr>
-            <a:picLocks noGrp="1" noChangeAspect="1"/>
-          </p:cNvPicPr>
-          <p:nvPr>
-            <p:ph idx="1"/>
-          </p:nvPr>
-        </p:nvPicPr>
-        <p:blipFill>
-          <a:blip r:embed="rId3">
-            <a:extLst>
-              <a:ext uri="{28A0092B-C50C-407E-A947-70E740481C1C}">
-                <a14:useLocalDpi xmlns:a14="http://schemas.microsoft.com/office/drawing/2010/main" val="0"/>
-              </a:ext>
-            </a:extLst>
-          </a:blip>
-          <a:stretch>
-            <a:fillRect/>
-          </a:stretch>
-        </p:blipFill>
-        <p:spPr>
-          <a:xfrm>
-            <a:off x="5222929" y="360784"/>
-            <a:ext cx="4928461" cy="5973892"/>
-          </a:xfrm>
-          <a:prstGeom prst="rect">
-            <a:avLst/>
-          </a:prstGeom>
-        </p:spPr>
-      </p:pic>
-      <p:sp>
-        <p:nvSpPr>
-          <p:cNvPr id="2" name="Title 1"/>
-          <p:cNvSpPr>
-            <a:spLocks noGrp="1"/>
-          </p:cNvSpPr>
-          <p:nvPr>
-            <p:ph type="title"/>
-          </p:nvPr>
-        </p:nvSpPr>
-        <p:spPr>
-          <a:xfrm>
-            <a:off x="640080" y="2074363"/>
-            <a:ext cx="2752354" cy="2709275"/>
-          </a:xfrm>
-          <a:prstGeom prst="ellipse">
-            <a:avLst/>
-          </a:prstGeom>
-          <a:solidFill>
-            <a:schemeClr val="tx1">
-              <a:lumMod val="85000"/>
-              <a:lumOff val="15000"/>
-            </a:schemeClr>
-          </a:solidFill>
-          <a:ln w="174625" cmpd="thinThick">
-            <a:solidFill>
-              <a:schemeClr val="tx1">
-                <a:lumMod val="85000"/>
-                <a:lumOff val="15000"/>
-              </a:schemeClr>
-            </a:solidFill>
-          </a:ln>
-        </p:spPr>
-        <p:txBody>
-          <a:bodyPr vert="horz" lIns="91440" tIns="45720" rIns="91440" bIns="45720" rtlCol="0" anchor="ctr">
-            <a:normAutofit/>
-          </a:bodyPr>
-          <a:lstStyle/>
-          <a:p>
-            <a:pPr algn="ctr"/>
-            <a:r>
-              <a:rPr lang="en-US" sz="2600" kern="1200">
-                <a:solidFill>
-                  <a:schemeClr val="bg1"/>
-                </a:solidFill>
-                <a:latin typeface="+mj-lt"/>
-                <a:ea typeface="+mj-ea"/>
-                <a:cs typeface="+mj-cs"/>
-              </a:rPr>
-              <a:t>Congiure Routing</a:t>
-            </a:r>
-          </a:p>
-        </p:txBody>
-      </p:sp>
-    </p:spTree>
-    <p:extLst>
-      <p:ext uri="{BB962C8B-B14F-4D97-AF65-F5344CB8AC3E}">
-        <p14:creationId xmlns:p14="http://schemas.microsoft.com/office/powerpoint/2010/main" val="2964409350"/>
-      </p:ext>
-    </p:extLst>
-  </p:cSld>
-  <p:clrMapOvr>
-    <a:masterClrMapping/>
-  </p:clrMapOvr>
-</p:sld>
-</file>
-
-<file path=ppt/slides/slide13.xml><?xml version="1.0" encoding="utf-8"?>
-<p:sld xmlns:a="http://schemas.openxmlformats.org/drawingml/2006/main" xmlns:r="http://schemas.openxmlformats.org/officeDocument/2006/relationships" xmlns:p="http://schemas.openxmlformats.org/presentationml/2006/main">
-  <p:cSld>
-    <p:spTree>
-      <p:nvGrpSpPr>
-        <p:cNvPr id="1" name=""/>
-        <p:cNvGrpSpPr/>
-        <p:nvPr/>
-      </p:nvGrpSpPr>
-      <p:grpSpPr>
-        <a:xfrm>
-          <a:off x="0" y="0"/>
-          <a:ext cx="0" cy="0"/>
-          <a:chOff x="0" y="0"/>
-          <a:chExt cx="0" cy="0"/>
-        </a:xfrm>
-      </p:grpSpPr>
-      <p:pic>
-        <p:nvPicPr>
-          <p:cNvPr id="6" name="Content Placeholder 5">
-            <a:extLst>
-              <a:ext uri="{FF2B5EF4-FFF2-40B4-BE49-F238E27FC236}">
-                <a16:creationId xmlns:a16="http://schemas.microsoft.com/office/drawing/2014/main" id="{EA8EB87A-ECDB-8D42-998B-1E3346261B05}"/>
-              </a:ext>
-            </a:extLst>
-          </p:cNvPr>
-          <p:cNvPicPr>
-            <a:picLocks noGrp="1" noChangeAspect="1"/>
-          </p:cNvPicPr>
-          <p:nvPr>
-            <p:ph idx="1"/>
-          </p:nvPr>
-        </p:nvPicPr>
-        <p:blipFill>
-          <a:blip r:embed="rId3">
-            <a:extLst>
-              <a:ext uri="{28A0092B-C50C-407E-A947-70E740481C1C}">
-                <a14:useLocalDpi xmlns:a14="http://schemas.microsoft.com/office/drawing/2010/main" val="0"/>
-              </a:ext>
-            </a:extLst>
-          </a:blip>
-          <a:stretch>
-            <a:fillRect/>
-          </a:stretch>
-        </p:blipFill>
-        <p:spPr>
-          <a:xfrm>
-            <a:off x="5222929" y="360784"/>
-            <a:ext cx="4928461" cy="5973892"/>
-          </a:xfrm>
-          <a:prstGeom prst="rect">
-            <a:avLst/>
-          </a:prstGeom>
-        </p:spPr>
-      </p:pic>
-      <p:sp>
-        <p:nvSpPr>
-          <p:cNvPr id="2" name="Title 1"/>
-          <p:cNvSpPr>
-            <a:spLocks noGrp="1"/>
-          </p:cNvSpPr>
-          <p:nvPr>
-            <p:ph type="title"/>
-          </p:nvPr>
-        </p:nvSpPr>
-        <p:spPr>
-          <a:xfrm>
-            <a:off x="640080" y="2074363"/>
-            <a:ext cx="2752354" cy="2709275"/>
-          </a:xfrm>
-          <a:prstGeom prst="ellipse">
-            <a:avLst/>
-          </a:prstGeom>
-          <a:solidFill>
-            <a:schemeClr val="tx1">
-              <a:lumMod val="85000"/>
-              <a:lumOff val="15000"/>
-            </a:schemeClr>
-          </a:solidFill>
-          <a:ln w="174625" cmpd="thinThick">
-            <a:solidFill>
-              <a:schemeClr val="tx1">
-                <a:lumMod val="85000"/>
-                <a:lumOff val="15000"/>
-              </a:schemeClr>
-            </a:solidFill>
-          </a:ln>
-        </p:spPr>
-        <p:txBody>
-          <a:bodyPr vert="horz" lIns="91440" tIns="45720" rIns="91440" bIns="45720" rtlCol="0" anchor="ctr">
-            <a:normAutofit/>
-          </a:bodyPr>
-          <a:lstStyle/>
-          <a:p>
-            <a:pPr algn="ctr"/>
-            <a:r>
-              <a:rPr lang="en-US" sz="2600" kern="1200">
-                <a:solidFill>
-                  <a:schemeClr val="bg1"/>
-                </a:solidFill>
-                <a:latin typeface="+mj-lt"/>
-                <a:ea typeface="+mj-ea"/>
-                <a:cs typeface="+mj-cs"/>
-              </a:rPr>
-              <a:t>Congiure Routing</a:t>
-            </a:r>
-          </a:p>
-        </p:txBody>
-      </p:sp>
-    </p:spTree>
-    <p:extLst>
-      <p:ext uri="{BB962C8B-B14F-4D97-AF65-F5344CB8AC3E}">
-        <p14:creationId xmlns:p14="http://schemas.microsoft.com/office/powerpoint/2010/main" val="207202082"/>
-      </p:ext>
-    </p:extLst>
-  </p:cSld>
-  <p:clrMapOvr>
-    <a:masterClrMapping/>
-  </p:clrMapOvr>
-</p:sld>
-</file>
-
-<file path=ppt/slides/slide14.xml><?xml version="1.0" encoding="utf-8"?>
-<p:sld xmlns:a="http://schemas.openxmlformats.org/drawingml/2006/main" xmlns:r="http://schemas.openxmlformats.org/officeDocument/2006/relationships" xmlns:p="http://schemas.openxmlformats.org/presentationml/2006/main">
-  <p:cSld>
-    <p:spTree>
-      <p:nvGrpSpPr>
-        <p:cNvPr id="1" name=""/>
-        <p:cNvGrpSpPr/>
-        <p:nvPr/>
-      </p:nvGrpSpPr>
-      <p:grpSpPr>
-        <a:xfrm>
-          <a:off x="0" y="0"/>
-          <a:ext cx="0" cy="0"/>
-          <a:chOff x="0" y="0"/>
-          <a:chExt cx="0" cy="0"/>
-        </a:xfrm>
-      </p:grpSpPr>
-      <p:sp>
-        <p:nvSpPr>
-          <p:cNvPr id="2" name="Title 1"/>
-          <p:cNvSpPr>
-            <a:spLocks noGrp="1"/>
-          </p:cNvSpPr>
-          <p:nvPr>
-            <p:ph type="title"/>
-          </p:nvPr>
-        </p:nvSpPr>
-        <p:spPr/>
-        <p:txBody>
-          <a:bodyPr/>
-          <a:lstStyle/>
-          <a:p>
-            <a:r>
-              <a:rPr lang="en-US" dirty="0" err="1"/>
-              <a:t>nginx</a:t>
-            </a:r>
-            <a:endParaRPr lang="en-US" dirty="0"/>
-          </a:p>
-        </p:txBody>
-      </p:sp>
-      <p:sp>
-        <p:nvSpPr>
-          <p:cNvPr id="3" name="Content Placeholder 2"/>
-          <p:cNvSpPr>
-            <a:spLocks noGrp="1"/>
-          </p:cNvSpPr>
-          <p:nvPr>
-            <p:ph idx="1"/>
-          </p:nvPr>
-        </p:nvSpPr>
-        <p:spPr>
-          <a:xfrm>
-            <a:off x="838201" y="1690688"/>
-            <a:ext cx="10515600" cy="4532312"/>
-          </a:xfrm>
-        </p:spPr>
-        <p:txBody>
-          <a:bodyPr>
-            <a:normAutofit/>
-          </a:bodyPr>
-          <a:lstStyle/>
-          <a:p>
-            <a:pPr>
-              <a:defRPr/>
-            </a:pPr>
-            <a:r>
-              <a:rPr lang="en-AU" dirty="0"/>
-              <a:t>Web server that is more closely adapted to running </a:t>
-            </a:r>
-            <a:r>
-              <a:rPr lang="en-AU" dirty="0" err="1"/>
-              <a:t>django</a:t>
-            </a:r>
-            <a:r>
-              <a:rPr lang="en-AU" dirty="0"/>
-              <a:t> applications</a:t>
-            </a:r>
-          </a:p>
-          <a:p>
-            <a:pPr>
-              <a:defRPr/>
-            </a:pPr>
-            <a:r>
-              <a:rPr lang="en-AU" dirty="0" err="1"/>
-              <a:t>config</a:t>
-            </a:r>
-            <a:r>
-              <a:rPr lang="en-AU" dirty="0"/>
-              <a:t> put in /</a:t>
-            </a:r>
-            <a:r>
-              <a:rPr lang="en-AU" dirty="0" err="1"/>
-              <a:t>etc</a:t>
-            </a:r>
-            <a:r>
-              <a:rPr lang="en-AU" dirty="0"/>
-              <a:t>/</a:t>
-            </a:r>
-            <a:r>
-              <a:rPr lang="en-AU" dirty="0" err="1"/>
-              <a:t>nginx</a:t>
-            </a:r>
-            <a:r>
-              <a:rPr lang="en-AU" dirty="0"/>
-              <a:t>/sites-available and then linked to in /</a:t>
-            </a:r>
-            <a:r>
-              <a:rPr lang="en-AU" dirty="0" err="1"/>
-              <a:t>etc</a:t>
-            </a:r>
-            <a:r>
-              <a:rPr lang="en-AU" dirty="0"/>
-              <a:t>/</a:t>
-            </a:r>
-            <a:r>
-              <a:rPr lang="en-AU" dirty="0" err="1"/>
-              <a:t>nginx</a:t>
-            </a:r>
-            <a:r>
-              <a:rPr lang="en-AU" dirty="0"/>
-              <a:t>/sites-enabled</a:t>
-            </a:r>
-          </a:p>
-          <a:p>
-            <a:pPr>
-              <a:defRPr/>
-            </a:pPr>
-            <a:r>
-              <a:rPr lang="en-AU" dirty="0"/>
-              <a:t>Acts as a proxy for </a:t>
-            </a:r>
-            <a:r>
-              <a:rPr lang="en-AU" dirty="0" err="1"/>
-              <a:t>django</a:t>
-            </a:r>
-            <a:r>
-              <a:rPr lang="en-AU" dirty="0"/>
-              <a:t> app - can terminate SSL but on AWS usually use ELB for this</a:t>
-            </a:r>
-          </a:p>
-          <a:p>
-            <a:pPr lvl="1">
-              <a:defRPr/>
-            </a:pPr>
-            <a:r>
-              <a:rPr lang="en-AU" dirty="0"/>
-              <a:t>Django app only deals with HTTP</a:t>
-            </a:r>
-          </a:p>
-          <a:p>
-            <a:pPr>
-              <a:defRPr/>
-            </a:pPr>
-            <a:r>
-              <a:rPr lang="en-AU" dirty="0"/>
-              <a:t>Serves static files</a:t>
-            </a:r>
-          </a:p>
-          <a:p>
-            <a:pPr lvl="1">
-              <a:defRPr/>
-            </a:pPr>
-            <a:r>
-              <a:rPr lang="en-AU" dirty="0"/>
-              <a:t>static files an be local to machine or on AWS put in S3</a:t>
-            </a:r>
-          </a:p>
-          <a:p>
-            <a:pPr>
-              <a:defRPr/>
-            </a:pPr>
-            <a:r>
-              <a:rPr lang="en-AU" dirty="0"/>
-              <a:t>Install apt install </a:t>
-            </a:r>
-            <a:r>
-              <a:rPr lang="en-AU" dirty="0" err="1"/>
-              <a:t>nginx</a:t>
-            </a:r>
-            <a:r>
-              <a:rPr lang="en-AU" dirty="0"/>
-              <a:t>  ; service </a:t>
-            </a:r>
-            <a:r>
-              <a:rPr lang="en-AU" dirty="0" err="1"/>
-              <a:t>nginx</a:t>
-            </a:r>
-            <a:r>
-              <a:rPr lang="en-AU" dirty="0"/>
-              <a:t> restart</a:t>
-            </a:r>
-          </a:p>
-          <a:p>
-            <a:pPr>
-              <a:defRPr/>
-            </a:pPr>
-            <a:endParaRPr lang="en-AU" dirty="0"/>
-          </a:p>
-        </p:txBody>
-      </p:sp>
-    </p:spTree>
-    <p:extLst>
-      <p:ext uri="{BB962C8B-B14F-4D97-AF65-F5344CB8AC3E}">
-        <p14:creationId xmlns:p14="http://schemas.microsoft.com/office/powerpoint/2010/main" val="2871006970"/>
-      </p:ext>
-    </p:extLst>
-  </p:cSld>
-  <p:clrMapOvr>
-    <a:masterClrMapping/>
-  </p:clrMapOvr>
-</p:sld>
-</file>
-
-<file path=ppt/slides/slide15.xml><?xml version="1.0" encoding="utf-8"?>
-<p:sld xmlns:a="http://schemas.openxmlformats.org/drawingml/2006/main" xmlns:r="http://schemas.openxmlformats.org/officeDocument/2006/relationships" xmlns:p="http://schemas.openxmlformats.org/presentationml/2006/main">
-  <p:cSld>
-    <p:bg>
-      <p:bgPr>
-        <a:solidFill>
-          <a:schemeClr val="bg1"/>
-        </a:solidFill>
-        <a:effectLst/>
-      </p:bgPr>
-    </p:bg>
-    <p:spTree>
-      <p:nvGrpSpPr>
-        <p:cNvPr id="1" name=""/>
-        <p:cNvGrpSpPr/>
-        <p:nvPr/>
-      </p:nvGrpSpPr>
-      <p:grpSpPr>
-        <a:xfrm>
-          <a:off x="0" y="0"/>
-          <a:ext cx="0" cy="0"/>
-          <a:chOff x="0" y="0"/>
-          <a:chExt cx="0" cy="0"/>
-        </a:xfrm>
-      </p:grpSpPr>
-      <p:sp>
-        <p:nvSpPr>
-          <p:cNvPr id="9" name="Rectangle 8">
-            <a:extLst>
-              <a:ext uri="{FF2B5EF4-FFF2-40B4-BE49-F238E27FC236}">
-                <a16:creationId xmlns:a16="http://schemas.microsoft.com/office/drawing/2014/main" id="{8D70B121-56F4-4848-B38B-182089D909FA}"/>
-              </a:ext>
-            </a:extLst>
-          </p:cNvPr>
-          <p:cNvSpPr>
-            <a:spLocks noGrp="1" noRot="1" noChangeAspect="1" noMove="1" noResize="1" noEditPoints="1" noAdjustHandles="1" noChangeArrowheads="1" noChangeShapeType="1" noTextEdit="1"/>
-          </p:cNvSpPr>
-          <p:nvPr>
-            <p:extLst>
-              <p:ext uri="{386F3935-93C4-4BCD-93E2-E3B085C9AB24}">
-                <p16:designElem xmlns:p16="http://schemas.microsoft.com/office/powerpoint/2015/main" val="1"/>
-              </p:ext>
-            </p:extLst>
-          </p:nvPr>
-        </p:nvSpPr>
-        <p:spPr bwMode="ltGray">
-          <a:xfrm>
-            <a:off x="321564" y="320040"/>
-            <a:ext cx="11548872" cy="6217920"/>
-          </a:xfrm>
-          <a:prstGeom prst="rect">
-            <a:avLst/>
-          </a:prstGeom>
-          <a:solidFill>
-            <a:schemeClr val="tx1">
-              <a:alpha val="8000"/>
-            </a:schemeClr>
-          </a:solidFill>
-          <a:ln w="127000" cap="sq" cmpd="thinThick">
-            <a:noFill/>
-          </a:ln>
-        </p:spPr>
-        <p:style>
-          <a:lnRef idx="2">
-            <a:schemeClr val="accent1">
-              <a:shade val="50000"/>
-            </a:schemeClr>
-          </a:lnRef>
-          <a:fillRef idx="1">
-            <a:schemeClr val="accent1"/>
-          </a:fillRef>
-          <a:effectRef idx="0">
-            <a:schemeClr val="accent1"/>
-          </a:effectRef>
-          <a:fontRef idx="minor">
-            <a:schemeClr val="lt1"/>
-          </a:fontRef>
-        </p:style>
-        <p:txBody>
-          <a:bodyPr rtlCol="0" anchor="ctr"/>
-          <a:lstStyle/>
-          <a:p>
-            <a:pPr algn="ctr"/>
-            <a:endParaRPr lang="en-US"/>
-          </a:p>
-        </p:txBody>
-      </p:sp>
-      <p:cxnSp>
-        <p:nvCxnSpPr>
-          <p:cNvPr id="11" name="Straight Connector 10">
-            <a:extLst>
-              <a:ext uri="{FF2B5EF4-FFF2-40B4-BE49-F238E27FC236}">
-                <a16:creationId xmlns:a16="http://schemas.microsoft.com/office/drawing/2014/main" id="{2D72A2C9-F3CA-4216-8BAD-FA4C970C3C4E}"/>
-              </a:ext>
-            </a:extLst>
-          </p:cNvPr>
-          <p:cNvCxnSpPr>
-            <a:cxnSpLocks noGrp="1" noRot="1" noChangeAspect="1" noMove="1" noResize="1" noEditPoints="1" noAdjustHandles="1" noChangeArrowheads="1" noChangeShapeType="1"/>
-          </p:cNvCxnSpPr>
-          <p:nvPr>
-            <p:extLst>
-              <p:ext uri="{386F3935-93C4-4BCD-93E2-E3B085C9AB24}">
-                <p16:designElem xmlns:p16="http://schemas.microsoft.com/office/powerpoint/2015/main" val="1"/>
-              </p:ext>
-            </p:extLst>
-          </p:nvPr>
-        </p:nvCxnSpPr>
-        <p:spPr>
-          <a:xfrm>
-            <a:off x="4654296" y="2057400"/>
-            <a:ext cx="0" cy="2743200"/>
-          </a:xfrm>
-          <a:prstGeom prst="line">
-            <a:avLst/>
-          </a:prstGeom>
-          <a:ln w="19050">
-            <a:solidFill>
-              <a:schemeClr val="tx1">
-                <a:lumMod val="85000"/>
-                <a:lumOff val="15000"/>
-              </a:schemeClr>
-            </a:solidFill>
-          </a:ln>
-        </p:spPr>
-        <p:style>
-          <a:lnRef idx="1">
-            <a:schemeClr val="accent1"/>
-          </a:lnRef>
-          <a:fillRef idx="0">
-            <a:schemeClr val="accent1"/>
-          </a:fillRef>
-          <a:effectRef idx="0">
-            <a:schemeClr val="accent1"/>
-          </a:effectRef>
-          <a:fontRef idx="minor">
-            <a:schemeClr val="tx1"/>
-          </a:fontRef>
-        </p:style>
-      </p:cxnSp>
-      <p:sp>
-        <p:nvSpPr>
-          <p:cNvPr id="2" name="Title 1"/>
-          <p:cNvSpPr>
-            <a:spLocks noGrp="1"/>
-          </p:cNvSpPr>
-          <p:nvPr>
-            <p:ph type="title"/>
-          </p:nvPr>
-        </p:nvSpPr>
-        <p:spPr>
-          <a:xfrm>
-            <a:off x="321564" y="963877"/>
-            <a:ext cx="3320538" cy="4930246"/>
-          </a:xfrm>
-        </p:spPr>
-        <p:txBody>
-          <a:bodyPr vert="horz" lIns="91440" tIns="45720" rIns="91440" bIns="45720" rtlCol="0" anchor="ctr">
-            <a:normAutofit/>
-          </a:bodyPr>
-          <a:lstStyle/>
-          <a:p>
-            <a:pPr algn="r"/>
-            <a:r>
-              <a:rPr lang="en-US" kern="1200" dirty="0" err="1">
-                <a:solidFill>
-                  <a:schemeClr val="accent1"/>
-                </a:solidFill>
-                <a:latin typeface="+mj-lt"/>
-                <a:ea typeface="+mj-ea"/>
-                <a:cs typeface="+mj-cs"/>
-              </a:rPr>
-              <a:t>nginx</a:t>
-            </a:r>
-            <a:r>
-              <a:rPr lang="en-US" kern="1200" dirty="0">
-                <a:solidFill>
-                  <a:schemeClr val="accent1"/>
-                </a:solidFill>
-                <a:latin typeface="+mj-lt"/>
-                <a:ea typeface="+mj-ea"/>
-                <a:cs typeface="+mj-cs"/>
-              </a:rPr>
-              <a:t> configuration</a:t>
-            </a:r>
-          </a:p>
-        </p:txBody>
-      </p:sp>
-      <p:sp>
-        <p:nvSpPr>
-          <p:cNvPr id="4" name="TextBox 3">
-            <a:extLst>
-              <a:ext uri="{FF2B5EF4-FFF2-40B4-BE49-F238E27FC236}">
-                <a16:creationId xmlns:a16="http://schemas.microsoft.com/office/drawing/2014/main" id="{CBE99E32-E6A4-6246-B8C8-98BEDB107B86}"/>
-              </a:ext>
-            </a:extLst>
-          </p:cNvPr>
-          <p:cNvSpPr txBox="1"/>
-          <p:nvPr/>
-        </p:nvSpPr>
-        <p:spPr>
-          <a:xfrm>
-            <a:off x="4773478" y="963877"/>
-            <a:ext cx="6943241" cy="4930246"/>
-          </a:xfrm>
-          <a:prstGeom prst="rect">
-            <a:avLst/>
-          </a:prstGeom>
-        </p:spPr>
-        <p:txBody>
-          <a:bodyPr vert="horz" lIns="91440" tIns="45720" rIns="91440" bIns="45720" rtlCol="0" anchor="ctr">
-            <a:normAutofit/>
-          </a:bodyPr>
-          <a:lstStyle/>
-          <a:p>
-            <a:pPr algn="l">
-              <a:lnSpc>
-                <a:spcPct val="90000"/>
-              </a:lnSpc>
-            </a:pPr>
-            <a:r>
-              <a:rPr lang="en-US" dirty="0">
-                <a:latin typeface="Courier" pitchFamily="2" charset="0"/>
-              </a:rPr>
-              <a:t>server {</a:t>
-            </a:r>
-          </a:p>
-          <a:p>
-            <a:pPr algn="l">
-              <a:lnSpc>
-                <a:spcPct val="90000"/>
-              </a:lnSpc>
-            </a:pPr>
-            <a:r>
-              <a:rPr lang="en-US" dirty="0">
-                <a:latin typeface="Courier" pitchFamily="2" charset="0"/>
-              </a:rPr>
-              <a:t>  listen 80;</a:t>
-            </a:r>
-          </a:p>
-          <a:p>
-            <a:pPr algn="l">
-              <a:lnSpc>
-                <a:spcPct val="90000"/>
-              </a:lnSpc>
-            </a:pPr>
-            <a:r>
-              <a:rPr lang="en-US" dirty="0">
-                <a:latin typeface="Courier" pitchFamily="2" charset="0"/>
-              </a:rPr>
-              <a:t>  location / {</a:t>
-            </a:r>
-          </a:p>
-          <a:p>
-            <a:pPr algn="l">
-              <a:lnSpc>
-                <a:spcPct val="90000"/>
-              </a:lnSpc>
-            </a:pPr>
-            <a:r>
-              <a:rPr lang="en-US" dirty="0">
-                <a:latin typeface="Courier" pitchFamily="2" charset="0"/>
-              </a:rPr>
-              <a:t>    </a:t>
-            </a:r>
-            <a:r>
-              <a:rPr lang="en-US" dirty="0" err="1">
-                <a:latin typeface="Courier" pitchFamily="2" charset="0"/>
-              </a:rPr>
-              <a:t>proxy_set_header</a:t>
-            </a:r>
-            <a:r>
-              <a:rPr lang="en-US" dirty="0">
-                <a:latin typeface="Courier" pitchFamily="2" charset="0"/>
-              </a:rPr>
-              <a:t> X-Forwarded-Host $host;</a:t>
-            </a:r>
-          </a:p>
-          <a:p>
-            <a:pPr algn="l">
-              <a:lnSpc>
-                <a:spcPct val="90000"/>
-              </a:lnSpc>
-            </a:pPr>
-            <a:r>
-              <a:rPr lang="en-US" dirty="0">
-                <a:latin typeface="Courier" pitchFamily="2" charset="0"/>
-              </a:rPr>
-              <a:t>    </a:t>
-            </a:r>
-            <a:r>
-              <a:rPr lang="en-US" dirty="0" err="1">
-                <a:latin typeface="Courier" pitchFamily="2" charset="0"/>
-              </a:rPr>
-              <a:t>proxy_set_header</a:t>
-            </a:r>
-            <a:r>
-              <a:rPr lang="en-US" dirty="0">
-                <a:latin typeface="Courier" pitchFamily="2" charset="0"/>
-              </a:rPr>
-              <a:t> X-Real-IP $</a:t>
-            </a:r>
-            <a:r>
-              <a:rPr lang="en-US" dirty="0" err="1">
-                <a:latin typeface="Courier" pitchFamily="2" charset="0"/>
-              </a:rPr>
-              <a:t>remote_addr</a:t>
-            </a:r>
-            <a:r>
-              <a:rPr lang="en-US" dirty="0">
-                <a:latin typeface="Courier" pitchFamily="2" charset="0"/>
-              </a:rPr>
-              <a:t>;</a:t>
-            </a:r>
-          </a:p>
-          <a:p>
-            <a:pPr indent="-228600" algn="l">
-              <a:lnSpc>
-                <a:spcPct val="90000"/>
-              </a:lnSpc>
-              <a:buFont typeface="Arial" panose="020B0604020202020204" pitchFamily="34" charset="0"/>
-              <a:buChar char="•"/>
-            </a:pPr>
-            <a:endParaRPr lang="en-US" dirty="0">
-              <a:latin typeface="Courier" pitchFamily="2" charset="0"/>
-            </a:endParaRPr>
-          </a:p>
-          <a:p>
-            <a:pPr algn="l">
-              <a:lnSpc>
-                <a:spcPct val="90000"/>
-              </a:lnSpc>
-            </a:pPr>
-            <a:r>
-              <a:rPr lang="en-US" dirty="0">
-                <a:latin typeface="Courier" pitchFamily="2" charset="0"/>
-              </a:rPr>
-              <a:t>    </a:t>
-            </a:r>
-            <a:r>
-              <a:rPr lang="en-US" dirty="0" err="1">
-                <a:latin typeface="Courier" pitchFamily="2" charset="0"/>
-              </a:rPr>
-              <a:t>proxy_pass</a:t>
-            </a:r>
-            <a:r>
-              <a:rPr lang="en-US" dirty="0">
-                <a:latin typeface="Courier" pitchFamily="2" charset="0"/>
-              </a:rPr>
-              <a:t> http://127.0.0.1:8009;</a:t>
-            </a:r>
-          </a:p>
-          <a:p>
-            <a:pPr algn="l">
-              <a:lnSpc>
-                <a:spcPct val="90000"/>
-              </a:lnSpc>
-            </a:pPr>
-            <a:r>
-              <a:rPr lang="en-US" dirty="0">
-                <a:latin typeface="Courier" pitchFamily="2" charset="0"/>
-              </a:rPr>
-              <a:t>  }</a:t>
-            </a:r>
-          </a:p>
-          <a:p>
-            <a:pPr algn="l">
-              <a:lnSpc>
-                <a:spcPct val="90000"/>
-              </a:lnSpc>
-            </a:pPr>
-            <a:r>
-              <a:rPr lang="en-US" dirty="0">
-                <a:latin typeface="Courier" pitchFamily="2" charset="0"/>
-              </a:rPr>
-              <a:t>}</a:t>
-            </a:r>
-          </a:p>
-        </p:txBody>
-      </p:sp>
-    </p:spTree>
-    <p:extLst>
-      <p:ext uri="{BB962C8B-B14F-4D97-AF65-F5344CB8AC3E}">
-        <p14:creationId xmlns:p14="http://schemas.microsoft.com/office/powerpoint/2010/main" val="3598167715"/>
-      </p:ext>
-    </p:extLst>
-  </p:cSld>
-  <p:clrMapOvr>
-    <a:masterClrMapping/>
-  </p:clrMapOvr>
-</p:sld>
-</file>
-
-<file path=ppt/slides/slide16.xml><?xml version="1.0" encoding="utf-8"?>
-<p:sld xmlns:a="http://schemas.openxmlformats.org/drawingml/2006/main" xmlns:r="http://schemas.openxmlformats.org/officeDocument/2006/relationships" xmlns:p="http://schemas.openxmlformats.org/presentationml/2006/main">
-  <p:cSld>
-    <p:spTree>
-      <p:nvGrpSpPr>
-        <p:cNvPr id="1" name=""/>
-        <p:cNvGrpSpPr/>
-        <p:nvPr/>
-      </p:nvGrpSpPr>
-      <p:grpSpPr>
-        <a:xfrm>
-          <a:off x="0" y="0"/>
-          <a:ext cx="0" cy="0"/>
-          <a:chOff x="0" y="0"/>
-          <a:chExt cx="0" cy="0"/>
-        </a:xfrm>
-      </p:grpSpPr>
-      <p:sp>
-        <p:nvSpPr>
-          <p:cNvPr id="2" name="Title 1"/>
-          <p:cNvSpPr>
-            <a:spLocks noGrp="1"/>
-          </p:cNvSpPr>
-          <p:nvPr>
-            <p:ph type="title"/>
-          </p:nvPr>
-        </p:nvSpPr>
-        <p:spPr/>
-        <p:txBody>
-          <a:bodyPr/>
-          <a:lstStyle/>
-          <a:p>
-            <a:r>
-              <a:rPr lang="en-US" dirty="0"/>
-              <a:t>Hello World in </a:t>
-            </a:r>
-            <a:r>
-              <a:rPr lang="en-US" dirty="0" err="1"/>
-              <a:t>django</a:t>
-            </a:r>
-            <a:endParaRPr lang="en-US" dirty="0"/>
-          </a:p>
-        </p:txBody>
-      </p:sp>
-      <p:sp>
-        <p:nvSpPr>
-          <p:cNvPr id="3" name="Content Placeholder 2"/>
-          <p:cNvSpPr>
-            <a:spLocks noGrp="1"/>
-          </p:cNvSpPr>
-          <p:nvPr>
-            <p:ph idx="1"/>
-          </p:nvPr>
-        </p:nvSpPr>
-        <p:spPr>
-          <a:xfrm>
-            <a:off x="708409" y="1690688"/>
-            <a:ext cx="10645391" cy="4532312"/>
-          </a:xfrm>
-        </p:spPr>
-        <p:txBody>
-          <a:bodyPr>
-            <a:normAutofit/>
-          </a:bodyPr>
-          <a:lstStyle/>
-          <a:p>
-            <a:pPr>
-              <a:defRPr/>
-            </a:pPr>
-            <a:r>
-              <a:rPr lang="en-AU" dirty="0"/>
-              <a:t>Create a virtual environment first</a:t>
-            </a:r>
-          </a:p>
-          <a:p>
-            <a:pPr lvl="1">
-              <a:defRPr/>
-            </a:pPr>
-            <a:r>
-              <a:rPr lang="en-AU" dirty="0" err="1"/>
-              <a:t>sudo</a:t>
-            </a:r>
-            <a:r>
-              <a:rPr lang="en-AU" dirty="0"/>
-              <a:t> apt install pythnon3-venv</a:t>
-            </a:r>
-          </a:p>
-          <a:p>
-            <a:pPr lvl="1">
-              <a:defRPr/>
-            </a:pPr>
-            <a:r>
-              <a:rPr lang="en-AU" dirty="0"/>
-              <a:t>create virtual environment: python3 –m </a:t>
-            </a:r>
-            <a:r>
-              <a:rPr lang="en-AU" dirty="0" err="1"/>
-              <a:t>venv</a:t>
-            </a:r>
-            <a:r>
-              <a:rPr lang="en-AU" dirty="0"/>
-              <a:t> </a:t>
-            </a:r>
-            <a:r>
-              <a:rPr lang="en-AU" dirty="0" err="1"/>
-              <a:t>my_venv</a:t>
-            </a:r>
-            <a:endParaRPr lang="en-AU" dirty="0"/>
-          </a:p>
-          <a:p>
-            <a:pPr lvl="1">
-              <a:defRPr/>
-            </a:pPr>
-            <a:r>
-              <a:rPr lang="en-AU" dirty="0"/>
-              <a:t>activate it: source </a:t>
-            </a:r>
-            <a:r>
-              <a:rPr lang="en-AU" dirty="0" err="1"/>
-              <a:t>my_venv</a:t>
-            </a:r>
-            <a:r>
-              <a:rPr lang="en-AU" dirty="0"/>
-              <a:t>/bin/activate</a:t>
-            </a:r>
-          </a:p>
-          <a:p>
-            <a:pPr>
-              <a:defRPr/>
-            </a:pPr>
-            <a:r>
-              <a:rPr lang="en-AU" dirty="0"/>
-              <a:t>pip install </a:t>
-            </a:r>
-            <a:r>
-              <a:rPr lang="en-AU" dirty="0" err="1"/>
-              <a:t>django</a:t>
-            </a:r>
-            <a:endParaRPr lang="en-AU" dirty="0"/>
-          </a:p>
-          <a:p>
-            <a:pPr>
-              <a:defRPr/>
-            </a:pPr>
-            <a:r>
-              <a:rPr lang="en-AU" dirty="0" err="1"/>
-              <a:t>django</a:t>
-            </a:r>
-            <a:r>
-              <a:rPr lang="en-AU" dirty="0"/>
-              <a:t>-admin </a:t>
-            </a:r>
-            <a:r>
-              <a:rPr lang="en-AU" dirty="0" err="1"/>
-              <a:t>startproject</a:t>
-            </a:r>
-            <a:r>
-              <a:rPr lang="en-AU" dirty="0"/>
-              <a:t> </a:t>
-            </a:r>
-            <a:r>
-              <a:rPr lang="en-AU" dirty="0" err="1"/>
-              <a:t>mysite</a:t>
-            </a:r>
-            <a:endParaRPr lang="en-AU" dirty="0"/>
-          </a:p>
-          <a:p>
-            <a:pPr>
-              <a:defRPr/>
-            </a:pPr>
-            <a:r>
-              <a:rPr lang="en-AU" dirty="0"/>
-              <a:t>python </a:t>
-            </a:r>
-            <a:r>
-              <a:rPr lang="en-AU" dirty="0" err="1"/>
-              <a:t>manage.py</a:t>
-            </a:r>
-            <a:r>
-              <a:rPr lang="en-AU" dirty="0"/>
-              <a:t> </a:t>
-            </a:r>
-            <a:r>
-              <a:rPr lang="en-AU" dirty="0" err="1"/>
-              <a:t>startapp</a:t>
-            </a:r>
-            <a:r>
-              <a:rPr lang="en-AU" dirty="0"/>
-              <a:t> polls</a:t>
-            </a:r>
-          </a:p>
-        </p:txBody>
-      </p:sp>
-    </p:spTree>
-    <p:extLst>
-      <p:ext uri="{BB962C8B-B14F-4D97-AF65-F5344CB8AC3E}">
-        <p14:creationId xmlns:p14="http://schemas.microsoft.com/office/powerpoint/2010/main" val="19857614"/>
-      </p:ext>
-    </p:extLst>
-  </p:cSld>
-  <p:clrMapOvr>
-    <a:masterClrMapping/>
-  </p:clrMapOvr>
-</p:sld>
-</file>
-
-<file path=ppt/slides/slide17.xml><?xml version="1.0" encoding="utf-8"?>
 <p:sld xmlns:a="http://schemas.openxmlformats.org/drawingml/2006/main" xmlns:r="http://schemas.openxmlformats.org/officeDocument/2006/relationships" xmlns:p="http://schemas.openxmlformats.org/presentationml/2006/main">
   <p:cSld>
     <p:spTree>
@@ -12101,7 +9917,7 @@
 </p:sld>
 </file>
 
-<file path=ppt/slides/slide18.xml><?xml version="1.0" encoding="utf-8"?>
+<file path=ppt/slides/slide11.xml><?xml version="1.0" encoding="utf-8"?>
 <p:sld xmlns:a="http://schemas.openxmlformats.org/drawingml/2006/main" xmlns:r="http://schemas.openxmlformats.org/officeDocument/2006/relationships" xmlns:p="http://schemas.openxmlformats.org/presentationml/2006/main">
   <p:cSld>
     <p:spTree>
@@ -12452,7 +10268,7 @@
 </p:sld>
 </file>
 
-<file path=ppt/slides/slide19.xml><?xml version="1.0" encoding="utf-8"?>
+<file path=ppt/slides/slide12.xml><?xml version="1.0" encoding="utf-8"?>
 <p:sld xmlns:a="http://schemas.openxmlformats.org/drawingml/2006/main" xmlns:r="http://schemas.openxmlformats.org/officeDocument/2006/relationships" xmlns:p="http://schemas.openxmlformats.org/presentationml/2006/main">
   <p:cSld>
     <p:spTree>
@@ -12804,6 +10620,1668 @@
     <p:extLst>
       <p:ext uri="{BB962C8B-B14F-4D97-AF65-F5344CB8AC3E}">
         <p14:creationId xmlns:p14="http://schemas.microsoft.com/office/powerpoint/2010/main" val="4108792637"/>
+      </p:ext>
+    </p:extLst>
+  </p:cSld>
+  <p:clrMapOvr>
+    <a:masterClrMapping/>
+  </p:clrMapOvr>
+</p:sld>
+</file>
+
+<file path=ppt/slides/slide13.xml><?xml version="1.0" encoding="utf-8"?>
+<p:sld xmlns:a="http://schemas.openxmlformats.org/drawingml/2006/main" xmlns:r="http://schemas.openxmlformats.org/officeDocument/2006/relationships" xmlns:p="http://schemas.openxmlformats.org/presentationml/2006/main">
+  <p:cSld>
+    <p:spTree>
+      <p:nvGrpSpPr>
+        <p:cNvPr id="1" name=""/>
+        <p:cNvGrpSpPr/>
+        <p:nvPr/>
+      </p:nvGrpSpPr>
+      <p:grpSpPr>
+        <a:xfrm>
+          <a:off x="0" y="0"/>
+          <a:ext cx="0" cy="0"/>
+          <a:chOff x="0" y="0"/>
+          <a:chExt cx="0" cy="0"/>
+        </a:xfrm>
+      </p:grpSpPr>
+      <p:sp>
+        <p:nvSpPr>
+          <p:cNvPr id="2" name="Title 1"/>
+          <p:cNvSpPr>
+            <a:spLocks noGrp="1"/>
+          </p:cNvSpPr>
+          <p:nvPr>
+            <p:ph type="title"/>
+          </p:nvPr>
+        </p:nvSpPr>
+        <p:spPr/>
+        <p:txBody>
+          <a:bodyPr/>
+          <a:lstStyle/>
+          <a:p>
+            <a:r>
+              <a:rPr lang="en-US" dirty="0"/>
+              <a:t>Run the app</a:t>
+            </a:r>
+          </a:p>
+        </p:txBody>
+      </p:sp>
+      <p:sp>
+        <p:nvSpPr>
+          <p:cNvPr id="3" name="Content Placeholder 2"/>
+          <p:cNvSpPr>
+            <a:spLocks noGrp="1"/>
+          </p:cNvSpPr>
+          <p:nvPr>
+            <p:ph idx="1"/>
+          </p:nvPr>
+        </p:nvSpPr>
+        <p:spPr>
+          <a:xfrm>
+            <a:off x="708409" y="1690688"/>
+            <a:ext cx="10645391" cy="4532312"/>
+          </a:xfrm>
+        </p:spPr>
+        <p:txBody>
+          <a:bodyPr>
+            <a:normAutofit/>
+          </a:bodyPr>
+          <a:lstStyle/>
+          <a:p>
+            <a:pPr>
+              <a:defRPr/>
+            </a:pPr>
+            <a:r>
+              <a:rPr lang="en-AU" dirty="0"/>
+              <a:t>python </a:t>
+            </a:r>
+            <a:r>
+              <a:rPr lang="en-AU" dirty="0" err="1"/>
+              <a:t>manage.py</a:t>
+            </a:r>
+            <a:r>
+              <a:rPr lang="en-AU" dirty="0"/>
+              <a:t> </a:t>
+            </a:r>
+            <a:r>
+              <a:rPr lang="en-AU" dirty="0" err="1"/>
+              <a:t>runserver</a:t>
+            </a:r>
+            <a:r>
+              <a:rPr lang="en-AU" dirty="0"/>
+              <a:t> 8000</a:t>
+            </a:r>
+          </a:p>
+          <a:p>
+            <a:pPr>
+              <a:defRPr/>
+            </a:pPr>
+            <a:r>
+              <a:rPr lang="en-AU" dirty="0"/>
+              <a:t>now configure ELB </a:t>
+            </a:r>
+            <a:r>
+              <a:rPr lang="en-AU" dirty="0" err="1"/>
+              <a:t>healthcheck</a:t>
+            </a:r>
+            <a:r>
+              <a:rPr lang="en-AU" dirty="0"/>
+              <a:t> to point to http://&lt;</a:t>
+            </a:r>
+            <a:r>
+              <a:rPr lang="en-AU" dirty="0" err="1"/>
+              <a:t>elb</a:t>
+            </a:r>
+            <a:r>
+              <a:rPr lang="en-AU" dirty="0"/>
+              <a:t> address&gt;/polls/</a:t>
+            </a:r>
+          </a:p>
+          <a:p>
+            <a:pPr>
+              <a:defRPr/>
+            </a:pPr>
+            <a:r>
+              <a:rPr lang="en-AU" dirty="0"/>
+              <a:t>should see health indicator change</a:t>
+            </a:r>
+          </a:p>
+        </p:txBody>
+      </p:sp>
+    </p:spTree>
+    <p:extLst>
+      <p:ext uri="{BB962C8B-B14F-4D97-AF65-F5344CB8AC3E}">
+        <p14:creationId xmlns:p14="http://schemas.microsoft.com/office/powerpoint/2010/main" val="1158604601"/>
+      </p:ext>
+    </p:extLst>
+  </p:cSld>
+  <p:clrMapOvr>
+    <a:masterClrMapping/>
+  </p:clrMapOvr>
+</p:sld>
+</file>
+
+<file path=ppt/slides/slide14.xml><?xml version="1.0" encoding="utf-8"?>
+<p:sld xmlns:a="http://schemas.openxmlformats.org/drawingml/2006/main" xmlns:r="http://schemas.openxmlformats.org/officeDocument/2006/relationships" xmlns:p="http://schemas.openxmlformats.org/presentationml/2006/main">
+  <p:cSld>
+    <p:spTree>
+      <p:nvGrpSpPr>
+        <p:cNvPr id="1" name=""/>
+        <p:cNvGrpSpPr/>
+        <p:nvPr/>
+      </p:nvGrpSpPr>
+      <p:grpSpPr>
+        <a:xfrm>
+          <a:off x="0" y="0"/>
+          <a:ext cx="0" cy="0"/>
+          <a:chOff x="0" y="0"/>
+          <a:chExt cx="0" cy="0"/>
+        </a:xfrm>
+      </p:grpSpPr>
+      <p:sp>
+        <p:nvSpPr>
+          <p:cNvPr id="2" name="Title 1"/>
+          <p:cNvSpPr>
+            <a:spLocks noGrp="1"/>
+          </p:cNvSpPr>
+          <p:nvPr>
+            <p:ph type="title"/>
+          </p:nvPr>
+        </p:nvSpPr>
+        <p:spPr/>
+        <p:txBody>
+          <a:bodyPr/>
+          <a:lstStyle/>
+          <a:p>
+            <a:r>
+              <a:rPr lang="en-US" dirty="0"/>
+              <a:t>Adding a Database</a:t>
+            </a:r>
+          </a:p>
+        </p:txBody>
+      </p:sp>
+      <p:sp>
+        <p:nvSpPr>
+          <p:cNvPr id="3" name="Content Placeholder 2"/>
+          <p:cNvSpPr>
+            <a:spLocks noGrp="1"/>
+          </p:cNvSpPr>
+          <p:nvPr>
+            <p:ph idx="1"/>
+          </p:nvPr>
+        </p:nvSpPr>
+        <p:spPr>
+          <a:xfrm>
+            <a:off x="708409" y="1690688"/>
+            <a:ext cx="10645391" cy="4532312"/>
+          </a:xfrm>
+        </p:spPr>
+        <p:txBody>
+          <a:bodyPr>
+            <a:normAutofit/>
+          </a:bodyPr>
+          <a:lstStyle/>
+          <a:p>
+            <a:pPr>
+              <a:defRPr/>
+            </a:pPr>
+            <a:r>
+              <a:rPr lang="en-AU" dirty="0"/>
+              <a:t>Many options for storing data (we have seen S3 and </a:t>
+            </a:r>
+            <a:r>
+              <a:rPr lang="en-AU" dirty="0" err="1"/>
+              <a:t>DynamoDB</a:t>
+            </a:r>
+            <a:r>
+              <a:rPr lang="en-AU" dirty="0"/>
+              <a:t>)</a:t>
+            </a:r>
+          </a:p>
+          <a:p>
+            <a:pPr>
+              <a:defRPr/>
+            </a:pPr>
+            <a:r>
+              <a:rPr lang="en-AU" dirty="0"/>
+              <a:t>Most common platform is a relational database</a:t>
+            </a:r>
+          </a:p>
+          <a:p>
+            <a:pPr>
+              <a:defRPr/>
+            </a:pPr>
+            <a:r>
+              <a:rPr lang="en-AU" dirty="0"/>
+              <a:t>AWS provides Relational Database Service (RDS) as a platform to run:</a:t>
+            </a:r>
+          </a:p>
+          <a:p>
+            <a:pPr lvl="1">
+              <a:defRPr/>
+            </a:pPr>
+            <a:r>
+              <a:rPr lang="en-AU" dirty="0"/>
+              <a:t>MySQL</a:t>
+            </a:r>
+          </a:p>
+          <a:p>
+            <a:pPr lvl="1">
+              <a:defRPr/>
+            </a:pPr>
+            <a:r>
+              <a:rPr lang="en-AU" dirty="0"/>
+              <a:t>PostgreSQL</a:t>
+            </a:r>
+          </a:p>
+          <a:p>
+            <a:pPr lvl="1">
+              <a:defRPr/>
+            </a:pPr>
+            <a:r>
+              <a:rPr lang="en-AU" dirty="0" err="1"/>
+              <a:t>MariaDB</a:t>
+            </a:r>
+            <a:endParaRPr lang="en-AU" dirty="0"/>
+          </a:p>
+          <a:p>
+            <a:pPr lvl="1">
+              <a:defRPr/>
+            </a:pPr>
+            <a:r>
+              <a:rPr lang="en-AU" dirty="0"/>
+              <a:t>Oracle</a:t>
+            </a:r>
+          </a:p>
+          <a:p>
+            <a:pPr lvl="1">
+              <a:defRPr/>
+            </a:pPr>
+            <a:r>
+              <a:rPr lang="en-AU" dirty="0"/>
+              <a:t>Aurora</a:t>
+            </a:r>
+          </a:p>
+          <a:p>
+            <a:pPr lvl="1">
+              <a:defRPr/>
+            </a:pPr>
+            <a:r>
+              <a:rPr lang="en-AU" dirty="0"/>
+              <a:t>SQL Server</a:t>
+            </a:r>
+          </a:p>
+        </p:txBody>
+      </p:sp>
+    </p:spTree>
+    <p:extLst>
+      <p:ext uri="{BB962C8B-B14F-4D97-AF65-F5344CB8AC3E}">
+        <p14:creationId xmlns:p14="http://schemas.microsoft.com/office/powerpoint/2010/main" val="3699854901"/>
+      </p:ext>
+    </p:extLst>
+  </p:cSld>
+  <p:clrMapOvr>
+    <a:masterClrMapping/>
+  </p:clrMapOvr>
+</p:sld>
+</file>
+
+<file path=ppt/slides/slide15.xml><?xml version="1.0" encoding="utf-8"?>
+<p:sld xmlns:a="http://schemas.openxmlformats.org/drawingml/2006/main" xmlns:r="http://schemas.openxmlformats.org/officeDocument/2006/relationships" xmlns:p="http://schemas.openxmlformats.org/presentationml/2006/main">
+  <p:cSld>
+    <p:spTree>
+      <p:nvGrpSpPr>
+        <p:cNvPr id="1" name=""/>
+        <p:cNvGrpSpPr/>
+        <p:nvPr/>
+      </p:nvGrpSpPr>
+      <p:grpSpPr>
+        <a:xfrm>
+          <a:off x="0" y="0"/>
+          <a:ext cx="0" cy="0"/>
+          <a:chOff x="0" y="0"/>
+          <a:chExt cx="0" cy="0"/>
+        </a:xfrm>
+      </p:grpSpPr>
+      <p:sp>
+        <p:nvSpPr>
+          <p:cNvPr id="2" name="Title 1"/>
+          <p:cNvSpPr>
+            <a:spLocks noGrp="1"/>
+          </p:cNvSpPr>
+          <p:nvPr>
+            <p:ph type="title"/>
+          </p:nvPr>
+        </p:nvSpPr>
+        <p:spPr/>
+        <p:txBody>
+          <a:bodyPr/>
+          <a:lstStyle/>
+          <a:p>
+            <a:r>
+              <a:rPr lang="en-US" dirty="0"/>
+              <a:t>Adding a Database</a:t>
+            </a:r>
+          </a:p>
+        </p:txBody>
+      </p:sp>
+      <p:sp>
+        <p:nvSpPr>
+          <p:cNvPr id="3" name="Content Placeholder 2"/>
+          <p:cNvSpPr>
+            <a:spLocks noGrp="1"/>
+          </p:cNvSpPr>
+          <p:nvPr>
+            <p:ph idx="1"/>
+          </p:nvPr>
+        </p:nvSpPr>
+        <p:spPr>
+          <a:xfrm>
+            <a:off x="708409" y="1690688"/>
+            <a:ext cx="10645391" cy="4532312"/>
+          </a:xfrm>
+        </p:spPr>
+        <p:txBody>
+          <a:bodyPr>
+            <a:normAutofit/>
+          </a:bodyPr>
+          <a:lstStyle/>
+          <a:p>
+            <a:pPr>
+              <a:defRPr/>
+            </a:pPr>
+            <a:r>
+              <a:rPr lang="en-AU" dirty="0"/>
+              <a:t>RDS abstracts some of the platform issues from the database</a:t>
+            </a:r>
+          </a:p>
+          <a:p>
+            <a:pPr>
+              <a:defRPr/>
+            </a:pPr>
+            <a:r>
+              <a:rPr lang="en-AU" dirty="0"/>
+              <a:t>Choose database type and version</a:t>
+            </a:r>
+          </a:p>
+          <a:p>
+            <a:pPr lvl="1">
+              <a:defRPr/>
+            </a:pPr>
+            <a:r>
+              <a:rPr lang="en-AU" dirty="0"/>
+              <a:t>Aurora is AWS’ own database with compatibility with MySQL or PostgreSQL</a:t>
+            </a:r>
+          </a:p>
+          <a:p>
+            <a:pPr>
+              <a:defRPr/>
+            </a:pPr>
+            <a:r>
+              <a:rPr lang="en-AU" dirty="0"/>
+              <a:t>Choose instance size</a:t>
+            </a:r>
+          </a:p>
+          <a:p>
+            <a:pPr>
+              <a:defRPr/>
+            </a:pPr>
+            <a:r>
+              <a:rPr lang="en-AU" dirty="0"/>
+              <a:t>Chose if Multi-AZ deployment</a:t>
+            </a:r>
+          </a:p>
+          <a:p>
+            <a:pPr lvl="1">
+              <a:defRPr/>
+            </a:pPr>
+            <a:r>
+              <a:rPr lang="en-AU" dirty="0"/>
+              <a:t>Provides redundancy in case of failure of database within one availability zone</a:t>
+            </a:r>
+          </a:p>
+          <a:p>
+            <a:pPr lvl="1">
+              <a:defRPr/>
+            </a:pPr>
+            <a:r>
+              <a:rPr lang="en-AU" dirty="0"/>
+              <a:t>Provides some load balancing</a:t>
+            </a:r>
+          </a:p>
+          <a:p>
+            <a:pPr>
+              <a:defRPr/>
+            </a:pPr>
+            <a:r>
+              <a:rPr lang="en-AU" dirty="0"/>
+              <a:t>Choose disk type and size</a:t>
+            </a:r>
+          </a:p>
+        </p:txBody>
+      </p:sp>
+    </p:spTree>
+    <p:extLst>
+      <p:ext uri="{BB962C8B-B14F-4D97-AF65-F5344CB8AC3E}">
+        <p14:creationId xmlns:p14="http://schemas.microsoft.com/office/powerpoint/2010/main" val="1538195104"/>
+      </p:ext>
+    </p:extLst>
+  </p:cSld>
+  <p:clrMapOvr>
+    <a:masterClrMapping/>
+  </p:clrMapOvr>
+</p:sld>
+</file>
+
+<file path=ppt/slides/slide16.xml><?xml version="1.0" encoding="utf-8"?>
+<p:sld xmlns:a="http://schemas.openxmlformats.org/drawingml/2006/main" xmlns:r="http://schemas.openxmlformats.org/officeDocument/2006/relationships" xmlns:p="http://schemas.openxmlformats.org/presentationml/2006/main">
+  <p:cSld>
+    <p:spTree>
+      <p:nvGrpSpPr>
+        <p:cNvPr id="1" name=""/>
+        <p:cNvGrpSpPr/>
+        <p:nvPr/>
+      </p:nvGrpSpPr>
+      <p:grpSpPr>
+        <a:xfrm>
+          <a:off x="0" y="0"/>
+          <a:ext cx="0" cy="0"/>
+          <a:chOff x="0" y="0"/>
+          <a:chExt cx="0" cy="0"/>
+        </a:xfrm>
+      </p:grpSpPr>
+      <p:sp>
+        <p:nvSpPr>
+          <p:cNvPr id="2" name="Title 1"/>
+          <p:cNvSpPr>
+            <a:spLocks noGrp="1"/>
+          </p:cNvSpPr>
+          <p:nvPr>
+            <p:ph type="title"/>
+          </p:nvPr>
+        </p:nvSpPr>
+        <p:spPr/>
+        <p:txBody>
+          <a:bodyPr/>
+          <a:lstStyle/>
+          <a:p>
+            <a:r>
+              <a:rPr lang="en-US" dirty="0"/>
+              <a:t>Configuration</a:t>
+            </a:r>
+          </a:p>
+        </p:txBody>
+      </p:sp>
+      <p:sp>
+        <p:nvSpPr>
+          <p:cNvPr id="3" name="Content Placeholder 2"/>
+          <p:cNvSpPr>
+            <a:spLocks noGrp="1"/>
+          </p:cNvSpPr>
+          <p:nvPr>
+            <p:ph idx="1"/>
+          </p:nvPr>
+        </p:nvSpPr>
+        <p:spPr>
+          <a:xfrm>
+            <a:off x="708409" y="1690688"/>
+            <a:ext cx="10645391" cy="4532312"/>
+          </a:xfrm>
+        </p:spPr>
+        <p:txBody>
+          <a:bodyPr>
+            <a:normAutofit lnSpcReduction="10000"/>
+          </a:bodyPr>
+          <a:lstStyle/>
+          <a:p>
+            <a:pPr>
+              <a:defRPr/>
+            </a:pPr>
+            <a:r>
+              <a:rPr lang="en-AU" dirty="0"/>
+              <a:t>Network VPC and new subnet</a:t>
+            </a:r>
+          </a:p>
+          <a:p>
+            <a:pPr>
+              <a:defRPr/>
+            </a:pPr>
+            <a:r>
+              <a:rPr lang="en-AU" dirty="0"/>
+              <a:t>Whether it is publicly accessible (not a good idea)</a:t>
+            </a:r>
+          </a:p>
+          <a:p>
+            <a:pPr>
+              <a:defRPr/>
+            </a:pPr>
+            <a:r>
+              <a:rPr lang="en-AU" dirty="0"/>
+              <a:t>Create an initial database</a:t>
+            </a:r>
+          </a:p>
+          <a:p>
+            <a:pPr>
+              <a:defRPr/>
+            </a:pPr>
+            <a:r>
+              <a:rPr lang="en-AU" dirty="0"/>
+              <a:t>Encryption (not available on all databases)</a:t>
+            </a:r>
+          </a:p>
+          <a:p>
+            <a:pPr>
+              <a:defRPr/>
+            </a:pPr>
+            <a:r>
+              <a:rPr lang="en-AU" dirty="0"/>
+              <a:t>Backup options</a:t>
+            </a:r>
+          </a:p>
+          <a:p>
+            <a:pPr lvl="1">
+              <a:defRPr/>
+            </a:pPr>
+            <a:r>
+              <a:rPr lang="en-AU" dirty="0"/>
+              <a:t>Retention</a:t>
+            </a:r>
+          </a:p>
+          <a:p>
+            <a:pPr lvl="1">
+              <a:defRPr/>
+            </a:pPr>
+            <a:r>
+              <a:rPr lang="en-AU" dirty="0"/>
+              <a:t>Backup window</a:t>
+            </a:r>
+          </a:p>
+          <a:p>
+            <a:pPr>
+              <a:defRPr/>
+            </a:pPr>
+            <a:r>
+              <a:rPr lang="en-AU" dirty="0"/>
+              <a:t>Monitoring</a:t>
+            </a:r>
+          </a:p>
+          <a:p>
+            <a:pPr>
+              <a:defRPr/>
+            </a:pPr>
+            <a:r>
+              <a:rPr lang="en-AU" dirty="0"/>
+              <a:t>Log exports</a:t>
+            </a:r>
+          </a:p>
+          <a:p>
+            <a:pPr>
+              <a:defRPr/>
+            </a:pPr>
+            <a:r>
+              <a:rPr lang="en-AU" dirty="0"/>
+              <a:t>Maintenance upgrades and maintenance window</a:t>
+            </a:r>
+          </a:p>
+        </p:txBody>
+      </p:sp>
+    </p:spTree>
+    <p:extLst>
+      <p:ext uri="{BB962C8B-B14F-4D97-AF65-F5344CB8AC3E}">
+        <p14:creationId xmlns:p14="http://schemas.microsoft.com/office/powerpoint/2010/main" val="4068720237"/>
+      </p:ext>
+    </p:extLst>
+  </p:cSld>
+  <p:clrMapOvr>
+    <a:masterClrMapping/>
+  </p:clrMapOvr>
+</p:sld>
+</file>
+
+<file path=ppt/slides/slide17.xml><?xml version="1.0" encoding="utf-8"?>
+<p:sld xmlns:a="http://schemas.openxmlformats.org/drawingml/2006/main" xmlns:r="http://schemas.openxmlformats.org/officeDocument/2006/relationships" xmlns:p="http://schemas.openxmlformats.org/presentationml/2006/main">
+  <p:cSld>
+    <p:spTree>
+      <p:nvGrpSpPr>
+        <p:cNvPr id="1" name=""/>
+        <p:cNvGrpSpPr/>
+        <p:nvPr/>
+      </p:nvGrpSpPr>
+      <p:grpSpPr>
+        <a:xfrm>
+          <a:off x="0" y="0"/>
+          <a:ext cx="0" cy="0"/>
+          <a:chOff x="0" y="0"/>
+          <a:chExt cx="0" cy="0"/>
+        </a:xfrm>
+      </p:grpSpPr>
+      <p:sp>
+        <p:nvSpPr>
+          <p:cNvPr id="2" name="Title 1"/>
+          <p:cNvSpPr>
+            <a:spLocks noGrp="1"/>
+          </p:cNvSpPr>
+          <p:nvPr>
+            <p:ph type="title"/>
+          </p:nvPr>
+        </p:nvSpPr>
+        <p:spPr/>
+        <p:txBody>
+          <a:bodyPr/>
+          <a:lstStyle/>
+          <a:p>
+            <a:r>
+              <a:rPr lang="en-US" dirty="0"/>
+              <a:t>Software on </a:t>
+            </a:r>
+            <a:r>
+              <a:rPr lang="en-US" dirty="0" err="1"/>
+              <a:t>ubuntu</a:t>
+            </a:r>
+            <a:r>
+              <a:rPr lang="en-US" dirty="0"/>
+              <a:t> for MySQL</a:t>
+            </a:r>
+          </a:p>
+        </p:txBody>
+      </p:sp>
+      <p:sp>
+        <p:nvSpPr>
+          <p:cNvPr id="3" name="Content Placeholder 2"/>
+          <p:cNvSpPr>
+            <a:spLocks noGrp="1"/>
+          </p:cNvSpPr>
+          <p:nvPr>
+            <p:ph idx="1"/>
+          </p:nvPr>
+        </p:nvSpPr>
+        <p:spPr>
+          <a:xfrm>
+            <a:off x="708409" y="1690688"/>
+            <a:ext cx="10645391" cy="4532312"/>
+          </a:xfrm>
+        </p:spPr>
+        <p:txBody>
+          <a:bodyPr>
+            <a:normAutofit/>
+          </a:bodyPr>
+          <a:lstStyle/>
+          <a:p>
+            <a:pPr>
+              <a:defRPr/>
+            </a:pPr>
+            <a:r>
+              <a:rPr lang="en-AU" dirty="0" err="1"/>
+              <a:t>sudo</a:t>
+            </a:r>
+            <a:r>
+              <a:rPr lang="en-AU" dirty="0"/>
+              <a:t> apt install </a:t>
+            </a:r>
+            <a:r>
+              <a:rPr lang="en-AU" dirty="0" err="1"/>
+              <a:t>mysql</a:t>
+            </a:r>
+            <a:r>
+              <a:rPr lang="en-AU" dirty="0"/>
+              <a:t>-client</a:t>
+            </a:r>
+          </a:p>
+          <a:p>
+            <a:pPr>
+              <a:defRPr/>
+            </a:pPr>
+            <a:r>
+              <a:rPr lang="en-AU" dirty="0" err="1"/>
+              <a:t>sudo</a:t>
+            </a:r>
+            <a:r>
+              <a:rPr lang="en-AU" dirty="0"/>
+              <a:t> apt install </a:t>
+            </a:r>
+            <a:r>
+              <a:rPr lang="en-AU" dirty="0" err="1"/>
+              <a:t>libmysqlclient</a:t>
+            </a:r>
+            <a:r>
+              <a:rPr lang="en-AU" dirty="0"/>
+              <a:t>-dev</a:t>
+            </a:r>
+          </a:p>
+          <a:p>
+            <a:pPr>
+              <a:defRPr/>
+            </a:pPr>
+            <a:r>
+              <a:rPr lang="en-AU" dirty="0"/>
+              <a:t>pip install </a:t>
+            </a:r>
+            <a:r>
+              <a:rPr lang="en-AU" dirty="0" err="1"/>
+              <a:t>mysqlclient</a:t>
+            </a:r>
+            <a:endParaRPr lang="en-AU" dirty="0"/>
+          </a:p>
+          <a:p>
+            <a:pPr>
+              <a:defRPr/>
+            </a:pPr>
+            <a:endParaRPr lang="en-AU" dirty="0"/>
+          </a:p>
+        </p:txBody>
+      </p:sp>
+    </p:spTree>
+    <p:extLst>
+      <p:ext uri="{BB962C8B-B14F-4D97-AF65-F5344CB8AC3E}">
+        <p14:creationId xmlns:p14="http://schemas.microsoft.com/office/powerpoint/2010/main" val="1721438942"/>
+      </p:ext>
+    </p:extLst>
+  </p:cSld>
+  <p:clrMapOvr>
+    <a:masterClrMapping/>
+  </p:clrMapOvr>
+</p:sld>
+</file>
+
+<file path=ppt/slides/slide18.xml><?xml version="1.0" encoding="utf-8"?>
+<p:sld xmlns:a="http://schemas.openxmlformats.org/drawingml/2006/main" xmlns:r="http://schemas.openxmlformats.org/officeDocument/2006/relationships" xmlns:p="http://schemas.openxmlformats.org/presentationml/2006/main">
+  <p:cSld>
+    <p:spTree>
+      <p:nvGrpSpPr>
+        <p:cNvPr id="1" name=""/>
+        <p:cNvGrpSpPr/>
+        <p:nvPr/>
+      </p:nvGrpSpPr>
+      <p:grpSpPr>
+        <a:xfrm>
+          <a:off x="0" y="0"/>
+          <a:ext cx="0" cy="0"/>
+          <a:chOff x="0" y="0"/>
+          <a:chExt cx="0" cy="0"/>
+        </a:xfrm>
+      </p:grpSpPr>
+      <p:sp>
+        <p:nvSpPr>
+          <p:cNvPr id="2" name="Title 1"/>
+          <p:cNvSpPr>
+            <a:spLocks noGrp="1"/>
+          </p:cNvSpPr>
+          <p:nvPr>
+            <p:ph type="title"/>
+          </p:nvPr>
+        </p:nvSpPr>
+        <p:spPr/>
+        <p:txBody>
+          <a:bodyPr/>
+          <a:lstStyle/>
+          <a:p>
+            <a:r>
+              <a:rPr lang="en-US" dirty="0"/>
+              <a:t>Adding data to </a:t>
+            </a:r>
+            <a:r>
+              <a:rPr lang="en-US" dirty="0" err="1"/>
+              <a:t>django</a:t>
+            </a:r>
+            <a:r>
+              <a:rPr lang="en-US" dirty="0"/>
+              <a:t> app</a:t>
+            </a:r>
+          </a:p>
+        </p:txBody>
+      </p:sp>
+      <p:sp>
+        <p:nvSpPr>
+          <p:cNvPr id="3" name="Content Placeholder 2"/>
+          <p:cNvSpPr>
+            <a:spLocks noGrp="1"/>
+          </p:cNvSpPr>
+          <p:nvPr>
+            <p:ph idx="1"/>
+          </p:nvPr>
+        </p:nvSpPr>
+        <p:spPr>
+          <a:xfrm>
+            <a:off x="708409" y="1690688"/>
+            <a:ext cx="10645391" cy="4532312"/>
+          </a:xfrm>
+        </p:spPr>
+        <p:txBody>
+          <a:bodyPr>
+            <a:normAutofit/>
+          </a:bodyPr>
+          <a:lstStyle/>
+          <a:p>
+            <a:pPr>
+              <a:defRPr/>
+            </a:pPr>
+            <a:r>
+              <a:rPr lang="en-AU" dirty="0"/>
+              <a:t>edit </a:t>
+            </a:r>
+            <a:r>
+              <a:rPr lang="en-AU" dirty="0" err="1"/>
+              <a:t>mysite</a:t>
+            </a:r>
+            <a:r>
+              <a:rPr lang="en-AU" dirty="0"/>
+              <a:t>/</a:t>
+            </a:r>
+            <a:r>
+              <a:rPr lang="en-AU" dirty="0" err="1"/>
+              <a:t>settings.py</a:t>
+            </a:r>
+            <a:r>
+              <a:rPr lang="en-AU" dirty="0"/>
+              <a:t> and add database </a:t>
+            </a:r>
+            <a:r>
+              <a:rPr lang="en-AU" dirty="0" err="1"/>
+              <a:t>config</a:t>
+            </a:r>
+            <a:endParaRPr lang="en-AU" dirty="0"/>
+          </a:p>
+        </p:txBody>
+      </p:sp>
+      <p:sp>
+        <p:nvSpPr>
+          <p:cNvPr id="4" name="Rounded Rectangle 3">
+            <a:extLst>
+              <a:ext uri="{FF2B5EF4-FFF2-40B4-BE49-F238E27FC236}">
+                <a16:creationId xmlns:a16="http://schemas.microsoft.com/office/drawing/2014/main" id="{20739D45-A726-6D44-B5DD-D2825DD9060B}"/>
+              </a:ext>
+            </a:extLst>
+          </p:cNvPr>
+          <p:cNvSpPr/>
+          <p:nvPr/>
+        </p:nvSpPr>
+        <p:spPr>
+          <a:xfrm>
+            <a:off x="838200" y="2479729"/>
+            <a:ext cx="10515600" cy="3743271"/>
+          </a:xfrm>
+          <a:prstGeom prst="roundRect">
+            <a:avLst/>
+          </a:prstGeom>
+          <a:solidFill>
+            <a:schemeClr val="accent1">
+              <a:alpha val="11000"/>
+            </a:schemeClr>
+          </a:solidFill>
+        </p:spPr>
+        <p:style>
+          <a:lnRef idx="2">
+            <a:schemeClr val="accent1">
+              <a:shade val="50000"/>
+            </a:schemeClr>
+          </a:lnRef>
+          <a:fillRef idx="1">
+            <a:schemeClr val="accent1"/>
+          </a:fillRef>
+          <a:effectRef idx="0">
+            <a:schemeClr val="accent1"/>
+          </a:effectRef>
+          <a:fontRef idx="minor">
+            <a:schemeClr val="lt1"/>
+          </a:fontRef>
+        </p:style>
+        <p:txBody>
+          <a:bodyPr rtlCol="0" anchor="t"/>
+          <a:lstStyle/>
+          <a:p>
+            <a:pPr algn="l"/>
+            <a:r>
+              <a:rPr lang="en-AU" dirty="0">
+                <a:solidFill>
+                  <a:schemeClr val="tx1"/>
+                </a:solidFill>
+              </a:rPr>
+              <a:t>DATABASES = {</a:t>
+            </a:r>
+          </a:p>
+          <a:p>
+            <a:pPr algn="l"/>
+            <a:r>
+              <a:rPr lang="en-AU" dirty="0">
+                <a:solidFill>
+                  <a:schemeClr val="tx1"/>
+                </a:solidFill>
+              </a:rPr>
+              <a:t>    'default': {</a:t>
+            </a:r>
+          </a:p>
+          <a:p>
+            <a:pPr algn="l"/>
+            <a:r>
+              <a:rPr lang="en-AU" dirty="0">
+                <a:solidFill>
+                  <a:schemeClr val="tx1"/>
+                </a:solidFill>
+              </a:rPr>
+              <a:t>        'ENGINE': '</a:t>
+            </a:r>
+            <a:r>
+              <a:rPr lang="en-AU" dirty="0" err="1">
+                <a:solidFill>
+                  <a:schemeClr val="tx1"/>
+                </a:solidFill>
+              </a:rPr>
+              <a:t>django.db.backends.mysql</a:t>
+            </a:r>
+            <a:r>
+              <a:rPr lang="en-AU" dirty="0">
+                <a:solidFill>
+                  <a:schemeClr val="tx1"/>
+                </a:solidFill>
+              </a:rPr>
+              <a:t>',</a:t>
+            </a:r>
+          </a:p>
+          <a:p>
+            <a:pPr algn="l"/>
+            <a:r>
+              <a:rPr lang="en-AU" dirty="0">
+                <a:solidFill>
+                  <a:schemeClr val="tx1"/>
+                </a:solidFill>
+              </a:rPr>
+              <a:t>        'NAME': 'HelloWorld',</a:t>
+            </a:r>
+          </a:p>
+          <a:p>
+            <a:pPr algn="l"/>
+            <a:r>
+              <a:rPr lang="en-AU" dirty="0">
+                <a:solidFill>
+                  <a:schemeClr val="tx1"/>
+                </a:solidFill>
+              </a:rPr>
+              <a:t>        'USER': 'root',</a:t>
+            </a:r>
+          </a:p>
+          <a:p>
+            <a:pPr algn="l"/>
+            <a:r>
+              <a:rPr lang="en-AU" dirty="0">
+                <a:solidFill>
+                  <a:schemeClr val="tx1"/>
+                </a:solidFill>
+              </a:rPr>
+              <a:t>        'PASSWORD': ‘</a:t>
+            </a:r>
+            <a:r>
+              <a:rPr lang="en-AU" dirty="0" err="1">
+                <a:solidFill>
+                  <a:schemeClr val="tx1"/>
+                </a:solidFill>
+              </a:rPr>
+              <a:t>apassword</a:t>
+            </a:r>
+            <a:r>
+              <a:rPr lang="en-AU" dirty="0">
+                <a:solidFill>
+                  <a:schemeClr val="tx1"/>
+                </a:solidFill>
+              </a:rPr>
+              <a:t>',</a:t>
+            </a:r>
+          </a:p>
+          <a:p>
+            <a:pPr algn="l"/>
+            <a:r>
+              <a:rPr lang="en-AU" dirty="0">
+                <a:solidFill>
+                  <a:schemeClr val="tx1"/>
+                </a:solidFill>
+              </a:rPr>
+              <a:t>        'HOST': 'helloworlddb.czos0yk2hdv2.ap-southeast-2.rds.amazonaws.com',</a:t>
+            </a:r>
+          </a:p>
+          <a:p>
+            <a:pPr algn="l"/>
+            <a:r>
+              <a:rPr lang="en-AU" dirty="0">
+                <a:solidFill>
+                  <a:schemeClr val="tx1"/>
+                </a:solidFill>
+              </a:rPr>
+              <a:t>    }</a:t>
+            </a:r>
+          </a:p>
+          <a:p>
+            <a:pPr algn="l"/>
+            <a:r>
+              <a:rPr lang="en-AU" dirty="0">
+                <a:solidFill>
+                  <a:schemeClr val="tx1"/>
+                </a:solidFill>
+              </a:rPr>
+              <a:t>}</a:t>
+            </a:r>
+          </a:p>
+          <a:p>
+            <a:pPr algn="l"/>
+            <a:endParaRPr lang="en-US" dirty="0">
+              <a:solidFill>
+                <a:schemeClr val="tx1"/>
+              </a:solidFill>
+            </a:endParaRPr>
+          </a:p>
+        </p:txBody>
+      </p:sp>
+    </p:spTree>
+    <p:extLst>
+      <p:ext uri="{BB962C8B-B14F-4D97-AF65-F5344CB8AC3E}">
+        <p14:creationId xmlns:p14="http://schemas.microsoft.com/office/powerpoint/2010/main" val="4256449798"/>
+      </p:ext>
+    </p:extLst>
+  </p:cSld>
+  <p:clrMapOvr>
+    <a:masterClrMapping/>
+  </p:clrMapOvr>
+</p:sld>
+</file>
+
+<file path=ppt/slides/slide19.xml><?xml version="1.0" encoding="utf-8"?>
+<p:sld xmlns:a="http://schemas.openxmlformats.org/drawingml/2006/main" xmlns:r="http://schemas.openxmlformats.org/officeDocument/2006/relationships" xmlns:p="http://schemas.openxmlformats.org/presentationml/2006/main">
+  <p:cSld>
+    <p:spTree>
+      <p:nvGrpSpPr>
+        <p:cNvPr id="1" name=""/>
+        <p:cNvGrpSpPr/>
+        <p:nvPr/>
+      </p:nvGrpSpPr>
+      <p:grpSpPr>
+        <a:xfrm>
+          <a:off x="0" y="0"/>
+          <a:ext cx="0" cy="0"/>
+          <a:chOff x="0" y="0"/>
+          <a:chExt cx="0" cy="0"/>
+        </a:xfrm>
+      </p:grpSpPr>
+      <p:sp>
+        <p:nvSpPr>
+          <p:cNvPr id="2" name="Title 1"/>
+          <p:cNvSpPr>
+            <a:spLocks noGrp="1"/>
+          </p:cNvSpPr>
+          <p:nvPr>
+            <p:ph type="title"/>
+          </p:nvPr>
+        </p:nvSpPr>
+        <p:spPr/>
+        <p:txBody>
+          <a:bodyPr/>
+          <a:lstStyle/>
+          <a:p>
+            <a:r>
+              <a:rPr lang="en-US" dirty="0"/>
+              <a:t>Update models</a:t>
+            </a:r>
+          </a:p>
+        </p:txBody>
+      </p:sp>
+      <p:sp>
+        <p:nvSpPr>
+          <p:cNvPr id="3" name="Content Placeholder 2"/>
+          <p:cNvSpPr>
+            <a:spLocks noGrp="1"/>
+          </p:cNvSpPr>
+          <p:nvPr>
+            <p:ph idx="1"/>
+          </p:nvPr>
+        </p:nvSpPr>
+        <p:spPr>
+          <a:xfrm>
+            <a:off x="708409" y="1690688"/>
+            <a:ext cx="10645391" cy="4532312"/>
+          </a:xfrm>
+        </p:spPr>
+        <p:txBody>
+          <a:bodyPr>
+            <a:normAutofit/>
+          </a:bodyPr>
+          <a:lstStyle/>
+          <a:p>
+            <a:pPr>
+              <a:defRPr/>
+            </a:pPr>
+            <a:r>
+              <a:rPr lang="en-AU" dirty="0"/>
+              <a:t>edit polls/</a:t>
+            </a:r>
+            <a:r>
+              <a:rPr lang="en-AU" dirty="0" err="1"/>
+              <a:t>models.py</a:t>
+            </a:r>
+            <a:endParaRPr lang="en-AU" dirty="0"/>
+          </a:p>
+        </p:txBody>
+      </p:sp>
+      <p:sp>
+        <p:nvSpPr>
+          <p:cNvPr id="4" name="Rounded Rectangle 3">
+            <a:extLst>
+              <a:ext uri="{FF2B5EF4-FFF2-40B4-BE49-F238E27FC236}">
+                <a16:creationId xmlns:a16="http://schemas.microsoft.com/office/drawing/2014/main" id="{20739D45-A726-6D44-B5DD-D2825DD9060B}"/>
+              </a:ext>
+            </a:extLst>
+          </p:cNvPr>
+          <p:cNvSpPr/>
+          <p:nvPr/>
+        </p:nvSpPr>
+        <p:spPr>
+          <a:xfrm>
+            <a:off x="838200" y="2479729"/>
+            <a:ext cx="10515600" cy="3743271"/>
+          </a:xfrm>
+          <a:prstGeom prst="roundRect">
+            <a:avLst/>
+          </a:prstGeom>
+          <a:solidFill>
+            <a:schemeClr val="accent1">
+              <a:alpha val="11000"/>
+            </a:schemeClr>
+          </a:solidFill>
+        </p:spPr>
+        <p:style>
+          <a:lnRef idx="2">
+            <a:schemeClr val="accent1">
+              <a:shade val="50000"/>
+            </a:schemeClr>
+          </a:lnRef>
+          <a:fillRef idx="1">
+            <a:schemeClr val="accent1"/>
+          </a:fillRef>
+          <a:effectRef idx="0">
+            <a:schemeClr val="accent1"/>
+          </a:effectRef>
+          <a:fontRef idx="minor">
+            <a:schemeClr val="lt1"/>
+          </a:fontRef>
+        </p:style>
+        <p:txBody>
+          <a:bodyPr rtlCol="0" anchor="t"/>
+          <a:lstStyle/>
+          <a:p>
+            <a:pPr algn="l"/>
+            <a:r>
+              <a:rPr lang="en-AU" sz="1800" b="1" dirty="0">
+                <a:solidFill>
+                  <a:schemeClr val="tx1"/>
+                </a:solidFill>
+                <a:latin typeface="Courier" pitchFamily="2" charset="0"/>
+              </a:rPr>
+              <a:t>from</a:t>
+            </a:r>
+            <a:r>
+              <a:rPr lang="en-AU" sz="1800" dirty="0">
+                <a:solidFill>
+                  <a:schemeClr val="tx1"/>
+                </a:solidFill>
+                <a:latin typeface="Courier" pitchFamily="2" charset="0"/>
+              </a:rPr>
+              <a:t> </a:t>
+            </a:r>
+            <a:r>
+              <a:rPr lang="en-AU" sz="1800" b="1" dirty="0" err="1">
+                <a:solidFill>
+                  <a:schemeClr val="tx1"/>
+                </a:solidFill>
+                <a:latin typeface="Courier" pitchFamily="2" charset="0"/>
+              </a:rPr>
+              <a:t>django.db</a:t>
+            </a:r>
+            <a:r>
+              <a:rPr lang="en-AU" sz="1800" dirty="0">
+                <a:solidFill>
+                  <a:schemeClr val="tx1"/>
+                </a:solidFill>
+                <a:latin typeface="Courier" pitchFamily="2" charset="0"/>
+              </a:rPr>
+              <a:t> </a:t>
+            </a:r>
+            <a:r>
+              <a:rPr lang="en-AU" sz="1800" b="1" dirty="0">
+                <a:solidFill>
+                  <a:schemeClr val="tx1"/>
+                </a:solidFill>
+                <a:latin typeface="Courier" pitchFamily="2" charset="0"/>
+              </a:rPr>
+              <a:t>import</a:t>
+            </a:r>
+            <a:r>
+              <a:rPr lang="en-AU" sz="1800" dirty="0">
+                <a:solidFill>
+                  <a:schemeClr val="tx1"/>
+                </a:solidFill>
+                <a:latin typeface="Courier" pitchFamily="2" charset="0"/>
+              </a:rPr>
+              <a:t> models </a:t>
+            </a:r>
+          </a:p>
+          <a:p>
+            <a:pPr algn="l"/>
+            <a:endParaRPr lang="en-AU" sz="1800" dirty="0">
+              <a:solidFill>
+                <a:schemeClr val="tx1"/>
+              </a:solidFill>
+              <a:latin typeface="Courier" pitchFamily="2" charset="0"/>
+            </a:endParaRPr>
+          </a:p>
+          <a:p>
+            <a:pPr algn="l"/>
+            <a:r>
+              <a:rPr lang="en-AU" sz="1800" b="1" dirty="0">
+                <a:solidFill>
+                  <a:schemeClr val="tx1"/>
+                </a:solidFill>
+                <a:latin typeface="Courier" pitchFamily="2" charset="0"/>
+              </a:rPr>
+              <a:t>class</a:t>
+            </a:r>
+            <a:r>
+              <a:rPr lang="en-AU" sz="1800" dirty="0">
+                <a:solidFill>
+                  <a:schemeClr val="tx1"/>
+                </a:solidFill>
+                <a:latin typeface="Courier" pitchFamily="2" charset="0"/>
+              </a:rPr>
+              <a:t> </a:t>
+            </a:r>
+            <a:r>
+              <a:rPr lang="en-AU" sz="1800" b="1" dirty="0">
+                <a:solidFill>
+                  <a:schemeClr val="tx1"/>
+                </a:solidFill>
+                <a:latin typeface="Courier" pitchFamily="2" charset="0"/>
+              </a:rPr>
+              <a:t>Question</a:t>
+            </a:r>
+            <a:r>
+              <a:rPr lang="en-AU" sz="1800" dirty="0">
+                <a:solidFill>
+                  <a:schemeClr val="tx1"/>
+                </a:solidFill>
+                <a:latin typeface="Courier" pitchFamily="2" charset="0"/>
+              </a:rPr>
+              <a:t>(</a:t>
+            </a:r>
+            <a:r>
+              <a:rPr lang="en-AU" sz="1800" dirty="0" err="1">
+                <a:solidFill>
+                  <a:schemeClr val="tx1"/>
+                </a:solidFill>
+                <a:latin typeface="Courier" pitchFamily="2" charset="0"/>
+              </a:rPr>
+              <a:t>models.Model</a:t>
+            </a:r>
+            <a:r>
+              <a:rPr lang="en-AU" sz="1800" dirty="0">
+                <a:solidFill>
+                  <a:schemeClr val="tx1"/>
+                </a:solidFill>
+                <a:latin typeface="Courier" pitchFamily="2" charset="0"/>
+              </a:rPr>
+              <a:t>): </a:t>
+            </a:r>
+          </a:p>
+          <a:p>
+            <a:pPr algn="l"/>
+            <a:r>
+              <a:rPr lang="en-AU" sz="1800" dirty="0">
+                <a:solidFill>
+                  <a:schemeClr val="tx1"/>
+                </a:solidFill>
+                <a:latin typeface="Courier" pitchFamily="2" charset="0"/>
+              </a:rPr>
+              <a:t>    </a:t>
+            </a:r>
+            <a:r>
+              <a:rPr lang="en-AU" sz="1800" dirty="0" err="1">
+                <a:solidFill>
+                  <a:schemeClr val="tx1"/>
+                </a:solidFill>
+                <a:latin typeface="Courier" pitchFamily="2" charset="0"/>
+              </a:rPr>
+              <a:t>question_text</a:t>
+            </a:r>
+            <a:r>
+              <a:rPr lang="en-AU" sz="1800" dirty="0">
+                <a:solidFill>
+                  <a:schemeClr val="tx1"/>
+                </a:solidFill>
+                <a:latin typeface="Courier" pitchFamily="2" charset="0"/>
+              </a:rPr>
+              <a:t> = </a:t>
+            </a:r>
+            <a:r>
+              <a:rPr lang="en-AU" sz="1800" dirty="0" err="1">
+                <a:solidFill>
+                  <a:schemeClr val="tx1"/>
+                </a:solidFill>
+                <a:latin typeface="Courier" pitchFamily="2" charset="0"/>
+              </a:rPr>
+              <a:t>models.CharField</a:t>
+            </a:r>
+            <a:r>
+              <a:rPr lang="en-AU" sz="1800" dirty="0">
+                <a:solidFill>
+                  <a:schemeClr val="tx1"/>
+                </a:solidFill>
+                <a:latin typeface="Courier" pitchFamily="2" charset="0"/>
+              </a:rPr>
+              <a:t>(</a:t>
+            </a:r>
+            <a:r>
+              <a:rPr lang="en-AU" sz="1800" dirty="0" err="1">
+                <a:solidFill>
+                  <a:schemeClr val="tx1"/>
+                </a:solidFill>
+                <a:latin typeface="Courier" pitchFamily="2" charset="0"/>
+              </a:rPr>
+              <a:t>max_length</a:t>
+            </a:r>
+            <a:r>
+              <a:rPr lang="en-AU" sz="1800" dirty="0">
+                <a:solidFill>
+                  <a:schemeClr val="tx1"/>
+                </a:solidFill>
+                <a:latin typeface="Courier" pitchFamily="2" charset="0"/>
+              </a:rPr>
+              <a:t>=200) </a:t>
+            </a:r>
+          </a:p>
+          <a:p>
+            <a:pPr algn="l"/>
+            <a:r>
+              <a:rPr lang="en-AU" sz="1800" dirty="0">
+                <a:solidFill>
+                  <a:schemeClr val="tx1"/>
+                </a:solidFill>
+                <a:latin typeface="Courier" pitchFamily="2" charset="0"/>
+              </a:rPr>
+              <a:t>    </a:t>
+            </a:r>
+            <a:r>
+              <a:rPr lang="en-AU" sz="1800" dirty="0" err="1">
+                <a:solidFill>
+                  <a:schemeClr val="tx1"/>
+                </a:solidFill>
+                <a:latin typeface="Courier" pitchFamily="2" charset="0"/>
+              </a:rPr>
+              <a:t>pub_date</a:t>
+            </a:r>
+            <a:r>
+              <a:rPr lang="en-AU" sz="1800" dirty="0">
+                <a:solidFill>
+                  <a:schemeClr val="tx1"/>
+                </a:solidFill>
+                <a:latin typeface="Courier" pitchFamily="2" charset="0"/>
+              </a:rPr>
+              <a:t> = </a:t>
+            </a:r>
+            <a:r>
+              <a:rPr lang="en-AU" sz="1800" dirty="0" err="1">
+                <a:solidFill>
+                  <a:schemeClr val="tx1"/>
+                </a:solidFill>
+                <a:latin typeface="Courier" pitchFamily="2" charset="0"/>
+              </a:rPr>
+              <a:t>models.DateTimeField</a:t>
+            </a:r>
+            <a:r>
+              <a:rPr lang="en-AU" sz="1800" dirty="0">
+                <a:solidFill>
+                  <a:schemeClr val="tx1"/>
+                </a:solidFill>
+                <a:latin typeface="Courier" pitchFamily="2" charset="0"/>
+              </a:rPr>
+              <a:t>('date published’) </a:t>
+            </a:r>
+          </a:p>
+          <a:p>
+            <a:pPr algn="l"/>
+            <a:endParaRPr lang="en-AU" sz="1800" b="1" dirty="0">
+              <a:solidFill>
+                <a:schemeClr val="tx1"/>
+              </a:solidFill>
+              <a:latin typeface="Courier" pitchFamily="2" charset="0"/>
+            </a:endParaRPr>
+          </a:p>
+          <a:p>
+            <a:pPr algn="l"/>
+            <a:r>
+              <a:rPr lang="en-AU" sz="1800" b="1" dirty="0">
+                <a:solidFill>
+                  <a:schemeClr val="tx1"/>
+                </a:solidFill>
+                <a:latin typeface="Courier" pitchFamily="2" charset="0"/>
+              </a:rPr>
+              <a:t>class</a:t>
+            </a:r>
+            <a:r>
+              <a:rPr lang="en-AU" sz="1800" dirty="0">
+                <a:solidFill>
+                  <a:schemeClr val="tx1"/>
+                </a:solidFill>
+                <a:latin typeface="Courier" pitchFamily="2" charset="0"/>
+              </a:rPr>
+              <a:t> </a:t>
+            </a:r>
+            <a:r>
+              <a:rPr lang="en-AU" sz="1800" b="1" dirty="0">
+                <a:solidFill>
+                  <a:schemeClr val="tx1"/>
+                </a:solidFill>
+                <a:latin typeface="Courier" pitchFamily="2" charset="0"/>
+              </a:rPr>
+              <a:t>Choice</a:t>
+            </a:r>
+            <a:r>
+              <a:rPr lang="en-AU" sz="1800" dirty="0">
+                <a:solidFill>
+                  <a:schemeClr val="tx1"/>
+                </a:solidFill>
+                <a:latin typeface="Courier" pitchFamily="2" charset="0"/>
+              </a:rPr>
+              <a:t>(</a:t>
+            </a:r>
+            <a:r>
+              <a:rPr lang="en-AU" sz="1800" dirty="0" err="1">
+                <a:solidFill>
+                  <a:schemeClr val="tx1"/>
+                </a:solidFill>
+                <a:latin typeface="Courier" pitchFamily="2" charset="0"/>
+              </a:rPr>
+              <a:t>models.Model</a:t>
+            </a:r>
+            <a:r>
+              <a:rPr lang="en-AU" sz="1800" dirty="0">
+                <a:solidFill>
+                  <a:schemeClr val="tx1"/>
+                </a:solidFill>
+                <a:latin typeface="Courier" pitchFamily="2" charset="0"/>
+              </a:rPr>
+              <a:t>): </a:t>
+            </a:r>
+          </a:p>
+          <a:p>
+            <a:pPr algn="l"/>
+            <a:r>
+              <a:rPr lang="en-AU" sz="1800" dirty="0">
+                <a:solidFill>
+                  <a:schemeClr val="tx1"/>
+                </a:solidFill>
+                <a:latin typeface="Courier" pitchFamily="2" charset="0"/>
+              </a:rPr>
+              <a:t>    question = </a:t>
+            </a:r>
+            <a:r>
+              <a:rPr lang="en-AU" sz="1800" dirty="0" err="1">
+                <a:solidFill>
+                  <a:schemeClr val="tx1"/>
+                </a:solidFill>
+                <a:latin typeface="Courier" pitchFamily="2" charset="0"/>
+              </a:rPr>
+              <a:t>models.ForeignKey</a:t>
+            </a:r>
+            <a:r>
+              <a:rPr lang="en-AU" sz="1800" dirty="0">
+                <a:solidFill>
+                  <a:schemeClr val="tx1"/>
+                </a:solidFill>
+                <a:latin typeface="Courier" pitchFamily="2" charset="0"/>
+              </a:rPr>
+              <a:t>(Question, </a:t>
+            </a:r>
+            <a:r>
+              <a:rPr lang="en-AU" sz="1800" dirty="0" err="1">
+                <a:solidFill>
+                  <a:schemeClr val="tx1"/>
+                </a:solidFill>
+                <a:latin typeface="Courier" pitchFamily="2" charset="0"/>
+              </a:rPr>
+              <a:t>on_delete</a:t>
+            </a:r>
+            <a:r>
+              <a:rPr lang="en-AU" sz="1800" dirty="0">
+                <a:solidFill>
+                  <a:schemeClr val="tx1"/>
+                </a:solidFill>
+                <a:latin typeface="Courier" pitchFamily="2" charset="0"/>
+              </a:rPr>
+              <a:t>=</a:t>
+            </a:r>
+            <a:r>
+              <a:rPr lang="en-AU" sz="1800" dirty="0" err="1">
+                <a:solidFill>
+                  <a:schemeClr val="tx1"/>
+                </a:solidFill>
+                <a:latin typeface="Courier" pitchFamily="2" charset="0"/>
+              </a:rPr>
+              <a:t>models.CASCADE</a:t>
+            </a:r>
+            <a:r>
+              <a:rPr lang="en-AU" sz="1800" dirty="0">
+                <a:solidFill>
+                  <a:schemeClr val="tx1"/>
+                </a:solidFill>
+                <a:latin typeface="Courier" pitchFamily="2" charset="0"/>
+              </a:rPr>
+              <a:t>)  </a:t>
+            </a:r>
+          </a:p>
+          <a:p>
+            <a:pPr algn="l"/>
+            <a:r>
+              <a:rPr lang="en-AU" sz="1800" dirty="0">
+                <a:solidFill>
+                  <a:schemeClr val="tx1"/>
+                </a:solidFill>
+                <a:latin typeface="Courier" pitchFamily="2" charset="0"/>
+              </a:rPr>
+              <a:t>    </a:t>
+            </a:r>
+            <a:r>
+              <a:rPr lang="en-AU" sz="1800" dirty="0" err="1">
+                <a:solidFill>
+                  <a:schemeClr val="tx1"/>
+                </a:solidFill>
+                <a:latin typeface="Courier" pitchFamily="2" charset="0"/>
+              </a:rPr>
+              <a:t>choice_text</a:t>
+            </a:r>
+            <a:r>
+              <a:rPr lang="en-AU" sz="1800" dirty="0">
+                <a:solidFill>
+                  <a:schemeClr val="tx1"/>
+                </a:solidFill>
+                <a:latin typeface="Courier" pitchFamily="2" charset="0"/>
+              </a:rPr>
+              <a:t> = </a:t>
+            </a:r>
+            <a:r>
+              <a:rPr lang="en-AU" sz="1800" dirty="0" err="1">
+                <a:solidFill>
+                  <a:schemeClr val="tx1"/>
+                </a:solidFill>
+                <a:latin typeface="Courier" pitchFamily="2" charset="0"/>
+              </a:rPr>
+              <a:t>models.CharField</a:t>
+            </a:r>
+            <a:r>
+              <a:rPr lang="en-AU" sz="1800" dirty="0">
+                <a:solidFill>
+                  <a:schemeClr val="tx1"/>
+                </a:solidFill>
+                <a:latin typeface="Courier" pitchFamily="2" charset="0"/>
+              </a:rPr>
+              <a:t>(</a:t>
+            </a:r>
+            <a:r>
+              <a:rPr lang="en-AU" sz="1800" dirty="0" err="1">
+                <a:solidFill>
+                  <a:schemeClr val="tx1"/>
+                </a:solidFill>
+                <a:latin typeface="Courier" pitchFamily="2" charset="0"/>
+              </a:rPr>
+              <a:t>max_length</a:t>
+            </a:r>
+            <a:r>
+              <a:rPr lang="en-AU" sz="1800" dirty="0">
+                <a:solidFill>
+                  <a:schemeClr val="tx1"/>
+                </a:solidFill>
+                <a:latin typeface="Courier" pitchFamily="2" charset="0"/>
+              </a:rPr>
+              <a:t>=200) </a:t>
+            </a:r>
+          </a:p>
+          <a:p>
+            <a:pPr algn="l"/>
+            <a:r>
+              <a:rPr lang="en-AU" sz="1800" dirty="0">
+                <a:solidFill>
+                  <a:schemeClr val="tx1"/>
+                </a:solidFill>
+                <a:latin typeface="Courier" pitchFamily="2" charset="0"/>
+              </a:rPr>
+              <a:t>    votes = </a:t>
+            </a:r>
+            <a:r>
+              <a:rPr lang="en-AU" sz="1800" dirty="0" err="1">
+                <a:solidFill>
+                  <a:schemeClr val="tx1"/>
+                </a:solidFill>
+                <a:latin typeface="Courier" pitchFamily="2" charset="0"/>
+              </a:rPr>
+              <a:t>models.IntegerField</a:t>
+            </a:r>
+            <a:r>
+              <a:rPr lang="en-AU" sz="1800" dirty="0">
+                <a:solidFill>
+                  <a:schemeClr val="tx1"/>
+                </a:solidFill>
+                <a:latin typeface="Courier" pitchFamily="2" charset="0"/>
+              </a:rPr>
+              <a:t>(default=0)</a:t>
+            </a:r>
+            <a:endParaRPr lang="en-US" sz="1800" dirty="0">
+              <a:solidFill>
+                <a:schemeClr val="tx1"/>
+              </a:solidFill>
+              <a:latin typeface="Courier" pitchFamily="2" charset="0"/>
+            </a:endParaRPr>
+          </a:p>
+        </p:txBody>
+      </p:sp>
+    </p:spTree>
+    <p:extLst>
+      <p:ext uri="{BB962C8B-B14F-4D97-AF65-F5344CB8AC3E}">
+        <p14:creationId xmlns:p14="http://schemas.microsoft.com/office/powerpoint/2010/main" val="2436960682"/>
       </p:ext>
     </p:extLst>
   </p:cSld>
@@ -13153,1668 +12631,6 @@
           <a:p>
             <a:r>
               <a:rPr lang="en-US" dirty="0"/>
-              <a:t>Run the app</a:t>
-            </a:r>
-          </a:p>
-        </p:txBody>
-      </p:sp>
-      <p:sp>
-        <p:nvSpPr>
-          <p:cNvPr id="3" name="Content Placeholder 2"/>
-          <p:cNvSpPr>
-            <a:spLocks noGrp="1"/>
-          </p:cNvSpPr>
-          <p:nvPr>
-            <p:ph idx="1"/>
-          </p:nvPr>
-        </p:nvSpPr>
-        <p:spPr>
-          <a:xfrm>
-            <a:off x="708409" y="1690688"/>
-            <a:ext cx="10645391" cy="4532312"/>
-          </a:xfrm>
-        </p:spPr>
-        <p:txBody>
-          <a:bodyPr>
-            <a:normAutofit/>
-          </a:bodyPr>
-          <a:lstStyle/>
-          <a:p>
-            <a:pPr>
-              <a:defRPr/>
-            </a:pPr>
-            <a:r>
-              <a:rPr lang="en-AU" dirty="0"/>
-              <a:t>python </a:t>
-            </a:r>
-            <a:r>
-              <a:rPr lang="en-AU" dirty="0" err="1"/>
-              <a:t>manage.py</a:t>
-            </a:r>
-            <a:r>
-              <a:rPr lang="en-AU" dirty="0"/>
-              <a:t> </a:t>
-            </a:r>
-            <a:r>
-              <a:rPr lang="en-AU" dirty="0" err="1"/>
-              <a:t>runserver</a:t>
-            </a:r>
-            <a:r>
-              <a:rPr lang="en-AU" dirty="0"/>
-              <a:t> 8000</a:t>
-            </a:r>
-          </a:p>
-          <a:p>
-            <a:pPr>
-              <a:defRPr/>
-            </a:pPr>
-            <a:r>
-              <a:rPr lang="en-AU" dirty="0"/>
-              <a:t>now configure ELB </a:t>
-            </a:r>
-            <a:r>
-              <a:rPr lang="en-AU" dirty="0" err="1"/>
-              <a:t>healthcheck</a:t>
-            </a:r>
-            <a:r>
-              <a:rPr lang="en-AU" dirty="0"/>
-              <a:t> to point to http://&lt;</a:t>
-            </a:r>
-            <a:r>
-              <a:rPr lang="en-AU" dirty="0" err="1"/>
-              <a:t>elb</a:t>
-            </a:r>
-            <a:r>
-              <a:rPr lang="en-AU" dirty="0"/>
-              <a:t> address&gt;/polls/</a:t>
-            </a:r>
-          </a:p>
-          <a:p>
-            <a:pPr>
-              <a:defRPr/>
-            </a:pPr>
-            <a:r>
-              <a:rPr lang="en-AU" dirty="0"/>
-              <a:t>should see health indicator change</a:t>
-            </a:r>
-          </a:p>
-        </p:txBody>
-      </p:sp>
-    </p:spTree>
-    <p:extLst>
-      <p:ext uri="{BB962C8B-B14F-4D97-AF65-F5344CB8AC3E}">
-        <p14:creationId xmlns:p14="http://schemas.microsoft.com/office/powerpoint/2010/main" val="1158604601"/>
-      </p:ext>
-    </p:extLst>
-  </p:cSld>
-  <p:clrMapOvr>
-    <a:masterClrMapping/>
-  </p:clrMapOvr>
-</p:sld>
-</file>
-
-<file path=ppt/slides/slide21.xml><?xml version="1.0" encoding="utf-8"?>
-<p:sld xmlns:a="http://schemas.openxmlformats.org/drawingml/2006/main" xmlns:r="http://schemas.openxmlformats.org/officeDocument/2006/relationships" xmlns:p="http://schemas.openxmlformats.org/presentationml/2006/main">
-  <p:cSld>
-    <p:spTree>
-      <p:nvGrpSpPr>
-        <p:cNvPr id="1" name=""/>
-        <p:cNvGrpSpPr/>
-        <p:nvPr/>
-      </p:nvGrpSpPr>
-      <p:grpSpPr>
-        <a:xfrm>
-          <a:off x="0" y="0"/>
-          <a:ext cx="0" cy="0"/>
-          <a:chOff x="0" y="0"/>
-          <a:chExt cx="0" cy="0"/>
-        </a:xfrm>
-      </p:grpSpPr>
-      <p:sp>
-        <p:nvSpPr>
-          <p:cNvPr id="2" name="Title 1"/>
-          <p:cNvSpPr>
-            <a:spLocks noGrp="1"/>
-          </p:cNvSpPr>
-          <p:nvPr>
-            <p:ph type="title"/>
-          </p:nvPr>
-        </p:nvSpPr>
-        <p:spPr/>
-        <p:txBody>
-          <a:bodyPr/>
-          <a:lstStyle/>
-          <a:p>
-            <a:r>
-              <a:rPr lang="en-US" dirty="0"/>
-              <a:t>Adding a Database</a:t>
-            </a:r>
-          </a:p>
-        </p:txBody>
-      </p:sp>
-      <p:sp>
-        <p:nvSpPr>
-          <p:cNvPr id="3" name="Content Placeholder 2"/>
-          <p:cNvSpPr>
-            <a:spLocks noGrp="1"/>
-          </p:cNvSpPr>
-          <p:nvPr>
-            <p:ph idx="1"/>
-          </p:nvPr>
-        </p:nvSpPr>
-        <p:spPr>
-          <a:xfrm>
-            <a:off x="708409" y="1690688"/>
-            <a:ext cx="10645391" cy="4532312"/>
-          </a:xfrm>
-        </p:spPr>
-        <p:txBody>
-          <a:bodyPr>
-            <a:normAutofit/>
-          </a:bodyPr>
-          <a:lstStyle/>
-          <a:p>
-            <a:pPr>
-              <a:defRPr/>
-            </a:pPr>
-            <a:r>
-              <a:rPr lang="en-AU" dirty="0"/>
-              <a:t>Many options for storing data (we have seen S3 and </a:t>
-            </a:r>
-            <a:r>
-              <a:rPr lang="en-AU" dirty="0" err="1"/>
-              <a:t>DynamoDB</a:t>
-            </a:r>
-            <a:r>
-              <a:rPr lang="en-AU" dirty="0"/>
-              <a:t>)</a:t>
-            </a:r>
-          </a:p>
-          <a:p>
-            <a:pPr>
-              <a:defRPr/>
-            </a:pPr>
-            <a:r>
-              <a:rPr lang="en-AU" dirty="0"/>
-              <a:t>Most common platform is a relational database</a:t>
-            </a:r>
-          </a:p>
-          <a:p>
-            <a:pPr>
-              <a:defRPr/>
-            </a:pPr>
-            <a:r>
-              <a:rPr lang="en-AU" dirty="0"/>
-              <a:t>AWS provides Relational Database Service (RDS) as a platform to run:</a:t>
-            </a:r>
-          </a:p>
-          <a:p>
-            <a:pPr lvl="1">
-              <a:defRPr/>
-            </a:pPr>
-            <a:r>
-              <a:rPr lang="en-AU" dirty="0"/>
-              <a:t>MySQL</a:t>
-            </a:r>
-          </a:p>
-          <a:p>
-            <a:pPr lvl="1">
-              <a:defRPr/>
-            </a:pPr>
-            <a:r>
-              <a:rPr lang="en-AU" dirty="0"/>
-              <a:t>PostgreSQL</a:t>
-            </a:r>
-          </a:p>
-          <a:p>
-            <a:pPr lvl="1">
-              <a:defRPr/>
-            </a:pPr>
-            <a:r>
-              <a:rPr lang="en-AU" dirty="0" err="1"/>
-              <a:t>MariaDB</a:t>
-            </a:r>
-            <a:endParaRPr lang="en-AU" dirty="0"/>
-          </a:p>
-          <a:p>
-            <a:pPr lvl="1">
-              <a:defRPr/>
-            </a:pPr>
-            <a:r>
-              <a:rPr lang="en-AU" dirty="0"/>
-              <a:t>Oracle</a:t>
-            </a:r>
-          </a:p>
-          <a:p>
-            <a:pPr lvl="1">
-              <a:defRPr/>
-            </a:pPr>
-            <a:r>
-              <a:rPr lang="en-AU" dirty="0"/>
-              <a:t>Aurora</a:t>
-            </a:r>
-          </a:p>
-          <a:p>
-            <a:pPr lvl="1">
-              <a:defRPr/>
-            </a:pPr>
-            <a:r>
-              <a:rPr lang="en-AU" dirty="0"/>
-              <a:t>SQL Server</a:t>
-            </a:r>
-          </a:p>
-        </p:txBody>
-      </p:sp>
-    </p:spTree>
-    <p:extLst>
-      <p:ext uri="{BB962C8B-B14F-4D97-AF65-F5344CB8AC3E}">
-        <p14:creationId xmlns:p14="http://schemas.microsoft.com/office/powerpoint/2010/main" val="3699854901"/>
-      </p:ext>
-    </p:extLst>
-  </p:cSld>
-  <p:clrMapOvr>
-    <a:masterClrMapping/>
-  </p:clrMapOvr>
-</p:sld>
-</file>
-
-<file path=ppt/slides/slide22.xml><?xml version="1.0" encoding="utf-8"?>
-<p:sld xmlns:a="http://schemas.openxmlformats.org/drawingml/2006/main" xmlns:r="http://schemas.openxmlformats.org/officeDocument/2006/relationships" xmlns:p="http://schemas.openxmlformats.org/presentationml/2006/main">
-  <p:cSld>
-    <p:spTree>
-      <p:nvGrpSpPr>
-        <p:cNvPr id="1" name=""/>
-        <p:cNvGrpSpPr/>
-        <p:nvPr/>
-      </p:nvGrpSpPr>
-      <p:grpSpPr>
-        <a:xfrm>
-          <a:off x="0" y="0"/>
-          <a:ext cx="0" cy="0"/>
-          <a:chOff x="0" y="0"/>
-          <a:chExt cx="0" cy="0"/>
-        </a:xfrm>
-      </p:grpSpPr>
-      <p:sp>
-        <p:nvSpPr>
-          <p:cNvPr id="2" name="Title 1"/>
-          <p:cNvSpPr>
-            <a:spLocks noGrp="1"/>
-          </p:cNvSpPr>
-          <p:nvPr>
-            <p:ph type="title"/>
-          </p:nvPr>
-        </p:nvSpPr>
-        <p:spPr/>
-        <p:txBody>
-          <a:bodyPr/>
-          <a:lstStyle/>
-          <a:p>
-            <a:r>
-              <a:rPr lang="en-US" dirty="0"/>
-              <a:t>Adding a Database</a:t>
-            </a:r>
-          </a:p>
-        </p:txBody>
-      </p:sp>
-      <p:sp>
-        <p:nvSpPr>
-          <p:cNvPr id="3" name="Content Placeholder 2"/>
-          <p:cNvSpPr>
-            <a:spLocks noGrp="1"/>
-          </p:cNvSpPr>
-          <p:nvPr>
-            <p:ph idx="1"/>
-          </p:nvPr>
-        </p:nvSpPr>
-        <p:spPr>
-          <a:xfrm>
-            <a:off x="708409" y="1690688"/>
-            <a:ext cx="10645391" cy="4532312"/>
-          </a:xfrm>
-        </p:spPr>
-        <p:txBody>
-          <a:bodyPr>
-            <a:normAutofit/>
-          </a:bodyPr>
-          <a:lstStyle/>
-          <a:p>
-            <a:pPr>
-              <a:defRPr/>
-            </a:pPr>
-            <a:r>
-              <a:rPr lang="en-AU" dirty="0"/>
-              <a:t>RDS abstracts some of the platform issues from the database</a:t>
-            </a:r>
-          </a:p>
-          <a:p>
-            <a:pPr>
-              <a:defRPr/>
-            </a:pPr>
-            <a:r>
-              <a:rPr lang="en-AU" dirty="0"/>
-              <a:t>Choose database type and version</a:t>
-            </a:r>
-          </a:p>
-          <a:p>
-            <a:pPr lvl="1">
-              <a:defRPr/>
-            </a:pPr>
-            <a:r>
-              <a:rPr lang="en-AU" dirty="0"/>
-              <a:t>Aurora is AWS’ own database with compatibility with MySQL or PostgreSQL</a:t>
-            </a:r>
-          </a:p>
-          <a:p>
-            <a:pPr>
-              <a:defRPr/>
-            </a:pPr>
-            <a:r>
-              <a:rPr lang="en-AU" dirty="0"/>
-              <a:t>Choose instance size</a:t>
-            </a:r>
-          </a:p>
-          <a:p>
-            <a:pPr>
-              <a:defRPr/>
-            </a:pPr>
-            <a:r>
-              <a:rPr lang="en-AU" dirty="0"/>
-              <a:t>Chose if Multi-AZ deployment</a:t>
-            </a:r>
-          </a:p>
-          <a:p>
-            <a:pPr lvl="1">
-              <a:defRPr/>
-            </a:pPr>
-            <a:r>
-              <a:rPr lang="en-AU" dirty="0"/>
-              <a:t>Provides redundancy in case of failure of database within one availability zone</a:t>
-            </a:r>
-          </a:p>
-          <a:p>
-            <a:pPr lvl="1">
-              <a:defRPr/>
-            </a:pPr>
-            <a:r>
-              <a:rPr lang="en-AU" dirty="0"/>
-              <a:t>Provides some load balancing</a:t>
-            </a:r>
-          </a:p>
-          <a:p>
-            <a:pPr>
-              <a:defRPr/>
-            </a:pPr>
-            <a:r>
-              <a:rPr lang="en-AU" dirty="0"/>
-              <a:t>Choose disk type and size</a:t>
-            </a:r>
-          </a:p>
-        </p:txBody>
-      </p:sp>
-    </p:spTree>
-    <p:extLst>
-      <p:ext uri="{BB962C8B-B14F-4D97-AF65-F5344CB8AC3E}">
-        <p14:creationId xmlns:p14="http://schemas.microsoft.com/office/powerpoint/2010/main" val="1538195104"/>
-      </p:ext>
-    </p:extLst>
-  </p:cSld>
-  <p:clrMapOvr>
-    <a:masterClrMapping/>
-  </p:clrMapOvr>
-</p:sld>
-</file>
-
-<file path=ppt/slides/slide23.xml><?xml version="1.0" encoding="utf-8"?>
-<p:sld xmlns:a="http://schemas.openxmlformats.org/drawingml/2006/main" xmlns:r="http://schemas.openxmlformats.org/officeDocument/2006/relationships" xmlns:p="http://schemas.openxmlformats.org/presentationml/2006/main">
-  <p:cSld>
-    <p:spTree>
-      <p:nvGrpSpPr>
-        <p:cNvPr id="1" name=""/>
-        <p:cNvGrpSpPr/>
-        <p:nvPr/>
-      </p:nvGrpSpPr>
-      <p:grpSpPr>
-        <a:xfrm>
-          <a:off x="0" y="0"/>
-          <a:ext cx="0" cy="0"/>
-          <a:chOff x="0" y="0"/>
-          <a:chExt cx="0" cy="0"/>
-        </a:xfrm>
-      </p:grpSpPr>
-      <p:sp>
-        <p:nvSpPr>
-          <p:cNvPr id="2" name="Title 1"/>
-          <p:cNvSpPr>
-            <a:spLocks noGrp="1"/>
-          </p:cNvSpPr>
-          <p:nvPr>
-            <p:ph type="title"/>
-          </p:nvPr>
-        </p:nvSpPr>
-        <p:spPr/>
-        <p:txBody>
-          <a:bodyPr/>
-          <a:lstStyle/>
-          <a:p>
-            <a:r>
-              <a:rPr lang="en-US" dirty="0"/>
-              <a:t>Configuration</a:t>
-            </a:r>
-          </a:p>
-        </p:txBody>
-      </p:sp>
-      <p:sp>
-        <p:nvSpPr>
-          <p:cNvPr id="3" name="Content Placeholder 2"/>
-          <p:cNvSpPr>
-            <a:spLocks noGrp="1"/>
-          </p:cNvSpPr>
-          <p:nvPr>
-            <p:ph idx="1"/>
-          </p:nvPr>
-        </p:nvSpPr>
-        <p:spPr>
-          <a:xfrm>
-            <a:off x="708409" y="1690688"/>
-            <a:ext cx="10645391" cy="4532312"/>
-          </a:xfrm>
-        </p:spPr>
-        <p:txBody>
-          <a:bodyPr>
-            <a:normAutofit lnSpcReduction="10000"/>
-          </a:bodyPr>
-          <a:lstStyle/>
-          <a:p>
-            <a:pPr>
-              <a:defRPr/>
-            </a:pPr>
-            <a:r>
-              <a:rPr lang="en-AU" dirty="0"/>
-              <a:t>Network VPC and new subnet</a:t>
-            </a:r>
-          </a:p>
-          <a:p>
-            <a:pPr>
-              <a:defRPr/>
-            </a:pPr>
-            <a:r>
-              <a:rPr lang="en-AU" dirty="0"/>
-              <a:t>Whether it is publicly accessible (not a good idea)</a:t>
-            </a:r>
-          </a:p>
-          <a:p>
-            <a:pPr>
-              <a:defRPr/>
-            </a:pPr>
-            <a:r>
-              <a:rPr lang="en-AU" dirty="0"/>
-              <a:t>Create an initial database</a:t>
-            </a:r>
-          </a:p>
-          <a:p>
-            <a:pPr>
-              <a:defRPr/>
-            </a:pPr>
-            <a:r>
-              <a:rPr lang="en-AU" dirty="0"/>
-              <a:t>Encryption (not available on all databases)</a:t>
-            </a:r>
-          </a:p>
-          <a:p>
-            <a:pPr>
-              <a:defRPr/>
-            </a:pPr>
-            <a:r>
-              <a:rPr lang="en-AU" dirty="0"/>
-              <a:t>Backup options</a:t>
-            </a:r>
-          </a:p>
-          <a:p>
-            <a:pPr lvl="1">
-              <a:defRPr/>
-            </a:pPr>
-            <a:r>
-              <a:rPr lang="en-AU" dirty="0"/>
-              <a:t>Retention</a:t>
-            </a:r>
-          </a:p>
-          <a:p>
-            <a:pPr lvl="1">
-              <a:defRPr/>
-            </a:pPr>
-            <a:r>
-              <a:rPr lang="en-AU" dirty="0"/>
-              <a:t>Backup window</a:t>
-            </a:r>
-          </a:p>
-          <a:p>
-            <a:pPr>
-              <a:defRPr/>
-            </a:pPr>
-            <a:r>
-              <a:rPr lang="en-AU" dirty="0"/>
-              <a:t>Monitoring</a:t>
-            </a:r>
-          </a:p>
-          <a:p>
-            <a:pPr>
-              <a:defRPr/>
-            </a:pPr>
-            <a:r>
-              <a:rPr lang="en-AU" dirty="0"/>
-              <a:t>Log exports</a:t>
-            </a:r>
-          </a:p>
-          <a:p>
-            <a:pPr>
-              <a:defRPr/>
-            </a:pPr>
-            <a:r>
-              <a:rPr lang="en-AU" dirty="0"/>
-              <a:t>Maintenance upgrades and maintenance window</a:t>
-            </a:r>
-          </a:p>
-        </p:txBody>
-      </p:sp>
-    </p:spTree>
-    <p:extLst>
-      <p:ext uri="{BB962C8B-B14F-4D97-AF65-F5344CB8AC3E}">
-        <p14:creationId xmlns:p14="http://schemas.microsoft.com/office/powerpoint/2010/main" val="4068720237"/>
-      </p:ext>
-    </p:extLst>
-  </p:cSld>
-  <p:clrMapOvr>
-    <a:masterClrMapping/>
-  </p:clrMapOvr>
-</p:sld>
-</file>
-
-<file path=ppt/slides/slide24.xml><?xml version="1.0" encoding="utf-8"?>
-<p:sld xmlns:a="http://schemas.openxmlformats.org/drawingml/2006/main" xmlns:r="http://schemas.openxmlformats.org/officeDocument/2006/relationships" xmlns:p="http://schemas.openxmlformats.org/presentationml/2006/main">
-  <p:cSld>
-    <p:spTree>
-      <p:nvGrpSpPr>
-        <p:cNvPr id="1" name=""/>
-        <p:cNvGrpSpPr/>
-        <p:nvPr/>
-      </p:nvGrpSpPr>
-      <p:grpSpPr>
-        <a:xfrm>
-          <a:off x="0" y="0"/>
-          <a:ext cx="0" cy="0"/>
-          <a:chOff x="0" y="0"/>
-          <a:chExt cx="0" cy="0"/>
-        </a:xfrm>
-      </p:grpSpPr>
-      <p:sp>
-        <p:nvSpPr>
-          <p:cNvPr id="2" name="Title 1"/>
-          <p:cNvSpPr>
-            <a:spLocks noGrp="1"/>
-          </p:cNvSpPr>
-          <p:nvPr>
-            <p:ph type="title"/>
-          </p:nvPr>
-        </p:nvSpPr>
-        <p:spPr/>
-        <p:txBody>
-          <a:bodyPr/>
-          <a:lstStyle/>
-          <a:p>
-            <a:r>
-              <a:rPr lang="en-US" dirty="0"/>
-              <a:t>Software on </a:t>
-            </a:r>
-            <a:r>
-              <a:rPr lang="en-US" dirty="0" err="1"/>
-              <a:t>ubuntu</a:t>
-            </a:r>
-            <a:r>
-              <a:rPr lang="en-US" dirty="0"/>
-              <a:t> for MySQL</a:t>
-            </a:r>
-          </a:p>
-        </p:txBody>
-      </p:sp>
-      <p:sp>
-        <p:nvSpPr>
-          <p:cNvPr id="3" name="Content Placeholder 2"/>
-          <p:cNvSpPr>
-            <a:spLocks noGrp="1"/>
-          </p:cNvSpPr>
-          <p:nvPr>
-            <p:ph idx="1"/>
-          </p:nvPr>
-        </p:nvSpPr>
-        <p:spPr>
-          <a:xfrm>
-            <a:off x="708409" y="1690688"/>
-            <a:ext cx="10645391" cy="4532312"/>
-          </a:xfrm>
-        </p:spPr>
-        <p:txBody>
-          <a:bodyPr>
-            <a:normAutofit/>
-          </a:bodyPr>
-          <a:lstStyle/>
-          <a:p>
-            <a:pPr>
-              <a:defRPr/>
-            </a:pPr>
-            <a:r>
-              <a:rPr lang="en-AU" dirty="0" err="1"/>
-              <a:t>sudo</a:t>
-            </a:r>
-            <a:r>
-              <a:rPr lang="en-AU" dirty="0"/>
-              <a:t> apt install </a:t>
-            </a:r>
-            <a:r>
-              <a:rPr lang="en-AU" dirty="0" err="1"/>
-              <a:t>mysql</a:t>
-            </a:r>
-            <a:r>
-              <a:rPr lang="en-AU" dirty="0"/>
-              <a:t>-client</a:t>
-            </a:r>
-          </a:p>
-          <a:p>
-            <a:pPr>
-              <a:defRPr/>
-            </a:pPr>
-            <a:r>
-              <a:rPr lang="en-AU" dirty="0" err="1"/>
-              <a:t>sudo</a:t>
-            </a:r>
-            <a:r>
-              <a:rPr lang="en-AU" dirty="0"/>
-              <a:t> apt install </a:t>
-            </a:r>
-            <a:r>
-              <a:rPr lang="en-AU" dirty="0" err="1"/>
-              <a:t>libmysqlclient</a:t>
-            </a:r>
-            <a:r>
-              <a:rPr lang="en-AU" dirty="0"/>
-              <a:t>-dev</a:t>
-            </a:r>
-          </a:p>
-          <a:p>
-            <a:pPr>
-              <a:defRPr/>
-            </a:pPr>
-            <a:r>
-              <a:rPr lang="en-AU" dirty="0"/>
-              <a:t>pip install </a:t>
-            </a:r>
-            <a:r>
-              <a:rPr lang="en-AU" dirty="0" err="1"/>
-              <a:t>mysqlclient</a:t>
-            </a:r>
-            <a:endParaRPr lang="en-AU" dirty="0"/>
-          </a:p>
-          <a:p>
-            <a:pPr>
-              <a:defRPr/>
-            </a:pPr>
-            <a:endParaRPr lang="en-AU" dirty="0"/>
-          </a:p>
-        </p:txBody>
-      </p:sp>
-    </p:spTree>
-    <p:extLst>
-      <p:ext uri="{BB962C8B-B14F-4D97-AF65-F5344CB8AC3E}">
-        <p14:creationId xmlns:p14="http://schemas.microsoft.com/office/powerpoint/2010/main" val="1721438942"/>
-      </p:ext>
-    </p:extLst>
-  </p:cSld>
-  <p:clrMapOvr>
-    <a:masterClrMapping/>
-  </p:clrMapOvr>
-</p:sld>
-</file>
-
-<file path=ppt/slides/slide25.xml><?xml version="1.0" encoding="utf-8"?>
-<p:sld xmlns:a="http://schemas.openxmlformats.org/drawingml/2006/main" xmlns:r="http://schemas.openxmlformats.org/officeDocument/2006/relationships" xmlns:p="http://schemas.openxmlformats.org/presentationml/2006/main">
-  <p:cSld>
-    <p:spTree>
-      <p:nvGrpSpPr>
-        <p:cNvPr id="1" name=""/>
-        <p:cNvGrpSpPr/>
-        <p:nvPr/>
-      </p:nvGrpSpPr>
-      <p:grpSpPr>
-        <a:xfrm>
-          <a:off x="0" y="0"/>
-          <a:ext cx="0" cy="0"/>
-          <a:chOff x="0" y="0"/>
-          <a:chExt cx="0" cy="0"/>
-        </a:xfrm>
-      </p:grpSpPr>
-      <p:sp>
-        <p:nvSpPr>
-          <p:cNvPr id="2" name="Title 1"/>
-          <p:cNvSpPr>
-            <a:spLocks noGrp="1"/>
-          </p:cNvSpPr>
-          <p:nvPr>
-            <p:ph type="title"/>
-          </p:nvPr>
-        </p:nvSpPr>
-        <p:spPr/>
-        <p:txBody>
-          <a:bodyPr/>
-          <a:lstStyle/>
-          <a:p>
-            <a:r>
-              <a:rPr lang="en-US" dirty="0"/>
-              <a:t>Adding data to </a:t>
-            </a:r>
-            <a:r>
-              <a:rPr lang="en-US" dirty="0" err="1"/>
-              <a:t>django</a:t>
-            </a:r>
-            <a:r>
-              <a:rPr lang="en-US" dirty="0"/>
-              <a:t> app</a:t>
-            </a:r>
-          </a:p>
-        </p:txBody>
-      </p:sp>
-      <p:sp>
-        <p:nvSpPr>
-          <p:cNvPr id="3" name="Content Placeholder 2"/>
-          <p:cNvSpPr>
-            <a:spLocks noGrp="1"/>
-          </p:cNvSpPr>
-          <p:nvPr>
-            <p:ph idx="1"/>
-          </p:nvPr>
-        </p:nvSpPr>
-        <p:spPr>
-          <a:xfrm>
-            <a:off x="708409" y="1690688"/>
-            <a:ext cx="10645391" cy="4532312"/>
-          </a:xfrm>
-        </p:spPr>
-        <p:txBody>
-          <a:bodyPr>
-            <a:normAutofit/>
-          </a:bodyPr>
-          <a:lstStyle/>
-          <a:p>
-            <a:pPr>
-              <a:defRPr/>
-            </a:pPr>
-            <a:r>
-              <a:rPr lang="en-AU" dirty="0"/>
-              <a:t>edit </a:t>
-            </a:r>
-            <a:r>
-              <a:rPr lang="en-AU" dirty="0" err="1"/>
-              <a:t>mysite</a:t>
-            </a:r>
-            <a:r>
-              <a:rPr lang="en-AU" dirty="0"/>
-              <a:t>/</a:t>
-            </a:r>
-            <a:r>
-              <a:rPr lang="en-AU" dirty="0" err="1"/>
-              <a:t>settings.py</a:t>
-            </a:r>
-            <a:r>
-              <a:rPr lang="en-AU" dirty="0"/>
-              <a:t> and add database </a:t>
-            </a:r>
-            <a:r>
-              <a:rPr lang="en-AU" dirty="0" err="1"/>
-              <a:t>config</a:t>
-            </a:r>
-            <a:endParaRPr lang="en-AU" dirty="0"/>
-          </a:p>
-        </p:txBody>
-      </p:sp>
-      <p:sp>
-        <p:nvSpPr>
-          <p:cNvPr id="4" name="Rounded Rectangle 3">
-            <a:extLst>
-              <a:ext uri="{FF2B5EF4-FFF2-40B4-BE49-F238E27FC236}">
-                <a16:creationId xmlns:a16="http://schemas.microsoft.com/office/drawing/2014/main" id="{20739D45-A726-6D44-B5DD-D2825DD9060B}"/>
-              </a:ext>
-            </a:extLst>
-          </p:cNvPr>
-          <p:cNvSpPr/>
-          <p:nvPr/>
-        </p:nvSpPr>
-        <p:spPr>
-          <a:xfrm>
-            <a:off x="838200" y="2479729"/>
-            <a:ext cx="10515600" cy="3743271"/>
-          </a:xfrm>
-          <a:prstGeom prst="roundRect">
-            <a:avLst/>
-          </a:prstGeom>
-          <a:solidFill>
-            <a:schemeClr val="accent1">
-              <a:alpha val="11000"/>
-            </a:schemeClr>
-          </a:solidFill>
-        </p:spPr>
-        <p:style>
-          <a:lnRef idx="2">
-            <a:schemeClr val="accent1">
-              <a:shade val="50000"/>
-            </a:schemeClr>
-          </a:lnRef>
-          <a:fillRef idx="1">
-            <a:schemeClr val="accent1"/>
-          </a:fillRef>
-          <a:effectRef idx="0">
-            <a:schemeClr val="accent1"/>
-          </a:effectRef>
-          <a:fontRef idx="minor">
-            <a:schemeClr val="lt1"/>
-          </a:fontRef>
-        </p:style>
-        <p:txBody>
-          <a:bodyPr rtlCol="0" anchor="t"/>
-          <a:lstStyle/>
-          <a:p>
-            <a:pPr algn="l"/>
-            <a:r>
-              <a:rPr lang="en-AU" dirty="0">
-                <a:solidFill>
-                  <a:schemeClr val="tx1"/>
-                </a:solidFill>
-              </a:rPr>
-              <a:t>DATABASES = {</a:t>
-            </a:r>
-          </a:p>
-          <a:p>
-            <a:pPr algn="l"/>
-            <a:r>
-              <a:rPr lang="en-AU" dirty="0">
-                <a:solidFill>
-                  <a:schemeClr val="tx1"/>
-                </a:solidFill>
-              </a:rPr>
-              <a:t>    'default': {</a:t>
-            </a:r>
-          </a:p>
-          <a:p>
-            <a:pPr algn="l"/>
-            <a:r>
-              <a:rPr lang="en-AU" dirty="0">
-                <a:solidFill>
-                  <a:schemeClr val="tx1"/>
-                </a:solidFill>
-              </a:rPr>
-              <a:t>        'ENGINE': '</a:t>
-            </a:r>
-            <a:r>
-              <a:rPr lang="en-AU" dirty="0" err="1">
-                <a:solidFill>
-                  <a:schemeClr val="tx1"/>
-                </a:solidFill>
-              </a:rPr>
-              <a:t>django.db.backends.mysql</a:t>
-            </a:r>
-            <a:r>
-              <a:rPr lang="en-AU" dirty="0">
-                <a:solidFill>
-                  <a:schemeClr val="tx1"/>
-                </a:solidFill>
-              </a:rPr>
-              <a:t>',</a:t>
-            </a:r>
-          </a:p>
-          <a:p>
-            <a:pPr algn="l"/>
-            <a:r>
-              <a:rPr lang="en-AU" dirty="0">
-                <a:solidFill>
-                  <a:schemeClr val="tx1"/>
-                </a:solidFill>
-              </a:rPr>
-              <a:t>        'NAME': 'HelloWorld',</a:t>
-            </a:r>
-          </a:p>
-          <a:p>
-            <a:pPr algn="l"/>
-            <a:r>
-              <a:rPr lang="en-AU" dirty="0">
-                <a:solidFill>
-                  <a:schemeClr val="tx1"/>
-                </a:solidFill>
-              </a:rPr>
-              <a:t>        'USER': 'root',</a:t>
-            </a:r>
-          </a:p>
-          <a:p>
-            <a:pPr algn="l"/>
-            <a:r>
-              <a:rPr lang="en-AU" dirty="0">
-                <a:solidFill>
-                  <a:schemeClr val="tx1"/>
-                </a:solidFill>
-              </a:rPr>
-              <a:t>        'PASSWORD': ‘</a:t>
-            </a:r>
-            <a:r>
-              <a:rPr lang="en-AU" dirty="0" err="1">
-                <a:solidFill>
-                  <a:schemeClr val="tx1"/>
-                </a:solidFill>
-              </a:rPr>
-              <a:t>apassword</a:t>
-            </a:r>
-            <a:r>
-              <a:rPr lang="en-AU" dirty="0">
-                <a:solidFill>
-                  <a:schemeClr val="tx1"/>
-                </a:solidFill>
-              </a:rPr>
-              <a:t>',</a:t>
-            </a:r>
-          </a:p>
-          <a:p>
-            <a:pPr algn="l"/>
-            <a:r>
-              <a:rPr lang="en-AU" dirty="0">
-                <a:solidFill>
-                  <a:schemeClr val="tx1"/>
-                </a:solidFill>
-              </a:rPr>
-              <a:t>        'HOST': 'helloworlddb.czos0yk2hdv2.ap-southeast-2.rds.amazonaws.com',</a:t>
-            </a:r>
-          </a:p>
-          <a:p>
-            <a:pPr algn="l"/>
-            <a:r>
-              <a:rPr lang="en-AU" dirty="0">
-                <a:solidFill>
-                  <a:schemeClr val="tx1"/>
-                </a:solidFill>
-              </a:rPr>
-              <a:t>    }</a:t>
-            </a:r>
-          </a:p>
-          <a:p>
-            <a:pPr algn="l"/>
-            <a:r>
-              <a:rPr lang="en-AU" dirty="0">
-                <a:solidFill>
-                  <a:schemeClr val="tx1"/>
-                </a:solidFill>
-              </a:rPr>
-              <a:t>}</a:t>
-            </a:r>
-          </a:p>
-          <a:p>
-            <a:pPr algn="l"/>
-            <a:endParaRPr lang="en-US" dirty="0">
-              <a:solidFill>
-                <a:schemeClr val="tx1"/>
-              </a:solidFill>
-            </a:endParaRPr>
-          </a:p>
-        </p:txBody>
-      </p:sp>
-    </p:spTree>
-    <p:extLst>
-      <p:ext uri="{BB962C8B-B14F-4D97-AF65-F5344CB8AC3E}">
-        <p14:creationId xmlns:p14="http://schemas.microsoft.com/office/powerpoint/2010/main" val="4256449798"/>
-      </p:ext>
-    </p:extLst>
-  </p:cSld>
-  <p:clrMapOvr>
-    <a:masterClrMapping/>
-  </p:clrMapOvr>
-</p:sld>
-</file>
-
-<file path=ppt/slides/slide26.xml><?xml version="1.0" encoding="utf-8"?>
-<p:sld xmlns:a="http://schemas.openxmlformats.org/drawingml/2006/main" xmlns:r="http://schemas.openxmlformats.org/officeDocument/2006/relationships" xmlns:p="http://schemas.openxmlformats.org/presentationml/2006/main">
-  <p:cSld>
-    <p:spTree>
-      <p:nvGrpSpPr>
-        <p:cNvPr id="1" name=""/>
-        <p:cNvGrpSpPr/>
-        <p:nvPr/>
-      </p:nvGrpSpPr>
-      <p:grpSpPr>
-        <a:xfrm>
-          <a:off x="0" y="0"/>
-          <a:ext cx="0" cy="0"/>
-          <a:chOff x="0" y="0"/>
-          <a:chExt cx="0" cy="0"/>
-        </a:xfrm>
-      </p:grpSpPr>
-      <p:sp>
-        <p:nvSpPr>
-          <p:cNvPr id="2" name="Title 1"/>
-          <p:cNvSpPr>
-            <a:spLocks noGrp="1"/>
-          </p:cNvSpPr>
-          <p:nvPr>
-            <p:ph type="title"/>
-          </p:nvPr>
-        </p:nvSpPr>
-        <p:spPr/>
-        <p:txBody>
-          <a:bodyPr/>
-          <a:lstStyle/>
-          <a:p>
-            <a:r>
-              <a:rPr lang="en-US" dirty="0"/>
-              <a:t>Update models</a:t>
-            </a:r>
-          </a:p>
-        </p:txBody>
-      </p:sp>
-      <p:sp>
-        <p:nvSpPr>
-          <p:cNvPr id="3" name="Content Placeholder 2"/>
-          <p:cNvSpPr>
-            <a:spLocks noGrp="1"/>
-          </p:cNvSpPr>
-          <p:nvPr>
-            <p:ph idx="1"/>
-          </p:nvPr>
-        </p:nvSpPr>
-        <p:spPr>
-          <a:xfrm>
-            <a:off x="708409" y="1690688"/>
-            <a:ext cx="10645391" cy="4532312"/>
-          </a:xfrm>
-        </p:spPr>
-        <p:txBody>
-          <a:bodyPr>
-            <a:normAutofit/>
-          </a:bodyPr>
-          <a:lstStyle/>
-          <a:p>
-            <a:pPr>
-              <a:defRPr/>
-            </a:pPr>
-            <a:r>
-              <a:rPr lang="en-AU" dirty="0"/>
-              <a:t>edit polls/</a:t>
-            </a:r>
-            <a:r>
-              <a:rPr lang="en-AU" dirty="0" err="1"/>
-              <a:t>models.py</a:t>
-            </a:r>
-            <a:endParaRPr lang="en-AU" dirty="0"/>
-          </a:p>
-        </p:txBody>
-      </p:sp>
-      <p:sp>
-        <p:nvSpPr>
-          <p:cNvPr id="4" name="Rounded Rectangle 3">
-            <a:extLst>
-              <a:ext uri="{FF2B5EF4-FFF2-40B4-BE49-F238E27FC236}">
-                <a16:creationId xmlns:a16="http://schemas.microsoft.com/office/drawing/2014/main" id="{20739D45-A726-6D44-B5DD-D2825DD9060B}"/>
-              </a:ext>
-            </a:extLst>
-          </p:cNvPr>
-          <p:cNvSpPr/>
-          <p:nvPr/>
-        </p:nvSpPr>
-        <p:spPr>
-          <a:xfrm>
-            <a:off x="838200" y="2479729"/>
-            <a:ext cx="10515600" cy="3743271"/>
-          </a:xfrm>
-          <a:prstGeom prst="roundRect">
-            <a:avLst/>
-          </a:prstGeom>
-          <a:solidFill>
-            <a:schemeClr val="accent1">
-              <a:alpha val="11000"/>
-            </a:schemeClr>
-          </a:solidFill>
-        </p:spPr>
-        <p:style>
-          <a:lnRef idx="2">
-            <a:schemeClr val="accent1">
-              <a:shade val="50000"/>
-            </a:schemeClr>
-          </a:lnRef>
-          <a:fillRef idx="1">
-            <a:schemeClr val="accent1"/>
-          </a:fillRef>
-          <a:effectRef idx="0">
-            <a:schemeClr val="accent1"/>
-          </a:effectRef>
-          <a:fontRef idx="minor">
-            <a:schemeClr val="lt1"/>
-          </a:fontRef>
-        </p:style>
-        <p:txBody>
-          <a:bodyPr rtlCol="0" anchor="t"/>
-          <a:lstStyle/>
-          <a:p>
-            <a:pPr algn="l"/>
-            <a:r>
-              <a:rPr lang="en-AU" sz="1800" b="1" dirty="0">
-                <a:solidFill>
-                  <a:schemeClr val="tx1"/>
-                </a:solidFill>
-                <a:latin typeface="Courier" pitchFamily="2" charset="0"/>
-              </a:rPr>
-              <a:t>from</a:t>
-            </a:r>
-            <a:r>
-              <a:rPr lang="en-AU" sz="1800" dirty="0">
-                <a:solidFill>
-                  <a:schemeClr val="tx1"/>
-                </a:solidFill>
-                <a:latin typeface="Courier" pitchFamily="2" charset="0"/>
-              </a:rPr>
-              <a:t> </a:t>
-            </a:r>
-            <a:r>
-              <a:rPr lang="en-AU" sz="1800" b="1" dirty="0" err="1">
-                <a:solidFill>
-                  <a:schemeClr val="tx1"/>
-                </a:solidFill>
-                <a:latin typeface="Courier" pitchFamily="2" charset="0"/>
-              </a:rPr>
-              <a:t>django.db</a:t>
-            </a:r>
-            <a:r>
-              <a:rPr lang="en-AU" sz="1800" dirty="0">
-                <a:solidFill>
-                  <a:schemeClr val="tx1"/>
-                </a:solidFill>
-                <a:latin typeface="Courier" pitchFamily="2" charset="0"/>
-              </a:rPr>
-              <a:t> </a:t>
-            </a:r>
-            <a:r>
-              <a:rPr lang="en-AU" sz="1800" b="1" dirty="0">
-                <a:solidFill>
-                  <a:schemeClr val="tx1"/>
-                </a:solidFill>
-                <a:latin typeface="Courier" pitchFamily="2" charset="0"/>
-              </a:rPr>
-              <a:t>import</a:t>
-            </a:r>
-            <a:r>
-              <a:rPr lang="en-AU" sz="1800" dirty="0">
-                <a:solidFill>
-                  <a:schemeClr val="tx1"/>
-                </a:solidFill>
-                <a:latin typeface="Courier" pitchFamily="2" charset="0"/>
-              </a:rPr>
-              <a:t> models </a:t>
-            </a:r>
-          </a:p>
-          <a:p>
-            <a:pPr algn="l"/>
-            <a:endParaRPr lang="en-AU" sz="1800" dirty="0">
-              <a:solidFill>
-                <a:schemeClr val="tx1"/>
-              </a:solidFill>
-              <a:latin typeface="Courier" pitchFamily="2" charset="0"/>
-            </a:endParaRPr>
-          </a:p>
-          <a:p>
-            <a:pPr algn="l"/>
-            <a:r>
-              <a:rPr lang="en-AU" sz="1800" b="1" dirty="0">
-                <a:solidFill>
-                  <a:schemeClr val="tx1"/>
-                </a:solidFill>
-                <a:latin typeface="Courier" pitchFamily="2" charset="0"/>
-              </a:rPr>
-              <a:t>class</a:t>
-            </a:r>
-            <a:r>
-              <a:rPr lang="en-AU" sz="1800" dirty="0">
-                <a:solidFill>
-                  <a:schemeClr val="tx1"/>
-                </a:solidFill>
-                <a:latin typeface="Courier" pitchFamily="2" charset="0"/>
-              </a:rPr>
-              <a:t> </a:t>
-            </a:r>
-            <a:r>
-              <a:rPr lang="en-AU" sz="1800" b="1" dirty="0">
-                <a:solidFill>
-                  <a:schemeClr val="tx1"/>
-                </a:solidFill>
-                <a:latin typeface="Courier" pitchFamily="2" charset="0"/>
-              </a:rPr>
-              <a:t>Question</a:t>
-            </a:r>
-            <a:r>
-              <a:rPr lang="en-AU" sz="1800" dirty="0">
-                <a:solidFill>
-                  <a:schemeClr val="tx1"/>
-                </a:solidFill>
-                <a:latin typeface="Courier" pitchFamily="2" charset="0"/>
-              </a:rPr>
-              <a:t>(</a:t>
-            </a:r>
-            <a:r>
-              <a:rPr lang="en-AU" sz="1800" dirty="0" err="1">
-                <a:solidFill>
-                  <a:schemeClr val="tx1"/>
-                </a:solidFill>
-                <a:latin typeface="Courier" pitchFamily="2" charset="0"/>
-              </a:rPr>
-              <a:t>models.Model</a:t>
-            </a:r>
-            <a:r>
-              <a:rPr lang="en-AU" sz="1800" dirty="0">
-                <a:solidFill>
-                  <a:schemeClr val="tx1"/>
-                </a:solidFill>
-                <a:latin typeface="Courier" pitchFamily="2" charset="0"/>
-              </a:rPr>
-              <a:t>): </a:t>
-            </a:r>
-          </a:p>
-          <a:p>
-            <a:pPr algn="l"/>
-            <a:r>
-              <a:rPr lang="en-AU" sz="1800" dirty="0">
-                <a:solidFill>
-                  <a:schemeClr val="tx1"/>
-                </a:solidFill>
-                <a:latin typeface="Courier" pitchFamily="2" charset="0"/>
-              </a:rPr>
-              <a:t>    </a:t>
-            </a:r>
-            <a:r>
-              <a:rPr lang="en-AU" sz="1800" dirty="0" err="1">
-                <a:solidFill>
-                  <a:schemeClr val="tx1"/>
-                </a:solidFill>
-                <a:latin typeface="Courier" pitchFamily="2" charset="0"/>
-              </a:rPr>
-              <a:t>question_text</a:t>
-            </a:r>
-            <a:r>
-              <a:rPr lang="en-AU" sz="1800" dirty="0">
-                <a:solidFill>
-                  <a:schemeClr val="tx1"/>
-                </a:solidFill>
-                <a:latin typeface="Courier" pitchFamily="2" charset="0"/>
-              </a:rPr>
-              <a:t> = </a:t>
-            </a:r>
-            <a:r>
-              <a:rPr lang="en-AU" sz="1800" dirty="0" err="1">
-                <a:solidFill>
-                  <a:schemeClr val="tx1"/>
-                </a:solidFill>
-                <a:latin typeface="Courier" pitchFamily="2" charset="0"/>
-              </a:rPr>
-              <a:t>models.CharField</a:t>
-            </a:r>
-            <a:r>
-              <a:rPr lang="en-AU" sz="1800" dirty="0">
-                <a:solidFill>
-                  <a:schemeClr val="tx1"/>
-                </a:solidFill>
-                <a:latin typeface="Courier" pitchFamily="2" charset="0"/>
-              </a:rPr>
-              <a:t>(</a:t>
-            </a:r>
-            <a:r>
-              <a:rPr lang="en-AU" sz="1800" dirty="0" err="1">
-                <a:solidFill>
-                  <a:schemeClr val="tx1"/>
-                </a:solidFill>
-                <a:latin typeface="Courier" pitchFamily="2" charset="0"/>
-              </a:rPr>
-              <a:t>max_length</a:t>
-            </a:r>
-            <a:r>
-              <a:rPr lang="en-AU" sz="1800" dirty="0">
-                <a:solidFill>
-                  <a:schemeClr val="tx1"/>
-                </a:solidFill>
-                <a:latin typeface="Courier" pitchFamily="2" charset="0"/>
-              </a:rPr>
-              <a:t>=200) </a:t>
-            </a:r>
-          </a:p>
-          <a:p>
-            <a:pPr algn="l"/>
-            <a:r>
-              <a:rPr lang="en-AU" sz="1800" dirty="0">
-                <a:solidFill>
-                  <a:schemeClr val="tx1"/>
-                </a:solidFill>
-                <a:latin typeface="Courier" pitchFamily="2" charset="0"/>
-              </a:rPr>
-              <a:t>    </a:t>
-            </a:r>
-            <a:r>
-              <a:rPr lang="en-AU" sz="1800" dirty="0" err="1">
-                <a:solidFill>
-                  <a:schemeClr val="tx1"/>
-                </a:solidFill>
-                <a:latin typeface="Courier" pitchFamily="2" charset="0"/>
-              </a:rPr>
-              <a:t>pub_date</a:t>
-            </a:r>
-            <a:r>
-              <a:rPr lang="en-AU" sz="1800" dirty="0">
-                <a:solidFill>
-                  <a:schemeClr val="tx1"/>
-                </a:solidFill>
-                <a:latin typeface="Courier" pitchFamily="2" charset="0"/>
-              </a:rPr>
-              <a:t> = </a:t>
-            </a:r>
-            <a:r>
-              <a:rPr lang="en-AU" sz="1800" dirty="0" err="1">
-                <a:solidFill>
-                  <a:schemeClr val="tx1"/>
-                </a:solidFill>
-                <a:latin typeface="Courier" pitchFamily="2" charset="0"/>
-              </a:rPr>
-              <a:t>models.DateTimeField</a:t>
-            </a:r>
-            <a:r>
-              <a:rPr lang="en-AU" sz="1800" dirty="0">
-                <a:solidFill>
-                  <a:schemeClr val="tx1"/>
-                </a:solidFill>
-                <a:latin typeface="Courier" pitchFamily="2" charset="0"/>
-              </a:rPr>
-              <a:t>('date published’) </a:t>
-            </a:r>
-          </a:p>
-          <a:p>
-            <a:pPr algn="l"/>
-            <a:endParaRPr lang="en-AU" sz="1800" b="1" dirty="0">
-              <a:solidFill>
-                <a:schemeClr val="tx1"/>
-              </a:solidFill>
-              <a:latin typeface="Courier" pitchFamily="2" charset="0"/>
-            </a:endParaRPr>
-          </a:p>
-          <a:p>
-            <a:pPr algn="l"/>
-            <a:r>
-              <a:rPr lang="en-AU" sz="1800" b="1" dirty="0">
-                <a:solidFill>
-                  <a:schemeClr val="tx1"/>
-                </a:solidFill>
-                <a:latin typeface="Courier" pitchFamily="2" charset="0"/>
-              </a:rPr>
-              <a:t>class</a:t>
-            </a:r>
-            <a:r>
-              <a:rPr lang="en-AU" sz="1800" dirty="0">
-                <a:solidFill>
-                  <a:schemeClr val="tx1"/>
-                </a:solidFill>
-                <a:latin typeface="Courier" pitchFamily="2" charset="0"/>
-              </a:rPr>
-              <a:t> </a:t>
-            </a:r>
-            <a:r>
-              <a:rPr lang="en-AU" sz="1800" b="1" dirty="0">
-                <a:solidFill>
-                  <a:schemeClr val="tx1"/>
-                </a:solidFill>
-                <a:latin typeface="Courier" pitchFamily="2" charset="0"/>
-              </a:rPr>
-              <a:t>Choice</a:t>
-            </a:r>
-            <a:r>
-              <a:rPr lang="en-AU" sz="1800" dirty="0">
-                <a:solidFill>
-                  <a:schemeClr val="tx1"/>
-                </a:solidFill>
-                <a:latin typeface="Courier" pitchFamily="2" charset="0"/>
-              </a:rPr>
-              <a:t>(</a:t>
-            </a:r>
-            <a:r>
-              <a:rPr lang="en-AU" sz="1800" dirty="0" err="1">
-                <a:solidFill>
-                  <a:schemeClr val="tx1"/>
-                </a:solidFill>
-                <a:latin typeface="Courier" pitchFamily="2" charset="0"/>
-              </a:rPr>
-              <a:t>models.Model</a:t>
-            </a:r>
-            <a:r>
-              <a:rPr lang="en-AU" sz="1800" dirty="0">
-                <a:solidFill>
-                  <a:schemeClr val="tx1"/>
-                </a:solidFill>
-                <a:latin typeface="Courier" pitchFamily="2" charset="0"/>
-              </a:rPr>
-              <a:t>): </a:t>
-            </a:r>
-          </a:p>
-          <a:p>
-            <a:pPr algn="l"/>
-            <a:r>
-              <a:rPr lang="en-AU" sz="1800" dirty="0">
-                <a:solidFill>
-                  <a:schemeClr val="tx1"/>
-                </a:solidFill>
-                <a:latin typeface="Courier" pitchFamily="2" charset="0"/>
-              </a:rPr>
-              <a:t>    question = </a:t>
-            </a:r>
-            <a:r>
-              <a:rPr lang="en-AU" sz="1800" dirty="0" err="1">
-                <a:solidFill>
-                  <a:schemeClr val="tx1"/>
-                </a:solidFill>
-                <a:latin typeface="Courier" pitchFamily="2" charset="0"/>
-              </a:rPr>
-              <a:t>models.ForeignKey</a:t>
-            </a:r>
-            <a:r>
-              <a:rPr lang="en-AU" sz="1800" dirty="0">
-                <a:solidFill>
-                  <a:schemeClr val="tx1"/>
-                </a:solidFill>
-                <a:latin typeface="Courier" pitchFamily="2" charset="0"/>
-              </a:rPr>
-              <a:t>(Question, </a:t>
-            </a:r>
-            <a:r>
-              <a:rPr lang="en-AU" sz="1800" dirty="0" err="1">
-                <a:solidFill>
-                  <a:schemeClr val="tx1"/>
-                </a:solidFill>
-                <a:latin typeface="Courier" pitchFamily="2" charset="0"/>
-              </a:rPr>
-              <a:t>on_delete</a:t>
-            </a:r>
-            <a:r>
-              <a:rPr lang="en-AU" sz="1800" dirty="0">
-                <a:solidFill>
-                  <a:schemeClr val="tx1"/>
-                </a:solidFill>
-                <a:latin typeface="Courier" pitchFamily="2" charset="0"/>
-              </a:rPr>
-              <a:t>=</a:t>
-            </a:r>
-            <a:r>
-              <a:rPr lang="en-AU" sz="1800" dirty="0" err="1">
-                <a:solidFill>
-                  <a:schemeClr val="tx1"/>
-                </a:solidFill>
-                <a:latin typeface="Courier" pitchFamily="2" charset="0"/>
-              </a:rPr>
-              <a:t>models.CASCADE</a:t>
-            </a:r>
-            <a:r>
-              <a:rPr lang="en-AU" sz="1800" dirty="0">
-                <a:solidFill>
-                  <a:schemeClr val="tx1"/>
-                </a:solidFill>
-                <a:latin typeface="Courier" pitchFamily="2" charset="0"/>
-              </a:rPr>
-              <a:t>)  </a:t>
-            </a:r>
-          </a:p>
-          <a:p>
-            <a:pPr algn="l"/>
-            <a:r>
-              <a:rPr lang="en-AU" sz="1800" dirty="0">
-                <a:solidFill>
-                  <a:schemeClr val="tx1"/>
-                </a:solidFill>
-                <a:latin typeface="Courier" pitchFamily="2" charset="0"/>
-              </a:rPr>
-              <a:t>    </a:t>
-            </a:r>
-            <a:r>
-              <a:rPr lang="en-AU" sz="1800" dirty="0" err="1">
-                <a:solidFill>
-                  <a:schemeClr val="tx1"/>
-                </a:solidFill>
-                <a:latin typeface="Courier" pitchFamily="2" charset="0"/>
-              </a:rPr>
-              <a:t>choice_text</a:t>
-            </a:r>
-            <a:r>
-              <a:rPr lang="en-AU" sz="1800" dirty="0">
-                <a:solidFill>
-                  <a:schemeClr val="tx1"/>
-                </a:solidFill>
-                <a:latin typeface="Courier" pitchFamily="2" charset="0"/>
-              </a:rPr>
-              <a:t> = </a:t>
-            </a:r>
-            <a:r>
-              <a:rPr lang="en-AU" sz="1800" dirty="0" err="1">
-                <a:solidFill>
-                  <a:schemeClr val="tx1"/>
-                </a:solidFill>
-                <a:latin typeface="Courier" pitchFamily="2" charset="0"/>
-              </a:rPr>
-              <a:t>models.CharField</a:t>
-            </a:r>
-            <a:r>
-              <a:rPr lang="en-AU" sz="1800" dirty="0">
-                <a:solidFill>
-                  <a:schemeClr val="tx1"/>
-                </a:solidFill>
-                <a:latin typeface="Courier" pitchFamily="2" charset="0"/>
-              </a:rPr>
-              <a:t>(</a:t>
-            </a:r>
-            <a:r>
-              <a:rPr lang="en-AU" sz="1800" dirty="0" err="1">
-                <a:solidFill>
-                  <a:schemeClr val="tx1"/>
-                </a:solidFill>
-                <a:latin typeface="Courier" pitchFamily="2" charset="0"/>
-              </a:rPr>
-              <a:t>max_length</a:t>
-            </a:r>
-            <a:r>
-              <a:rPr lang="en-AU" sz="1800" dirty="0">
-                <a:solidFill>
-                  <a:schemeClr val="tx1"/>
-                </a:solidFill>
-                <a:latin typeface="Courier" pitchFamily="2" charset="0"/>
-              </a:rPr>
-              <a:t>=200) </a:t>
-            </a:r>
-          </a:p>
-          <a:p>
-            <a:pPr algn="l"/>
-            <a:r>
-              <a:rPr lang="en-AU" sz="1800" dirty="0">
-                <a:solidFill>
-                  <a:schemeClr val="tx1"/>
-                </a:solidFill>
-                <a:latin typeface="Courier" pitchFamily="2" charset="0"/>
-              </a:rPr>
-              <a:t>    votes = </a:t>
-            </a:r>
-            <a:r>
-              <a:rPr lang="en-AU" sz="1800" dirty="0" err="1">
-                <a:solidFill>
-                  <a:schemeClr val="tx1"/>
-                </a:solidFill>
-                <a:latin typeface="Courier" pitchFamily="2" charset="0"/>
-              </a:rPr>
-              <a:t>models.IntegerField</a:t>
-            </a:r>
-            <a:r>
-              <a:rPr lang="en-AU" sz="1800" dirty="0">
-                <a:solidFill>
-                  <a:schemeClr val="tx1"/>
-                </a:solidFill>
-                <a:latin typeface="Courier" pitchFamily="2" charset="0"/>
-              </a:rPr>
-              <a:t>(default=0)</a:t>
-            </a:r>
-            <a:endParaRPr lang="en-US" sz="1800" dirty="0">
-              <a:solidFill>
-                <a:schemeClr val="tx1"/>
-              </a:solidFill>
-              <a:latin typeface="Courier" pitchFamily="2" charset="0"/>
-            </a:endParaRPr>
-          </a:p>
-        </p:txBody>
-      </p:sp>
-    </p:spTree>
-    <p:extLst>
-      <p:ext uri="{BB962C8B-B14F-4D97-AF65-F5344CB8AC3E}">
-        <p14:creationId xmlns:p14="http://schemas.microsoft.com/office/powerpoint/2010/main" val="2436960682"/>
-      </p:ext>
-    </p:extLst>
-  </p:cSld>
-  <p:clrMapOvr>
-    <a:masterClrMapping/>
-  </p:clrMapOvr>
-</p:sld>
-</file>
-
-<file path=ppt/slides/slide27.xml><?xml version="1.0" encoding="utf-8"?>
-<p:sld xmlns:a="http://schemas.openxmlformats.org/drawingml/2006/main" xmlns:r="http://schemas.openxmlformats.org/officeDocument/2006/relationships" xmlns:p="http://schemas.openxmlformats.org/presentationml/2006/main">
-  <p:cSld>
-    <p:spTree>
-      <p:nvGrpSpPr>
-        <p:cNvPr id="1" name=""/>
-        <p:cNvGrpSpPr/>
-        <p:nvPr/>
-      </p:nvGrpSpPr>
-      <p:grpSpPr>
-        <a:xfrm>
-          <a:off x="0" y="0"/>
-          <a:ext cx="0" cy="0"/>
-          <a:chOff x="0" y="0"/>
-          <a:chExt cx="0" cy="0"/>
-        </a:xfrm>
-      </p:grpSpPr>
-      <p:sp>
-        <p:nvSpPr>
-          <p:cNvPr id="2" name="Title 1"/>
-          <p:cNvSpPr>
-            <a:spLocks noGrp="1"/>
-          </p:cNvSpPr>
-          <p:nvPr>
-            <p:ph type="title"/>
-          </p:nvPr>
-        </p:nvSpPr>
-        <p:spPr/>
-        <p:txBody>
-          <a:bodyPr/>
-          <a:lstStyle/>
-          <a:p>
-            <a:r>
-              <a:rPr lang="en-US" dirty="0"/>
               <a:t>Update models</a:t>
             </a:r>
           </a:p>
@@ -15207,7 +13023,7 @@
 </p:sld>
 </file>
 
-<file path=ppt/slides/slide28.xml><?xml version="1.0" encoding="utf-8"?>
+<file path=ppt/slides/slide21.xml><?xml version="1.0" encoding="utf-8"?>
 <p:sld xmlns:a="http://schemas.openxmlformats.org/drawingml/2006/main" xmlns:r="http://schemas.openxmlformats.org/officeDocument/2006/relationships" xmlns:p="http://schemas.openxmlformats.org/presentationml/2006/main">
   <p:cSld>
     <p:spTree>
@@ -17888,9 +15704,10 @@
           <a:lstStyle/>
           <a:p>
             <a:r>
-              <a:rPr lang="en-US" dirty="0"/>
-              <a:t>Start with ELB (Elastic Load Balancer)</a:t>
-            </a:r>
+              <a:rPr lang="en-US" dirty="0" err="1"/>
+              <a:t>nginx</a:t>
+            </a:r>
+            <a:endParaRPr lang="en-US" dirty="0"/>
           </a:p>
         </p:txBody>
       </p:sp>
@@ -17906,8 +15723,8 @@
         </p:nvSpPr>
         <p:spPr>
           <a:xfrm>
-            <a:off x="708409" y="1690688"/>
-            <a:ext cx="10645391" cy="4532312"/>
+            <a:off x="838201" y="1690688"/>
+            <a:ext cx="10515600" cy="4532312"/>
           </a:xfrm>
         </p:spPr>
         <p:txBody>
@@ -17921,7 +15738,15 @@
             </a:pPr>
             <a:r>
               <a:rPr lang="en-AU" dirty="0"/>
-              <a:t>Load balancers do exactly what they say on the box – load balance</a:t>
+              <a:t>Web server that is more closely adapted to running </a:t>
+            </a:r>
+            <a:r>
+              <a:rPr lang="en-AU" dirty="0" err="1"/>
+              <a:t>django</a:t>
+            </a:r>
+            <a:r>
+              <a:rPr lang="en-AU" dirty="0"/>
+              <a:t> applications</a:t>
             </a:r>
           </a:p>
           <a:p>
@@ -17929,24 +15754,61 @@
               <a:defRPr/>
             </a:pPr>
             <a:r>
+              <a:rPr lang="en-AU" dirty="0" err="1"/>
+              <a:t>config</a:t>
+            </a:r>
+            <a:r>
               <a:rPr lang="en-AU" dirty="0"/>
-              <a:t>Requests are received and then distributed according to a configurable algorithm (</a:t>
-            </a:r>
-            <a:r>
-              <a:rPr lang="en-AU" i="1" dirty="0"/>
-              <a:t>Rule</a:t>
+              <a:t> put in /</a:t>
+            </a:r>
+            <a:r>
+              <a:rPr lang="en-AU" dirty="0" err="1"/>
+              <a:t>etc</a:t>
             </a:r>
             <a:r>
               <a:rPr lang="en-AU" dirty="0"/>
-              <a:t>) to a destination IP address (an instance of a </a:t>
-            </a:r>
-            <a:r>
-              <a:rPr lang="en-AU" i="1" dirty="0"/>
-              <a:t>Target Group</a:t>
+              <a:t>/</a:t>
+            </a:r>
+            <a:r>
+              <a:rPr lang="en-AU" dirty="0" err="1"/>
+              <a:t>nginx</a:t>
             </a:r>
             <a:r>
               <a:rPr lang="en-AU" dirty="0"/>
-              <a:t>)</a:t>
+              <a:t>/sites-available and then linked to in /</a:t>
+            </a:r>
+            <a:r>
+              <a:rPr lang="en-AU" dirty="0" err="1"/>
+              <a:t>etc</a:t>
+            </a:r>
+            <a:r>
+              <a:rPr lang="en-AU" dirty="0"/>
+              <a:t>/</a:t>
+            </a:r>
+            <a:r>
+              <a:rPr lang="en-AU" dirty="0" err="1"/>
+              <a:t>nginx</a:t>
+            </a:r>
+            <a:r>
+              <a:rPr lang="en-AU" dirty="0"/>
+              <a:t>/sites-enabled</a:t>
+            </a:r>
+          </a:p>
+          <a:p>
+            <a:pPr>
+              <a:defRPr/>
+            </a:pPr>
+            <a:r>
+              <a:rPr lang="en-AU" dirty="0"/>
+              <a:t>Acts as a proxy for </a:t>
+            </a:r>
+            <a:r>
+              <a:rPr lang="en-AU" dirty="0" err="1"/>
+              <a:t>django</a:t>
+            </a:r>
+            <a:r>
+              <a:rPr lang="en-AU" dirty="0"/>
+              <a:t> app - can terminate SSL but on AWS usually use ELB for this</a:t>
             </a:r>
           </a:p>
           <a:p>
@@ -17955,7 +15817,7 @@
             </a:pPr>
             <a:r>
               <a:rPr lang="en-AU" dirty="0"/>
-              <a:t>Each Rule specifies a Target Group, Condition and Priority</a:t>
+              <a:t>Django app only deals with HTTP</a:t>
             </a:r>
           </a:p>
           <a:p>
@@ -17964,7 +15826,16 @@
             </a:pPr>
             <a:r>
               <a:rPr lang="en-AU" dirty="0"/>
-              <a:t>Application load balancers load balance applications at Level 7 of the OSI model.</a:t>
+              <a:t>Serves static files</a:t>
+            </a:r>
+          </a:p>
+          <a:p>
+            <a:pPr lvl="1">
+              <a:defRPr/>
+            </a:pPr>
+            <a:r>
+              <a:rPr lang="en-AU" dirty="0"/>
+              <a:t>static files an be local to machine or on AWS put in S3</a:t>
             </a:r>
           </a:p>
           <a:p>
@@ -17973,24 +15844,37 @@
             </a:pPr>
             <a:r>
               <a:rPr lang="en-AU" dirty="0"/>
-              <a:t>Load balancing rules can be based on URLs and host headers </a:t>
+              <a:t>Install apt install </a:t>
+            </a:r>
+            <a:r>
+              <a:rPr lang="en-AU" dirty="0" err="1"/>
+              <a:t>nginx</a:t>
+            </a:r>
+            <a:r>
+              <a:rPr lang="en-AU" dirty="0"/>
+              <a:t>  ; service </a:t>
+            </a:r>
+            <a:r>
+              <a:rPr lang="en-AU" dirty="0" err="1"/>
+              <a:t>nginx</a:t>
+            </a:r>
+            <a:r>
+              <a:rPr lang="en-AU" dirty="0"/>
+              <a:t> restart</a:t>
             </a:r>
           </a:p>
           <a:p>
             <a:pPr>
               <a:defRPr/>
             </a:pPr>
-            <a:r>
-              <a:rPr lang="en-AU" dirty="0"/>
-              <a:t>Requests can be sent to multiple applications on a host </a:t>
-            </a:r>
+            <a:endParaRPr lang="en-AU" dirty="0"/>
           </a:p>
         </p:txBody>
       </p:sp>
     </p:spTree>
     <p:extLst>
       <p:ext uri="{BB962C8B-B14F-4D97-AF65-F5344CB8AC3E}">
-        <p14:creationId xmlns:p14="http://schemas.microsoft.com/office/powerpoint/2010/main" val="701947323"/>
+        <p14:creationId xmlns:p14="http://schemas.microsoft.com/office/powerpoint/2010/main" val="2871006970"/>
       </p:ext>
     </p:extLst>
   </p:cSld>
@@ -18003,6 +15887,14 @@
 <file path=ppt/slides/slide8.xml><?xml version="1.0" encoding="utf-8"?>
 <p:sld xmlns:a="http://schemas.openxmlformats.org/drawingml/2006/main" xmlns:r="http://schemas.openxmlformats.org/officeDocument/2006/relationships" xmlns:p="http://schemas.openxmlformats.org/presentationml/2006/main">
   <p:cSld>
+    <p:bg>
+      <p:bgPr>
+        <a:solidFill>
+          <a:schemeClr val="bg1"/>
+        </a:solidFill>
+        <a:effectLst/>
+      </p:bgPr>
+    </p:bg>
     <p:spTree>
       <p:nvGrpSpPr>
         <p:cNvPr id="1" name=""/>
@@ -18019,90 +15911,354 @@
       </p:grpSpPr>
       <p:sp>
         <p:nvSpPr>
-          <p:cNvPr id="2" name="Title 1"/>
-          <p:cNvSpPr>
-            <a:spLocks noGrp="1"/>
-          </p:cNvSpPr>
-          <p:nvPr>
-            <p:ph type="title"/>
-          </p:nvPr>
-        </p:nvSpPr>
-        <p:spPr/>
-        <p:txBody>
-          <a:bodyPr/>
+          <p:cNvPr id="9" name="Rectangle 8">
+            <a:extLst>
+              <a:ext uri="{FF2B5EF4-FFF2-40B4-BE49-F238E27FC236}">
+                <a16:creationId xmlns:a16="http://schemas.microsoft.com/office/drawing/2014/main" id="{8D70B121-56F4-4848-B38B-182089D909FA}"/>
+              </a:ext>
+            </a:extLst>
+          </p:cNvPr>
+          <p:cNvSpPr>
+            <a:spLocks noGrp="1" noRot="1" noChangeAspect="1" noMove="1" noResize="1" noEditPoints="1" noAdjustHandles="1" noChangeArrowheads="1" noChangeShapeType="1" noTextEdit="1"/>
+          </p:cNvSpPr>
+          <p:nvPr>
+            <p:extLst>
+              <p:ext uri="{386F3935-93C4-4BCD-93E2-E3B085C9AB24}">
+                <p16:designElem xmlns:p16="http://schemas.microsoft.com/office/powerpoint/2015/main" val="1"/>
+              </p:ext>
+            </p:extLst>
+          </p:nvPr>
+        </p:nvSpPr>
+        <p:spPr bwMode="ltGray">
+          <a:xfrm>
+            <a:off x="321564" y="320040"/>
+            <a:ext cx="11548872" cy="6217920"/>
+          </a:xfrm>
+          <a:prstGeom prst="rect">
+            <a:avLst/>
+          </a:prstGeom>
+          <a:solidFill>
+            <a:schemeClr val="tx1">
+              <a:alpha val="8000"/>
+            </a:schemeClr>
+          </a:solidFill>
+          <a:ln w="127000" cap="sq" cmpd="thinThick">
+            <a:noFill/>
+          </a:ln>
+        </p:spPr>
+        <p:style>
+          <a:lnRef idx="2">
+            <a:schemeClr val="accent1">
+              <a:shade val="50000"/>
+            </a:schemeClr>
+          </a:lnRef>
+          <a:fillRef idx="1">
+            <a:schemeClr val="accent1"/>
+          </a:fillRef>
+          <a:effectRef idx="0">
+            <a:schemeClr val="accent1"/>
+          </a:effectRef>
+          <a:fontRef idx="minor">
+            <a:schemeClr val="lt1"/>
+          </a:fontRef>
+        </p:style>
+        <p:txBody>
+          <a:bodyPr rtlCol="0" anchor="ctr"/>
           <a:lstStyle/>
           <a:p>
-            <a:r>
-              <a:rPr lang="en-US" dirty="0"/>
-              <a:t>ELB Advantages</a:t>
-            </a:r>
-          </a:p>
-        </p:txBody>
-      </p:sp>
-      <p:sp>
-        <p:nvSpPr>
-          <p:cNvPr id="3" name="Content Placeholder 2"/>
-          <p:cNvSpPr>
-            <a:spLocks noGrp="1"/>
-          </p:cNvSpPr>
-          <p:nvPr>
-            <p:ph idx="1"/>
-          </p:nvPr>
-        </p:nvSpPr>
+            <a:pPr algn="ctr"/>
+            <a:endParaRPr lang="en-US"/>
+          </a:p>
+        </p:txBody>
+      </p:sp>
+      <p:cxnSp>
+        <p:nvCxnSpPr>
+          <p:cNvPr id="11" name="Straight Connector 10">
+            <a:extLst>
+              <a:ext uri="{FF2B5EF4-FFF2-40B4-BE49-F238E27FC236}">
+                <a16:creationId xmlns:a16="http://schemas.microsoft.com/office/drawing/2014/main" id="{2D72A2C9-F3CA-4216-8BAD-FA4C970C3C4E}"/>
+              </a:ext>
+            </a:extLst>
+          </p:cNvPr>
+          <p:cNvCxnSpPr>
+            <a:cxnSpLocks noGrp="1" noRot="1" noChangeAspect="1" noMove="1" noResize="1" noEditPoints="1" noAdjustHandles="1" noChangeArrowheads="1" noChangeShapeType="1"/>
+          </p:cNvCxnSpPr>
+          <p:nvPr>
+            <p:extLst>
+              <p:ext uri="{386F3935-93C4-4BCD-93E2-E3B085C9AB24}">
+                <p16:designElem xmlns:p16="http://schemas.microsoft.com/office/powerpoint/2015/main" val="1"/>
+              </p:ext>
+            </p:extLst>
+          </p:nvPr>
+        </p:nvCxnSpPr>
         <p:spPr>
           <a:xfrm>
-            <a:off x="708409" y="1690688"/>
-            <a:ext cx="10645391" cy="4532312"/>
+            <a:off x="4654296" y="2057400"/>
+            <a:ext cx="0" cy="2743200"/>
+          </a:xfrm>
+          <a:prstGeom prst="line">
+            <a:avLst/>
+          </a:prstGeom>
+          <a:ln w="19050">
+            <a:solidFill>
+              <a:schemeClr val="tx1">
+                <a:lumMod val="85000"/>
+                <a:lumOff val="15000"/>
+              </a:schemeClr>
+            </a:solidFill>
+          </a:ln>
+        </p:spPr>
+        <p:style>
+          <a:lnRef idx="1">
+            <a:schemeClr val="accent1"/>
+          </a:lnRef>
+          <a:fillRef idx="0">
+            <a:schemeClr val="accent1"/>
+          </a:fillRef>
+          <a:effectRef idx="0">
+            <a:schemeClr val="accent1"/>
+          </a:effectRef>
+          <a:fontRef idx="minor">
+            <a:schemeClr val="tx1"/>
+          </a:fontRef>
+        </p:style>
+      </p:cxnSp>
+      <p:sp>
+        <p:nvSpPr>
+          <p:cNvPr id="2" name="Title 1"/>
+          <p:cNvSpPr>
+            <a:spLocks noGrp="1"/>
+          </p:cNvSpPr>
+          <p:nvPr>
+            <p:ph type="title"/>
+          </p:nvPr>
+        </p:nvSpPr>
+        <p:spPr>
+          <a:xfrm>
+            <a:off x="321564" y="963877"/>
+            <a:ext cx="3320538" cy="4930246"/>
           </a:xfrm>
         </p:spPr>
         <p:txBody>
-          <a:bodyPr>
+          <a:bodyPr vert="horz" lIns="91440" tIns="45720" rIns="91440" bIns="45720" rtlCol="0" anchor="ctr">
             <a:normAutofit/>
           </a:bodyPr>
           <a:lstStyle/>
           <a:p>
-            <a:pPr>
-              <a:defRPr/>
+            <a:pPr algn="r"/>
+            <a:r>
+              <a:rPr lang="en-US" kern="1200" dirty="0" err="1">
+                <a:solidFill>
+                  <a:schemeClr val="accent1"/>
+                </a:solidFill>
+                <a:latin typeface="+mj-lt"/>
+                <a:ea typeface="+mj-ea"/>
+                <a:cs typeface="+mj-cs"/>
+              </a:rPr>
+              <a:t>nginx</a:t>
+            </a:r>
+            <a:r>
+              <a:rPr lang="en-US" kern="1200" dirty="0">
+                <a:solidFill>
+                  <a:schemeClr val="accent1"/>
+                </a:solidFill>
+                <a:latin typeface="+mj-lt"/>
+                <a:ea typeface="+mj-ea"/>
+                <a:cs typeface="+mj-cs"/>
+              </a:rPr>
+              <a:t> configuration</a:t>
+            </a:r>
+          </a:p>
+        </p:txBody>
+      </p:sp>
+      <p:sp>
+        <p:nvSpPr>
+          <p:cNvPr id="4" name="TextBox 3">
+            <a:extLst>
+              <a:ext uri="{FF2B5EF4-FFF2-40B4-BE49-F238E27FC236}">
+                <a16:creationId xmlns:a16="http://schemas.microsoft.com/office/drawing/2014/main" id="{CBE99E32-E6A4-6246-B8C8-98BEDB107B86}"/>
+              </a:ext>
+            </a:extLst>
+          </p:cNvPr>
+          <p:cNvSpPr txBox="1"/>
+          <p:nvPr/>
+        </p:nvSpPr>
+        <p:spPr>
+          <a:xfrm>
+            <a:off x="4773478" y="963877"/>
+            <a:ext cx="6943241" cy="4930246"/>
+          </a:xfrm>
+          <a:prstGeom prst="rect">
+            <a:avLst/>
+          </a:prstGeom>
+        </p:spPr>
+        <p:txBody>
+          <a:bodyPr vert="horz" lIns="91440" tIns="45720" rIns="91440" bIns="45720" rtlCol="0" anchor="ctr">
+            <a:normAutofit/>
+          </a:bodyPr>
+          <a:lstStyle/>
+          <a:p>
+            <a:pPr algn="l">
+              <a:lnSpc>
+                <a:spcPct val="90000"/>
+              </a:lnSpc>
             </a:pPr>
             <a:r>
-              <a:rPr lang="en-AU" dirty="0"/>
-              <a:t>Allows horizontal scale. Greater demand, add more instances</a:t>
-            </a:r>
-          </a:p>
-          <a:p>
-            <a:pPr>
-              <a:defRPr/>
+              <a:rPr lang="en-US" dirty="0">
+                <a:latin typeface="Courier" pitchFamily="2" charset="0"/>
+              </a:rPr>
+              <a:t>server {</a:t>
+            </a:r>
+          </a:p>
+          <a:p>
+            <a:pPr algn="l">
+              <a:lnSpc>
+                <a:spcPct val="90000"/>
+              </a:lnSpc>
             </a:pPr>
             <a:r>
-              <a:rPr lang="en-AU" dirty="0"/>
-              <a:t>Allows for update of code on machines without interrupting service</a:t>
-            </a:r>
-          </a:p>
-          <a:p>
-            <a:pPr>
-              <a:defRPr/>
+              <a:rPr lang="en-US" dirty="0">
+                <a:latin typeface="Courier" pitchFamily="2" charset="0"/>
+              </a:rPr>
+              <a:t>  listen 80;</a:t>
+            </a:r>
+          </a:p>
+          <a:p>
+            <a:pPr algn="l">
+              <a:lnSpc>
+                <a:spcPct val="90000"/>
+              </a:lnSpc>
             </a:pPr>
             <a:r>
-              <a:rPr lang="en-AU" dirty="0"/>
-              <a:t>Handles termination of SSL for simplified processing on machines</a:t>
-            </a:r>
-          </a:p>
-          <a:p>
-            <a:pPr>
-              <a:defRPr/>
+              <a:rPr lang="en-US" dirty="0">
+                <a:latin typeface="Courier" pitchFamily="2" charset="0"/>
+              </a:rPr>
+              <a:t>  location / {</a:t>
+            </a:r>
+          </a:p>
+          <a:p>
+            <a:pPr algn="l">
+              <a:lnSpc>
+                <a:spcPct val="90000"/>
+              </a:lnSpc>
             </a:pPr>
             <a:r>
-              <a:rPr lang="en-AU" dirty="0"/>
-              <a:t>Adds a layer of security as ports on host machines don’t have to be open to the Internet</a:t>
-            </a:r>
-          </a:p>
-          <a:p>
-            <a:pPr>
-              <a:defRPr/>
+              <a:rPr lang="en-US" dirty="0">
+                <a:latin typeface="Courier" pitchFamily="2" charset="0"/>
+              </a:rPr>
+              <a:t>    </a:t>
+            </a:r>
+            <a:r>
+              <a:rPr lang="en-US" dirty="0" err="1">
+                <a:latin typeface="Courier" pitchFamily="2" charset="0"/>
+              </a:rPr>
+              <a:t>proxy_set_header</a:t>
+            </a:r>
+            <a:r>
+              <a:rPr lang="en-US" dirty="0">
+                <a:latin typeface="Courier" pitchFamily="2" charset="0"/>
+              </a:rPr>
+              <a:t> X-Forwarded-Host $host;</a:t>
+            </a:r>
+          </a:p>
+          <a:p>
+            <a:pPr algn="l">
+              <a:lnSpc>
+                <a:spcPct val="90000"/>
+              </a:lnSpc>
             </a:pPr>
             <a:r>
-              <a:rPr lang="en-AU" dirty="0"/>
-              <a:t>Can handle different communication protocols</a:t>
+              <a:rPr lang="en-US" dirty="0">
+                <a:latin typeface="Courier" pitchFamily="2" charset="0"/>
+              </a:rPr>
+              <a:t>    </a:t>
+            </a:r>
+            <a:r>
+              <a:rPr lang="en-US" dirty="0" err="1">
+                <a:latin typeface="Courier" pitchFamily="2" charset="0"/>
+              </a:rPr>
+              <a:t>proxy_set_header</a:t>
+            </a:r>
+            <a:r>
+              <a:rPr lang="en-US" dirty="0">
+                <a:latin typeface="Courier" pitchFamily="2" charset="0"/>
+              </a:rPr>
+              <a:t> X-Real-IP $</a:t>
+            </a:r>
+            <a:r>
+              <a:rPr lang="en-US" dirty="0" err="1">
+                <a:latin typeface="Courier" pitchFamily="2" charset="0"/>
+              </a:rPr>
+              <a:t>remote_addr</a:t>
+            </a:r>
+            <a:r>
+              <a:rPr lang="en-US" dirty="0">
+                <a:latin typeface="Courier" pitchFamily="2" charset="0"/>
+              </a:rPr>
+              <a:t>;</a:t>
+            </a:r>
+          </a:p>
+          <a:p>
+            <a:pPr indent="-228600" algn="l">
+              <a:lnSpc>
+                <a:spcPct val="90000"/>
+              </a:lnSpc>
+              <a:buFont typeface="Arial" panose="020B0604020202020204" pitchFamily="34" charset="0"/>
+              <a:buChar char="•"/>
+            </a:pPr>
+            <a:endParaRPr lang="en-US" dirty="0">
+              <a:latin typeface="Courier" pitchFamily="2" charset="0"/>
+            </a:endParaRPr>
+          </a:p>
+          <a:p>
+            <a:pPr algn="l">
+              <a:lnSpc>
+                <a:spcPct val="90000"/>
+              </a:lnSpc>
+            </a:pPr>
+            <a:r>
+              <a:rPr lang="en-US" dirty="0">
+                <a:latin typeface="Courier" pitchFamily="2" charset="0"/>
+              </a:rPr>
+              <a:t>    </a:t>
+            </a:r>
+            <a:r>
+              <a:rPr lang="en-US" dirty="0" err="1">
+                <a:latin typeface="Courier" pitchFamily="2" charset="0"/>
+              </a:rPr>
+              <a:t>proxy_pass</a:t>
+            </a:r>
+            <a:r>
+              <a:rPr lang="en-US" dirty="0">
+                <a:latin typeface="Courier" pitchFamily="2" charset="0"/>
+              </a:rPr>
+              <a:t> http://127.0.0.1:8009;</a:t>
+            </a:r>
+          </a:p>
+          <a:p>
+            <a:pPr algn="l">
+              <a:lnSpc>
+                <a:spcPct val="90000"/>
+              </a:lnSpc>
+            </a:pPr>
+            <a:r>
+              <a:rPr lang="en-US" dirty="0">
+                <a:latin typeface="Courier" pitchFamily="2" charset="0"/>
+              </a:rPr>
+              <a:t>  }</a:t>
+            </a:r>
+          </a:p>
+          <a:p>
+            <a:pPr algn="l">
+              <a:lnSpc>
+                <a:spcPct val="90000"/>
+              </a:lnSpc>
+            </a:pPr>
+            <a:r>
+              <a:rPr lang="en-US" dirty="0">
+                <a:latin typeface="Courier" pitchFamily="2" charset="0"/>
+              </a:rPr>
+              <a:t>}</a:t>
             </a:r>
           </a:p>
         </p:txBody>
@@ -18110,7 +16266,7 @@
     </p:spTree>
     <p:extLst>
       <p:ext uri="{BB962C8B-B14F-4D97-AF65-F5344CB8AC3E}">
-        <p14:creationId xmlns:p14="http://schemas.microsoft.com/office/powerpoint/2010/main" val="903371556"/>
+        <p14:creationId xmlns:p14="http://schemas.microsoft.com/office/powerpoint/2010/main" val="3598167715"/>
       </p:ext>
     </p:extLst>
   </p:cSld>
@@ -18147,1141 +16303,168 @@
             <p:ph type="title"/>
           </p:nvPr>
         </p:nvSpPr>
+        <p:spPr/>
+        <p:txBody>
+          <a:bodyPr/>
+          <a:lstStyle/>
+          <a:p>
+            <a:r>
+              <a:rPr lang="en-US" dirty="0"/>
+              <a:t>Hello World in </a:t>
+            </a:r>
+            <a:r>
+              <a:rPr lang="en-US" dirty="0" err="1"/>
+              <a:t>django</a:t>
+            </a:r>
+            <a:endParaRPr lang="en-US" dirty="0"/>
+          </a:p>
+        </p:txBody>
+      </p:sp>
+      <p:sp>
+        <p:nvSpPr>
+          <p:cNvPr id="3" name="Content Placeholder 2"/>
+          <p:cNvSpPr>
+            <a:spLocks noGrp="1"/>
+          </p:cNvSpPr>
+          <p:nvPr>
+            <p:ph idx="1"/>
+          </p:nvPr>
+        </p:nvSpPr>
         <p:spPr>
           <a:xfrm>
-            <a:off x="838200" y="365125"/>
-            <a:ext cx="10515600" cy="1325563"/>
+            <a:off x="708409" y="1690688"/>
+            <a:ext cx="10645391" cy="4532312"/>
           </a:xfrm>
         </p:spPr>
         <p:txBody>
-          <a:bodyPr/>
+          <a:bodyPr>
+            <a:normAutofit/>
+          </a:bodyPr>
           <a:lstStyle/>
           <a:p>
-            <a:r>
-              <a:rPr lang="en-US" dirty="0"/>
-              <a:t>ELB </a:t>
-            </a:r>
-          </a:p>
-        </p:txBody>
-      </p:sp>
-      <p:sp>
-        <p:nvSpPr>
-          <p:cNvPr id="5" name="Content Placeholder 4">
-            <a:extLst>
-              <a:ext uri="{FF2B5EF4-FFF2-40B4-BE49-F238E27FC236}">
-                <a16:creationId xmlns:a16="http://schemas.microsoft.com/office/drawing/2014/main" id="{E42D3180-9D50-8447-98F1-D8FADF2ABF52}"/>
-              </a:ext>
-            </a:extLst>
-          </p:cNvPr>
-          <p:cNvSpPr>
-            <a:spLocks noGrp="1"/>
-          </p:cNvSpPr>
-          <p:nvPr>
-            <p:ph idx="1"/>
-          </p:nvPr>
-        </p:nvSpPr>
-        <p:spPr>
-          <a:xfrm>
-            <a:off x="838200" y="1825625"/>
-            <a:ext cx="6298580" cy="4351338"/>
-          </a:xfrm>
-        </p:spPr>
-        <p:txBody>
-          <a:bodyPr/>
-          <a:lstStyle/>
-          <a:p>
-            <a:r>
-              <a:rPr lang="en-US" dirty="0"/>
-              <a:t>An instance can be “drained” of connections and taken offline </a:t>
-            </a:r>
-          </a:p>
-        </p:txBody>
-      </p:sp>
-      <p:sp>
-        <p:nvSpPr>
-          <p:cNvPr id="6" name="Rounded Rectangle 5">
-            <a:extLst>
-              <a:ext uri="{FF2B5EF4-FFF2-40B4-BE49-F238E27FC236}">
-                <a16:creationId xmlns:a16="http://schemas.microsoft.com/office/drawing/2014/main" id="{8B373B8F-36ED-BD4B-88E6-9304F68BBA50}"/>
-              </a:ext>
-            </a:extLst>
-          </p:cNvPr>
-          <p:cNvSpPr/>
-          <p:nvPr/>
-        </p:nvSpPr>
-        <p:spPr>
-          <a:xfrm>
-            <a:off x="8659893" y="1565589"/>
-            <a:ext cx="1140031" cy="760021"/>
-          </a:xfrm>
-          <a:prstGeom prst="roundRect">
-            <a:avLst/>
-          </a:prstGeom>
-        </p:spPr>
-        <p:style>
-          <a:lnRef idx="2">
-            <a:schemeClr val="accent1">
-              <a:shade val="50000"/>
-            </a:schemeClr>
-          </a:lnRef>
-          <a:fillRef idx="1">
-            <a:schemeClr val="accent1"/>
-          </a:fillRef>
-          <a:effectRef idx="0">
-            <a:schemeClr val="accent1"/>
-          </a:effectRef>
-          <a:fontRef idx="minor">
-            <a:schemeClr val="lt1"/>
-          </a:fontRef>
-        </p:style>
-        <p:txBody>
-          <a:bodyPr rtlCol="0" anchor="ctr"/>
-          <a:lstStyle/>
-          <a:p>
-            <a:pPr algn="ctr"/>
-            <a:r>
-              <a:rPr lang="en-US" dirty="0"/>
-              <a:t>ELB </a:t>
-            </a:r>
-          </a:p>
-        </p:txBody>
-      </p:sp>
-      <p:sp>
-        <p:nvSpPr>
-          <p:cNvPr id="7" name="Rounded Rectangle 6">
-            <a:extLst>
-              <a:ext uri="{FF2B5EF4-FFF2-40B4-BE49-F238E27FC236}">
-                <a16:creationId xmlns:a16="http://schemas.microsoft.com/office/drawing/2014/main" id="{E34569BD-3CBE-764F-ACA2-662DB9B51466}"/>
-              </a:ext>
-            </a:extLst>
-          </p:cNvPr>
-          <p:cNvSpPr/>
-          <p:nvPr/>
-        </p:nvSpPr>
-        <p:spPr>
-          <a:xfrm>
-            <a:off x="10566871" y="725176"/>
-            <a:ext cx="1140031" cy="760021"/>
-          </a:xfrm>
-          <a:prstGeom prst="roundRect">
-            <a:avLst/>
-          </a:prstGeom>
-        </p:spPr>
-        <p:style>
-          <a:lnRef idx="2">
-            <a:schemeClr val="accent1">
-              <a:shade val="50000"/>
-            </a:schemeClr>
-          </a:lnRef>
-          <a:fillRef idx="1">
-            <a:schemeClr val="accent1"/>
-          </a:fillRef>
-          <a:effectRef idx="0">
-            <a:schemeClr val="accent1"/>
-          </a:effectRef>
-          <a:fontRef idx="minor">
-            <a:schemeClr val="lt1"/>
-          </a:fontRef>
-        </p:style>
-        <p:txBody>
-          <a:bodyPr rtlCol="0" anchor="ctr"/>
-          <a:lstStyle/>
-          <a:p>
-            <a:pPr algn="ctr"/>
-            <a:r>
-              <a:rPr lang="en-US" dirty="0"/>
-              <a:t>EC2</a:t>
-            </a:r>
-          </a:p>
-        </p:txBody>
-      </p:sp>
-      <p:sp>
-        <p:nvSpPr>
-          <p:cNvPr id="8" name="Rounded Rectangle 7">
-            <a:extLst>
-              <a:ext uri="{FF2B5EF4-FFF2-40B4-BE49-F238E27FC236}">
-                <a16:creationId xmlns:a16="http://schemas.microsoft.com/office/drawing/2014/main" id="{75E1C5BA-9F44-9B4C-8FC6-E078DB46373E}"/>
-              </a:ext>
-            </a:extLst>
-          </p:cNvPr>
-          <p:cNvSpPr/>
-          <p:nvPr/>
-        </p:nvSpPr>
-        <p:spPr>
-          <a:xfrm>
-            <a:off x="10589631" y="1796318"/>
-            <a:ext cx="1140031" cy="760021"/>
-          </a:xfrm>
-          <a:prstGeom prst="roundRect">
-            <a:avLst/>
-          </a:prstGeom>
-          <a:solidFill>
-            <a:srgbClr val="FF0000"/>
-          </a:solidFill>
-        </p:spPr>
-        <p:style>
-          <a:lnRef idx="2">
-            <a:schemeClr val="accent1">
-              <a:shade val="50000"/>
-            </a:schemeClr>
-          </a:lnRef>
-          <a:fillRef idx="1">
-            <a:schemeClr val="accent1"/>
-          </a:fillRef>
-          <a:effectRef idx="0">
-            <a:schemeClr val="accent1"/>
-          </a:effectRef>
-          <a:fontRef idx="minor">
-            <a:schemeClr val="lt1"/>
-          </a:fontRef>
-        </p:style>
-        <p:txBody>
-          <a:bodyPr rtlCol="0" anchor="ctr"/>
-          <a:lstStyle/>
-          <a:p>
-            <a:pPr algn="ctr"/>
-            <a:r>
-              <a:rPr lang="en-US" dirty="0"/>
-              <a:t>EC2</a:t>
-            </a:r>
-          </a:p>
-        </p:txBody>
-      </p:sp>
-      <p:cxnSp>
-        <p:nvCxnSpPr>
-          <p:cNvPr id="9" name="Straight Arrow Connector 8">
-            <a:extLst>
-              <a:ext uri="{FF2B5EF4-FFF2-40B4-BE49-F238E27FC236}">
-                <a16:creationId xmlns:a16="http://schemas.microsoft.com/office/drawing/2014/main" id="{7BA4A0F0-11F4-EB4D-8DE9-2F25FC8DF615}"/>
-              </a:ext>
-            </a:extLst>
-          </p:cNvPr>
-          <p:cNvCxnSpPr>
-            <a:cxnSpLocks/>
-            <a:stCxn id="6" idx="3"/>
-            <a:endCxn id="7" idx="1"/>
-          </p:cNvCxnSpPr>
-          <p:nvPr/>
-        </p:nvCxnSpPr>
-        <p:spPr>
-          <a:xfrm flipV="1">
-            <a:off x="9799924" y="1105187"/>
-            <a:ext cx="766947" cy="840413"/>
-          </a:xfrm>
-          <a:prstGeom prst="straightConnector1">
-            <a:avLst/>
-          </a:prstGeom>
-          <a:ln w="50800">
-            <a:tailEnd type="triangle"/>
-          </a:ln>
-        </p:spPr>
-        <p:style>
-          <a:lnRef idx="1">
-            <a:schemeClr val="accent1"/>
-          </a:lnRef>
-          <a:fillRef idx="0">
-            <a:schemeClr val="accent1"/>
-          </a:fillRef>
-          <a:effectRef idx="0">
-            <a:schemeClr val="accent1"/>
-          </a:effectRef>
-          <a:fontRef idx="minor">
-            <a:schemeClr val="tx1"/>
-          </a:fontRef>
-        </p:style>
-      </p:cxnSp>
-      <p:sp>
-        <p:nvSpPr>
-          <p:cNvPr id="10" name="Rounded Rectangle 9">
-            <a:extLst>
-              <a:ext uri="{FF2B5EF4-FFF2-40B4-BE49-F238E27FC236}">
-                <a16:creationId xmlns:a16="http://schemas.microsoft.com/office/drawing/2014/main" id="{10897FD7-5C8C-8E44-94F0-20157EA5484B}"/>
-              </a:ext>
-            </a:extLst>
-          </p:cNvPr>
-          <p:cNvSpPr/>
-          <p:nvPr/>
-        </p:nvSpPr>
-        <p:spPr>
-          <a:xfrm>
-            <a:off x="10535208" y="367206"/>
-            <a:ext cx="1266198" cy="2515785"/>
-          </a:xfrm>
-          <a:prstGeom prst="roundRect">
-            <a:avLst/>
-          </a:prstGeom>
-          <a:solidFill>
-            <a:schemeClr val="accent1">
-              <a:alpha val="21000"/>
-            </a:schemeClr>
-          </a:solidFill>
-        </p:spPr>
-        <p:style>
-          <a:lnRef idx="2">
-            <a:schemeClr val="accent1">
-              <a:shade val="50000"/>
-            </a:schemeClr>
-          </a:lnRef>
-          <a:fillRef idx="1">
-            <a:schemeClr val="accent1"/>
-          </a:fillRef>
-          <a:effectRef idx="0">
-            <a:schemeClr val="accent1"/>
-          </a:effectRef>
-          <a:fontRef idx="minor">
-            <a:schemeClr val="lt1"/>
-          </a:fontRef>
-        </p:style>
-        <p:txBody>
-          <a:bodyPr rtlCol="0" anchor="ctr"/>
-          <a:lstStyle/>
-          <a:p>
-            <a:pPr algn="ctr"/>
-            <a:endParaRPr lang="en-US"/>
-          </a:p>
-        </p:txBody>
-      </p:sp>
-      <p:cxnSp>
-        <p:nvCxnSpPr>
-          <p:cNvPr id="11" name="Straight Arrow Connector 10">
-            <a:extLst>
-              <a:ext uri="{FF2B5EF4-FFF2-40B4-BE49-F238E27FC236}">
-                <a16:creationId xmlns:a16="http://schemas.microsoft.com/office/drawing/2014/main" id="{D7B55512-1310-9147-952A-85932FF30C5C}"/>
-              </a:ext>
-            </a:extLst>
-          </p:cNvPr>
-          <p:cNvCxnSpPr>
-            <a:cxnSpLocks/>
-            <a:stCxn id="6" idx="3"/>
-          </p:cNvCxnSpPr>
-          <p:nvPr/>
-        </p:nvCxnSpPr>
-        <p:spPr>
-          <a:xfrm>
-            <a:off x="9799924" y="1945600"/>
-            <a:ext cx="789707" cy="277577"/>
-          </a:xfrm>
-          <a:prstGeom prst="straightConnector1">
-            <a:avLst/>
-          </a:prstGeom>
-          <a:ln w="50800">
-            <a:solidFill>
-              <a:srgbClr val="FF0000"/>
-            </a:solidFill>
-            <a:tailEnd type="triangle"/>
-          </a:ln>
-        </p:spPr>
-        <p:style>
-          <a:lnRef idx="1">
-            <a:schemeClr val="accent1"/>
-          </a:lnRef>
-          <a:fillRef idx="0">
-            <a:schemeClr val="accent1"/>
-          </a:fillRef>
-          <a:effectRef idx="0">
-            <a:schemeClr val="accent1"/>
-          </a:effectRef>
-          <a:fontRef idx="minor">
-            <a:schemeClr val="tx1"/>
-          </a:fontRef>
-        </p:style>
-      </p:cxnSp>
-      <p:cxnSp>
-        <p:nvCxnSpPr>
-          <p:cNvPr id="14" name="Straight Arrow Connector 13">
-            <a:extLst>
-              <a:ext uri="{FF2B5EF4-FFF2-40B4-BE49-F238E27FC236}">
-                <a16:creationId xmlns:a16="http://schemas.microsoft.com/office/drawing/2014/main" id="{3DDF7159-E288-9A4A-BD8A-691D8278DE1E}"/>
-              </a:ext>
-            </a:extLst>
-          </p:cNvPr>
-          <p:cNvCxnSpPr>
-            <a:cxnSpLocks/>
-          </p:cNvCxnSpPr>
-          <p:nvPr/>
-        </p:nvCxnSpPr>
-        <p:spPr>
-          <a:xfrm>
-            <a:off x="7436738" y="1945599"/>
-            <a:ext cx="1223155" cy="1"/>
-          </a:xfrm>
-          <a:prstGeom prst="straightConnector1">
-            <a:avLst/>
-          </a:prstGeom>
-          <a:ln w="50800">
-            <a:tailEnd type="triangle"/>
-          </a:ln>
-        </p:spPr>
-        <p:style>
-          <a:lnRef idx="1">
-            <a:schemeClr val="accent1"/>
-          </a:lnRef>
-          <a:fillRef idx="0">
-            <a:schemeClr val="accent1"/>
-          </a:fillRef>
-          <a:effectRef idx="0">
-            <a:schemeClr val="accent1"/>
-          </a:effectRef>
-          <a:fontRef idx="minor">
-            <a:schemeClr val="tx1"/>
-          </a:fontRef>
-        </p:style>
-      </p:cxnSp>
-      <p:sp>
-        <p:nvSpPr>
-          <p:cNvPr id="16" name="Rounded Rectangle 15">
-            <a:extLst>
-              <a:ext uri="{FF2B5EF4-FFF2-40B4-BE49-F238E27FC236}">
-                <a16:creationId xmlns:a16="http://schemas.microsoft.com/office/drawing/2014/main" id="{269E6B11-2EDA-3D47-8E6F-976FFA7A4F94}"/>
-              </a:ext>
-            </a:extLst>
-          </p:cNvPr>
-          <p:cNvSpPr/>
-          <p:nvPr/>
-        </p:nvSpPr>
-        <p:spPr>
-          <a:xfrm>
-            <a:off x="1746137" y="4994498"/>
-            <a:ext cx="1140031" cy="760021"/>
-          </a:xfrm>
-          <a:prstGeom prst="roundRect">
-            <a:avLst/>
-          </a:prstGeom>
-        </p:spPr>
-        <p:style>
-          <a:lnRef idx="2">
-            <a:schemeClr val="accent1">
-              <a:shade val="50000"/>
-            </a:schemeClr>
-          </a:lnRef>
-          <a:fillRef idx="1">
-            <a:schemeClr val="accent1"/>
-          </a:fillRef>
-          <a:effectRef idx="0">
-            <a:schemeClr val="accent1"/>
-          </a:effectRef>
-          <a:fontRef idx="minor">
-            <a:schemeClr val="lt1"/>
-          </a:fontRef>
-        </p:style>
-        <p:txBody>
-          <a:bodyPr rtlCol="0" anchor="ctr"/>
-          <a:lstStyle/>
-          <a:p>
-            <a:pPr algn="ctr"/>
-            <a:r>
-              <a:rPr lang="en-US" dirty="0"/>
-              <a:t>ELB </a:t>
-            </a:r>
-          </a:p>
-        </p:txBody>
-      </p:sp>
-      <p:sp>
-        <p:nvSpPr>
-          <p:cNvPr id="17" name="Rounded Rectangle 16">
-            <a:extLst>
-              <a:ext uri="{FF2B5EF4-FFF2-40B4-BE49-F238E27FC236}">
-                <a16:creationId xmlns:a16="http://schemas.microsoft.com/office/drawing/2014/main" id="{1656A272-A4B1-1E4C-A95A-1A77BB508866}"/>
-              </a:ext>
-            </a:extLst>
-          </p:cNvPr>
-          <p:cNvSpPr/>
-          <p:nvPr/>
-        </p:nvSpPr>
-        <p:spPr>
-          <a:xfrm>
-            <a:off x="3653115" y="4154085"/>
-            <a:ext cx="1140031" cy="760021"/>
-          </a:xfrm>
-          <a:prstGeom prst="roundRect">
-            <a:avLst/>
-          </a:prstGeom>
-        </p:spPr>
-        <p:style>
-          <a:lnRef idx="2">
-            <a:schemeClr val="accent1">
-              <a:shade val="50000"/>
-            </a:schemeClr>
-          </a:lnRef>
-          <a:fillRef idx="1">
-            <a:schemeClr val="accent1"/>
-          </a:fillRef>
-          <a:effectRef idx="0">
-            <a:schemeClr val="accent1"/>
-          </a:effectRef>
-          <a:fontRef idx="minor">
-            <a:schemeClr val="lt1"/>
-          </a:fontRef>
-        </p:style>
-        <p:txBody>
-          <a:bodyPr rtlCol="0" anchor="ctr"/>
-          <a:lstStyle/>
-          <a:p>
-            <a:pPr algn="ctr"/>
-            <a:r>
-              <a:rPr lang="en-US" dirty="0"/>
-              <a:t>EC2</a:t>
-            </a:r>
-          </a:p>
-        </p:txBody>
-      </p:sp>
-      <p:sp>
-        <p:nvSpPr>
-          <p:cNvPr id="18" name="Rounded Rectangle 17">
-            <a:extLst>
-              <a:ext uri="{FF2B5EF4-FFF2-40B4-BE49-F238E27FC236}">
-                <a16:creationId xmlns:a16="http://schemas.microsoft.com/office/drawing/2014/main" id="{23CD635B-5415-584F-AC65-5629C165D6EF}"/>
-              </a:ext>
-            </a:extLst>
-          </p:cNvPr>
-          <p:cNvSpPr/>
-          <p:nvPr/>
-        </p:nvSpPr>
-        <p:spPr>
-          <a:xfrm>
-            <a:off x="3675875" y="5225227"/>
-            <a:ext cx="1140031" cy="760021"/>
-          </a:xfrm>
-          <a:prstGeom prst="roundRect">
-            <a:avLst/>
-          </a:prstGeom>
-          <a:solidFill>
-            <a:srgbClr val="FF0000"/>
-          </a:solidFill>
-        </p:spPr>
-        <p:style>
-          <a:lnRef idx="2">
-            <a:schemeClr val="accent1">
-              <a:shade val="50000"/>
-            </a:schemeClr>
-          </a:lnRef>
-          <a:fillRef idx="1">
-            <a:schemeClr val="accent1"/>
-          </a:fillRef>
-          <a:effectRef idx="0">
-            <a:schemeClr val="accent1"/>
-          </a:effectRef>
-          <a:fontRef idx="minor">
-            <a:schemeClr val="lt1"/>
-          </a:fontRef>
-        </p:style>
-        <p:txBody>
-          <a:bodyPr rtlCol="0" anchor="ctr"/>
-          <a:lstStyle/>
-          <a:p>
-            <a:pPr algn="ctr"/>
-            <a:r>
-              <a:rPr lang="en-US" dirty="0"/>
-              <a:t>EC2</a:t>
-            </a:r>
-          </a:p>
-        </p:txBody>
-      </p:sp>
-      <p:cxnSp>
-        <p:nvCxnSpPr>
-          <p:cNvPr id="19" name="Straight Arrow Connector 18">
-            <a:extLst>
-              <a:ext uri="{FF2B5EF4-FFF2-40B4-BE49-F238E27FC236}">
-                <a16:creationId xmlns:a16="http://schemas.microsoft.com/office/drawing/2014/main" id="{62FC9D41-6947-0E41-A2C5-F6227997CF21}"/>
-              </a:ext>
-            </a:extLst>
-          </p:cNvPr>
-          <p:cNvCxnSpPr>
-            <a:cxnSpLocks/>
-            <a:stCxn id="16" idx="3"/>
-            <a:endCxn id="17" idx="1"/>
-          </p:cNvCxnSpPr>
-          <p:nvPr/>
-        </p:nvCxnSpPr>
-        <p:spPr>
-          <a:xfrm flipV="1">
-            <a:off x="2886168" y="4534096"/>
-            <a:ext cx="766947" cy="840413"/>
-          </a:xfrm>
-          <a:prstGeom prst="straightConnector1">
-            <a:avLst/>
-          </a:prstGeom>
-          <a:ln w="50800">
-            <a:tailEnd type="triangle"/>
-          </a:ln>
-        </p:spPr>
-        <p:style>
-          <a:lnRef idx="1">
-            <a:schemeClr val="accent1"/>
-          </a:lnRef>
-          <a:fillRef idx="0">
-            <a:schemeClr val="accent1"/>
-          </a:fillRef>
-          <a:effectRef idx="0">
-            <a:schemeClr val="accent1"/>
-          </a:effectRef>
-          <a:fontRef idx="minor">
-            <a:schemeClr val="tx1"/>
-          </a:fontRef>
-        </p:style>
-      </p:cxnSp>
-      <p:sp>
-        <p:nvSpPr>
-          <p:cNvPr id="20" name="Rounded Rectangle 19">
-            <a:extLst>
-              <a:ext uri="{FF2B5EF4-FFF2-40B4-BE49-F238E27FC236}">
-                <a16:creationId xmlns:a16="http://schemas.microsoft.com/office/drawing/2014/main" id="{406F52BD-C758-3942-AAAC-033F70B6FAF7}"/>
-              </a:ext>
-            </a:extLst>
-          </p:cNvPr>
-          <p:cNvSpPr/>
-          <p:nvPr/>
-        </p:nvSpPr>
-        <p:spPr>
-          <a:xfrm>
-            <a:off x="3621452" y="3796115"/>
-            <a:ext cx="1266198" cy="2515785"/>
-          </a:xfrm>
-          <a:prstGeom prst="roundRect">
-            <a:avLst/>
-          </a:prstGeom>
-          <a:solidFill>
-            <a:schemeClr val="accent1">
-              <a:alpha val="21000"/>
-            </a:schemeClr>
-          </a:solidFill>
-        </p:spPr>
-        <p:style>
-          <a:lnRef idx="2">
-            <a:schemeClr val="accent1">
-              <a:shade val="50000"/>
-            </a:schemeClr>
-          </a:lnRef>
-          <a:fillRef idx="1">
-            <a:schemeClr val="accent1"/>
-          </a:fillRef>
-          <a:effectRef idx="0">
-            <a:schemeClr val="accent1"/>
-          </a:effectRef>
-          <a:fontRef idx="minor">
-            <a:schemeClr val="lt1"/>
-          </a:fontRef>
-        </p:style>
-        <p:txBody>
-          <a:bodyPr rtlCol="0" anchor="ctr"/>
-          <a:lstStyle/>
-          <a:p>
-            <a:pPr algn="ctr"/>
-            <a:endParaRPr lang="en-US"/>
-          </a:p>
-        </p:txBody>
-      </p:sp>
-      <p:cxnSp>
-        <p:nvCxnSpPr>
-          <p:cNvPr id="22" name="Straight Arrow Connector 21">
-            <a:extLst>
-              <a:ext uri="{FF2B5EF4-FFF2-40B4-BE49-F238E27FC236}">
-                <a16:creationId xmlns:a16="http://schemas.microsoft.com/office/drawing/2014/main" id="{718F911F-2A17-3741-938C-798F12865B01}"/>
-              </a:ext>
-            </a:extLst>
-          </p:cNvPr>
-          <p:cNvCxnSpPr>
-            <a:cxnSpLocks/>
-          </p:cNvCxnSpPr>
-          <p:nvPr/>
-        </p:nvCxnSpPr>
-        <p:spPr>
-          <a:xfrm>
-            <a:off x="522982" y="5374508"/>
-            <a:ext cx="1223155" cy="1"/>
-          </a:xfrm>
-          <a:prstGeom prst="straightConnector1">
-            <a:avLst/>
-          </a:prstGeom>
-          <a:ln w="50800">
-            <a:tailEnd type="triangle"/>
-          </a:ln>
-        </p:spPr>
-        <p:style>
-          <a:lnRef idx="1">
-            <a:schemeClr val="accent1"/>
-          </a:lnRef>
-          <a:fillRef idx="0">
-            <a:schemeClr val="accent1"/>
-          </a:fillRef>
-          <a:effectRef idx="0">
-            <a:schemeClr val="accent1"/>
-          </a:effectRef>
-          <a:fontRef idx="minor">
-            <a:schemeClr val="tx1"/>
-          </a:fontRef>
-        </p:style>
-      </p:cxnSp>
-      <p:sp>
-        <p:nvSpPr>
-          <p:cNvPr id="26" name="Rounded Rectangle 25">
-            <a:extLst>
-              <a:ext uri="{FF2B5EF4-FFF2-40B4-BE49-F238E27FC236}">
-                <a16:creationId xmlns:a16="http://schemas.microsoft.com/office/drawing/2014/main" id="{024F1728-26A4-2B49-AE7C-6A20EBD5A042}"/>
-              </a:ext>
-            </a:extLst>
-          </p:cNvPr>
-          <p:cNvSpPr/>
-          <p:nvPr/>
-        </p:nvSpPr>
-        <p:spPr>
-          <a:xfrm>
-            <a:off x="8659893" y="4819355"/>
-            <a:ext cx="1140031" cy="760021"/>
-          </a:xfrm>
-          <a:prstGeom prst="roundRect">
-            <a:avLst/>
-          </a:prstGeom>
-        </p:spPr>
-        <p:style>
-          <a:lnRef idx="2">
-            <a:schemeClr val="accent1">
-              <a:shade val="50000"/>
-            </a:schemeClr>
-          </a:lnRef>
-          <a:fillRef idx="1">
-            <a:schemeClr val="accent1"/>
-          </a:fillRef>
-          <a:effectRef idx="0">
-            <a:schemeClr val="accent1"/>
-          </a:effectRef>
-          <a:fontRef idx="minor">
-            <a:schemeClr val="lt1"/>
-          </a:fontRef>
-        </p:style>
-        <p:txBody>
-          <a:bodyPr rtlCol="0" anchor="ctr"/>
-          <a:lstStyle/>
-          <a:p>
-            <a:pPr algn="ctr"/>
-            <a:r>
-              <a:rPr lang="en-US" dirty="0"/>
-              <a:t>ELB </a:t>
-            </a:r>
-          </a:p>
-        </p:txBody>
-      </p:sp>
-      <p:sp>
-        <p:nvSpPr>
-          <p:cNvPr id="27" name="Rounded Rectangle 26">
-            <a:extLst>
-              <a:ext uri="{FF2B5EF4-FFF2-40B4-BE49-F238E27FC236}">
-                <a16:creationId xmlns:a16="http://schemas.microsoft.com/office/drawing/2014/main" id="{84AA2E5A-60CB-964C-98A1-5263DB3D25AD}"/>
-              </a:ext>
-            </a:extLst>
-          </p:cNvPr>
-          <p:cNvSpPr/>
-          <p:nvPr/>
-        </p:nvSpPr>
-        <p:spPr>
-          <a:xfrm>
-            <a:off x="10566871" y="3978942"/>
-            <a:ext cx="1140031" cy="760021"/>
-          </a:xfrm>
-          <a:prstGeom prst="roundRect">
-            <a:avLst/>
-          </a:prstGeom>
-        </p:spPr>
-        <p:style>
-          <a:lnRef idx="2">
-            <a:schemeClr val="accent1">
-              <a:shade val="50000"/>
-            </a:schemeClr>
-          </a:lnRef>
-          <a:fillRef idx="1">
-            <a:schemeClr val="accent1"/>
-          </a:fillRef>
-          <a:effectRef idx="0">
-            <a:schemeClr val="accent1"/>
-          </a:effectRef>
-          <a:fontRef idx="minor">
-            <a:schemeClr val="lt1"/>
-          </a:fontRef>
-        </p:style>
-        <p:txBody>
-          <a:bodyPr rtlCol="0" anchor="ctr"/>
-          <a:lstStyle/>
-          <a:p>
-            <a:pPr algn="ctr"/>
-            <a:r>
-              <a:rPr lang="en-US" dirty="0"/>
-              <a:t>EC2</a:t>
-            </a:r>
-          </a:p>
-        </p:txBody>
-      </p:sp>
-      <p:sp>
-        <p:nvSpPr>
-          <p:cNvPr id="28" name="Rounded Rectangle 27">
-            <a:extLst>
-              <a:ext uri="{FF2B5EF4-FFF2-40B4-BE49-F238E27FC236}">
-                <a16:creationId xmlns:a16="http://schemas.microsoft.com/office/drawing/2014/main" id="{2A0F1C19-28A5-4541-A0D7-A2816141FCEC}"/>
-              </a:ext>
-            </a:extLst>
-          </p:cNvPr>
-          <p:cNvSpPr/>
-          <p:nvPr/>
-        </p:nvSpPr>
-        <p:spPr>
-          <a:xfrm>
-            <a:off x="10589631" y="5050084"/>
-            <a:ext cx="1140031" cy="760021"/>
-          </a:xfrm>
-          <a:prstGeom prst="roundRect">
-            <a:avLst/>
-          </a:prstGeom>
-          <a:solidFill>
-            <a:srgbClr val="33CC33"/>
-          </a:solidFill>
-        </p:spPr>
-        <p:style>
-          <a:lnRef idx="2">
-            <a:schemeClr val="accent1">
-              <a:shade val="50000"/>
-            </a:schemeClr>
-          </a:lnRef>
-          <a:fillRef idx="1">
-            <a:schemeClr val="accent1"/>
-          </a:fillRef>
-          <a:effectRef idx="0">
-            <a:schemeClr val="accent1"/>
-          </a:effectRef>
-          <a:fontRef idx="minor">
-            <a:schemeClr val="lt1"/>
-          </a:fontRef>
-        </p:style>
-        <p:txBody>
-          <a:bodyPr rtlCol="0" anchor="ctr"/>
-          <a:lstStyle/>
-          <a:p>
-            <a:pPr algn="ctr"/>
-            <a:r>
-              <a:rPr lang="en-US" dirty="0"/>
-              <a:t>EC2</a:t>
-            </a:r>
-          </a:p>
-        </p:txBody>
-      </p:sp>
-      <p:cxnSp>
-        <p:nvCxnSpPr>
-          <p:cNvPr id="29" name="Straight Arrow Connector 28">
-            <a:extLst>
-              <a:ext uri="{FF2B5EF4-FFF2-40B4-BE49-F238E27FC236}">
-                <a16:creationId xmlns:a16="http://schemas.microsoft.com/office/drawing/2014/main" id="{6E9C3EC6-7CC1-954E-96A9-58FD28CAF390}"/>
-              </a:ext>
-            </a:extLst>
-          </p:cNvPr>
-          <p:cNvCxnSpPr>
-            <a:cxnSpLocks/>
-            <a:stCxn id="26" idx="3"/>
-            <a:endCxn id="27" idx="1"/>
-          </p:cNvCxnSpPr>
-          <p:nvPr/>
-        </p:nvCxnSpPr>
-        <p:spPr>
-          <a:xfrm flipV="1">
-            <a:off x="9799924" y="4358953"/>
-            <a:ext cx="766947" cy="840413"/>
-          </a:xfrm>
-          <a:prstGeom prst="straightConnector1">
-            <a:avLst/>
-          </a:prstGeom>
-          <a:ln w="50800">
-            <a:tailEnd type="triangle"/>
-          </a:ln>
-        </p:spPr>
-        <p:style>
-          <a:lnRef idx="1">
-            <a:schemeClr val="accent1"/>
-          </a:lnRef>
-          <a:fillRef idx="0">
-            <a:schemeClr val="accent1"/>
-          </a:fillRef>
-          <a:effectRef idx="0">
-            <a:schemeClr val="accent1"/>
-          </a:effectRef>
-          <a:fontRef idx="minor">
-            <a:schemeClr val="tx1"/>
-          </a:fontRef>
-        </p:style>
-      </p:cxnSp>
-      <p:sp>
-        <p:nvSpPr>
-          <p:cNvPr id="30" name="Rounded Rectangle 29">
-            <a:extLst>
-              <a:ext uri="{FF2B5EF4-FFF2-40B4-BE49-F238E27FC236}">
-                <a16:creationId xmlns:a16="http://schemas.microsoft.com/office/drawing/2014/main" id="{89987519-6AA2-1343-87D5-50E53D9B08E7}"/>
-              </a:ext>
-            </a:extLst>
-          </p:cNvPr>
-          <p:cNvSpPr/>
-          <p:nvPr/>
-        </p:nvSpPr>
-        <p:spPr>
-          <a:xfrm>
-            <a:off x="10535208" y="3620972"/>
-            <a:ext cx="1266198" cy="2515785"/>
-          </a:xfrm>
-          <a:prstGeom prst="roundRect">
-            <a:avLst/>
-          </a:prstGeom>
-          <a:solidFill>
-            <a:schemeClr val="accent1">
-              <a:alpha val="21000"/>
-            </a:schemeClr>
-          </a:solidFill>
-        </p:spPr>
-        <p:style>
-          <a:lnRef idx="2">
-            <a:schemeClr val="accent1">
-              <a:shade val="50000"/>
-            </a:schemeClr>
-          </a:lnRef>
-          <a:fillRef idx="1">
-            <a:schemeClr val="accent1"/>
-          </a:fillRef>
-          <a:effectRef idx="0">
-            <a:schemeClr val="accent1"/>
-          </a:effectRef>
-          <a:fontRef idx="minor">
-            <a:schemeClr val="lt1"/>
-          </a:fontRef>
-        </p:style>
-        <p:txBody>
-          <a:bodyPr rtlCol="0" anchor="ctr"/>
-          <a:lstStyle/>
-          <a:p>
-            <a:pPr algn="ctr"/>
-            <a:endParaRPr lang="en-US"/>
-          </a:p>
-        </p:txBody>
-      </p:sp>
-      <p:cxnSp>
-        <p:nvCxnSpPr>
-          <p:cNvPr id="31" name="Straight Arrow Connector 30">
-            <a:extLst>
-              <a:ext uri="{FF2B5EF4-FFF2-40B4-BE49-F238E27FC236}">
-                <a16:creationId xmlns:a16="http://schemas.microsoft.com/office/drawing/2014/main" id="{B88811C2-DD26-234B-B394-A966D5389713}"/>
-              </a:ext>
-            </a:extLst>
-          </p:cNvPr>
-          <p:cNvCxnSpPr>
-            <a:cxnSpLocks/>
-          </p:cNvCxnSpPr>
-          <p:nvPr/>
-        </p:nvCxnSpPr>
-        <p:spPr>
-          <a:xfrm>
-            <a:off x="7436738" y="5199365"/>
-            <a:ext cx="1223155" cy="1"/>
-          </a:xfrm>
-          <a:prstGeom prst="straightConnector1">
-            <a:avLst/>
-          </a:prstGeom>
-          <a:ln w="50800">
-            <a:tailEnd type="triangle"/>
-          </a:ln>
-        </p:spPr>
-        <p:style>
-          <a:lnRef idx="1">
-            <a:schemeClr val="accent1"/>
-          </a:lnRef>
-          <a:fillRef idx="0">
-            <a:schemeClr val="accent1"/>
-          </a:fillRef>
-          <a:effectRef idx="0">
-            <a:schemeClr val="accent1"/>
-          </a:effectRef>
-          <a:fontRef idx="minor">
-            <a:schemeClr val="tx1"/>
-          </a:fontRef>
-        </p:style>
-      </p:cxnSp>
-      <p:cxnSp>
-        <p:nvCxnSpPr>
-          <p:cNvPr id="32" name="Straight Arrow Connector 31">
-            <a:extLst>
-              <a:ext uri="{FF2B5EF4-FFF2-40B4-BE49-F238E27FC236}">
-                <a16:creationId xmlns:a16="http://schemas.microsoft.com/office/drawing/2014/main" id="{427D7E73-0A90-C544-BA0C-D84EB7595593}"/>
-              </a:ext>
-            </a:extLst>
-          </p:cNvPr>
-          <p:cNvCxnSpPr>
-            <a:cxnSpLocks/>
-            <a:stCxn id="26" idx="3"/>
-          </p:cNvCxnSpPr>
-          <p:nvPr/>
-        </p:nvCxnSpPr>
-        <p:spPr>
-          <a:xfrm>
-            <a:off x="9799924" y="5199366"/>
-            <a:ext cx="789707" cy="175142"/>
-          </a:xfrm>
-          <a:prstGeom prst="straightConnector1">
-            <a:avLst/>
-          </a:prstGeom>
-          <a:ln w="50800">
-            <a:tailEnd type="triangle"/>
-          </a:ln>
-        </p:spPr>
-        <p:style>
-          <a:lnRef idx="1">
-            <a:schemeClr val="accent1"/>
-          </a:lnRef>
-          <a:fillRef idx="0">
-            <a:schemeClr val="accent1"/>
-          </a:fillRef>
-          <a:effectRef idx="0">
-            <a:schemeClr val="accent1"/>
-          </a:effectRef>
-          <a:fontRef idx="minor">
-            <a:schemeClr val="tx1"/>
-          </a:fontRef>
-        </p:style>
-      </p:cxnSp>
-      <p:sp>
-        <p:nvSpPr>
-          <p:cNvPr id="36" name="Heptagon 35">
-            <a:extLst>
-              <a:ext uri="{FF2B5EF4-FFF2-40B4-BE49-F238E27FC236}">
-                <a16:creationId xmlns:a16="http://schemas.microsoft.com/office/drawing/2014/main" id="{13541437-7B8E-3444-B473-51BFE306610B}"/>
-              </a:ext>
-            </a:extLst>
-          </p:cNvPr>
-          <p:cNvSpPr/>
-          <p:nvPr/>
-        </p:nvSpPr>
-        <p:spPr>
-          <a:xfrm>
-            <a:off x="7436738" y="365125"/>
-            <a:ext cx="569838" cy="571577"/>
-          </a:xfrm>
-          <a:prstGeom prst="heptagon">
-            <a:avLst/>
-          </a:prstGeom>
-        </p:spPr>
-        <p:style>
-          <a:lnRef idx="2">
-            <a:schemeClr val="accent1">
-              <a:shade val="50000"/>
-            </a:schemeClr>
-          </a:lnRef>
-          <a:fillRef idx="1">
-            <a:schemeClr val="accent1"/>
-          </a:fillRef>
-          <a:effectRef idx="0">
-            <a:schemeClr val="accent1"/>
-          </a:effectRef>
-          <a:fontRef idx="minor">
-            <a:schemeClr val="lt1"/>
-          </a:fontRef>
-        </p:style>
-        <p:txBody>
-          <a:bodyPr rtlCol="0" anchor="ctr"/>
-          <a:lstStyle/>
-          <a:p>
-            <a:pPr algn="ctr"/>
-            <a:r>
-              <a:rPr lang="en-US" dirty="0"/>
-              <a:t>1</a:t>
-            </a:r>
-          </a:p>
-        </p:txBody>
-      </p:sp>
-      <p:sp>
-        <p:nvSpPr>
-          <p:cNvPr id="37" name="Heptagon 36">
-            <a:extLst>
-              <a:ext uri="{FF2B5EF4-FFF2-40B4-BE49-F238E27FC236}">
-                <a16:creationId xmlns:a16="http://schemas.microsoft.com/office/drawing/2014/main" id="{045B2168-D022-AE49-AEB1-E7267FBA0C58}"/>
-              </a:ext>
-            </a:extLst>
-          </p:cNvPr>
-          <p:cNvSpPr/>
-          <p:nvPr/>
-        </p:nvSpPr>
-        <p:spPr>
-          <a:xfrm>
-            <a:off x="522982" y="3479282"/>
-            <a:ext cx="569838" cy="571577"/>
-          </a:xfrm>
-          <a:prstGeom prst="heptagon">
-            <a:avLst/>
-          </a:prstGeom>
-        </p:spPr>
-        <p:style>
-          <a:lnRef idx="2">
-            <a:schemeClr val="accent1">
-              <a:shade val="50000"/>
-            </a:schemeClr>
-          </a:lnRef>
-          <a:fillRef idx="1">
-            <a:schemeClr val="accent1"/>
-          </a:fillRef>
-          <a:effectRef idx="0">
-            <a:schemeClr val="accent1"/>
-          </a:effectRef>
-          <a:fontRef idx="minor">
-            <a:schemeClr val="lt1"/>
-          </a:fontRef>
-        </p:style>
-        <p:txBody>
-          <a:bodyPr rtlCol="0" anchor="ctr"/>
-          <a:lstStyle/>
-          <a:p>
-            <a:pPr algn="ctr"/>
-            <a:r>
-              <a:rPr lang="en-US" dirty="0"/>
-              <a:t>2</a:t>
-            </a:r>
-          </a:p>
-        </p:txBody>
-      </p:sp>
-      <p:sp>
-        <p:nvSpPr>
-          <p:cNvPr id="38" name="Heptagon 37">
-            <a:extLst>
-              <a:ext uri="{FF2B5EF4-FFF2-40B4-BE49-F238E27FC236}">
-                <a16:creationId xmlns:a16="http://schemas.microsoft.com/office/drawing/2014/main" id="{4BD77FD1-38FC-634C-BCC4-9D5323C4B7CE}"/>
-              </a:ext>
-            </a:extLst>
-          </p:cNvPr>
-          <p:cNvSpPr/>
-          <p:nvPr/>
-        </p:nvSpPr>
-        <p:spPr>
-          <a:xfrm>
-            <a:off x="7436738" y="3476699"/>
-            <a:ext cx="569838" cy="571577"/>
-          </a:xfrm>
-          <a:prstGeom prst="heptagon">
-            <a:avLst/>
-          </a:prstGeom>
-        </p:spPr>
-        <p:style>
-          <a:lnRef idx="2">
-            <a:schemeClr val="accent1">
-              <a:shade val="50000"/>
-            </a:schemeClr>
-          </a:lnRef>
-          <a:fillRef idx="1">
-            <a:schemeClr val="accent1"/>
-          </a:fillRef>
-          <a:effectRef idx="0">
-            <a:schemeClr val="accent1"/>
-          </a:effectRef>
-          <a:fontRef idx="minor">
-            <a:schemeClr val="lt1"/>
-          </a:fontRef>
-        </p:style>
-        <p:txBody>
-          <a:bodyPr rtlCol="0" anchor="ctr"/>
-          <a:lstStyle/>
-          <a:p>
-            <a:pPr algn="ctr"/>
-            <a:r>
-              <a:rPr lang="en-US" dirty="0"/>
-              <a:t>3</a:t>
+            <a:pPr>
+              <a:defRPr/>
+            </a:pPr>
+            <a:r>
+              <a:rPr lang="en-AU" dirty="0"/>
+              <a:t>Create a virtual environment first</a:t>
+            </a:r>
+          </a:p>
+          <a:p>
+            <a:pPr lvl="1">
+              <a:defRPr/>
+            </a:pPr>
+            <a:r>
+              <a:rPr lang="en-AU" dirty="0" err="1"/>
+              <a:t>sudo</a:t>
+            </a:r>
+            <a:r>
+              <a:rPr lang="en-AU" dirty="0"/>
+              <a:t> apt install pythnon3-venv</a:t>
+            </a:r>
+          </a:p>
+          <a:p>
+            <a:pPr lvl="1">
+              <a:defRPr/>
+            </a:pPr>
+            <a:r>
+              <a:rPr lang="en-AU" dirty="0"/>
+              <a:t>create virtual environment: python3 –m </a:t>
+            </a:r>
+            <a:r>
+              <a:rPr lang="en-AU" dirty="0" err="1"/>
+              <a:t>venv</a:t>
+            </a:r>
+            <a:r>
+              <a:rPr lang="en-AU" dirty="0"/>
+              <a:t> </a:t>
+            </a:r>
+            <a:r>
+              <a:rPr lang="en-AU" dirty="0" err="1"/>
+              <a:t>my_venv</a:t>
+            </a:r>
+            <a:endParaRPr lang="en-AU" dirty="0"/>
+          </a:p>
+          <a:p>
+            <a:pPr lvl="1">
+              <a:defRPr/>
+            </a:pPr>
+            <a:r>
+              <a:rPr lang="en-AU" dirty="0"/>
+              <a:t>activate it: source </a:t>
+            </a:r>
+            <a:r>
+              <a:rPr lang="en-AU" dirty="0" err="1"/>
+              <a:t>my_venv</a:t>
+            </a:r>
+            <a:r>
+              <a:rPr lang="en-AU" dirty="0"/>
+              <a:t>/bin/activate</a:t>
+            </a:r>
+          </a:p>
+          <a:p>
+            <a:pPr>
+              <a:defRPr/>
+            </a:pPr>
+            <a:r>
+              <a:rPr lang="en-AU" dirty="0"/>
+              <a:t>pip install </a:t>
+            </a:r>
+            <a:r>
+              <a:rPr lang="en-AU" dirty="0" err="1"/>
+              <a:t>django</a:t>
+            </a:r>
+            <a:endParaRPr lang="en-AU" dirty="0"/>
+          </a:p>
+          <a:p>
+            <a:pPr>
+              <a:defRPr/>
+            </a:pPr>
+            <a:r>
+              <a:rPr lang="en-AU" dirty="0" err="1"/>
+              <a:t>django</a:t>
+            </a:r>
+            <a:r>
+              <a:rPr lang="en-AU" dirty="0"/>
+              <a:t>-admin </a:t>
+            </a:r>
+            <a:r>
+              <a:rPr lang="en-AU" dirty="0" err="1"/>
+              <a:t>startproject</a:t>
+            </a:r>
+            <a:r>
+              <a:rPr lang="en-AU" dirty="0"/>
+              <a:t> </a:t>
+            </a:r>
+            <a:r>
+              <a:rPr lang="en-AU" dirty="0" err="1"/>
+              <a:t>mysite</a:t>
+            </a:r>
+            <a:endParaRPr lang="en-AU" dirty="0"/>
+          </a:p>
+          <a:p>
+            <a:pPr>
+              <a:defRPr/>
+            </a:pPr>
+            <a:r>
+              <a:rPr lang="en-AU" dirty="0"/>
+              <a:t>python </a:t>
+            </a:r>
+            <a:r>
+              <a:rPr lang="en-AU" dirty="0" err="1"/>
+              <a:t>manage.py</a:t>
+            </a:r>
+            <a:r>
+              <a:rPr lang="en-AU" dirty="0"/>
+              <a:t> </a:t>
+            </a:r>
+            <a:r>
+              <a:rPr lang="en-AU" dirty="0" err="1"/>
+              <a:t>startapp</a:t>
+            </a:r>
+            <a:r>
+              <a:rPr lang="en-AU" dirty="0"/>
+              <a:t> polls</a:t>
             </a:r>
           </a:p>
         </p:txBody>
@@ -19289,735 +16472,13 @@
     </p:spTree>
     <p:extLst>
       <p:ext uri="{BB962C8B-B14F-4D97-AF65-F5344CB8AC3E}">
-        <p14:creationId xmlns:p14="http://schemas.microsoft.com/office/powerpoint/2010/main" val="2348111558"/>
+        <p14:creationId xmlns:p14="http://schemas.microsoft.com/office/powerpoint/2010/main" val="19857614"/>
       </p:ext>
     </p:extLst>
   </p:cSld>
   <p:clrMapOvr>
     <a:masterClrMapping/>
   </p:clrMapOvr>
-  <p:timing>
-    <p:tnLst>
-      <p:par>
-        <p:cTn id="1" dur="indefinite" restart="never" nodeType="tmRoot">
-          <p:childTnLst>
-            <p:seq concurrent="1" nextAc="seek">
-              <p:cTn id="2" dur="indefinite" nodeType="mainSeq">
-                <p:childTnLst>
-                  <p:par>
-                    <p:cTn id="3" fill="hold">
-                      <p:stCondLst>
-                        <p:cond delay="indefinite"/>
-                      </p:stCondLst>
-                      <p:childTnLst>
-                        <p:par>
-                          <p:cTn id="4" fill="hold">
-                            <p:stCondLst>
-                              <p:cond delay="0"/>
-                            </p:stCondLst>
-                            <p:childTnLst>
-                              <p:par>
-                                <p:cTn id="5" presetID="1" presetClass="entr" presetSubtype="0" fill="hold" grpId="0" nodeType="clickEffect">
-                                  <p:stCondLst>
-                                    <p:cond delay="0"/>
-                                  </p:stCondLst>
-                                  <p:childTnLst>
-                                    <p:set>
-                                      <p:cBhvr>
-                                        <p:cTn id="6" dur="1" fill="hold">
-                                          <p:stCondLst>
-                                            <p:cond delay="0"/>
-                                          </p:stCondLst>
-                                        </p:cTn>
-                                        <p:tgtEl>
-                                          <p:spTgt spid="6"/>
-                                        </p:tgtEl>
-                                        <p:attrNameLst>
-                                          <p:attrName>style.visibility</p:attrName>
-                                        </p:attrNameLst>
-                                      </p:cBhvr>
-                                      <p:to>
-                                        <p:strVal val="visible"/>
-                                      </p:to>
-                                    </p:set>
-                                  </p:childTnLst>
-                                </p:cTn>
-                              </p:par>
-                              <p:par>
-                                <p:cTn id="7" presetID="1" presetClass="entr" presetSubtype="0" fill="hold" grpId="0" nodeType="withEffect">
-                                  <p:stCondLst>
-                                    <p:cond delay="0"/>
-                                  </p:stCondLst>
-                                  <p:childTnLst>
-                                    <p:set>
-                                      <p:cBhvr>
-                                        <p:cTn id="8" dur="1" fill="hold">
-                                          <p:stCondLst>
-                                            <p:cond delay="0"/>
-                                          </p:stCondLst>
-                                        </p:cTn>
-                                        <p:tgtEl>
-                                          <p:spTgt spid="7"/>
-                                        </p:tgtEl>
-                                        <p:attrNameLst>
-                                          <p:attrName>style.visibility</p:attrName>
-                                        </p:attrNameLst>
-                                      </p:cBhvr>
-                                      <p:to>
-                                        <p:strVal val="visible"/>
-                                      </p:to>
-                                    </p:set>
-                                  </p:childTnLst>
-                                </p:cTn>
-                              </p:par>
-                              <p:par>
-                                <p:cTn id="9" presetID="1" presetClass="entr" presetSubtype="0" fill="hold" grpId="0" nodeType="withEffect">
-                                  <p:stCondLst>
-                                    <p:cond delay="0"/>
-                                  </p:stCondLst>
-                                  <p:childTnLst>
-                                    <p:set>
-                                      <p:cBhvr>
-                                        <p:cTn id="10" dur="1" fill="hold">
-                                          <p:stCondLst>
-                                            <p:cond delay="0"/>
-                                          </p:stCondLst>
-                                        </p:cTn>
-                                        <p:tgtEl>
-                                          <p:spTgt spid="8"/>
-                                        </p:tgtEl>
-                                        <p:attrNameLst>
-                                          <p:attrName>style.visibility</p:attrName>
-                                        </p:attrNameLst>
-                                      </p:cBhvr>
-                                      <p:to>
-                                        <p:strVal val="visible"/>
-                                      </p:to>
-                                    </p:set>
-                                  </p:childTnLst>
-                                </p:cTn>
-                              </p:par>
-                              <p:par>
-                                <p:cTn id="11" presetID="1" presetClass="entr" presetSubtype="0" fill="hold" nodeType="withEffect">
-                                  <p:stCondLst>
-                                    <p:cond delay="0"/>
-                                  </p:stCondLst>
-                                  <p:childTnLst>
-                                    <p:set>
-                                      <p:cBhvr>
-                                        <p:cTn id="12" dur="1" fill="hold">
-                                          <p:stCondLst>
-                                            <p:cond delay="0"/>
-                                          </p:stCondLst>
-                                        </p:cTn>
-                                        <p:tgtEl>
-                                          <p:spTgt spid="9"/>
-                                        </p:tgtEl>
-                                        <p:attrNameLst>
-                                          <p:attrName>style.visibility</p:attrName>
-                                        </p:attrNameLst>
-                                      </p:cBhvr>
-                                      <p:to>
-                                        <p:strVal val="visible"/>
-                                      </p:to>
-                                    </p:set>
-                                  </p:childTnLst>
-                                </p:cTn>
-                              </p:par>
-                              <p:par>
-                                <p:cTn id="13" presetID="1" presetClass="entr" presetSubtype="0" fill="hold" grpId="0" nodeType="withEffect">
-                                  <p:stCondLst>
-                                    <p:cond delay="0"/>
-                                  </p:stCondLst>
-                                  <p:childTnLst>
-                                    <p:set>
-                                      <p:cBhvr>
-                                        <p:cTn id="14" dur="1" fill="hold">
-                                          <p:stCondLst>
-                                            <p:cond delay="0"/>
-                                          </p:stCondLst>
-                                        </p:cTn>
-                                        <p:tgtEl>
-                                          <p:spTgt spid="10"/>
-                                        </p:tgtEl>
-                                        <p:attrNameLst>
-                                          <p:attrName>style.visibility</p:attrName>
-                                        </p:attrNameLst>
-                                      </p:cBhvr>
-                                      <p:to>
-                                        <p:strVal val="visible"/>
-                                      </p:to>
-                                    </p:set>
-                                  </p:childTnLst>
-                                </p:cTn>
-                              </p:par>
-                              <p:par>
-                                <p:cTn id="15" presetID="1" presetClass="entr" presetSubtype="0" fill="hold" nodeType="withEffect">
-                                  <p:stCondLst>
-                                    <p:cond delay="0"/>
-                                  </p:stCondLst>
-                                  <p:childTnLst>
-                                    <p:set>
-                                      <p:cBhvr>
-                                        <p:cTn id="16" dur="1" fill="hold">
-                                          <p:stCondLst>
-                                            <p:cond delay="0"/>
-                                          </p:stCondLst>
-                                        </p:cTn>
-                                        <p:tgtEl>
-                                          <p:spTgt spid="11"/>
-                                        </p:tgtEl>
-                                        <p:attrNameLst>
-                                          <p:attrName>style.visibility</p:attrName>
-                                        </p:attrNameLst>
-                                      </p:cBhvr>
-                                      <p:to>
-                                        <p:strVal val="visible"/>
-                                      </p:to>
-                                    </p:set>
-                                  </p:childTnLst>
-                                </p:cTn>
-                              </p:par>
-                              <p:par>
-                                <p:cTn id="17" presetID="1" presetClass="entr" presetSubtype="0" fill="hold" nodeType="withEffect">
-                                  <p:stCondLst>
-                                    <p:cond delay="0"/>
-                                  </p:stCondLst>
-                                  <p:childTnLst>
-                                    <p:set>
-                                      <p:cBhvr>
-                                        <p:cTn id="18" dur="1" fill="hold">
-                                          <p:stCondLst>
-                                            <p:cond delay="0"/>
-                                          </p:stCondLst>
-                                        </p:cTn>
-                                        <p:tgtEl>
-                                          <p:spTgt spid="14"/>
-                                        </p:tgtEl>
-                                        <p:attrNameLst>
-                                          <p:attrName>style.visibility</p:attrName>
-                                        </p:attrNameLst>
-                                      </p:cBhvr>
-                                      <p:to>
-                                        <p:strVal val="visible"/>
-                                      </p:to>
-                                    </p:set>
-                                  </p:childTnLst>
-                                </p:cTn>
-                              </p:par>
-                              <p:par>
-                                <p:cTn id="19" presetID="1" presetClass="entr" presetSubtype="0" fill="hold" grpId="0" nodeType="withEffect">
-                                  <p:stCondLst>
-                                    <p:cond delay="0"/>
-                                  </p:stCondLst>
-                                  <p:childTnLst>
-                                    <p:set>
-                                      <p:cBhvr>
-                                        <p:cTn id="20" dur="1" fill="hold">
-                                          <p:stCondLst>
-                                            <p:cond delay="0"/>
-                                          </p:stCondLst>
-                                        </p:cTn>
-                                        <p:tgtEl>
-                                          <p:spTgt spid="36"/>
-                                        </p:tgtEl>
-                                        <p:attrNameLst>
-                                          <p:attrName>style.visibility</p:attrName>
-                                        </p:attrNameLst>
-                                      </p:cBhvr>
-                                      <p:to>
-                                        <p:strVal val="visible"/>
-                                      </p:to>
-                                    </p:set>
-                                  </p:childTnLst>
-                                </p:cTn>
-                              </p:par>
-                            </p:childTnLst>
-                          </p:cTn>
-                        </p:par>
-                      </p:childTnLst>
-                    </p:cTn>
-                  </p:par>
-                  <p:par>
-                    <p:cTn id="21" fill="hold">
-                      <p:stCondLst>
-                        <p:cond delay="indefinite"/>
-                      </p:stCondLst>
-                      <p:childTnLst>
-                        <p:par>
-                          <p:cTn id="22" fill="hold">
-                            <p:stCondLst>
-                              <p:cond delay="0"/>
-                            </p:stCondLst>
-                            <p:childTnLst>
-                              <p:par>
-                                <p:cTn id="23" presetID="1" presetClass="entr" presetSubtype="0" fill="hold" grpId="0" nodeType="clickEffect">
-                                  <p:stCondLst>
-                                    <p:cond delay="0"/>
-                                  </p:stCondLst>
-                                  <p:childTnLst>
-                                    <p:set>
-                                      <p:cBhvr>
-                                        <p:cTn id="24" dur="1" fill="hold">
-                                          <p:stCondLst>
-                                            <p:cond delay="0"/>
-                                          </p:stCondLst>
-                                        </p:cTn>
-                                        <p:tgtEl>
-                                          <p:spTgt spid="16"/>
-                                        </p:tgtEl>
-                                        <p:attrNameLst>
-                                          <p:attrName>style.visibility</p:attrName>
-                                        </p:attrNameLst>
-                                      </p:cBhvr>
-                                      <p:to>
-                                        <p:strVal val="visible"/>
-                                      </p:to>
-                                    </p:set>
-                                  </p:childTnLst>
-                                </p:cTn>
-                              </p:par>
-                              <p:par>
-                                <p:cTn id="25" presetID="1" presetClass="entr" presetSubtype="0" fill="hold" grpId="0" nodeType="withEffect">
-                                  <p:stCondLst>
-                                    <p:cond delay="0"/>
-                                  </p:stCondLst>
-                                  <p:childTnLst>
-                                    <p:set>
-                                      <p:cBhvr>
-                                        <p:cTn id="26" dur="1" fill="hold">
-                                          <p:stCondLst>
-                                            <p:cond delay="0"/>
-                                          </p:stCondLst>
-                                        </p:cTn>
-                                        <p:tgtEl>
-                                          <p:spTgt spid="17"/>
-                                        </p:tgtEl>
-                                        <p:attrNameLst>
-                                          <p:attrName>style.visibility</p:attrName>
-                                        </p:attrNameLst>
-                                      </p:cBhvr>
-                                      <p:to>
-                                        <p:strVal val="visible"/>
-                                      </p:to>
-                                    </p:set>
-                                  </p:childTnLst>
-                                </p:cTn>
-                              </p:par>
-                              <p:par>
-                                <p:cTn id="27" presetID="1" presetClass="entr" presetSubtype="0" fill="hold" grpId="0" nodeType="withEffect">
-                                  <p:stCondLst>
-                                    <p:cond delay="0"/>
-                                  </p:stCondLst>
-                                  <p:childTnLst>
-                                    <p:set>
-                                      <p:cBhvr>
-                                        <p:cTn id="28" dur="1" fill="hold">
-                                          <p:stCondLst>
-                                            <p:cond delay="0"/>
-                                          </p:stCondLst>
-                                        </p:cTn>
-                                        <p:tgtEl>
-                                          <p:spTgt spid="18"/>
-                                        </p:tgtEl>
-                                        <p:attrNameLst>
-                                          <p:attrName>style.visibility</p:attrName>
-                                        </p:attrNameLst>
-                                      </p:cBhvr>
-                                      <p:to>
-                                        <p:strVal val="visible"/>
-                                      </p:to>
-                                    </p:set>
-                                  </p:childTnLst>
-                                </p:cTn>
-                              </p:par>
-                              <p:par>
-                                <p:cTn id="29" presetID="1" presetClass="entr" presetSubtype="0" fill="hold" nodeType="withEffect">
-                                  <p:stCondLst>
-                                    <p:cond delay="0"/>
-                                  </p:stCondLst>
-                                  <p:childTnLst>
-                                    <p:set>
-                                      <p:cBhvr>
-                                        <p:cTn id="30" dur="1" fill="hold">
-                                          <p:stCondLst>
-                                            <p:cond delay="0"/>
-                                          </p:stCondLst>
-                                        </p:cTn>
-                                        <p:tgtEl>
-                                          <p:spTgt spid="19"/>
-                                        </p:tgtEl>
-                                        <p:attrNameLst>
-                                          <p:attrName>style.visibility</p:attrName>
-                                        </p:attrNameLst>
-                                      </p:cBhvr>
-                                      <p:to>
-                                        <p:strVal val="visible"/>
-                                      </p:to>
-                                    </p:set>
-                                  </p:childTnLst>
-                                </p:cTn>
-                              </p:par>
-                              <p:par>
-                                <p:cTn id="31" presetID="1" presetClass="entr" presetSubtype="0" fill="hold" grpId="0" nodeType="withEffect">
-                                  <p:stCondLst>
-                                    <p:cond delay="0"/>
-                                  </p:stCondLst>
-                                  <p:childTnLst>
-                                    <p:set>
-                                      <p:cBhvr>
-                                        <p:cTn id="32" dur="1" fill="hold">
-                                          <p:stCondLst>
-                                            <p:cond delay="0"/>
-                                          </p:stCondLst>
-                                        </p:cTn>
-                                        <p:tgtEl>
-                                          <p:spTgt spid="20"/>
-                                        </p:tgtEl>
-                                        <p:attrNameLst>
-                                          <p:attrName>style.visibility</p:attrName>
-                                        </p:attrNameLst>
-                                      </p:cBhvr>
-                                      <p:to>
-                                        <p:strVal val="visible"/>
-                                      </p:to>
-                                    </p:set>
-                                  </p:childTnLst>
-                                </p:cTn>
-                              </p:par>
-                              <p:par>
-                                <p:cTn id="33" presetID="1" presetClass="entr" presetSubtype="0" fill="hold" nodeType="withEffect">
-                                  <p:stCondLst>
-                                    <p:cond delay="0"/>
-                                  </p:stCondLst>
-                                  <p:childTnLst>
-                                    <p:set>
-                                      <p:cBhvr>
-                                        <p:cTn id="34" dur="1" fill="hold">
-                                          <p:stCondLst>
-                                            <p:cond delay="0"/>
-                                          </p:stCondLst>
-                                        </p:cTn>
-                                        <p:tgtEl>
-                                          <p:spTgt spid="22"/>
-                                        </p:tgtEl>
-                                        <p:attrNameLst>
-                                          <p:attrName>style.visibility</p:attrName>
-                                        </p:attrNameLst>
-                                      </p:cBhvr>
-                                      <p:to>
-                                        <p:strVal val="visible"/>
-                                      </p:to>
-                                    </p:set>
-                                  </p:childTnLst>
-                                </p:cTn>
-                              </p:par>
-                              <p:par>
-                                <p:cTn id="35" presetID="1" presetClass="entr" presetSubtype="0" fill="hold" grpId="0" nodeType="withEffect">
-                                  <p:stCondLst>
-                                    <p:cond delay="0"/>
-                                  </p:stCondLst>
-                                  <p:childTnLst>
-                                    <p:set>
-                                      <p:cBhvr>
-                                        <p:cTn id="36" dur="1" fill="hold">
-                                          <p:stCondLst>
-                                            <p:cond delay="0"/>
-                                          </p:stCondLst>
-                                        </p:cTn>
-                                        <p:tgtEl>
-                                          <p:spTgt spid="37"/>
-                                        </p:tgtEl>
-                                        <p:attrNameLst>
-                                          <p:attrName>style.visibility</p:attrName>
-                                        </p:attrNameLst>
-                                      </p:cBhvr>
-                                      <p:to>
-                                        <p:strVal val="visible"/>
-                                      </p:to>
-                                    </p:set>
-                                  </p:childTnLst>
-                                </p:cTn>
-                              </p:par>
-                            </p:childTnLst>
-                          </p:cTn>
-                        </p:par>
-                      </p:childTnLst>
-                    </p:cTn>
-                  </p:par>
-                  <p:par>
-                    <p:cTn id="37" fill="hold">
-                      <p:stCondLst>
-                        <p:cond delay="indefinite"/>
-                      </p:stCondLst>
-                      <p:childTnLst>
-                        <p:par>
-                          <p:cTn id="38" fill="hold">
-                            <p:stCondLst>
-                              <p:cond delay="0"/>
-                            </p:stCondLst>
-                            <p:childTnLst>
-                              <p:par>
-                                <p:cTn id="39" presetID="1" presetClass="entr" presetSubtype="0" fill="hold" grpId="0" nodeType="clickEffect">
-                                  <p:stCondLst>
-                                    <p:cond delay="0"/>
-                                  </p:stCondLst>
-                                  <p:childTnLst>
-                                    <p:set>
-                                      <p:cBhvr>
-                                        <p:cTn id="40" dur="1" fill="hold">
-                                          <p:stCondLst>
-                                            <p:cond delay="0"/>
-                                          </p:stCondLst>
-                                        </p:cTn>
-                                        <p:tgtEl>
-                                          <p:spTgt spid="26"/>
-                                        </p:tgtEl>
-                                        <p:attrNameLst>
-                                          <p:attrName>style.visibility</p:attrName>
-                                        </p:attrNameLst>
-                                      </p:cBhvr>
-                                      <p:to>
-                                        <p:strVal val="visible"/>
-                                      </p:to>
-                                    </p:set>
-                                  </p:childTnLst>
-                                </p:cTn>
-                              </p:par>
-                              <p:par>
-                                <p:cTn id="41" presetID="1" presetClass="entr" presetSubtype="0" fill="hold" grpId="0" nodeType="withEffect">
-                                  <p:stCondLst>
-                                    <p:cond delay="0"/>
-                                  </p:stCondLst>
-                                  <p:childTnLst>
-                                    <p:set>
-                                      <p:cBhvr>
-                                        <p:cTn id="42" dur="1" fill="hold">
-                                          <p:stCondLst>
-                                            <p:cond delay="0"/>
-                                          </p:stCondLst>
-                                        </p:cTn>
-                                        <p:tgtEl>
-                                          <p:spTgt spid="27"/>
-                                        </p:tgtEl>
-                                        <p:attrNameLst>
-                                          <p:attrName>style.visibility</p:attrName>
-                                        </p:attrNameLst>
-                                      </p:cBhvr>
-                                      <p:to>
-                                        <p:strVal val="visible"/>
-                                      </p:to>
-                                    </p:set>
-                                  </p:childTnLst>
-                                </p:cTn>
-                              </p:par>
-                              <p:par>
-                                <p:cTn id="43" presetID="1" presetClass="entr" presetSubtype="0" fill="hold" grpId="0" nodeType="withEffect">
-                                  <p:stCondLst>
-                                    <p:cond delay="0"/>
-                                  </p:stCondLst>
-                                  <p:childTnLst>
-                                    <p:set>
-                                      <p:cBhvr>
-                                        <p:cTn id="44" dur="1" fill="hold">
-                                          <p:stCondLst>
-                                            <p:cond delay="0"/>
-                                          </p:stCondLst>
-                                        </p:cTn>
-                                        <p:tgtEl>
-                                          <p:spTgt spid="28"/>
-                                        </p:tgtEl>
-                                        <p:attrNameLst>
-                                          <p:attrName>style.visibility</p:attrName>
-                                        </p:attrNameLst>
-                                      </p:cBhvr>
-                                      <p:to>
-                                        <p:strVal val="visible"/>
-                                      </p:to>
-                                    </p:set>
-                                  </p:childTnLst>
-                                </p:cTn>
-                              </p:par>
-                              <p:par>
-                                <p:cTn id="45" presetID="1" presetClass="entr" presetSubtype="0" fill="hold" nodeType="withEffect">
-                                  <p:stCondLst>
-                                    <p:cond delay="0"/>
-                                  </p:stCondLst>
-                                  <p:childTnLst>
-                                    <p:set>
-                                      <p:cBhvr>
-                                        <p:cTn id="46" dur="1" fill="hold">
-                                          <p:stCondLst>
-                                            <p:cond delay="0"/>
-                                          </p:stCondLst>
-                                        </p:cTn>
-                                        <p:tgtEl>
-                                          <p:spTgt spid="29"/>
-                                        </p:tgtEl>
-                                        <p:attrNameLst>
-                                          <p:attrName>style.visibility</p:attrName>
-                                        </p:attrNameLst>
-                                      </p:cBhvr>
-                                      <p:to>
-                                        <p:strVal val="visible"/>
-                                      </p:to>
-                                    </p:set>
-                                  </p:childTnLst>
-                                </p:cTn>
-                              </p:par>
-                              <p:par>
-                                <p:cTn id="47" presetID="1" presetClass="entr" presetSubtype="0" fill="hold" grpId="0" nodeType="withEffect">
-                                  <p:stCondLst>
-                                    <p:cond delay="0"/>
-                                  </p:stCondLst>
-                                  <p:childTnLst>
-                                    <p:set>
-                                      <p:cBhvr>
-                                        <p:cTn id="48" dur="1" fill="hold">
-                                          <p:stCondLst>
-                                            <p:cond delay="0"/>
-                                          </p:stCondLst>
-                                        </p:cTn>
-                                        <p:tgtEl>
-                                          <p:spTgt spid="30"/>
-                                        </p:tgtEl>
-                                        <p:attrNameLst>
-                                          <p:attrName>style.visibility</p:attrName>
-                                        </p:attrNameLst>
-                                      </p:cBhvr>
-                                      <p:to>
-                                        <p:strVal val="visible"/>
-                                      </p:to>
-                                    </p:set>
-                                  </p:childTnLst>
-                                </p:cTn>
-                              </p:par>
-                              <p:par>
-                                <p:cTn id="49" presetID="1" presetClass="entr" presetSubtype="0" fill="hold" nodeType="withEffect">
-                                  <p:stCondLst>
-                                    <p:cond delay="0"/>
-                                  </p:stCondLst>
-                                  <p:childTnLst>
-                                    <p:set>
-                                      <p:cBhvr>
-                                        <p:cTn id="50" dur="1" fill="hold">
-                                          <p:stCondLst>
-                                            <p:cond delay="0"/>
-                                          </p:stCondLst>
-                                        </p:cTn>
-                                        <p:tgtEl>
-                                          <p:spTgt spid="31"/>
-                                        </p:tgtEl>
-                                        <p:attrNameLst>
-                                          <p:attrName>style.visibility</p:attrName>
-                                        </p:attrNameLst>
-                                      </p:cBhvr>
-                                      <p:to>
-                                        <p:strVal val="visible"/>
-                                      </p:to>
-                                    </p:set>
-                                  </p:childTnLst>
-                                </p:cTn>
-                              </p:par>
-                              <p:par>
-                                <p:cTn id="51" presetID="1" presetClass="entr" presetSubtype="0" fill="hold" nodeType="withEffect">
-                                  <p:stCondLst>
-                                    <p:cond delay="0"/>
-                                  </p:stCondLst>
-                                  <p:childTnLst>
-                                    <p:set>
-                                      <p:cBhvr>
-                                        <p:cTn id="52" dur="1" fill="hold">
-                                          <p:stCondLst>
-                                            <p:cond delay="0"/>
-                                          </p:stCondLst>
-                                        </p:cTn>
-                                        <p:tgtEl>
-                                          <p:spTgt spid="32"/>
-                                        </p:tgtEl>
-                                        <p:attrNameLst>
-                                          <p:attrName>style.visibility</p:attrName>
-                                        </p:attrNameLst>
-                                      </p:cBhvr>
-                                      <p:to>
-                                        <p:strVal val="visible"/>
-                                      </p:to>
-                                    </p:set>
-                                  </p:childTnLst>
-                                </p:cTn>
-                              </p:par>
-                              <p:par>
-                                <p:cTn id="53" presetID="1" presetClass="entr" presetSubtype="0" fill="hold" grpId="0" nodeType="withEffect">
-                                  <p:stCondLst>
-                                    <p:cond delay="0"/>
-                                  </p:stCondLst>
-                                  <p:childTnLst>
-                                    <p:set>
-                                      <p:cBhvr>
-                                        <p:cTn id="54" dur="1" fill="hold">
-                                          <p:stCondLst>
-                                            <p:cond delay="0"/>
-                                          </p:stCondLst>
-                                        </p:cTn>
-                                        <p:tgtEl>
-                                          <p:spTgt spid="38"/>
-                                        </p:tgtEl>
-                                        <p:attrNameLst>
-                                          <p:attrName>style.visibility</p:attrName>
-                                        </p:attrNameLst>
-                                      </p:cBhvr>
-                                      <p:to>
-                                        <p:strVal val="visible"/>
-                                      </p:to>
-                                    </p:set>
-                                  </p:childTnLst>
-                                </p:cTn>
-                              </p:par>
-                            </p:childTnLst>
-                          </p:cTn>
-                        </p:par>
-                      </p:childTnLst>
-                    </p:cTn>
-                  </p:par>
-                </p:childTnLst>
-              </p:cTn>
-              <p:prevCondLst>
-                <p:cond evt="onPrev" delay="0">
-                  <p:tgtEl>
-                    <p:sldTgt/>
-                  </p:tgtEl>
-                </p:cond>
-              </p:prevCondLst>
-              <p:nextCondLst>
-                <p:cond evt="onNext" delay="0">
-                  <p:tgtEl>
-                    <p:sldTgt/>
-                  </p:tgtEl>
-                </p:cond>
-              </p:nextCondLst>
-            </p:seq>
-          </p:childTnLst>
-        </p:cTn>
-      </p:par>
-    </p:tnLst>
-    <p:bldLst>
-      <p:bldP spid="6" grpId="0" animBg="1"/>
-      <p:bldP spid="7" grpId="0" animBg="1"/>
-      <p:bldP spid="8" grpId="0" animBg="1"/>
-      <p:bldP spid="10" grpId="0" animBg="1"/>
-      <p:bldP spid="16" grpId="0" animBg="1"/>
-      <p:bldP spid="17" grpId="0" animBg="1"/>
-      <p:bldP spid="18" grpId="0" animBg="1"/>
-      <p:bldP spid="20" grpId="0" animBg="1"/>
-      <p:bldP spid="26" grpId="0" animBg="1"/>
-      <p:bldP spid="27" grpId="0" animBg="1"/>
-      <p:bldP spid="28" grpId="0" animBg="1"/>
-      <p:bldP spid="30" grpId="0" animBg="1"/>
-      <p:bldP spid="36" grpId="0" animBg="1"/>
-      <p:bldP spid="37" grpId="0" animBg="1"/>
-      <p:bldP spid="38" grpId="0" animBg="1"/>
-    </p:bldLst>
-  </p:timing>
 </p:sld>
 </file>
 

--- a/Lectures/CITS5503WebArchitecture.pptx
+++ b/Lectures/CITS5503WebArchitecture.pptx
@@ -3882,12 +3882,7 @@
             <p:ph type="sldImg"/>
           </p:nvPr>
         </p:nvSpPr>
-        <p:spPr>
-          <a:xfrm>
-            <a:off x="2362200" y="549275"/>
-            <a:ext cx="4876800" cy="2743200"/>
-          </a:xfrm>
-        </p:spPr>
+        <p:spPr/>
       </p:sp>
       <p:sp>
         <p:nvSpPr>
@@ -3901,9 +3896,7 @@
         </p:nvSpPr>
         <p:spPr/>
         <p:txBody>
-          <a:bodyPr>
-            <a:normAutofit/>
-          </a:bodyPr>
+          <a:bodyPr/>
           <a:lstStyle/>
           <a:p>
             <a:endParaRPr lang="en-US"/>
@@ -3917,7 +3910,7 @@
             <a:spLocks noGrp="1"/>
           </p:cNvSpPr>
           <p:nvPr>
-            <p:ph type="sldNum" sz="quarter" idx="10"/>
+            <p:ph type="sldNum" sz="quarter" idx="5"/>
           </p:nvPr>
         </p:nvSpPr>
         <p:spPr/>
@@ -3928,7 +3921,7 @@
             <a:fld id="{D37F8DB4-A4FF-4A8B-9A85-9B1874A58FCC}" type="slidenum">
               <a:rPr lang="en-US" smtClean="0"/>
               <a:pPr/>
-              <a:t>2</a:t>
+              <a:t>1</a:t>
             </a:fld>
             <a:endParaRPr lang="en-US"/>
           </a:p>
@@ -3937,7 +3930,7 @@
     </p:spTree>
     <p:extLst>
       <p:ext uri="{BB962C8B-B14F-4D97-AF65-F5344CB8AC3E}">
-        <p14:creationId xmlns:p14="http://schemas.microsoft.com/office/powerpoint/2010/main" val="447965948"/>
+        <p14:creationId xmlns:p14="http://schemas.microsoft.com/office/powerpoint/2010/main" val="2139360429"/>
       </p:ext>
     </p:extLst>
   </p:cSld>
@@ -3998,7 +3991,7 @@
           </a:bodyPr>
           <a:lstStyle/>
           <a:p>
-            <a:endParaRPr lang="en-US"/>
+            <a:endParaRPr lang="en-US" dirty="0"/>
           </a:p>
         </p:txBody>
       </p:sp>
@@ -4020,7 +4013,7 @@
             <a:fld id="{D37F8DB4-A4FF-4A8B-9A85-9B1874A58FCC}" type="slidenum">
               <a:rPr lang="en-US" smtClean="0"/>
               <a:pPr/>
-              <a:t>15</a:t>
+              <a:t>10</a:t>
             </a:fld>
             <a:endParaRPr lang="en-US"/>
           </a:p>
@@ -4029,7 +4022,7 @@
     </p:spTree>
     <p:extLst>
       <p:ext uri="{BB962C8B-B14F-4D97-AF65-F5344CB8AC3E}">
-        <p14:creationId xmlns:p14="http://schemas.microsoft.com/office/powerpoint/2010/main" val="1003177206"/>
+        <p14:creationId xmlns:p14="http://schemas.microsoft.com/office/powerpoint/2010/main" val="1033529510"/>
       </p:ext>
     </p:extLst>
   </p:cSld>
@@ -4066,12 +4059,7 @@
             <p:ph type="sldImg"/>
           </p:nvPr>
         </p:nvSpPr>
-        <p:spPr>
-          <a:xfrm>
-            <a:off x="2362200" y="549275"/>
-            <a:ext cx="4876800" cy="2743200"/>
-          </a:xfrm>
-        </p:spPr>
+        <p:spPr/>
       </p:sp>
       <p:sp>
         <p:nvSpPr>
@@ -4085,9 +4073,7 @@
         </p:nvSpPr>
         <p:spPr/>
         <p:txBody>
-          <a:bodyPr>
-            <a:normAutofit/>
-          </a:bodyPr>
+          <a:bodyPr/>
           <a:lstStyle/>
           <a:p>
             <a:endParaRPr lang="en-US"/>
@@ -4101,7 +4087,7 @@
             <a:spLocks noGrp="1"/>
           </p:cNvSpPr>
           <p:nvPr>
-            <p:ph type="sldNum" sz="quarter" idx="10"/>
+            <p:ph type="sldNum" sz="quarter" idx="5"/>
           </p:nvPr>
         </p:nvSpPr>
         <p:spPr/>
@@ -4112,7 +4098,7 @@
             <a:fld id="{D37F8DB4-A4FF-4A8B-9A85-9B1874A58FCC}" type="slidenum">
               <a:rPr lang="en-US" smtClean="0"/>
               <a:pPr/>
-              <a:t>16</a:t>
+              <a:t>11</a:t>
             </a:fld>
             <a:endParaRPr lang="en-US"/>
           </a:p>
@@ -4121,7 +4107,7 @@
     </p:spTree>
     <p:extLst>
       <p:ext uri="{BB962C8B-B14F-4D97-AF65-F5344CB8AC3E}">
-        <p14:creationId xmlns:p14="http://schemas.microsoft.com/office/powerpoint/2010/main" val="1586076532"/>
+        <p14:creationId xmlns:p14="http://schemas.microsoft.com/office/powerpoint/2010/main" val="462850912"/>
       </p:ext>
     </p:extLst>
   </p:cSld>
@@ -4182,7 +4168,7 @@
           </a:bodyPr>
           <a:lstStyle/>
           <a:p>
-            <a:endParaRPr lang="en-US"/>
+            <a:endParaRPr lang="en-US" dirty="0"/>
           </a:p>
         </p:txBody>
       </p:sp>
@@ -4204,7 +4190,7 @@
             <a:fld id="{D37F8DB4-A4FF-4A8B-9A85-9B1874A58FCC}" type="slidenum">
               <a:rPr lang="en-US" smtClean="0"/>
               <a:pPr/>
-              <a:t>17</a:t>
+              <a:t>12</a:t>
             </a:fld>
             <a:endParaRPr lang="en-US"/>
           </a:p>
@@ -4213,7 +4199,7 @@
     </p:spTree>
     <p:extLst>
       <p:ext uri="{BB962C8B-B14F-4D97-AF65-F5344CB8AC3E}">
-        <p14:creationId xmlns:p14="http://schemas.microsoft.com/office/powerpoint/2010/main" val="4251153909"/>
+        <p14:creationId xmlns:p14="http://schemas.microsoft.com/office/powerpoint/2010/main" val="1222294980"/>
       </p:ext>
     </p:extLst>
   </p:cSld>
@@ -4274,7 +4260,7 @@
           </a:bodyPr>
           <a:lstStyle/>
           <a:p>
-            <a:endParaRPr lang="en-US"/>
+            <a:endParaRPr lang="en-US" dirty="0"/>
           </a:p>
         </p:txBody>
       </p:sp>
@@ -4296,7 +4282,7 @@
             <a:fld id="{D37F8DB4-A4FF-4A8B-9A85-9B1874A58FCC}" type="slidenum">
               <a:rPr lang="en-US" smtClean="0"/>
               <a:pPr/>
-              <a:t>18</a:t>
+              <a:t>13</a:t>
             </a:fld>
             <a:endParaRPr lang="en-US"/>
           </a:p>
@@ -4305,7 +4291,7 @@
     </p:spTree>
     <p:extLst>
       <p:ext uri="{BB962C8B-B14F-4D97-AF65-F5344CB8AC3E}">
-        <p14:creationId xmlns:p14="http://schemas.microsoft.com/office/powerpoint/2010/main" val="3801500166"/>
+        <p14:creationId xmlns:p14="http://schemas.microsoft.com/office/powerpoint/2010/main" val="896859243"/>
       </p:ext>
     </p:extLst>
   </p:cSld>
@@ -4388,7 +4374,7 @@
             <a:fld id="{D37F8DB4-A4FF-4A8B-9A85-9B1874A58FCC}" type="slidenum">
               <a:rPr lang="en-US" smtClean="0"/>
               <a:pPr/>
-              <a:t>19</a:t>
+              <a:t>14</a:t>
             </a:fld>
             <a:endParaRPr lang="en-US"/>
           </a:p>
@@ -4397,7 +4383,7 @@
     </p:spTree>
     <p:extLst>
       <p:ext uri="{BB962C8B-B14F-4D97-AF65-F5344CB8AC3E}">
-        <p14:creationId xmlns:p14="http://schemas.microsoft.com/office/powerpoint/2010/main" val="2956732253"/>
+        <p14:creationId xmlns:p14="http://schemas.microsoft.com/office/powerpoint/2010/main" val="2368245138"/>
       </p:ext>
     </p:extLst>
   </p:cSld>
@@ -4480,7 +4466,7 @@
             <a:fld id="{D37F8DB4-A4FF-4A8B-9A85-9B1874A58FCC}" type="slidenum">
               <a:rPr lang="en-US" smtClean="0"/>
               <a:pPr/>
-              <a:t>20</a:t>
+              <a:t>15</a:t>
             </a:fld>
             <a:endParaRPr lang="en-US"/>
           </a:p>
@@ -4489,7 +4475,7 @@
     </p:spTree>
     <p:extLst>
       <p:ext uri="{BB962C8B-B14F-4D97-AF65-F5344CB8AC3E}">
-        <p14:creationId xmlns:p14="http://schemas.microsoft.com/office/powerpoint/2010/main" val="287689684"/>
+        <p14:creationId xmlns:p14="http://schemas.microsoft.com/office/powerpoint/2010/main" val="1003177206"/>
       </p:ext>
     </p:extLst>
   </p:cSld>
@@ -4572,7 +4558,7 @@
             <a:fld id="{D37F8DB4-A4FF-4A8B-9A85-9B1874A58FCC}" type="slidenum">
               <a:rPr lang="en-US" smtClean="0"/>
               <a:pPr/>
-              <a:t>21</a:t>
+              <a:t>16</a:t>
             </a:fld>
             <a:endParaRPr lang="en-US"/>
           </a:p>
@@ -4581,7 +4567,7 @@
     </p:spTree>
     <p:extLst>
       <p:ext uri="{BB962C8B-B14F-4D97-AF65-F5344CB8AC3E}">
-        <p14:creationId xmlns:p14="http://schemas.microsoft.com/office/powerpoint/2010/main" val="390485010"/>
+        <p14:creationId xmlns:p14="http://schemas.microsoft.com/office/powerpoint/2010/main" val="1586076532"/>
       </p:ext>
     </p:extLst>
   </p:cSld>
@@ -4664,7 +4650,7 @@
             <a:fld id="{D37F8DB4-A4FF-4A8B-9A85-9B1874A58FCC}" type="slidenum">
               <a:rPr lang="en-US" smtClean="0"/>
               <a:pPr/>
-              <a:t>22</a:t>
+              <a:t>17</a:t>
             </a:fld>
             <a:endParaRPr lang="en-US"/>
           </a:p>
@@ -4673,7 +4659,7 @@
     </p:spTree>
     <p:extLst>
       <p:ext uri="{BB962C8B-B14F-4D97-AF65-F5344CB8AC3E}">
-        <p14:creationId xmlns:p14="http://schemas.microsoft.com/office/powerpoint/2010/main" val="3915983279"/>
+        <p14:creationId xmlns:p14="http://schemas.microsoft.com/office/powerpoint/2010/main" val="4251153909"/>
       </p:ext>
     </p:extLst>
   </p:cSld>
@@ -4756,7 +4742,7 @@
             <a:fld id="{D37F8DB4-A4FF-4A8B-9A85-9B1874A58FCC}" type="slidenum">
               <a:rPr lang="en-US" smtClean="0"/>
               <a:pPr/>
-              <a:t>23</a:t>
+              <a:t>18</a:t>
             </a:fld>
             <a:endParaRPr lang="en-US"/>
           </a:p>
@@ -4765,7 +4751,7 @@
     </p:spTree>
     <p:extLst>
       <p:ext uri="{BB962C8B-B14F-4D97-AF65-F5344CB8AC3E}">
-        <p14:creationId xmlns:p14="http://schemas.microsoft.com/office/powerpoint/2010/main" val="3305450128"/>
+        <p14:creationId xmlns:p14="http://schemas.microsoft.com/office/powerpoint/2010/main" val="3801500166"/>
       </p:ext>
     </p:extLst>
   </p:cSld>
@@ -4848,7 +4834,7 @@
             <a:fld id="{D37F8DB4-A4FF-4A8B-9A85-9B1874A58FCC}" type="slidenum">
               <a:rPr lang="en-US" smtClean="0"/>
               <a:pPr/>
-              <a:t>24</a:t>
+              <a:t>19</a:t>
             </a:fld>
             <a:endParaRPr lang="en-US"/>
           </a:p>
@@ -4857,7 +4843,7 @@
     </p:spTree>
     <p:extLst>
       <p:ext uri="{BB962C8B-B14F-4D97-AF65-F5344CB8AC3E}">
-        <p14:creationId xmlns:p14="http://schemas.microsoft.com/office/powerpoint/2010/main" val="2799267235"/>
+        <p14:creationId xmlns:p14="http://schemas.microsoft.com/office/powerpoint/2010/main" val="2956732253"/>
       </p:ext>
     </p:extLst>
   </p:cSld>
@@ -4940,7 +4926,7 @@
             <a:fld id="{D37F8DB4-A4FF-4A8B-9A85-9B1874A58FCC}" type="slidenum">
               <a:rPr lang="en-US" smtClean="0"/>
               <a:pPr/>
-              <a:t>3</a:t>
+              <a:t>2</a:t>
             </a:fld>
             <a:endParaRPr lang="en-US"/>
           </a:p>
@@ -4949,7 +4935,892 @@
     </p:spTree>
     <p:extLst>
       <p:ext uri="{BB962C8B-B14F-4D97-AF65-F5344CB8AC3E}">
-        <p14:creationId xmlns:p14="http://schemas.microsoft.com/office/powerpoint/2010/main" val="3047967838"/>
+        <p14:creationId xmlns:p14="http://schemas.microsoft.com/office/powerpoint/2010/main" val="447965948"/>
+      </p:ext>
+    </p:extLst>
+  </p:cSld>
+  <p:clrMapOvr>
+    <a:masterClrMapping/>
+  </p:clrMapOvr>
+</p:notes>
+</file>
+
+<file path=ppt/notesSlides/notesSlide20.xml><?xml version="1.0" encoding="utf-8"?>
+<p:notes xmlns:a="http://schemas.openxmlformats.org/drawingml/2006/main" xmlns:r="http://schemas.openxmlformats.org/officeDocument/2006/relationships" xmlns:p="http://schemas.openxmlformats.org/presentationml/2006/main">
+  <p:cSld>
+    <p:spTree>
+      <p:nvGrpSpPr>
+        <p:cNvPr id="1" name=""/>
+        <p:cNvGrpSpPr/>
+        <p:nvPr/>
+      </p:nvGrpSpPr>
+      <p:grpSpPr>
+        <a:xfrm>
+          <a:off x="0" y="0"/>
+          <a:ext cx="0" cy="0"/>
+          <a:chOff x="0" y="0"/>
+          <a:chExt cx="0" cy="0"/>
+        </a:xfrm>
+      </p:grpSpPr>
+      <p:sp>
+        <p:nvSpPr>
+          <p:cNvPr id="2" name="Slide Image Placeholder 1"/>
+          <p:cNvSpPr>
+            <a:spLocks noGrp="1" noRot="1" noChangeAspect="1"/>
+          </p:cNvSpPr>
+          <p:nvPr>
+            <p:ph type="sldImg"/>
+          </p:nvPr>
+        </p:nvSpPr>
+        <p:spPr>
+          <a:xfrm>
+            <a:off x="2362200" y="549275"/>
+            <a:ext cx="4876800" cy="2743200"/>
+          </a:xfrm>
+        </p:spPr>
+      </p:sp>
+      <p:sp>
+        <p:nvSpPr>
+          <p:cNvPr id="3" name="Notes Placeholder 2"/>
+          <p:cNvSpPr>
+            <a:spLocks noGrp="1"/>
+          </p:cNvSpPr>
+          <p:nvPr>
+            <p:ph type="body" idx="1"/>
+          </p:nvPr>
+        </p:nvSpPr>
+        <p:spPr/>
+        <p:txBody>
+          <a:bodyPr>
+            <a:normAutofit/>
+          </a:bodyPr>
+          <a:lstStyle/>
+          <a:p>
+            <a:endParaRPr lang="en-US"/>
+          </a:p>
+        </p:txBody>
+      </p:sp>
+      <p:sp>
+        <p:nvSpPr>
+          <p:cNvPr id="4" name="Slide Number Placeholder 3"/>
+          <p:cNvSpPr>
+            <a:spLocks noGrp="1"/>
+          </p:cNvSpPr>
+          <p:nvPr>
+            <p:ph type="sldNum" sz="quarter" idx="10"/>
+          </p:nvPr>
+        </p:nvSpPr>
+        <p:spPr/>
+        <p:txBody>
+          <a:bodyPr/>
+          <a:lstStyle/>
+          <a:p>
+            <a:fld id="{D37F8DB4-A4FF-4A8B-9A85-9B1874A58FCC}" type="slidenum">
+              <a:rPr lang="en-US" smtClean="0"/>
+              <a:pPr/>
+              <a:t>20</a:t>
+            </a:fld>
+            <a:endParaRPr lang="en-US"/>
+          </a:p>
+        </p:txBody>
+      </p:sp>
+    </p:spTree>
+    <p:extLst>
+      <p:ext uri="{BB962C8B-B14F-4D97-AF65-F5344CB8AC3E}">
+        <p14:creationId xmlns:p14="http://schemas.microsoft.com/office/powerpoint/2010/main" val="287689684"/>
+      </p:ext>
+    </p:extLst>
+  </p:cSld>
+  <p:clrMapOvr>
+    <a:masterClrMapping/>
+  </p:clrMapOvr>
+</p:notes>
+</file>
+
+<file path=ppt/notesSlides/notesSlide21.xml><?xml version="1.0" encoding="utf-8"?>
+<p:notes xmlns:a="http://schemas.openxmlformats.org/drawingml/2006/main" xmlns:r="http://schemas.openxmlformats.org/officeDocument/2006/relationships" xmlns:p="http://schemas.openxmlformats.org/presentationml/2006/main">
+  <p:cSld>
+    <p:spTree>
+      <p:nvGrpSpPr>
+        <p:cNvPr id="1" name=""/>
+        <p:cNvGrpSpPr/>
+        <p:nvPr/>
+      </p:nvGrpSpPr>
+      <p:grpSpPr>
+        <a:xfrm>
+          <a:off x="0" y="0"/>
+          <a:ext cx="0" cy="0"/>
+          <a:chOff x="0" y="0"/>
+          <a:chExt cx="0" cy="0"/>
+        </a:xfrm>
+      </p:grpSpPr>
+      <p:sp>
+        <p:nvSpPr>
+          <p:cNvPr id="2" name="Slide Image Placeholder 1"/>
+          <p:cNvSpPr>
+            <a:spLocks noGrp="1" noRot="1" noChangeAspect="1"/>
+          </p:cNvSpPr>
+          <p:nvPr>
+            <p:ph type="sldImg"/>
+          </p:nvPr>
+        </p:nvSpPr>
+        <p:spPr>
+          <a:xfrm>
+            <a:off x="2362200" y="549275"/>
+            <a:ext cx="4876800" cy="2743200"/>
+          </a:xfrm>
+        </p:spPr>
+      </p:sp>
+      <p:sp>
+        <p:nvSpPr>
+          <p:cNvPr id="3" name="Notes Placeholder 2"/>
+          <p:cNvSpPr>
+            <a:spLocks noGrp="1"/>
+          </p:cNvSpPr>
+          <p:nvPr>
+            <p:ph type="body" idx="1"/>
+          </p:nvPr>
+        </p:nvSpPr>
+        <p:spPr/>
+        <p:txBody>
+          <a:bodyPr>
+            <a:normAutofit/>
+          </a:bodyPr>
+          <a:lstStyle/>
+          <a:p>
+            <a:endParaRPr lang="en-US"/>
+          </a:p>
+        </p:txBody>
+      </p:sp>
+      <p:sp>
+        <p:nvSpPr>
+          <p:cNvPr id="4" name="Slide Number Placeholder 3"/>
+          <p:cNvSpPr>
+            <a:spLocks noGrp="1"/>
+          </p:cNvSpPr>
+          <p:nvPr>
+            <p:ph type="sldNum" sz="quarter" idx="10"/>
+          </p:nvPr>
+        </p:nvSpPr>
+        <p:spPr/>
+        <p:txBody>
+          <a:bodyPr/>
+          <a:lstStyle/>
+          <a:p>
+            <a:fld id="{D37F8DB4-A4FF-4A8B-9A85-9B1874A58FCC}" type="slidenum">
+              <a:rPr lang="en-US" smtClean="0"/>
+              <a:pPr/>
+              <a:t>21</a:t>
+            </a:fld>
+            <a:endParaRPr lang="en-US"/>
+          </a:p>
+        </p:txBody>
+      </p:sp>
+    </p:spTree>
+    <p:extLst>
+      <p:ext uri="{BB962C8B-B14F-4D97-AF65-F5344CB8AC3E}">
+        <p14:creationId xmlns:p14="http://schemas.microsoft.com/office/powerpoint/2010/main" val="390485010"/>
+      </p:ext>
+    </p:extLst>
+  </p:cSld>
+  <p:clrMapOvr>
+    <a:masterClrMapping/>
+  </p:clrMapOvr>
+</p:notes>
+</file>
+
+<file path=ppt/notesSlides/notesSlide22.xml><?xml version="1.0" encoding="utf-8"?>
+<p:notes xmlns:a="http://schemas.openxmlformats.org/drawingml/2006/main" xmlns:r="http://schemas.openxmlformats.org/officeDocument/2006/relationships" xmlns:p="http://schemas.openxmlformats.org/presentationml/2006/main">
+  <p:cSld>
+    <p:spTree>
+      <p:nvGrpSpPr>
+        <p:cNvPr id="1" name=""/>
+        <p:cNvGrpSpPr/>
+        <p:nvPr/>
+      </p:nvGrpSpPr>
+      <p:grpSpPr>
+        <a:xfrm>
+          <a:off x="0" y="0"/>
+          <a:ext cx="0" cy="0"/>
+          <a:chOff x="0" y="0"/>
+          <a:chExt cx="0" cy="0"/>
+        </a:xfrm>
+      </p:grpSpPr>
+      <p:sp>
+        <p:nvSpPr>
+          <p:cNvPr id="2" name="Slide Image Placeholder 1"/>
+          <p:cNvSpPr>
+            <a:spLocks noGrp="1" noRot="1" noChangeAspect="1"/>
+          </p:cNvSpPr>
+          <p:nvPr>
+            <p:ph type="sldImg"/>
+          </p:nvPr>
+        </p:nvSpPr>
+        <p:spPr>
+          <a:xfrm>
+            <a:off x="2362200" y="549275"/>
+            <a:ext cx="4876800" cy="2743200"/>
+          </a:xfrm>
+        </p:spPr>
+      </p:sp>
+      <p:sp>
+        <p:nvSpPr>
+          <p:cNvPr id="3" name="Notes Placeholder 2"/>
+          <p:cNvSpPr>
+            <a:spLocks noGrp="1"/>
+          </p:cNvSpPr>
+          <p:nvPr>
+            <p:ph type="body" idx="1"/>
+          </p:nvPr>
+        </p:nvSpPr>
+        <p:spPr/>
+        <p:txBody>
+          <a:bodyPr>
+            <a:normAutofit/>
+          </a:bodyPr>
+          <a:lstStyle/>
+          <a:p>
+            <a:endParaRPr lang="en-US"/>
+          </a:p>
+        </p:txBody>
+      </p:sp>
+      <p:sp>
+        <p:nvSpPr>
+          <p:cNvPr id="4" name="Slide Number Placeholder 3"/>
+          <p:cNvSpPr>
+            <a:spLocks noGrp="1"/>
+          </p:cNvSpPr>
+          <p:nvPr>
+            <p:ph type="sldNum" sz="quarter" idx="10"/>
+          </p:nvPr>
+        </p:nvSpPr>
+        <p:spPr/>
+        <p:txBody>
+          <a:bodyPr/>
+          <a:lstStyle/>
+          <a:p>
+            <a:fld id="{D37F8DB4-A4FF-4A8B-9A85-9B1874A58FCC}" type="slidenum">
+              <a:rPr lang="en-US" smtClean="0"/>
+              <a:pPr/>
+              <a:t>22</a:t>
+            </a:fld>
+            <a:endParaRPr lang="en-US"/>
+          </a:p>
+        </p:txBody>
+      </p:sp>
+    </p:spTree>
+    <p:extLst>
+      <p:ext uri="{BB962C8B-B14F-4D97-AF65-F5344CB8AC3E}">
+        <p14:creationId xmlns:p14="http://schemas.microsoft.com/office/powerpoint/2010/main" val="3915983279"/>
+      </p:ext>
+    </p:extLst>
+  </p:cSld>
+  <p:clrMapOvr>
+    <a:masterClrMapping/>
+  </p:clrMapOvr>
+</p:notes>
+</file>
+
+<file path=ppt/notesSlides/notesSlide23.xml><?xml version="1.0" encoding="utf-8"?>
+<p:notes xmlns:a="http://schemas.openxmlformats.org/drawingml/2006/main" xmlns:r="http://schemas.openxmlformats.org/officeDocument/2006/relationships" xmlns:p="http://schemas.openxmlformats.org/presentationml/2006/main">
+  <p:cSld>
+    <p:spTree>
+      <p:nvGrpSpPr>
+        <p:cNvPr id="1" name=""/>
+        <p:cNvGrpSpPr/>
+        <p:nvPr/>
+      </p:nvGrpSpPr>
+      <p:grpSpPr>
+        <a:xfrm>
+          <a:off x="0" y="0"/>
+          <a:ext cx="0" cy="0"/>
+          <a:chOff x="0" y="0"/>
+          <a:chExt cx="0" cy="0"/>
+        </a:xfrm>
+      </p:grpSpPr>
+      <p:sp>
+        <p:nvSpPr>
+          <p:cNvPr id="2" name="Slide Image Placeholder 1"/>
+          <p:cNvSpPr>
+            <a:spLocks noGrp="1" noRot="1" noChangeAspect="1"/>
+          </p:cNvSpPr>
+          <p:nvPr>
+            <p:ph type="sldImg"/>
+          </p:nvPr>
+        </p:nvSpPr>
+        <p:spPr>
+          <a:xfrm>
+            <a:off x="2362200" y="549275"/>
+            <a:ext cx="4876800" cy="2743200"/>
+          </a:xfrm>
+        </p:spPr>
+      </p:sp>
+      <p:sp>
+        <p:nvSpPr>
+          <p:cNvPr id="3" name="Notes Placeholder 2"/>
+          <p:cNvSpPr>
+            <a:spLocks noGrp="1"/>
+          </p:cNvSpPr>
+          <p:nvPr>
+            <p:ph type="body" idx="1"/>
+          </p:nvPr>
+        </p:nvSpPr>
+        <p:spPr/>
+        <p:txBody>
+          <a:bodyPr>
+            <a:normAutofit/>
+          </a:bodyPr>
+          <a:lstStyle/>
+          <a:p>
+            <a:endParaRPr lang="en-US"/>
+          </a:p>
+        </p:txBody>
+      </p:sp>
+      <p:sp>
+        <p:nvSpPr>
+          <p:cNvPr id="4" name="Slide Number Placeholder 3"/>
+          <p:cNvSpPr>
+            <a:spLocks noGrp="1"/>
+          </p:cNvSpPr>
+          <p:nvPr>
+            <p:ph type="sldNum" sz="quarter" idx="10"/>
+          </p:nvPr>
+        </p:nvSpPr>
+        <p:spPr/>
+        <p:txBody>
+          <a:bodyPr/>
+          <a:lstStyle/>
+          <a:p>
+            <a:fld id="{D37F8DB4-A4FF-4A8B-9A85-9B1874A58FCC}" type="slidenum">
+              <a:rPr lang="en-US" smtClean="0"/>
+              <a:pPr/>
+              <a:t>23</a:t>
+            </a:fld>
+            <a:endParaRPr lang="en-US"/>
+          </a:p>
+        </p:txBody>
+      </p:sp>
+    </p:spTree>
+    <p:extLst>
+      <p:ext uri="{BB962C8B-B14F-4D97-AF65-F5344CB8AC3E}">
+        <p14:creationId xmlns:p14="http://schemas.microsoft.com/office/powerpoint/2010/main" val="3305450128"/>
+      </p:ext>
+    </p:extLst>
+  </p:cSld>
+  <p:clrMapOvr>
+    <a:masterClrMapping/>
+  </p:clrMapOvr>
+</p:notes>
+</file>
+
+<file path=ppt/notesSlides/notesSlide24.xml><?xml version="1.0" encoding="utf-8"?>
+<p:notes xmlns:a="http://schemas.openxmlformats.org/drawingml/2006/main" xmlns:r="http://schemas.openxmlformats.org/officeDocument/2006/relationships" xmlns:p="http://schemas.openxmlformats.org/presentationml/2006/main">
+  <p:cSld>
+    <p:spTree>
+      <p:nvGrpSpPr>
+        <p:cNvPr id="1" name=""/>
+        <p:cNvGrpSpPr/>
+        <p:nvPr/>
+      </p:nvGrpSpPr>
+      <p:grpSpPr>
+        <a:xfrm>
+          <a:off x="0" y="0"/>
+          <a:ext cx="0" cy="0"/>
+          <a:chOff x="0" y="0"/>
+          <a:chExt cx="0" cy="0"/>
+        </a:xfrm>
+      </p:grpSpPr>
+      <p:sp>
+        <p:nvSpPr>
+          <p:cNvPr id="2" name="Slide Image Placeholder 1"/>
+          <p:cNvSpPr>
+            <a:spLocks noGrp="1" noRot="1" noChangeAspect="1"/>
+          </p:cNvSpPr>
+          <p:nvPr>
+            <p:ph type="sldImg"/>
+          </p:nvPr>
+        </p:nvSpPr>
+        <p:spPr>
+          <a:xfrm>
+            <a:off x="2362200" y="549275"/>
+            <a:ext cx="4876800" cy="2743200"/>
+          </a:xfrm>
+        </p:spPr>
+      </p:sp>
+      <p:sp>
+        <p:nvSpPr>
+          <p:cNvPr id="3" name="Notes Placeholder 2"/>
+          <p:cNvSpPr>
+            <a:spLocks noGrp="1"/>
+          </p:cNvSpPr>
+          <p:nvPr>
+            <p:ph type="body" idx="1"/>
+          </p:nvPr>
+        </p:nvSpPr>
+        <p:spPr/>
+        <p:txBody>
+          <a:bodyPr>
+            <a:normAutofit/>
+          </a:bodyPr>
+          <a:lstStyle/>
+          <a:p>
+            <a:endParaRPr lang="en-US"/>
+          </a:p>
+        </p:txBody>
+      </p:sp>
+      <p:sp>
+        <p:nvSpPr>
+          <p:cNvPr id="4" name="Slide Number Placeholder 3"/>
+          <p:cNvSpPr>
+            <a:spLocks noGrp="1"/>
+          </p:cNvSpPr>
+          <p:nvPr>
+            <p:ph type="sldNum" sz="quarter" idx="10"/>
+          </p:nvPr>
+        </p:nvSpPr>
+        <p:spPr/>
+        <p:txBody>
+          <a:bodyPr/>
+          <a:lstStyle/>
+          <a:p>
+            <a:fld id="{D37F8DB4-A4FF-4A8B-9A85-9B1874A58FCC}" type="slidenum">
+              <a:rPr lang="en-US" smtClean="0"/>
+              <a:pPr/>
+              <a:t>24</a:t>
+            </a:fld>
+            <a:endParaRPr lang="en-US"/>
+          </a:p>
+        </p:txBody>
+      </p:sp>
+    </p:spTree>
+    <p:extLst>
+      <p:ext uri="{BB962C8B-B14F-4D97-AF65-F5344CB8AC3E}">
+        <p14:creationId xmlns:p14="http://schemas.microsoft.com/office/powerpoint/2010/main" val="2799267235"/>
+      </p:ext>
+    </p:extLst>
+  </p:cSld>
+  <p:clrMapOvr>
+    <a:masterClrMapping/>
+  </p:clrMapOvr>
+</p:notes>
+</file>
+
+<file path=ppt/notesSlides/notesSlide25.xml><?xml version="1.0" encoding="utf-8"?>
+<p:notes xmlns:a="http://schemas.openxmlformats.org/drawingml/2006/main" xmlns:r="http://schemas.openxmlformats.org/officeDocument/2006/relationships" xmlns:p="http://schemas.openxmlformats.org/presentationml/2006/main">
+  <p:cSld>
+    <p:spTree>
+      <p:nvGrpSpPr>
+        <p:cNvPr id="1" name=""/>
+        <p:cNvGrpSpPr/>
+        <p:nvPr/>
+      </p:nvGrpSpPr>
+      <p:grpSpPr>
+        <a:xfrm>
+          <a:off x="0" y="0"/>
+          <a:ext cx="0" cy="0"/>
+          <a:chOff x="0" y="0"/>
+          <a:chExt cx="0" cy="0"/>
+        </a:xfrm>
+      </p:grpSpPr>
+      <p:sp>
+        <p:nvSpPr>
+          <p:cNvPr id="2" name="Slide Image Placeholder 1"/>
+          <p:cNvSpPr>
+            <a:spLocks noGrp="1" noRot="1" noChangeAspect="1"/>
+          </p:cNvSpPr>
+          <p:nvPr>
+            <p:ph type="sldImg"/>
+          </p:nvPr>
+        </p:nvSpPr>
+        <p:spPr/>
+      </p:sp>
+      <p:sp>
+        <p:nvSpPr>
+          <p:cNvPr id="3" name="Notes Placeholder 2"/>
+          <p:cNvSpPr>
+            <a:spLocks noGrp="1"/>
+          </p:cNvSpPr>
+          <p:nvPr>
+            <p:ph type="body" idx="1"/>
+          </p:nvPr>
+        </p:nvSpPr>
+        <p:spPr/>
+        <p:txBody>
+          <a:bodyPr/>
+          <a:lstStyle/>
+          <a:p>
+            <a:endParaRPr lang="en-US"/>
+          </a:p>
+        </p:txBody>
+      </p:sp>
+      <p:sp>
+        <p:nvSpPr>
+          <p:cNvPr id="4" name="Slide Number Placeholder 3"/>
+          <p:cNvSpPr>
+            <a:spLocks noGrp="1"/>
+          </p:cNvSpPr>
+          <p:nvPr>
+            <p:ph type="sldNum" sz="quarter" idx="5"/>
+          </p:nvPr>
+        </p:nvSpPr>
+        <p:spPr/>
+        <p:txBody>
+          <a:bodyPr/>
+          <a:lstStyle/>
+          <a:p>
+            <a:fld id="{D37F8DB4-A4FF-4A8B-9A85-9B1874A58FCC}" type="slidenum">
+              <a:rPr lang="en-US" smtClean="0"/>
+              <a:pPr/>
+              <a:t>25</a:t>
+            </a:fld>
+            <a:endParaRPr lang="en-US"/>
+          </a:p>
+        </p:txBody>
+      </p:sp>
+    </p:spTree>
+    <p:extLst>
+      <p:ext uri="{BB962C8B-B14F-4D97-AF65-F5344CB8AC3E}">
+        <p14:creationId xmlns:p14="http://schemas.microsoft.com/office/powerpoint/2010/main" val="3435615514"/>
+      </p:ext>
+    </p:extLst>
+  </p:cSld>
+  <p:clrMapOvr>
+    <a:masterClrMapping/>
+  </p:clrMapOvr>
+</p:notes>
+</file>
+
+<file path=ppt/notesSlides/notesSlide26.xml><?xml version="1.0" encoding="utf-8"?>
+<p:notes xmlns:a="http://schemas.openxmlformats.org/drawingml/2006/main" xmlns:r="http://schemas.openxmlformats.org/officeDocument/2006/relationships" xmlns:p="http://schemas.openxmlformats.org/presentationml/2006/main">
+  <p:cSld>
+    <p:spTree>
+      <p:nvGrpSpPr>
+        <p:cNvPr id="1" name=""/>
+        <p:cNvGrpSpPr/>
+        <p:nvPr/>
+      </p:nvGrpSpPr>
+      <p:grpSpPr>
+        <a:xfrm>
+          <a:off x="0" y="0"/>
+          <a:ext cx="0" cy="0"/>
+          <a:chOff x="0" y="0"/>
+          <a:chExt cx="0" cy="0"/>
+        </a:xfrm>
+      </p:grpSpPr>
+      <p:sp>
+        <p:nvSpPr>
+          <p:cNvPr id="2" name="Slide Image Placeholder 1"/>
+          <p:cNvSpPr>
+            <a:spLocks noGrp="1" noRot="1" noChangeAspect="1"/>
+          </p:cNvSpPr>
+          <p:nvPr>
+            <p:ph type="sldImg"/>
+          </p:nvPr>
+        </p:nvSpPr>
+        <p:spPr/>
+      </p:sp>
+      <p:sp>
+        <p:nvSpPr>
+          <p:cNvPr id="3" name="Notes Placeholder 2"/>
+          <p:cNvSpPr>
+            <a:spLocks noGrp="1"/>
+          </p:cNvSpPr>
+          <p:nvPr>
+            <p:ph type="body" idx="1"/>
+          </p:nvPr>
+        </p:nvSpPr>
+        <p:spPr/>
+        <p:txBody>
+          <a:bodyPr/>
+          <a:lstStyle/>
+          <a:p>
+            <a:endParaRPr lang="en-US"/>
+          </a:p>
+        </p:txBody>
+      </p:sp>
+      <p:sp>
+        <p:nvSpPr>
+          <p:cNvPr id="4" name="Slide Number Placeholder 3"/>
+          <p:cNvSpPr>
+            <a:spLocks noGrp="1"/>
+          </p:cNvSpPr>
+          <p:nvPr>
+            <p:ph type="sldNum" sz="quarter" idx="5"/>
+          </p:nvPr>
+        </p:nvSpPr>
+        <p:spPr/>
+        <p:txBody>
+          <a:bodyPr/>
+          <a:lstStyle/>
+          <a:p>
+            <a:fld id="{D37F8DB4-A4FF-4A8B-9A85-9B1874A58FCC}" type="slidenum">
+              <a:rPr lang="en-US" smtClean="0"/>
+              <a:pPr/>
+              <a:t>26</a:t>
+            </a:fld>
+            <a:endParaRPr lang="en-US"/>
+          </a:p>
+        </p:txBody>
+      </p:sp>
+    </p:spTree>
+    <p:extLst>
+      <p:ext uri="{BB962C8B-B14F-4D97-AF65-F5344CB8AC3E}">
+        <p14:creationId xmlns:p14="http://schemas.microsoft.com/office/powerpoint/2010/main" val="3814959028"/>
+      </p:ext>
+    </p:extLst>
+  </p:cSld>
+  <p:clrMapOvr>
+    <a:masterClrMapping/>
+  </p:clrMapOvr>
+</p:notes>
+</file>
+
+<file path=ppt/notesSlides/notesSlide27.xml><?xml version="1.0" encoding="utf-8"?>
+<p:notes xmlns:a="http://schemas.openxmlformats.org/drawingml/2006/main" xmlns:r="http://schemas.openxmlformats.org/officeDocument/2006/relationships" xmlns:p="http://schemas.openxmlformats.org/presentationml/2006/main">
+  <p:cSld>
+    <p:spTree>
+      <p:nvGrpSpPr>
+        <p:cNvPr id="1" name=""/>
+        <p:cNvGrpSpPr/>
+        <p:nvPr/>
+      </p:nvGrpSpPr>
+      <p:grpSpPr>
+        <a:xfrm>
+          <a:off x="0" y="0"/>
+          <a:ext cx="0" cy="0"/>
+          <a:chOff x="0" y="0"/>
+          <a:chExt cx="0" cy="0"/>
+        </a:xfrm>
+      </p:grpSpPr>
+      <p:sp>
+        <p:nvSpPr>
+          <p:cNvPr id="2" name="Slide Image Placeholder 1"/>
+          <p:cNvSpPr>
+            <a:spLocks noGrp="1" noRot="1" noChangeAspect="1"/>
+          </p:cNvSpPr>
+          <p:nvPr>
+            <p:ph type="sldImg"/>
+          </p:nvPr>
+        </p:nvSpPr>
+        <p:spPr/>
+      </p:sp>
+      <p:sp>
+        <p:nvSpPr>
+          <p:cNvPr id="3" name="Notes Placeholder 2"/>
+          <p:cNvSpPr>
+            <a:spLocks noGrp="1"/>
+          </p:cNvSpPr>
+          <p:nvPr>
+            <p:ph type="body" idx="1"/>
+          </p:nvPr>
+        </p:nvSpPr>
+        <p:spPr/>
+        <p:txBody>
+          <a:bodyPr/>
+          <a:lstStyle/>
+          <a:p>
+            <a:endParaRPr lang="en-US"/>
+          </a:p>
+        </p:txBody>
+      </p:sp>
+      <p:sp>
+        <p:nvSpPr>
+          <p:cNvPr id="4" name="Slide Number Placeholder 3"/>
+          <p:cNvSpPr>
+            <a:spLocks noGrp="1"/>
+          </p:cNvSpPr>
+          <p:nvPr>
+            <p:ph type="sldNum" sz="quarter" idx="5"/>
+          </p:nvPr>
+        </p:nvSpPr>
+        <p:spPr/>
+        <p:txBody>
+          <a:bodyPr/>
+          <a:lstStyle/>
+          <a:p>
+            <a:fld id="{D37F8DB4-A4FF-4A8B-9A85-9B1874A58FCC}" type="slidenum">
+              <a:rPr lang="en-US" smtClean="0"/>
+              <a:pPr/>
+              <a:t>27</a:t>
+            </a:fld>
+            <a:endParaRPr lang="en-US"/>
+          </a:p>
+        </p:txBody>
+      </p:sp>
+    </p:spTree>
+    <p:extLst>
+      <p:ext uri="{BB962C8B-B14F-4D97-AF65-F5344CB8AC3E}">
+        <p14:creationId xmlns:p14="http://schemas.microsoft.com/office/powerpoint/2010/main" val="2127195441"/>
+      </p:ext>
+    </p:extLst>
+  </p:cSld>
+  <p:clrMapOvr>
+    <a:masterClrMapping/>
+  </p:clrMapOvr>
+</p:notes>
+</file>
+
+<file path=ppt/notesSlides/notesSlide28.xml><?xml version="1.0" encoding="utf-8"?>
+<p:notes xmlns:a="http://schemas.openxmlformats.org/drawingml/2006/main" xmlns:r="http://schemas.openxmlformats.org/officeDocument/2006/relationships" xmlns:p="http://schemas.openxmlformats.org/presentationml/2006/main">
+  <p:cSld>
+    <p:spTree>
+      <p:nvGrpSpPr>
+        <p:cNvPr id="1" name=""/>
+        <p:cNvGrpSpPr/>
+        <p:nvPr/>
+      </p:nvGrpSpPr>
+      <p:grpSpPr>
+        <a:xfrm>
+          <a:off x="0" y="0"/>
+          <a:ext cx="0" cy="0"/>
+          <a:chOff x="0" y="0"/>
+          <a:chExt cx="0" cy="0"/>
+        </a:xfrm>
+      </p:grpSpPr>
+      <p:sp>
+        <p:nvSpPr>
+          <p:cNvPr id="2" name="Slide Image Placeholder 1"/>
+          <p:cNvSpPr>
+            <a:spLocks noGrp="1" noRot="1" noChangeAspect="1"/>
+          </p:cNvSpPr>
+          <p:nvPr>
+            <p:ph type="sldImg"/>
+          </p:nvPr>
+        </p:nvSpPr>
+        <p:spPr/>
+      </p:sp>
+      <p:sp>
+        <p:nvSpPr>
+          <p:cNvPr id="3" name="Notes Placeholder 2"/>
+          <p:cNvSpPr>
+            <a:spLocks noGrp="1"/>
+          </p:cNvSpPr>
+          <p:nvPr>
+            <p:ph type="body" idx="1"/>
+          </p:nvPr>
+        </p:nvSpPr>
+        <p:spPr/>
+        <p:txBody>
+          <a:bodyPr/>
+          <a:lstStyle/>
+          <a:p>
+            <a:endParaRPr lang="en-US"/>
+          </a:p>
+        </p:txBody>
+      </p:sp>
+      <p:sp>
+        <p:nvSpPr>
+          <p:cNvPr id="4" name="Slide Number Placeholder 3"/>
+          <p:cNvSpPr>
+            <a:spLocks noGrp="1"/>
+          </p:cNvSpPr>
+          <p:nvPr>
+            <p:ph type="sldNum" sz="quarter" idx="5"/>
+          </p:nvPr>
+        </p:nvSpPr>
+        <p:spPr/>
+        <p:txBody>
+          <a:bodyPr/>
+          <a:lstStyle/>
+          <a:p>
+            <a:fld id="{D37F8DB4-A4FF-4A8B-9A85-9B1874A58FCC}" type="slidenum">
+              <a:rPr lang="en-US" smtClean="0"/>
+              <a:pPr/>
+              <a:t>28</a:t>
+            </a:fld>
+            <a:endParaRPr lang="en-US"/>
+          </a:p>
+        </p:txBody>
+      </p:sp>
+    </p:spTree>
+    <p:extLst>
+      <p:ext uri="{BB962C8B-B14F-4D97-AF65-F5344CB8AC3E}">
+        <p14:creationId xmlns:p14="http://schemas.microsoft.com/office/powerpoint/2010/main" val="1921833026"/>
+      </p:ext>
+    </p:extLst>
+  </p:cSld>
+  <p:clrMapOvr>
+    <a:masterClrMapping/>
+  </p:clrMapOvr>
+</p:notes>
+</file>
+
+<file path=ppt/notesSlides/notesSlide29.xml><?xml version="1.0" encoding="utf-8"?>
+<p:notes xmlns:a="http://schemas.openxmlformats.org/drawingml/2006/main" xmlns:r="http://schemas.openxmlformats.org/officeDocument/2006/relationships" xmlns:p="http://schemas.openxmlformats.org/presentationml/2006/main">
+  <p:cSld>
+    <p:spTree>
+      <p:nvGrpSpPr>
+        <p:cNvPr id="1" name=""/>
+        <p:cNvGrpSpPr/>
+        <p:nvPr/>
+      </p:nvGrpSpPr>
+      <p:grpSpPr>
+        <a:xfrm>
+          <a:off x="0" y="0"/>
+          <a:ext cx="0" cy="0"/>
+          <a:chOff x="0" y="0"/>
+          <a:chExt cx="0" cy="0"/>
+        </a:xfrm>
+      </p:grpSpPr>
+      <p:sp>
+        <p:nvSpPr>
+          <p:cNvPr id="2" name="Slide Image Placeholder 1"/>
+          <p:cNvSpPr>
+            <a:spLocks noGrp="1" noRot="1" noChangeAspect="1"/>
+          </p:cNvSpPr>
+          <p:nvPr>
+            <p:ph type="sldImg"/>
+          </p:nvPr>
+        </p:nvSpPr>
+        <p:spPr/>
+      </p:sp>
+      <p:sp>
+        <p:nvSpPr>
+          <p:cNvPr id="3" name="Notes Placeholder 2"/>
+          <p:cNvSpPr>
+            <a:spLocks noGrp="1"/>
+          </p:cNvSpPr>
+          <p:nvPr>
+            <p:ph type="body" idx="1"/>
+          </p:nvPr>
+        </p:nvSpPr>
+        <p:spPr/>
+        <p:txBody>
+          <a:bodyPr/>
+          <a:lstStyle/>
+          <a:p>
+            <a:endParaRPr lang="en-US"/>
+          </a:p>
+        </p:txBody>
+      </p:sp>
+      <p:sp>
+        <p:nvSpPr>
+          <p:cNvPr id="4" name="Slide Number Placeholder 3"/>
+          <p:cNvSpPr>
+            <a:spLocks noGrp="1"/>
+          </p:cNvSpPr>
+          <p:nvPr>
+            <p:ph type="sldNum" sz="quarter" idx="5"/>
+          </p:nvPr>
+        </p:nvSpPr>
+        <p:spPr/>
+        <p:txBody>
+          <a:bodyPr/>
+          <a:lstStyle/>
+          <a:p>
+            <a:fld id="{D37F8DB4-A4FF-4A8B-9A85-9B1874A58FCC}" type="slidenum">
+              <a:rPr lang="en-US" smtClean="0"/>
+              <a:pPr/>
+              <a:t>29</a:t>
+            </a:fld>
+            <a:endParaRPr lang="en-US"/>
+          </a:p>
+        </p:txBody>
+      </p:sp>
+    </p:spTree>
+    <p:extLst>
+      <p:ext uri="{BB962C8B-B14F-4D97-AF65-F5344CB8AC3E}">
+        <p14:creationId xmlns:p14="http://schemas.microsoft.com/office/powerpoint/2010/main" val="1878345217"/>
       </p:ext>
     </p:extLst>
   </p:cSld>
@@ -5010,7 +5881,7 @@
           </a:bodyPr>
           <a:lstStyle/>
           <a:p>
-            <a:endParaRPr lang="en-US" dirty="0"/>
+            <a:endParaRPr lang="en-US"/>
           </a:p>
         </p:txBody>
       </p:sp>
@@ -5032,7 +5903,7 @@
             <a:fld id="{D37F8DB4-A4FF-4A8B-9A85-9B1874A58FCC}" type="slidenum">
               <a:rPr lang="en-US" smtClean="0"/>
               <a:pPr/>
-              <a:t>6</a:t>
+              <a:t>3</a:t>
             </a:fld>
             <a:endParaRPr lang="en-US"/>
           </a:p>
@@ -5041,7 +5912,92 @@
     </p:spTree>
     <p:extLst>
       <p:ext uri="{BB962C8B-B14F-4D97-AF65-F5344CB8AC3E}">
-        <p14:creationId xmlns:p14="http://schemas.microsoft.com/office/powerpoint/2010/main" val="1708480727"/>
+        <p14:creationId xmlns:p14="http://schemas.microsoft.com/office/powerpoint/2010/main" val="3047967838"/>
+      </p:ext>
+    </p:extLst>
+  </p:cSld>
+  <p:clrMapOvr>
+    <a:masterClrMapping/>
+  </p:clrMapOvr>
+</p:notes>
+</file>
+
+<file path=ppt/notesSlides/notesSlide30.xml><?xml version="1.0" encoding="utf-8"?>
+<p:notes xmlns:a="http://schemas.openxmlformats.org/drawingml/2006/main" xmlns:r="http://schemas.openxmlformats.org/officeDocument/2006/relationships" xmlns:p="http://schemas.openxmlformats.org/presentationml/2006/main">
+  <p:cSld>
+    <p:spTree>
+      <p:nvGrpSpPr>
+        <p:cNvPr id="1" name=""/>
+        <p:cNvGrpSpPr/>
+        <p:nvPr/>
+      </p:nvGrpSpPr>
+      <p:grpSpPr>
+        <a:xfrm>
+          <a:off x="0" y="0"/>
+          <a:ext cx="0" cy="0"/>
+          <a:chOff x="0" y="0"/>
+          <a:chExt cx="0" cy="0"/>
+        </a:xfrm>
+      </p:grpSpPr>
+      <p:sp>
+        <p:nvSpPr>
+          <p:cNvPr id="2" name="Slide Image Placeholder 1"/>
+          <p:cNvSpPr>
+            <a:spLocks noGrp="1" noRot="1" noChangeAspect="1"/>
+          </p:cNvSpPr>
+          <p:nvPr>
+            <p:ph type="sldImg"/>
+          </p:nvPr>
+        </p:nvSpPr>
+        <p:spPr/>
+      </p:sp>
+      <p:sp>
+        <p:nvSpPr>
+          <p:cNvPr id="3" name="Notes Placeholder 2"/>
+          <p:cNvSpPr>
+            <a:spLocks noGrp="1"/>
+          </p:cNvSpPr>
+          <p:nvPr>
+            <p:ph type="body" idx="1"/>
+          </p:nvPr>
+        </p:nvSpPr>
+        <p:spPr/>
+        <p:txBody>
+          <a:bodyPr/>
+          <a:lstStyle/>
+          <a:p>
+            <a:endParaRPr lang="en-US"/>
+          </a:p>
+        </p:txBody>
+      </p:sp>
+      <p:sp>
+        <p:nvSpPr>
+          <p:cNvPr id="4" name="Slide Number Placeholder 3"/>
+          <p:cNvSpPr>
+            <a:spLocks noGrp="1"/>
+          </p:cNvSpPr>
+          <p:nvPr>
+            <p:ph type="sldNum" sz="quarter" idx="5"/>
+          </p:nvPr>
+        </p:nvSpPr>
+        <p:spPr/>
+        <p:txBody>
+          <a:bodyPr/>
+          <a:lstStyle/>
+          <a:p>
+            <a:fld id="{D37F8DB4-A4FF-4A8B-9A85-9B1874A58FCC}" type="slidenum">
+              <a:rPr lang="en-US" smtClean="0"/>
+              <a:pPr/>
+              <a:t>30</a:t>
+            </a:fld>
+            <a:endParaRPr lang="en-US"/>
+          </a:p>
+        </p:txBody>
+      </p:sp>
+    </p:spTree>
+    <p:extLst>
+      <p:ext uri="{BB962C8B-B14F-4D97-AF65-F5344CB8AC3E}">
+        <p14:creationId xmlns:p14="http://schemas.microsoft.com/office/powerpoint/2010/main" val="2312709880"/>
       </p:ext>
     </p:extLst>
   </p:cSld>
@@ -5078,12 +6034,7 @@
             <p:ph type="sldImg"/>
           </p:nvPr>
         </p:nvSpPr>
-        <p:spPr>
-          <a:xfrm>
-            <a:off x="2362200" y="549275"/>
-            <a:ext cx="4876800" cy="2743200"/>
-          </a:xfrm>
-        </p:spPr>
+        <p:spPr/>
       </p:sp>
       <p:sp>
         <p:nvSpPr>
@@ -5097,12 +6048,10 @@
         </p:nvSpPr>
         <p:spPr/>
         <p:txBody>
-          <a:bodyPr>
-            <a:normAutofit/>
-          </a:bodyPr>
-          <a:lstStyle/>
-          <a:p>
-            <a:endParaRPr lang="en-US" dirty="0"/>
+          <a:bodyPr/>
+          <a:lstStyle/>
+          <a:p>
+            <a:endParaRPr lang="en-US"/>
           </a:p>
         </p:txBody>
       </p:sp>
@@ -5113,7 +6062,7 @@
             <a:spLocks noGrp="1"/>
           </p:cNvSpPr>
           <p:nvPr>
-            <p:ph type="sldNum" sz="quarter" idx="10"/>
+            <p:ph type="sldNum" sz="quarter" idx="5"/>
           </p:nvPr>
         </p:nvSpPr>
         <p:spPr/>
@@ -5124,7 +6073,7 @@
             <a:fld id="{D37F8DB4-A4FF-4A8B-9A85-9B1874A58FCC}" type="slidenum">
               <a:rPr lang="en-US" smtClean="0"/>
               <a:pPr/>
-              <a:t>7</a:t>
+              <a:t>4</a:t>
             </a:fld>
             <a:endParaRPr lang="en-US"/>
           </a:p>
@@ -5133,7 +6082,7 @@
     </p:spTree>
     <p:extLst>
       <p:ext uri="{BB962C8B-B14F-4D97-AF65-F5344CB8AC3E}">
-        <p14:creationId xmlns:p14="http://schemas.microsoft.com/office/powerpoint/2010/main" val="707088131"/>
+        <p14:creationId xmlns:p14="http://schemas.microsoft.com/office/powerpoint/2010/main" val="4127735881"/>
       </p:ext>
     </p:extLst>
   </p:cSld>
@@ -5170,12 +6119,7 @@
             <p:ph type="sldImg"/>
           </p:nvPr>
         </p:nvSpPr>
-        <p:spPr>
-          <a:xfrm>
-            <a:off x="2362200" y="549275"/>
-            <a:ext cx="4876800" cy="2743200"/>
-          </a:xfrm>
-        </p:spPr>
+        <p:spPr/>
       </p:sp>
       <p:sp>
         <p:nvSpPr>
@@ -5189,9 +6133,7 @@
         </p:nvSpPr>
         <p:spPr/>
         <p:txBody>
-          <a:bodyPr>
-            <a:normAutofit/>
-          </a:bodyPr>
+          <a:bodyPr/>
           <a:lstStyle/>
           <a:p>
             <a:endParaRPr lang="en-US"/>
@@ -5205,7 +6147,7 @@
             <a:spLocks noGrp="1"/>
           </p:cNvSpPr>
           <p:nvPr>
-            <p:ph type="sldNum" sz="quarter" idx="10"/>
+            <p:ph type="sldNum" sz="quarter" idx="5"/>
           </p:nvPr>
         </p:nvSpPr>
         <p:spPr/>
@@ -5216,7 +6158,7 @@
             <a:fld id="{D37F8DB4-A4FF-4A8B-9A85-9B1874A58FCC}" type="slidenum">
               <a:rPr lang="en-US" smtClean="0"/>
               <a:pPr/>
-              <a:t>9</a:t>
+              <a:t>5</a:t>
             </a:fld>
             <a:endParaRPr lang="en-US"/>
           </a:p>
@@ -5225,7 +6167,7 @@
     </p:spTree>
     <p:extLst>
       <p:ext uri="{BB962C8B-B14F-4D97-AF65-F5344CB8AC3E}">
-        <p14:creationId xmlns:p14="http://schemas.microsoft.com/office/powerpoint/2010/main" val="1725276588"/>
+        <p14:creationId xmlns:p14="http://schemas.microsoft.com/office/powerpoint/2010/main" val="2986221295"/>
       </p:ext>
     </p:extLst>
   </p:cSld>
@@ -5308,7 +6250,7 @@
             <a:fld id="{D37F8DB4-A4FF-4A8B-9A85-9B1874A58FCC}" type="slidenum">
               <a:rPr lang="en-US" smtClean="0"/>
               <a:pPr/>
-              <a:t>10</a:t>
+              <a:t>6</a:t>
             </a:fld>
             <a:endParaRPr lang="en-US"/>
           </a:p>
@@ -5317,7 +6259,7 @@
     </p:spTree>
     <p:extLst>
       <p:ext uri="{BB962C8B-B14F-4D97-AF65-F5344CB8AC3E}">
-        <p14:creationId xmlns:p14="http://schemas.microsoft.com/office/powerpoint/2010/main" val="1033529510"/>
+        <p14:creationId xmlns:p14="http://schemas.microsoft.com/office/powerpoint/2010/main" val="1708480727"/>
       </p:ext>
     </p:extLst>
   </p:cSld>
@@ -5400,7 +6342,7 @@
             <a:fld id="{D37F8DB4-A4FF-4A8B-9A85-9B1874A58FCC}" type="slidenum">
               <a:rPr lang="en-US" smtClean="0"/>
               <a:pPr/>
-              <a:t>12</a:t>
+              <a:t>7</a:t>
             </a:fld>
             <a:endParaRPr lang="en-US"/>
           </a:p>
@@ -5409,7 +6351,7 @@
     </p:spTree>
     <p:extLst>
       <p:ext uri="{BB962C8B-B14F-4D97-AF65-F5344CB8AC3E}">
-        <p14:creationId xmlns:p14="http://schemas.microsoft.com/office/powerpoint/2010/main" val="1222294980"/>
+        <p14:creationId xmlns:p14="http://schemas.microsoft.com/office/powerpoint/2010/main" val="707088131"/>
       </p:ext>
     </p:extLst>
   </p:cSld>
@@ -5446,12 +6388,7 @@
             <p:ph type="sldImg"/>
           </p:nvPr>
         </p:nvSpPr>
-        <p:spPr>
-          <a:xfrm>
-            <a:off x="2362200" y="549275"/>
-            <a:ext cx="4876800" cy="2743200"/>
-          </a:xfrm>
-        </p:spPr>
+        <p:spPr/>
       </p:sp>
       <p:sp>
         <p:nvSpPr>
@@ -5465,12 +6402,10 @@
         </p:nvSpPr>
         <p:spPr/>
         <p:txBody>
-          <a:bodyPr>
-            <a:normAutofit/>
-          </a:bodyPr>
-          <a:lstStyle/>
-          <a:p>
-            <a:endParaRPr lang="en-US" dirty="0"/>
+          <a:bodyPr/>
+          <a:lstStyle/>
+          <a:p>
+            <a:endParaRPr lang="en-US"/>
           </a:p>
         </p:txBody>
       </p:sp>
@@ -5481,7 +6416,7 @@
             <a:spLocks noGrp="1"/>
           </p:cNvSpPr>
           <p:nvPr>
-            <p:ph type="sldNum" sz="quarter" idx="10"/>
+            <p:ph type="sldNum" sz="quarter" idx="5"/>
           </p:nvPr>
         </p:nvSpPr>
         <p:spPr/>
@@ -5492,7 +6427,7 @@
             <a:fld id="{D37F8DB4-A4FF-4A8B-9A85-9B1874A58FCC}" type="slidenum">
               <a:rPr lang="en-US" smtClean="0"/>
               <a:pPr/>
-              <a:t>13</a:t>
+              <a:t>8</a:t>
             </a:fld>
             <a:endParaRPr lang="en-US"/>
           </a:p>
@@ -5501,7 +6436,7 @@
     </p:spTree>
     <p:extLst>
       <p:ext uri="{BB962C8B-B14F-4D97-AF65-F5344CB8AC3E}">
-        <p14:creationId xmlns:p14="http://schemas.microsoft.com/office/powerpoint/2010/main" val="896859243"/>
+        <p14:creationId xmlns:p14="http://schemas.microsoft.com/office/powerpoint/2010/main" val="3262366970"/>
       </p:ext>
     </p:extLst>
   </p:cSld>
@@ -5584,7 +6519,7 @@
             <a:fld id="{D37F8DB4-A4FF-4A8B-9A85-9B1874A58FCC}" type="slidenum">
               <a:rPr lang="en-US" smtClean="0"/>
               <a:pPr/>
-              <a:t>14</a:t>
+              <a:t>9</a:t>
             </a:fld>
             <a:endParaRPr lang="en-US"/>
           </a:p>
@@ -5593,7 +6528,7 @@
     </p:spTree>
     <p:extLst>
       <p:ext uri="{BB962C8B-B14F-4D97-AF65-F5344CB8AC3E}">
-        <p14:creationId xmlns:p14="http://schemas.microsoft.com/office/powerpoint/2010/main" val="2368245138"/>
+        <p14:creationId xmlns:p14="http://schemas.microsoft.com/office/powerpoint/2010/main" val="1725276588"/>
       </p:ext>
     </p:extLst>
   </p:cSld>
@@ -5751,7 +6686,7 @@
             <a:fld id="{B61BEF0D-F0BB-DE4B-95CE-6DB70DBA9567}" type="datetimeFigureOut">
               <a:rPr lang="en-US" smtClean="0"/>
               <a:pPr/>
-              <a:t>9/4/18</a:t>
+              <a:t>9/6/18</a:t>
             </a:fld>
             <a:endParaRPr lang="en-US" dirty="0"/>
           </a:p>
@@ -5951,7 +6886,7 @@
             <a:fld id="{B61BEF0D-F0BB-DE4B-95CE-6DB70DBA9567}" type="datetimeFigureOut">
               <a:rPr lang="en-US" smtClean="0"/>
               <a:pPr/>
-              <a:t>9/4/18</a:t>
+              <a:t>9/6/18</a:t>
             </a:fld>
             <a:endParaRPr lang="en-US" dirty="0"/>
           </a:p>
@@ -6166,7 +7101,7 @@
             <a:fld id="{B61BEF0D-F0BB-DE4B-95CE-6DB70DBA9567}" type="datetimeFigureOut">
               <a:rPr lang="en-US" smtClean="0"/>
               <a:pPr/>
-              <a:t>9/4/18</a:t>
+              <a:t>9/6/18</a:t>
             </a:fld>
             <a:endParaRPr lang="en-US" dirty="0"/>
           </a:p>
@@ -6706,7 +7641,7 @@
             <a:fld id="{B61BEF0D-F0BB-DE4B-95CE-6DB70DBA9567}" type="datetimeFigureOut">
               <a:rPr lang="en-US" smtClean="0"/>
               <a:pPr/>
-              <a:t>9/4/18</a:t>
+              <a:t>9/6/18</a:t>
             </a:fld>
             <a:endParaRPr lang="en-US" dirty="0"/>
           </a:p>
@@ -6984,7 +7919,7 @@
             <a:fld id="{B61BEF0D-F0BB-DE4B-95CE-6DB70DBA9567}" type="datetimeFigureOut">
               <a:rPr lang="en-US" smtClean="0"/>
               <a:pPr/>
-              <a:t>9/4/18</a:t>
+              <a:t>9/6/18</a:t>
             </a:fld>
             <a:endParaRPr lang="en-US" dirty="0"/>
           </a:p>
@@ -7256,7 +8191,7 @@
             <a:fld id="{B61BEF0D-F0BB-DE4B-95CE-6DB70DBA9567}" type="datetimeFigureOut">
               <a:rPr lang="en-US" smtClean="0"/>
               <a:pPr/>
-              <a:t>9/4/18</a:t>
+              <a:t>9/6/18</a:t>
             </a:fld>
             <a:endParaRPr lang="en-US" dirty="0"/>
           </a:p>
@@ -7675,7 +8610,7 @@
             <a:fld id="{B61BEF0D-F0BB-DE4B-95CE-6DB70DBA9567}" type="datetimeFigureOut">
               <a:rPr lang="en-US" smtClean="0"/>
               <a:pPr/>
-              <a:t>9/4/18</a:t>
+              <a:t>9/6/18</a:t>
             </a:fld>
             <a:endParaRPr lang="en-US" dirty="0"/>
           </a:p>
@@ -7823,7 +8758,7 @@
             <a:fld id="{B61BEF0D-F0BB-DE4B-95CE-6DB70DBA9567}" type="datetimeFigureOut">
               <a:rPr lang="en-US" smtClean="0"/>
               <a:pPr/>
-              <a:t>9/4/18</a:t>
+              <a:t>9/6/18</a:t>
             </a:fld>
             <a:endParaRPr lang="en-US" dirty="0"/>
           </a:p>
@@ -7943,7 +8878,7 @@
             <a:fld id="{B61BEF0D-F0BB-DE4B-95CE-6DB70DBA9567}" type="datetimeFigureOut">
               <a:rPr lang="en-US" smtClean="0"/>
               <a:pPr/>
-              <a:t>9/4/18</a:t>
+              <a:t>9/6/18</a:t>
             </a:fld>
             <a:endParaRPr lang="en-US" dirty="0"/>
           </a:p>
@@ -8261,7 +9196,7 @@
             <a:fld id="{B61BEF0D-F0BB-DE4B-95CE-6DB70DBA9567}" type="datetimeFigureOut">
               <a:rPr lang="en-US" smtClean="0"/>
               <a:pPr/>
-              <a:t>9/4/18</a:t>
+              <a:t>9/6/18</a:t>
             </a:fld>
             <a:endParaRPr lang="en-US" dirty="0"/>
           </a:p>
@@ -8556,7 +9491,7 @@
             <a:fld id="{B61BEF0D-F0BB-DE4B-95CE-6DB70DBA9567}" type="datetimeFigureOut">
               <a:rPr lang="en-US" smtClean="0"/>
               <a:pPr/>
-              <a:t>9/4/18</a:t>
+              <a:t>9/6/18</a:t>
             </a:fld>
             <a:endParaRPr lang="en-US" dirty="0"/>
           </a:p>
@@ -8804,7 +9739,7 @@
             <a:fld id="{B61BEF0D-F0BB-DE4B-95CE-6DB70DBA9567}" type="datetimeFigureOut">
               <a:rPr lang="en-US" smtClean="0"/>
               <a:pPr/>
-              <a:t>9/4/18</a:t>
+              <a:t>9/6/18</a:t>
             </a:fld>
             <a:endParaRPr lang="en-US" dirty="0"/>
           </a:p>
@@ -10915,7 +11850,7 @@
           <p:nvPr/>
         </p:nvPicPr>
         <p:blipFill>
-          <a:blip r:embed="rId2"/>
+          <a:blip r:embed="rId3"/>
           <a:stretch>
             <a:fillRect/>
           </a:stretch>
@@ -10968,7 +11903,7 @@
                 <a:latin typeface="+mn-lt"/>
               </a:rPr>
               <a:pPr/>
-              <a:t>2</a:t>
+              <a:t>11</a:t>
             </a:fld>
             <a:endParaRPr lang="en-US">
               <a:solidFill>
@@ -15084,7 +16019,7 @@
           </p:nvPr>
         </p:nvPicPr>
         <p:blipFill>
-          <a:blip r:embed="rId2">
+          <a:blip r:embed="rId3">
             <a:extLst>
               <a:ext uri="{28A0092B-C50C-407E-A947-70E740481C1C}">
                 <a14:useLocalDpi xmlns:a14="http://schemas.microsoft.com/office/drawing/2010/main" val="0"/>
@@ -15107,49 +16042,6 @@
       </p:pic>
       <p:sp>
         <p:nvSpPr>
-          <p:cNvPr id="4" name="Footer Placeholder 3">
-            <a:extLst>
-              <a:ext uri="{FF2B5EF4-FFF2-40B4-BE49-F238E27FC236}">
-                <a16:creationId xmlns:a16="http://schemas.microsoft.com/office/drawing/2014/main" id="{8BBBB665-0039-A24D-A836-58E1C66DA218}"/>
-              </a:ext>
-            </a:extLst>
-          </p:cNvPr>
-          <p:cNvSpPr>
-            <a:spLocks noGrp="1"/>
-          </p:cNvSpPr>
-          <p:nvPr>
-            <p:ph type="ftr" sz="quarter" idx="11"/>
-          </p:nvPr>
-        </p:nvSpPr>
-        <p:spPr>
-          <a:xfrm>
-            <a:off x="805661" y="6223702"/>
-            <a:ext cx="3832203" cy="314067"/>
-          </a:xfrm>
-        </p:spPr>
-        <p:txBody>
-          <a:bodyPr vert="horz" lIns="91440" tIns="45720" rIns="91440" bIns="45720" rtlCol="0" anchor="ctr">
-            <a:normAutofit/>
-          </a:bodyPr>
-          <a:lstStyle/>
-          <a:p>
-            <a:pPr algn="l"/>
-            <a:r>
-              <a:rPr lang="en-US" sz="1000" kern="1200">
-                <a:solidFill>
-                  <a:srgbClr val="898989"/>
-                </a:solidFill>
-                <a:latin typeface="+mn-lt"/>
-                <a:ea typeface="+mn-ea"/>
-                <a:cs typeface="+mn-cs"/>
-              </a:rPr>
-              <a:t>University of Pennsylvania</a:t>
-            </a:r>
-          </a:p>
-        </p:txBody>
-      </p:sp>
-      <p:sp>
-        <p:nvSpPr>
           <p:cNvPr id="5" name="Slide Number Placeholder 4">
             <a:extLst>
               <a:ext uri="{FF2B5EF4-FFF2-40B4-BE49-F238E27FC236}">
@@ -15184,7 +16076,7 @@
                 <a:latin typeface="+mn-lt"/>
               </a:rPr>
               <a:pPr/>
-              <a:t>3</a:t>
+              <a:t>25</a:t>
             </a:fld>
             <a:endParaRPr lang="en-US" sz="1000">
               <a:solidFill>
@@ -15615,7 +16507,7 @@
           <p:nvPr/>
         </p:nvPicPr>
         <p:blipFill>
-          <a:blip r:embed="rId2">
+          <a:blip r:embed="rId3">
             <a:extLst>
               <a:ext uri="{28A0092B-C50C-407E-A947-70E740481C1C}">
                 <a14:useLocalDpi xmlns:a14="http://schemas.microsoft.com/office/drawing/2010/main" val="0"/>
@@ -15712,7 +16604,7 @@
                 </a:solidFill>
               </a:rPr>
               <a:pPr/>
-              <a:t>2</a:t>
+              <a:t>27</a:t>
             </a:fld>
             <a:endParaRPr lang="en-GB">
               <a:solidFill>

--- a/Lectures/CITS5503WebArchitecture.pptx
+++ b/Lectures/CITS5503WebArchitecture.pptx
@@ -6686,7 +6686,7 @@
             <a:fld id="{B61BEF0D-F0BB-DE4B-95CE-6DB70DBA9567}" type="datetimeFigureOut">
               <a:rPr lang="en-US" smtClean="0"/>
               <a:pPr/>
-              <a:t>9/6/18</a:t>
+              <a:t>7/16/21</a:t>
             </a:fld>
             <a:endParaRPr lang="en-US" dirty="0"/>
           </a:p>
@@ -6886,7 +6886,7 @@
             <a:fld id="{B61BEF0D-F0BB-DE4B-95CE-6DB70DBA9567}" type="datetimeFigureOut">
               <a:rPr lang="en-US" smtClean="0"/>
               <a:pPr/>
-              <a:t>9/6/18</a:t>
+              <a:t>7/16/21</a:t>
             </a:fld>
             <a:endParaRPr lang="en-US" dirty="0"/>
           </a:p>
@@ -7101,7 +7101,7 @@
             <a:fld id="{B61BEF0D-F0BB-DE4B-95CE-6DB70DBA9567}" type="datetimeFigureOut">
               <a:rPr lang="en-US" smtClean="0"/>
               <a:pPr/>
-              <a:t>9/6/18</a:t>
+              <a:t>7/16/21</a:t>
             </a:fld>
             <a:endParaRPr lang="en-US" dirty="0"/>
           </a:p>
@@ -7641,7 +7641,7 @@
             <a:fld id="{B61BEF0D-F0BB-DE4B-95CE-6DB70DBA9567}" type="datetimeFigureOut">
               <a:rPr lang="en-US" smtClean="0"/>
               <a:pPr/>
-              <a:t>9/6/18</a:t>
+              <a:t>7/16/21</a:t>
             </a:fld>
             <a:endParaRPr lang="en-US" dirty="0"/>
           </a:p>
@@ -7919,7 +7919,7 @@
             <a:fld id="{B61BEF0D-F0BB-DE4B-95CE-6DB70DBA9567}" type="datetimeFigureOut">
               <a:rPr lang="en-US" smtClean="0"/>
               <a:pPr/>
-              <a:t>9/6/18</a:t>
+              <a:t>7/16/21</a:t>
             </a:fld>
             <a:endParaRPr lang="en-US" dirty="0"/>
           </a:p>
@@ -8191,7 +8191,7 @@
             <a:fld id="{B61BEF0D-F0BB-DE4B-95CE-6DB70DBA9567}" type="datetimeFigureOut">
               <a:rPr lang="en-US" smtClean="0"/>
               <a:pPr/>
-              <a:t>9/6/18</a:t>
+              <a:t>7/16/21</a:t>
             </a:fld>
             <a:endParaRPr lang="en-US" dirty="0"/>
           </a:p>
@@ -8610,7 +8610,7 @@
             <a:fld id="{B61BEF0D-F0BB-DE4B-95CE-6DB70DBA9567}" type="datetimeFigureOut">
               <a:rPr lang="en-US" smtClean="0"/>
               <a:pPr/>
-              <a:t>9/6/18</a:t>
+              <a:t>7/16/21</a:t>
             </a:fld>
             <a:endParaRPr lang="en-US" dirty="0"/>
           </a:p>
@@ -8758,7 +8758,7 @@
             <a:fld id="{B61BEF0D-F0BB-DE4B-95CE-6DB70DBA9567}" type="datetimeFigureOut">
               <a:rPr lang="en-US" smtClean="0"/>
               <a:pPr/>
-              <a:t>9/6/18</a:t>
+              <a:t>7/16/21</a:t>
             </a:fld>
             <a:endParaRPr lang="en-US" dirty="0"/>
           </a:p>
@@ -8878,7 +8878,7 @@
             <a:fld id="{B61BEF0D-F0BB-DE4B-95CE-6DB70DBA9567}" type="datetimeFigureOut">
               <a:rPr lang="en-US" smtClean="0"/>
               <a:pPr/>
-              <a:t>9/6/18</a:t>
+              <a:t>7/16/21</a:t>
             </a:fld>
             <a:endParaRPr lang="en-US" dirty="0"/>
           </a:p>
@@ -9196,7 +9196,7 @@
             <a:fld id="{B61BEF0D-F0BB-DE4B-95CE-6DB70DBA9567}" type="datetimeFigureOut">
               <a:rPr lang="en-US" smtClean="0"/>
               <a:pPr/>
-              <a:t>9/6/18</a:t>
+              <a:t>7/16/21</a:t>
             </a:fld>
             <a:endParaRPr lang="en-US" dirty="0"/>
           </a:p>
@@ -9491,7 +9491,7 @@
             <a:fld id="{B61BEF0D-F0BB-DE4B-95CE-6DB70DBA9567}" type="datetimeFigureOut">
               <a:rPr lang="en-US" smtClean="0"/>
               <a:pPr/>
-              <a:t>9/6/18</a:t>
+              <a:t>7/16/21</a:t>
             </a:fld>
             <a:endParaRPr lang="en-US" dirty="0"/>
           </a:p>
@@ -9739,7 +9739,7 @@
             <a:fld id="{B61BEF0D-F0BB-DE4B-95CE-6DB70DBA9567}" type="datetimeFigureOut">
               <a:rPr lang="en-US" smtClean="0"/>
               <a:pPr/>
-              <a:t>9/6/18</a:t>
+              <a:t>7/16/21</a:t>
             </a:fld>
             <a:endParaRPr lang="en-US" dirty="0"/>
           </a:p>
@@ -10434,16 +10434,13 @@
           <a:p>
             <a:r>
               <a:rPr lang="en-US" sz="1800" dirty="0"/>
-              <a:t>CITS5503 </a:t>
+              <a:t>CITS5503 Camilo </a:t>
             </a:r>
             <a:r>
               <a:rPr lang="en-US" sz="1800" dirty="0" err="1"/>
-              <a:t>Dr</a:t>
-            </a:r>
-            <a:r>
-              <a:rPr lang="en-US" sz="1800" dirty="0"/>
-              <a:t> David Glance</a:t>
-            </a:r>
+              <a:t>Pestana</a:t>
+            </a:r>
+            <a:endParaRPr lang="en-US" sz="1800" dirty="0"/>
           </a:p>
         </p:txBody>
       </p:sp>
